--- a/doc/vue.pptx
+++ b/doc/vue.pptx
@@ -5,7 +5,7 @@
     <p:sldMasterId id="2147483648" r:id="rId1"/>
   </p:sldMasterIdLst>
   <p:notesMasterIdLst>
-    <p:notesMasterId r:id="rId27"/>
+    <p:notesMasterId r:id="rId28"/>
   </p:notesMasterIdLst>
   <p:sldIdLst>
     <p:sldId id="256" r:id="rId2"/>
@@ -29,10 +29,11 @@
     <p:sldId id="261" r:id="rId20"/>
     <p:sldId id="267" r:id="rId21"/>
     <p:sldId id="266" r:id="rId22"/>
-    <p:sldId id="260" r:id="rId23"/>
-    <p:sldId id="265" r:id="rId24"/>
+    <p:sldId id="265" r:id="rId23"/>
+    <p:sldId id="260" r:id="rId24"/>
     <p:sldId id="264" r:id="rId25"/>
-    <p:sldId id="271" r:id="rId26"/>
+    <p:sldId id="281" r:id="rId26"/>
+    <p:sldId id="271" r:id="rId27"/>
   </p:sldIdLst>
   <p:sldSz cx="12192000" cy="6858000"/>
   <p:notesSz cx="6858000" cy="9144000"/>
@@ -5948,10 +5949,7 @@
               <a:rPr lang="zh-CN" altLang="en-US" dirty="0"/>
               <a:t>、生命周期</a:t>
             </a:r>
-            <a:r>
-              <a:rPr lang="en-US" altLang="zh-CN" dirty="0"/>
-              <a:t>(TODO)</a:t>
-            </a:r>
+            <a:endParaRPr lang="en-US" altLang="zh-CN" dirty="0"/>
           </a:p>
           <a:p>
             <a:pPr marL="0" indent="0">
@@ -5965,10 +5963,7 @@
               <a:rPr lang="zh-CN" altLang="en-US" dirty="0"/>
               <a:t>、双向绑定</a:t>
             </a:r>
-            <a:r>
-              <a:rPr lang="en-US" altLang="zh-CN" dirty="0"/>
-              <a:t>(TODO)</a:t>
-            </a:r>
+            <a:endParaRPr lang="en-US" altLang="zh-CN" dirty="0"/>
           </a:p>
           <a:p>
             <a:pPr marL="0" indent="0">
@@ -5982,10 +5977,7 @@
               <a:rPr lang="zh-CN" altLang="en-US" dirty="0"/>
               <a:t>、组件和组件通信</a:t>
             </a:r>
-            <a:r>
-              <a:rPr lang="en-US" altLang="zh-CN" dirty="0"/>
-              <a:t>(TODO) </a:t>
-            </a:r>
+            <a:endParaRPr lang="en-US" altLang="zh-CN" dirty="0"/>
           </a:p>
           <a:p>
             <a:pPr marL="0" indent="0">
@@ -6482,118 +6474,6 @@
       </p:grpSpPr>
       <p:sp>
         <p:nvSpPr>
-          <p:cNvPr id="2" name="标题 1"/>
-          <p:cNvSpPr>
-            <a:spLocks noGrp="1"/>
-          </p:cNvSpPr>
-          <p:nvPr>
-            <p:ph type="title"/>
-          </p:nvPr>
-        </p:nvSpPr>
-        <p:spPr/>
-        <p:txBody>
-          <a:bodyPr/>
-          <a:lstStyle/>
-          <a:p>
-            <a:r>
-              <a:rPr lang="en-US" altLang="zh-CN" dirty="0"/>
-              <a:t>6</a:t>
-            </a:r>
-            <a:r>
-              <a:rPr lang="zh-CN" altLang="en-US" dirty="0"/>
-              <a:t>、</a:t>
-            </a:r>
-            <a:r>
-              <a:rPr kumimoji="1" lang="zh-CN" altLang="en-US" dirty="0"/>
-              <a:t>路由懒加载</a:t>
-            </a:r>
-          </a:p>
-        </p:txBody>
-      </p:sp>
-      <p:sp>
-        <p:nvSpPr>
-          <p:cNvPr id="3" name="内容占位符 2"/>
-          <p:cNvSpPr>
-            <a:spLocks noGrp="1"/>
-          </p:cNvSpPr>
-          <p:nvPr>
-            <p:ph idx="1"/>
-          </p:nvPr>
-        </p:nvSpPr>
-        <p:spPr/>
-        <p:txBody>
-          <a:bodyPr/>
-          <a:lstStyle/>
-          <a:p>
-            <a:endParaRPr kumimoji="1" lang="en-US" altLang="zh-CN" dirty="0"/>
-          </a:p>
-          <a:p>
-            <a:endParaRPr kumimoji="1" lang="zh-CN" altLang="en-US" dirty="0"/>
-          </a:p>
-        </p:txBody>
-      </p:sp>
-      <p:pic>
-        <p:nvPicPr>
-          <p:cNvPr id="5" name="图片 4">
-            <a:extLst>
-              <a:ext uri="{FF2B5EF4-FFF2-40B4-BE49-F238E27FC236}">
-                <a16:creationId xmlns:a16="http://schemas.microsoft.com/office/drawing/2014/main" id="{F1F6FFE1-940C-490B-A3EB-DFE6F59FA743}"/>
-              </a:ext>
-            </a:extLst>
-          </p:cNvPr>
-          <p:cNvPicPr>
-            <a:picLocks noChangeAspect="1"/>
-          </p:cNvPicPr>
-          <p:nvPr/>
-        </p:nvPicPr>
-        <p:blipFill>
-          <a:blip r:embed="rId2"/>
-          <a:stretch>
-            <a:fillRect/>
-          </a:stretch>
-        </p:blipFill>
-        <p:spPr>
-          <a:xfrm>
-            <a:off x="838200" y="1473200"/>
-            <a:ext cx="10096500" cy="5019675"/>
-          </a:xfrm>
-          <a:prstGeom prst="rect">
-            <a:avLst/>
-          </a:prstGeom>
-        </p:spPr>
-      </p:pic>
-    </p:spTree>
-    <p:extLst>
-      <p:ext uri="{BB962C8B-B14F-4D97-AF65-F5344CB8AC3E}">
-        <p14:creationId xmlns:p14="http://schemas.microsoft.com/office/powerpoint/2010/main" val="1439187200"/>
-      </p:ext>
-    </p:extLst>
-  </p:cSld>
-  <p:clrMapOvr>
-    <a:masterClrMapping/>
-  </p:clrMapOvr>
-</p:sld>
-</file>
-
-<file path=ppt/slides/slide23.xml><?xml version="1.0" encoding="utf-8"?>
-<p:sld xmlns:a="http://schemas.openxmlformats.org/drawingml/2006/main" xmlns:r="http://schemas.openxmlformats.org/officeDocument/2006/relationships" xmlns:p="http://schemas.openxmlformats.org/presentationml/2006/main">
-  <p:cSld>
-    <p:spTree>
-      <p:nvGrpSpPr>
-        <p:cNvPr id="1" name=""/>
-        <p:cNvGrpSpPr/>
-        <p:nvPr/>
-      </p:nvGrpSpPr>
-      <p:grpSpPr>
-        <a:xfrm>
-          <a:off x="0" y="0"/>
-          <a:ext cx="0" cy="0"/>
-          <a:chOff x="0" y="0"/>
-          <a:chExt cx="0" cy="0"/>
-        </a:xfrm>
-      </p:grpSpPr>
-      <p:sp>
-        <p:nvSpPr>
           <p:cNvPr id="2" name="标题 1">
             <a:extLst>
               <a:ext uri="{FF2B5EF4-FFF2-40B4-BE49-F238E27FC236}">
@@ -6729,6 +6609,118 @@
     <p:extLst>
       <p:ext uri="{BB962C8B-B14F-4D97-AF65-F5344CB8AC3E}">
         <p14:creationId xmlns:p14="http://schemas.microsoft.com/office/powerpoint/2010/main" val="1362637602"/>
+      </p:ext>
+    </p:extLst>
+  </p:cSld>
+  <p:clrMapOvr>
+    <a:masterClrMapping/>
+  </p:clrMapOvr>
+</p:sld>
+</file>
+
+<file path=ppt/slides/slide23.xml><?xml version="1.0" encoding="utf-8"?>
+<p:sld xmlns:a="http://schemas.openxmlformats.org/drawingml/2006/main" xmlns:r="http://schemas.openxmlformats.org/officeDocument/2006/relationships" xmlns:p="http://schemas.openxmlformats.org/presentationml/2006/main">
+  <p:cSld>
+    <p:spTree>
+      <p:nvGrpSpPr>
+        <p:cNvPr id="1" name=""/>
+        <p:cNvGrpSpPr/>
+        <p:nvPr/>
+      </p:nvGrpSpPr>
+      <p:grpSpPr>
+        <a:xfrm>
+          <a:off x="0" y="0"/>
+          <a:ext cx="0" cy="0"/>
+          <a:chOff x="0" y="0"/>
+          <a:chExt cx="0" cy="0"/>
+        </a:xfrm>
+      </p:grpSpPr>
+      <p:sp>
+        <p:nvSpPr>
+          <p:cNvPr id="2" name="标题 1"/>
+          <p:cNvSpPr>
+            <a:spLocks noGrp="1"/>
+          </p:cNvSpPr>
+          <p:nvPr>
+            <p:ph type="title"/>
+          </p:nvPr>
+        </p:nvSpPr>
+        <p:spPr/>
+        <p:txBody>
+          <a:bodyPr/>
+          <a:lstStyle/>
+          <a:p>
+            <a:r>
+              <a:rPr lang="en-US" altLang="zh-CN" dirty="0"/>
+              <a:t>6</a:t>
+            </a:r>
+            <a:r>
+              <a:rPr lang="zh-CN" altLang="en-US" dirty="0"/>
+              <a:t>、</a:t>
+            </a:r>
+            <a:r>
+              <a:rPr kumimoji="1" lang="zh-CN" altLang="en-US" dirty="0"/>
+              <a:t>路由懒加载</a:t>
+            </a:r>
+          </a:p>
+        </p:txBody>
+      </p:sp>
+      <p:sp>
+        <p:nvSpPr>
+          <p:cNvPr id="3" name="内容占位符 2"/>
+          <p:cNvSpPr>
+            <a:spLocks noGrp="1"/>
+          </p:cNvSpPr>
+          <p:nvPr>
+            <p:ph idx="1"/>
+          </p:nvPr>
+        </p:nvSpPr>
+        <p:spPr/>
+        <p:txBody>
+          <a:bodyPr/>
+          <a:lstStyle/>
+          <a:p>
+            <a:endParaRPr kumimoji="1" lang="en-US" altLang="zh-CN" dirty="0"/>
+          </a:p>
+          <a:p>
+            <a:endParaRPr kumimoji="1" lang="zh-CN" altLang="en-US" dirty="0"/>
+          </a:p>
+        </p:txBody>
+      </p:sp>
+      <p:pic>
+        <p:nvPicPr>
+          <p:cNvPr id="5" name="图片 4">
+            <a:extLst>
+              <a:ext uri="{FF2B5EF4-FFF2-40B4-BE49-F238E27FC236}">
+                <a16:creationId xmlns:a16="http://schemas.microsoft.com/office/drawing/2014/main" id="{F1F6FFE1-940C-490B-A3EB-DFE6F59FA743}"/>
+              </a:ext>
+            </a:extLst>
+          </p:cNvPr>
+          <p:cNvPicPr>
+            <a:picLocks noChangeAspect="1"/>
+          </p:cNvPicPr>
+          <p:nvPr/>
+        </p:nvPicPr>
+        <p:blipFill>
+          <a:blip r:embed="rId2"/>
+          <a:stretch>
+            <a:fillRect/>
+          </a:stretch>
+        </p:blipFill>
+        <p:spPr>
+          <a:xfrm>
+            <a:off x="838200" y="1473200"/>
+            <a:ext cx="10096500" cy="5019675"/>
+          </a:xfrm>
+          <a:prstGeom prst="rect">
+            <a:avLst/>
+          </a:prstGeom>
+        </p:spPr>
+      </p:pic>
+    </p:spTree>
+    <p:extLst>
+      <p:ext uri="{BB962C8B-B14F-4D97-AF65-F5344CB8AC3E}">
+        <p14:creationId xmlns:p14="http://schemas.microsoft.com/office/powerpoint/2010/main" val="1439187200"/>
       </p:ext>
     </p:extLst>
   </p:cSld>
@@ -6901,6 +6893,93 @@
 </file>
 
 <file path=ppt/slides/slide25.xml><?xml version="1.0" encoding="utf-8"?>
+<p:sld xmlns:a="http://schemas.openxmlformats.org/drawingml/2006/main" xmlns:r="http://schemas.openxmlformats.org/officeDocument/2006/relationships" xmlns:p="http://schemas.openxmlformats.org/presentationml/2006/main">
+  <p:cSld>
+    <p:spTree>
+      <p:nvGrpSpPr>
+        <p:cNvPr id="1" name=""/>
+        <p:cNvGrpSpPr/>
+        <p:nvPr/>
+      </p:nvGrpSpPr>
+      <p:grpSpPr>
+        <a:xfrm>
+          <a:off x="0" y="0"/>
+          <a:ext cx="0" cy="0"/>
+          <a:chOff x="0" y="0"/>
+          <a:chExt cx="0" cy="0"/>
+        </a:xfrm>
+      </p:grpSpPr>
+      <p:sp>
+        <p:nvSpPr>
+          <p:cNvPr id="2" name="标题 1">
+            <a:extLst>
+              <a:ext uri="{FF2B5EF4-FFF2-40B4-BE49-F238E27FC236}">
+                <a16:creationId xmlns:a16="http://schemas.microsoft.com/office/drawing/2014/main" id="{34F57C03-1912-4B78-B71F-AF1E875C17E2}"/>
+              </a:ext>
+            </a:extLst>
+          </p:cNvPr>
+          <p:cNvSpPr>
+            <a:spLocks noGrp="1"/>
+          </p:cNvSpPr>
+          <p:nvPr>
+            <p:ph type="title"/>
+          </p:nvPr>
+        </p:nvSpPr>
+        <p:spPr/>
+        <p:txBody>
+          <a:bodyPr/>
+          <a:lstStyle/>
+          <a:p>
+            <a:r>
+              <a:rPr lang="en-US" altLang="zh-CN" dirty="0"/>
+              <a:t>7</a:t>
+            </a:r>
+            <a:r>
+              <a:rPr lang="zh-CN" altLang="en-US" dirty="0"/>
+              <a:t>、最佳实践</a:t>
+            </a:r>
+          </a:p>
+        </p:txBody>
+      </p:sp>
+      <p:sp>
+        <p:nvSpPr>
+          <p:cNvPr id="3" name="内容占位符 2">
+            <a:extLst>
+              <a:ext uri="{FF2B5EF4-FFF2-40B4-BE49-F238E27FC236}">
+                <a16:creationId xmlns:a16="http://schemas.microsoft.com/office/drawing/2014/main" id="{99751A5B-3537-4DB0-94AB-C813FA7BD5D4}"/>
+              </a:ext>
+            </a:extLst>
+          </p:cNvPr>
+          <p:cNvSpPr>
+            <a:spLocks noGrp="1"/>
+          </p:cNvSpPr>
+          <p:nvPr>
+            <p:ph idx="1"/>
+          </p:nvPr>
+        </p:nvSpPr>
+        <p:spPr/>
+        <p:txBody>
+          <a:bodyPr/>
+          <a:lstStyle/>
+          <a:p>
+            <a:endParaRPr lang="zh-CN" altLang="en-US"/>
+          </a:p>
+        </p:txBody>
+      </p:sp>
+    </p:spTree>
+    <p:extLst>
+      <p:ext uri="{BB962C8B-B14F-4D97-AF65-F5344CB8AC3E}">
+        <p14:creationId xmlns:p14="http://schemas.microsoft.com/office/powerpoint/2010/main" val="1481756699"/>
+      </p:ext>
+    </p:extLst>
+  </p:cSld>
+  <p:clrMapOvr>
+    <a:masterClrMapping/>
+  </p:clrMapOvr>
+</p:sld>
+</file>
+
+<file path=ppt/slides/slide26.xml><?xml version="1.0" encoding="utf-8"?>
 <p:sld xmlns:a="http://schemas.openxmlformats.org/drawingml/2006/main" xmlns:r="http://schemas.openxmlformats.org/officeDocument/2006/relationships" xmlns:p="http://schemas.openxmlformats.org/presentationml/2006/main">
   <p:cSld>
     <p:spTree>

--- a/doc/vue.pptx
+++ b/doc/vue.pptx
@@ -5,7 +5,7 @@
     <p:sldMasterId id="2147483648" r:id="rId1"/>
   </p:sldMasterIdLst>
   <p:notesMasterIdLst>
-    <p:notesMasterId r:id="rId28"/>
+    <p:notesMasterId r:id="rId29"/>
   </p:notesMasterIdLst>
   <p:sldIdLst>
     <p:sldId id="256" r:id="rId2"/>
@@ -22,18 +22,19 @@
     <p:sldId id="280" r:id="rId13"/>
     <p:sldId id="274" r:id="rId14"/>
     <p:sldId id="262" r:id="rId15"/>
-    <p:sldId id="263" r:id="rId16"/>
-    <p:sldId id="268" r:id="rId17"/>
-    <p:sldId id="269" r:id="rId18"/>
-    <p:sldId id="270" r:id="rId19"/>
-    <p:sldId id="261" r:id="rId20"/>
-    <p:sldId id="267" r:id="rId21"/>
-    <p:sldId id="266" r:id="rId22"/>
-    <p:sldId id="265" r:id="rId23"/>
+    <p:sldId id="282" r:id="rId16"/>
+    <p:sldId id="263" r:id="rId17"/>
+    <p:sldId id="268" r:id="rId18"/>
+    <p:sldId id="269" r:id="rId19"/>
+    <p:sldId id="270" r:id="rId20"/>
+    <p:sldId id="261" r:id="rId21"/>
+    <p:sldId id="267" r:id="rId22"/>
+    <p:sldId id="266" r:id="rId23"/>
     <p:sldId id="260" r:id="rId24"/>
-    <p:sldId id="264" r:id="rId25"/>
-    <p:sldId id="281" r:id="rId26"/>
-    <p:sldId id="271" r:id="rId27"/>
+    <p:sldId id="265" r:id="rId25"/>
+    <p:sldId id="264" r:id="rId26"/>
+    <p:sldId id="281" r:id="rId27"/>
+    <p:sldId id="271" r:id="rId28"/>
   </p:sldIdLst>
   <p:sldSz cx="12192000" cy="6858000"/>
   <p:notesSz cx="6858000" cy="9144000"/>
@@ -1373,7 +1374,7 @@
           <a:p>
             <a:fld id="{7B978FAE-FC0D-4A1C-A95D-8FF8EA3D1B3F}" type="slidenum">
               <a:rPr lang="zh-CN" altLang="en-US" smtClean="0"/>
-              <a:t>15</a:t>
+              <a:t>16</a:t>
             </a:fld>
             <a:endParaRPr lang="zh-CN" altLang="en-US"/>
           </a:p>
@@ -4388,6 +4389,36 @@
           </a:p>
         </p:txBody>
       </p:sp>
+      <p:pic>
+        <p:nvPicPr>
+          <p:cNvPr id="4" name="图片 3">
+            <a:extLst>
+              <a:ext uri="{FF2B5EF4-FFF2-40B4-BE49-F238E27FC236}">
+                <a16:creationId xmlns:a16="http://schemas.microsoft.com/office/drawing/2014/main" id="{410D77E6-1F94-4D62-9373-65634836DD5C}"/>
+              </a:ext>
+            </a:extLst>
+          </p:cNvPr>
+          <p:cNvPicPr>
+            <a:picLocks noChangeAspect="1"/>
+          </p:cNvPicPr>
+          <p:nvPr/>
+        </p:nvPicPr>
+        <p:blipFill>
+          <a:blip r:embed="rId2"/>
+          <a:stretch>
+            <a:fillRect/>
+          </a:stretch>
+        </p:blipFill>
+        <p:spPr>
+          <a:xfrm>
+            <a:off x="838200" y="3851056"/>
+            <a:ext cx="4781550" cy="1657350"/>
+          </a:xfrm>
+          <a:prstGeom prst="rect">
+            <a:avLst/>
+          </a:prstGeom>
+        </p:spPr>
+      </p:pic>
     </p:spTree>
     <p:extLst>
       <p:ext uri="{BB962C8B-B14F-4D97-AF65-F5344CB8AC3E}">
@@ -4439,7 +4470,7 @@
             </a:r>
             <a:r>
               <a:rPr kumimoji="1" lang="zh-CN" altLang="en-US" dirty="0"/>
-              <a:t>、其它生命周期</a:t>
+              <a:t>、生命周期</a:t>
             </a:r>
             <a:r>
               <a:rPr kumimoji="1" lang="en-US" altLang="zh-CN" dirty="0"/>
@@ -4521,6 +4552,66 @@
           </a:p>
         </p:txBody>
       </p:sp>
+      <p:pic>
+        <p:nvPicPr>
+          <p:cNvPr id="4" name="图片 3">
+            <a:extLst>
+              <a:ext uri="{FF2B5EF4-FFF2-40B4-BE49-F238E27FC236}">
+                <a16:creationId xmlns:a16="http://schemas.microsoft.com/office/drawing/2014/main" id="{BDF672EA-F394-4FDC-8971-1256C8BA73C5}"/>
+              </a:ext>
+            </a:extLst>
+          </p:cNvPr>
+          <p:cNvPicPr>
+            <a:picLocks noChangeAspect="1"/>
+          </p:cNvPicPr>
+          <p:nvPr/>
+        </p:nvPicPr>
+        <p:blipFill>
+          <a:blip r:embed="rId2"/>
+          <a:stretch>
+            <a:fillRect/>
+          </a:stretch>
+        </p:blipFill>
+        <p:spPr>
+          <a:xfrm>
+            <a:off x="1015562" y="3867150"/>
+            <a:ext cx="6629400" cy="876300"/>
+          </a:xfrm>
+          <a:prstGeom prst="rect">
+            <a:avLst/>
+          </a:prstGeom>
+        </p:spPr>
+      </p:pic>
+      <p:pic>
+        <p:nvPicPr>
+          <p:cNvPr id="5" name="图片 4">
+            <a:extLst>
+              <a:ext uri="{FF2B5EF4-FFF2-40B4-BE49-F238E27FC236}">
+                <a16:creationId xmlns:a16="http://schemas.microsoft.com/office/drawing/2014/main" id="{3DA96E02-6BEA-4C08-9BCC-9894B8C9AEA2}"/>
+              </a:ext>
+            </a:extLst>
+          </p:cNvPr>
+          <p:cNvPicPr>
+            <a:picLocks noChangeAspect="1"/>
+          </p:cNvPicPr>
+          <p:nvPr/>
+        </p:nvPicPr>
+        <p:blipFill>
+          <a:blip r:embed="rId3"/>
+          <a:stretch>
+            <a:fillRect/>
+          </a:stretch>
+        </p:blipFill>
+        <p:spPr>
+          <a:xfrm>
+            <a:off x="1015562" y="5041381"/>
+            <a:ext cx="6124575" cy="1181100"/>
+          </a:xfrm>
+          <a:prstGeom prst="rect">
+            <a:avLst/>
+          </a:prstGeom>
+        </p:spPr>
+      </p:pic>
     </p:spTree>
     <p:extLst>
       <p:ext uri="{BB962C8B-B14F-4D97-AF65-F5344CB8AC3E}">
@@ -4572,7 +4663,7 @@
             </a:r>
             <a:r>
               <a:rPr kumimoji="1" lang="zh-CN" altLang="en-US" dirty="0"/>
-              <a:t>、其它生命周期</a:t>
+              <a:t>、生命周期</a:t>
             </a:r>
             <a:r>
               <a:rPr kumimoji="1" lang="en-US" altLang="zh-CN" dirty="0"/>
@@ -4661,16 +4752,55 @@
             </a:r>
             <a:r>
               <a:rPr kumimoji="1" lang="en-US" altLang="zh-CN" dirty="0"/>
-              <a:t>/</a:t>
-            </a:r>
-            <a:r>
-              <a:rPr kumimoji="1" lang="en-US" altLang="zh-CN" dirty="0" err="1"/>
-              <a:t>error.js</a:t>
-            </a:r>
-            <a:endParaRPr kumimoji="1" lang="zh-CN" altLang="en-US" dirty="0"/>
-          </a:p>
-        </p:txBody>
-      </p:sp>
+              <a:t>/error.js</a:t>
+            </a:r>
+          </a:p>
+          <a:p>
+            <a:r>
+              <a:rPr kumimoji="1" lang="zh-CN" altLang="en-US" dirty="0"/>
+              <a:t>源码调试，在想断点调试打上</a:t>
+            </a:r>
+            <a:r>
+              <a:rPr kumimoji="1" lang="en-US" altLang="zh-CN" dirty="0"/>
+              <a:t>debugger</a:t>
+            </a:r>
+            <a:r>
+              <a:rPr kumimoji="1" lang="zh-CN" altLang="en-US" dirty="0"/>
+              <a:t>，重启本地服务</a:t>
+            </a:r>
+          </a:p>
+        </p:txBody>
+      </p:sp>
+      <p:pic>
+        <p:nvPicPr>
+          <p:cNvPr id="4" name="图片 3">
+            <a:extLst>
+              <a:ext uri="{FF2B5EF4-FFF2-40B4-BE49-F238E27FC236}">
+                <a16:creationId xmlns:a16="http://schemas.microsoft.com/office/drawing/2014/main" id="{B12C1F7D-9EAF-4557-B424-787EE5575D13}"/>
+              </a:ext>
+            </a:extLst>
+          </p:cNvPr>
+          <p:cNvPicPr>
+            <a:picLocks noChangeAspect="1"/>
+          </p:cNvPicPr>
+          <p:nvPr/>
+        </p:nvPicPr>
+        <p:blipFill>
+          <a:blip r:embed="rId2"/>
+          <a:stretch>
+            <a:fillRect/>
+          </a:stretch>
+        </p:blipFill>
+        <p:spPr>
+          <a:xfrm>
+            <a:off x="838200" y="4586288"/>
+            <a:ext cx="7734300" cy="1590675"/>
+          </a:xfrm>
+          <a:prstGeom prst="rect">
+            <a:avLst/>
+          </a:prstGeom>
+        </p:spPr>
+      </p:pic>
     </p:spTree>
     <p:extLst>
       <p:ext uri="{BB962C8B-B14F-4D97-AF65-F5344CB8AC3E}">
@@ -4809,52 +4939,20 @@
             </a:r>
             <a:r>
               <a:rPr lang="zh-CN" altLang="en-US" dirty="0"/>
-              <a:t>、资源</a:t>
+              <a:t>、组件和组件通信</a:t>
             </a:r>
             <a:r>
               <a:rPr lang="en-US" altLang="zh-CN" dirty="0"/>
-              <a:t>alias</a:t>
+              <a:t>-</a:t>
             </a:r>
             <a:r>
               <a:rPr lang="zh-CN" altLang="en-US" dirty="0"/>
-              <a:t>别名和全局组件</a:t>
+              <a:t>全局组件</a:t>
             </a:r>
             <a:endParaRPr kumimoji="1" lang="zh-CN" altLang="en-US" dirty="0"/>
           </a:p>
         </p:txBody>
       </p:sp>
-      <p:pic>
-        <p:nvPicPr>
-          <p:cNvPr id="4" name="内容占位符 3">
-            <a:extLst>
-              <a:ext uri="{FF2B5EF4-FFF2-40B4-BE49-F238E27FC236}">
-                <a16:creationId xmlns:a16="http://schemas.microsoft.com/office/drawing/2014/main" id="{F8792C88-E79E-4A94-926C-332D2D796C80}"/>
-              </a:ext>
-            </a:extLst>
-          </p:cNvPr>
-          <p:cNvPicPr>
-            <a:picLocks noGrp="1" noChangeAspect="1"/>
-          </p:cNvPicPr>
-          <p:nvPr>
-            <p:ph idx="1"/>
-          </p:nvPr>
-        </p:nvPicPr>
-        <p:blipFill>
-          <a:blip r:embed="rId2"/>
-          <a:stretch>
-            <a:fillRect/>
-          </a:stretch>
-        </p:blipFill>
-        <p:spPr>
-          <a:xfrm>
-            <a:off x="927538" y="1417419"/>
-            <a:ext cx="4724400" cy="1171575"/>
-          </a:xfrm>
-          <a:prstGeom prst="rect">
-            <a:avLst/>
-          </a:prstGeom>
-        </p:spPr>
-      </p:pic>
       <p:pic>
         <p:nvPicPr>
           <p:cNvPr id="5" name="图片 4">
@@ -4870,14 +4968,14 @@
           <p:nvPr/>
         </p:nvPicPr>
         <p:blipFill>
-          <a:blip r:embed="rId3"/>
+          <a:blip r:embed="rId2"/>
           <a:stretch>
             <a:fillRect/>
           </a:stretch>
         </p:blipFill>
         <p:spPr>
           <a:xfrm>
-            <a:off x="927538" y="5170490"/>
+            <a:off x="838200" y="5147496"/>
             <a:ext cx="4476750" cy="1257300"/>
           </a:xfrm>
           <a:prstGeom prst="rect">
@@ -4900,6 +4998,36 @@
           <p:nvPr/>
         </p:nvPicPr>
         <p:blipFill>
+          <a:blip r:embed="rId3"/>
+          <a:stretch>
+            <a:fillRect/>
+          </a:stretch>
+        </p:blipFill>
+        <p:spPr>
+          <a:xfrm>
+            <a:off x="827690" y="2657693"/>
+            <a:ext cx="6696075" cy="2305050"/>
+          </a:xfrm>
+          <a:prstGeom prst="rect">
+            <a:avLst/>
+          </a:prstGeom>
+        </p:spPr>
+      </p:pic>
+      <p:pic>
+        <p:nvPicPr>
+          <p:cNvPr id="7" name="图片 6">
+            <a:extLst>
+              <a:ext uri="{FF2B5EF4-FFF2-40B4-BE49-F238E27FC236}">
+                <a16:creationId xmlns:a16="http://schemas.microsoft.com/office/drawing/2014/main" id="{078CA3F3-2E80-4ED2-8E53-3070D3BB0B14}"/>
+              </a:ext>
+            </a:extLst>
+          </p:cNvPr>
+          <p:cNvPicPr>
+            <a:picLocks noChangeAspect="1"/>
+          </p:cNvPicPr>
+          <p:nvPr/>
+        </p:nvPicPr>
+        <p:blipFill>
           <a:blip r:embed="rId4"/>
           <a:stretch>
             <a:fillRect/>
@@ -4907,8 +5035,8 @@
         </p:blipFill>
         <p:spPr>
           <a:xfrm>
-            <a:off x="927538" y="2721962"/>
-            <a:ext cx="6696075" cy="2305050"/>
+            <a:off x="838200" y="1459762"/>
+            <a:ext cx="2828925" cy="1047750"/>
           </a:xfrm>
           <a:prstGeom prst="rect">
             <a:avLst/>
@@ -4947,6 +5075,101 @@
       </p:grpSpPr>
       <p:sp>
         <p:nvSpPr>
+          <p:cNvPr id="2" name="标题 1">
+            <a:extLst>
+              <a:ext uri="{FF2B5EF4-FFF2-40B4-BE49-F238E27FC236}">
+                <a16:creationId xmlns:a16="http://schemas.microsoft.com/office/drawing/2014/main" id="{104988E6-0FCA-4171-86D3-9EA12EA042D9}"/>
+              </a:ext>
+            </a:extLst>
+          </p:cNvPr>
+          <p:cNvSpPr>
+            <a:spLocks noGrp="1"/>
+          </p:cNvSpPr>
+          <p:nvPr>
+            <p:ph type="title"/>
+          </p:nvPr>
+        </p:nvSpPr>
+        <p:spPr/>
+        <p:txBody>
+          <a:bodyPr/>
+          <a:lstStyle/>
+          <a:p>
+            <a:r>
+              <a:rPr lang="en-US" altLang="zh-CN" dirty="0"/>
+              <a:t>4</a:t>
+            </a:r>
+            <a:r>
+              <a:rPr lang="zh-CN" altLang="en-US" dirty="0"/>
+              <a:t>、组件和组件通信</a:t>
+            </a:r>
+            <a:r>
+              <a:rPr lang="en-US" altLang="zh-CN" dirty="0"/>
+              <a:t>-</a:t>
+            </a:r>
+            <a:r>
+              <a:rPr lang="zh-CN" altLang="en-US" dirty="0"/>
+              <a:t>局部组件</a:t>
+            </a:r>
+          </a:p>
+        </p:txBody>
+      </p:sp>
+      <p:sp>
+        <p:nvSpPr>
+          <p:cNvPr id="3" name="内容占位符 2">
+            <a:extLst>
+              <a:ext uri="{FF2B5EF4-FFF2-40B4-BE49-F238E27FC236}">
+                <a16:creationId xmlns:a16="http://schemas.microsoft.com/office/drawing/2014/main" id="{F6575F2F-8CB7-42F8-8AE3-FAFEF122ED74}"/>
+              </a:ext>
+            </a:extLst>
+          </p:cNvPr>
+          <p:cNvSpPr>
+            <a:spLocks noGrp="1"/>
+          </p:cNvSpPr>
+          <p:nvPr>
+            <p:ph idx="1"/>
+          </p:nvPr>
+        </p:nvSpPr>
+        <p:spPr/>
+        <p:txBody>
+          <a:bodyPr/>
+          <a:lstStyle/>
+          <a:p>
+            <a:endParaRPr lang="zh-CN" altLang="en-US" dirty="0"/>
+          </a:p>
+        </p:txBody>
+      </p:sp>
+    </p:spTree>
+    <p:extLst>
+      <p:ext uri="{BB962C8B-B14F-4D97-AF65-F5344CB8AC3E}">
+        <p14:creationId xmlns:p14="http://schemas.microsoft.com/office/powerpoint/2010/main" val="3505356098"/>
+      </p:ext>
+    </p:extLst>
+  </p:cSld>
+  <p:clrMapOvr>
+    <a:masterClrMapping/>
+  </p:clrMapOvr>
+</p:sld>
+</file>
+
+<file path=ppt/slides/slide16.xml><?xml version="1.0" encoding="utf-8"?>
+<p:sld xmlns:a="http://schemas.openxmlformats.org/drawingml/2006/main" xmlns:r="http://schemas.openxmlformats.org/officeDocument/2006/relationships" xmlns:p="http://schemas.openxmlformats.org/presentationml/2006/main">
+  <p:cSld>
+    <p:spTree>
+      <p:nvGrpSpPr>
+        <p:cNvPr id="1" name=""/>
+        <p:cNvGrpSpPr/>
+        <p:nvPr/>
+      </p:nvGrpSpPr>
+      <p:grpSpPr>
+        <a:xfrm>
+          <a:off x="0" y="0"/>
+          <a:ext cx="0" cy="0"/>
+          <a:chOff x="0" y="0"/>
+          <a:chExt cx="0" cy="0"/>
+        </a:xfrm>
+      </p:grpSpPr>
+      <p:sp>
+        <p:nvSpPr>
           <p:cNvPr id="2" name="标题 1"/>
           <p:cNvSpPr>
             <a:spLocks noGrp="1"/>
@@ -4967,6 +5190,14 @@
             <a:r>
               <a:rPr kumimoji="1" lang="zh-CN" altLang="en-US" dirty="0"/>
               <a:t>、</a:t>
+            </a:r>
+            <a:r>
+              <a:rPr lang="zh-CN" altLang="en-US" dirty="0"/>
+              <a:t>组件和组件通信</a:t>
+            </a:r>
+            <a:r>
+              <a:rPr lang="en-US" altLang="zh-CN" dirty="0"/>
+              <a:t>-</a:t>
             </a:r>
             <a:r>
               <a:rPr kumimoji="1" lang="en-US" altLang="zh-CN" dirty="0" err="1"/>
@@ -5211,6 +5442,36 @@
           </a:prstGeom>
         </p:spPr>
       </p:pic>
+      <p:pic>
+        <p:nvPicPr>
+          <p:cNvPr id="3" name="图片 2">
+            <a:extLst>
+              <a:ext uri="{FF2B5EF4-FFF2-40B4-BE49-F238E27FC236}">
+                <a16:creationId xmlns:a16="http://schemas.microsoft.com/office/drawing/2014/main" id="{DC60BEB7-217A-4DDC-BC6C-A4E7C1AF2CA5}"/>
+              </a:ext>
+            </a:extLst>
+          </p:cNvPr>
+          <p:cNvPicPr>
+            <a:picLocks noChangeAspect="1"/>
+          </p:cNvPicPr>
+          <p:nvPr/>
+        </p:nvPicPr>
+        <p:blipFill>
+          <a:blip r:embed="rId7"/>
+          <a:stretch>
+            <a:fillRect/>
+          </a:stretch>
+        </p:blipFill>
+        <p:spPr>
+          <a:xfrm>
+            <a:off x="8871552" y="1774768"/>
+            <a:ext cx="2962275" cy="2828925"/>
+          </a:xfrm>
+          <a:prstGeom prst="rect">
+            <a:avLst/>
+          </a:prstGeom>
+        </p:spPr>
+      </p:pic>
     </p:spTree>
     <p:extLst>
       <p:ext uri="{BB962C8B-B14F-4D97-AF65-F5344CB8AC3E}">
@@ -5224,7 +5485,7 @@
 </p:sld>
 </file>
 
-<file path=ppt/slides/slide16.xml><?xml version="1.0" encoding="utf-8"?>
+<file path=ppt/slides/slide17.xml><?xml version="1.0" encoding="utf-8"?>
 <p:sld xmlns:a="http://schemas.openxmlformats.org/drawingml/2006/main" xmlns:r="http://schemas.openxmlformats.org/officeDocument/2006/relationships" xmlns:p="http://schemas.openxmlformats.org/presentationml/2006/main">
   <p:cSld>
     <p:spTree>
@@ -5272,12 +5533,29 @@
             </a:r>
             <a:r>
               <a:rPr lang="en-US" altLang="zh-CN" dirty="0" err="1"/>
+              <a:t>vue</a:t>
+            </a:r>
+            <a:r>
+              <a:rPr lang="en-US" altLang="zh-CN" dirty="0"/>
+              <a:t>-cli</a:t>
+            </a:r>
+            <a:r>
+              <a:rPr lang="zh-CN" altLang="en-US" dirty="0"/>
+              <a:t>优化</a:t>
+            </a:r>
+            <a:r>
+              <a:rPr lang="en-US" altLang="zh-CN" dirty="0"/>
+              <a:t>-alias</a:t>
+            </a:r>
+            <a:r>
+              <a:rPr lang="zh-CN" altLang="en-US" dirty="0"/>
+              <a:t>和</a:t>
+            </a:r>
+            <a:r>
+              <a:rPr lang="en-US" altLang="zh-CN" dirty="0" err="1"/>
               <a:t>css</a:t>
             </a:r>
-            <a:r>
-              <a:rPr lang="zh-CN" altLang="en-US" dirty="0"/>
-              <a:t>相关配置</a:t>
-            </a:r>
+            <a:endParaRPr lang="zh-CN" altLang="en-US" dirty="0"/>
           </a:p>
         </p:txBody>
       </p:sp>
@@ -5343,6 +5621,36 @@
           </a:prstGeom>
         </p:spPr>
       </p:pic>
+      <p:pic>
+        <p:nvPicPr>
+          <p:cNvPr id="5" name="内容占位符 3">
+            <a:extLst>
+              <a:ext uri="{FF2B5EF4-FFF2-40B4-BE49-F238E27FC236}">
+                <a16:creationId xmlns:a16="http://schemas.microsoft.com/office/drawing/2014/main" id="{42E3781A-613B-4919-A837-2C972C0AF736}"/>
+              </a:ext>
+            </a:extLst>
+          </p:cNvPr>
+          <p:cNvPicPr>
+            <a:picLocks noChangeAspect="1"/>
+          </p:cNvPicPr>
+          <p:nvPr/>
+        </p:nvPicPr>
+        <p:blipFill>
+          <a:blip r:embed="rId4"/>
+          <a:stretch>
+            <a:fillRect/>
+          </a:stretch>
+        </p:blipFill>
+        <p:spPr>
+          <a:xfrm>
+            <a:off x="6594913" y="3194788"/>
+            <a:ext cx="4724400" cy="1171575"/>
+          </a:xfrm>
+          <a:prstGeom prst="rect">
+            <a:avLst/>
+          </a:prstGeom>
+        </p:spPr>
+      </p:pic>
     </p:spTree>
     <p:extLst>
       <p:ext uri="{BB962C8B-B14F-4D97-AF65-F5344CB8AC3E}">
@@ -5356,7 +5664,7 @@
 </p:sld>
 </file>
 
-<file path=ppt/slides/slide17.xml><?xml version="1.0" encoding="utf-8"?>
+<file path=ppt/slides/slide18.xml><?xml version="1.0" encoding="utf-8"?>
 <p:sld xmlns:a="http://schemas.openxmlformats.org/drawingml/2006/main" xmlns:r="http://schemas.openxmlformats.org/officeDocument/2006/relationships" xmlns:p="http://schemas.openxmlformats.org/presentationml/2006/main">
   <p:cSld>
     <p:spTree>
@@ -5400,7 +5708,31 @@
             </a:r>
             <a:r>
               <a:rPr lang="zh-CN" altLang="en-US" dirty="0"/>
-              <a:t>、压缩、分割代码</a:t>
+              <a:t>、</a:t>
+            </a:r>
+            <a:r>
+              <a:rPr lang="en-US" altLang="zh-CN" dirty="0"/>
+              <a:t> </a:t>
+            </a:r>
+            <a:r>
+              <a:rPr lang="en-US" altLang="zh-CN" dirty="0" err="1"/>
+              <a:t>vue</a:t>
+            </a:r>
+            <a:r>
+              <a:rPr lang="en-US" altLang="zh-CN" dirty="0"/>
+              <a:t>-cli</a:t>
+            </a:r>
+            <a:r>
+              <a:rPr lang="zh-CN" altLang="en-US" dirty="0"/>
+              <a:t>优化</a:t>
+            </a:r>
+            <a:r>
+              <a:rPr lang="en-US" altLang="zh-CN" dirty="0"/>
+              <a:t>-</a:t>
+            </a:r>
+            <a:r>
+              <a:rPr lang="zh-CN" altLang="en-US" dirty="0"/>
+              <a:t>压缩、分割代码</a:t>
             </a:r>
           </a:p>
         </p:txBody>
@@ -5450,7 +5782,7 @@
 </p:sld>
 </file>
 
-<file path=ppt/slides/slide18.xml><?xml version="1.0" encoding="utf-8"?>
+<file path=ppt/slides/slide19.xml><?xml version="1.0" encoding="utf-8"?>
 <p:sld xmlns:a="http://schemas.openxmlformats.org/drawingml/2006/main" xmlns:r="http://schemas.openxmlformats.org/officeDocument/2006/relationships" xmlns:p="http://schemas.openxmlformats.org/presentationml/2006/main">
   <p:cSld>
     <p:spTree>
@@ -5494,7 +5826,31 @@
             </a:r>
             <a:r>
               <a:rPr lang="zh-CN" altLang="en-US" dirty="0"/>
-              <a:t>、删除线上环境</a:t>
+              <a:t>、</a:t>
+            </a:r>
+            <a:r>
+              <a:rPr lang="en-US" altLang="zh-CN" dirty="0"/>
+              <a:t> </a:t>
+            </a:r>
+            <a:r>
+              <a:rPr lang="en-US" altLang="zh-CN" dirty="0" err="1"/>
+              <a:t>vue</a:t>
+            </a:r>
+            <a:r>
+              <a:rPr lang="en-US" altLang="zh-CN" dirty="0"/>
+              <a:t>-cli</a:t>
+            </a:r>
+            <a:r>
+              <a:rPr lang="zh-CN" altLang="en-US" dirty="0"/>
+              <a:t>优化</a:t>
+            </a:r>
+            <a:r>
+              <a:rPr lang="en-US" altLang="zh-CN" dirty="0"/>
+              <a:t>-</a:t>
+            </a:r>
+            <a:r>
+              <a:rPr lang="zh-CN" altLang="en-US" dirty="0"/>
+              <a:t>删除</a:t>
             </a:r>
             <a:r>
               <a:rPr lang="en-US" altLang="zh-CN" dirty="0"/>
@@ -5693,7 +6049,7 @@
 </p:sld>
 </file>
 
-<file path=ppt/slides/slide19.xml><?xml version="1.0" encoding="utf-8"?>
+<file path=ppt/slides/slide2.xml><?xml version="1.0" encoding="utf-8"?>
 <p:sld xmlns:a="http://schemas.openxmlformats.org/drawingml/2006/main" xmlns:r="http://schemas.openxmlformats.org/officeDocument/2006/relationships" xmlns:p="http://schemas.openxmlformats.org/presentationml/2006/main">
   <p:cSld>
     <p:spTree>
@@ -5712,6 +6068,215 @@
       </p:grpSpPr>
       <p:sp>
         <p:nvSpPr>
+          <p:cNvPr id="2" name="标题 1">
+            <a:extLst>
+              <a:ext uri="{FF2B5EF4-FFF2-40B4-BE49-F238E27FC236}">
+                <a16:creationId xmlns:a16="http://schemas.microsoft.com/office/drawing/2014/main" id="{9D1684B9-985E-47F5-A474-082B14F95D79}"/>
+              </a:ext>
+            </a:extLst>
+          </p:cNvPr>
+          <p:cNvSpPr>
+            <a:spLocks noGrp="1"/>
+          </p:cNvSpPr>
+          <p:nvPr>
+            <p:ph type="title"/>
+          </p:nvPr>
+        </p:nvSpPr>
+        <p:spPr/>
+        <p:txBody>
+          <a:bodyPr/>
+          <a:lstStyle/>
+          <a:p>
+            <a:pPr algn="ctr"/>
+            <a:r>
+              <a:rPr lang="zh-CN" altLang="en-US" dirty="0"/>
+              <a:t>目录</a:t>
+            </a:r>
+          </a:p>
+        </p:txBody>
+      </p:sp>
+      <p:sp>
+        <p:nvSpPr>
+          <p:cNvPr id="3" name="内容占位符 2">
+            <a:extLst>
+              <a:ext uri="{FF2B5EF4-FFF2-40B4-BE49-F238E27FC236}">
+                <a16:creationId xmlns:a16="http://schemas.microsoft.com/office/drawing/2014/main" id="{689B31AB-61F7-4340-B9A5-5F1098608018}"/>
+              </a:ext>
+            </a:extLst>
+          </p:cNvPr>
+          <p:cNvSpPr>
+            <a:spLocks noGrp="1"/>
+          </p:cNvSpPr>
+          <p:nvPr>
+            <p:ph idx="1"/>
+          </p:nvPr>
+        </p:nvSpPr>
+        <p:spPr/>
+        <p:txBody>
+          <a:bodyPr/>
+          <a:lstStyle/>
+          <a:p>
+            <a:pPr marL="0" indent="0">
+              <a:buNone/>
+            </a:pPr>
+            <a:r>
+              <a:rPr lang="en-US" altLang="zh-CN" dirty="0"/>
+              <a:t>1</a:t>
+            </a:r>
+            <a:r>
+              <a:rPr lang="zh-CN" altLang="en-US" dirty="0"/>
+              <a:t>、初始化</a:t>
+            </a:r>
+            <a:endParaRPr lang="en-US" altLang="zh-CN" dirty="0"/>
+          </a:p>
+          <a:p>
+            <a:pPr marL="0" indent="0">
+              <a:buNone/>
+            </a:pPr>
+            <a:r>
+              <a:rPr lang="en-US" altLang="zh-CN" dirty="0"/>
+              <a:t>2</a:t>
+            </a:r>
+            <a:r>
+              <a:rPr lang="zh-CN" altLang="en-US" dirty="0"/>
+              <a:t>、生命周期</a:t>
+            </a:r>
+            <a:endParaRPr lang="en-US" altLang="zh-CN" dirty="0"/>
+          </a:p>
+          <a:p>
+            <a:pPr marL="0" indent="0">
+              <a:buNone/>
+            </a:pPr>
+            <a:r>
+              <a:rPr lang="en-US" altLang="zh-CN" dirty="0"/>
+              <a:t>3</a:t>
+            </a:r>
+            <a:r>
+              <a:rPr lang="zh-CN" altLang="en-US" dirty="0"/>
+              <a:t>、双向绑定</a:t>
+            </a:r>
+            <a:endParaRPr lang="en-US" altLang="zh-CN" dirty="0"/>
+          </a:p>
+          <a:p>
+            <a:pPr marL="0" indent="0">
+              <a:buNone/>
+            </a:pPr>
+            <a:r>
+              <a:rPr lang="en-US" altLang="zh-CN" dirty="0"/>
+              <a:t>4</a:t>
+            </a:r>
+            <a:r>
+              <a:rPr lang="zh-CN" altLang="en-US" dirty="0"/>
+              <a:t>、组件和组件通信</a:t>
+            </a:r>
+            <a:endParaRPr lang="en-US" altLang="zh-CN" dirty="0"/>
+          </a:p>
+          <a:p>
+            <a:pPr marL="0" indent="0">
+              <a:buNone/>
+            </a:pPr>
+            <a:r>
+              <a:rPr lang="en-US" altLang="zh-CN" dirty="0"/>
+              <a:t>5</a:t>
+            </a:r>
+            <a:r>
+              <a:rPr lang="zh-CN" altLang="en-US" dirty="0"/>
+              <a:t>、</a:t>
+            </a:r>
+            <a:r>
+              <a:rPr lang="en-US" altLang="zh-CN" dirty="0" err="1"/>
+              <a:t>vue</a:t>
+            </a:r>
+            <a:r>
+              <a:rPr lang="en-US" altLang="zh-CN" dirty="0"/>
+              <a:t>-cli</a:t>
+            </a:r>
+            <a:r>
+              <a:rPr lang="zh-CN" altLang="en-US" dirty="0"/>
+              <a:t>优化</a:t>
+            </a:r>
+            <a:endParaRPr lang="en-US" altLang="zh-CN" dirty="0"/>
+          </a:p>
+          <a:p>
+            <a:pPr marL="0" indent="0">
+              <a:buNone/>
+            </a:pPr>
+            <a:r>
+              <a:rPr lang="en-US" altLang="zh-CN" dirty="0"/>
+              <a:t>6</a:t>
+            </a:r>
+            <a:r>
+              <a:rPr lang="zh-CN" altLang="en-US" dirty="0"/>
+              <a:t>、环境配置与调试</a:t>
+            </a:r>
+            <a:endParaRPr lang="en-US" altLang="zh-CN" dirty="0"/>
+          </a:p>
+          <a:p>
+            <a:pPr marL="0" indent="0">
+              <a:buNone/>
+            </a:pPr>
+            <a:r>
+              <a:rPr lang="en-US" altLang="zh-CN" dirty="0"/>
+              <a:t>7</a:t>
+            </a:r>
+            <a:r>
+              <a:rPr lang="zh-CN" altLang="en-US" dirty="0"/>
+              <a:t>、最佳实践</a:t>
+            </a:r>
+            <a:endParaRPr lang="en-US" altLang="zh-CN" dirty="0"/>
+          </a:p>
+          <a:p>
+            <a:pPr marL="0" indent="0">
+              <a:buNone/>
+            </a:pPr>
+            <a:endParaRPr lang="en-US" altLang="zh-CN" dirty="0"/>
+          </a:p>
+          <a:p>
+            <a:pPr marL="0" indent="0">
+              <a:buNone/>
+            </a:pPr>
+            <a:endParaRPr lang="en-US" altLang="zh-CN" dirty="0"/>
+          </a:p>
+          <a:p>
+            <a:endParaRPr lang="en-US" altLang="zh-CN" dirty="0"/>
+          </a:p>
+          <a:p>
+            <a:endParaRPr lang="en-US" altLang="zh-CN" dirty="0"/>
+          </a:p>
+        </p:txBody>
+      </p:sp>
+    </p:spTree>
+    <p:extLst>
+      <p:ext uri="{BB962C8B-B14F-4D97-AF65-F5344CB8AC3E}">
+        <p14:creationId xmlns:p14="http://schemas.microsoft.com/office/powerpoint/2010/main" val="3112565650"/>
+      </p:ext>
+    </p:extLst>
+  </p:cSld>
+  <p:clrMapOvr>
+    <a:masterClrMapping/>
+  </p:clrMapOvr>
+</p:sld>
+</file>
+
+<file path=ppt/slides/slide20.xml><?xml version="1.0" encoding="utf-8"?>
+<p:sld xmlns:a="http://schemas.openxmlformats.org/drawingml/2006/main" xmlns:r="http://schemas.openxmlformats.org/officeDocument/2006/relationships" xmlns:p="http://schemas.openxmlformats.org/presentationml/2006/main">
+  <p:cSld>
+    <p:spTree>
+      <p:nvGrpSpPr>
+        <p:cNvPr id="1" name=""/>
+        <p:cNvGrpSpPr/>
+        <p:nvPr/>
+      </p:nvGrpSpPr>
+      <p:grpSpPr>
+        <a:xfrm>
+          <a:off x="0" y="0"/>
+          <a:ext cx="0" cy="0"/>
+          <a:chOff x="0" y="0"/>
+          <a:chExt cx="0" cy="0"/>
+        </a:xfrm>
+      </p:grpSpPr>
+      <p:sp>
+        <p:nvSpPr>
           <p:cNvPr id="2" name="标题 1"/>
           <p:cNvSpPr>
             <a:spLocks noGrp="1"/>
@@ -5732,6 +6297,26 @@
             <a:r>
               <a:rPr kumimoji="1" lang="zh-CN" altLang="en-US" dirty="0"/>
               <a:t>、</a:t>
+            </a:r>
+            <a:r>
+              <a:rPr lang="en-US" altLang="zh-CN" dirty="0"/>
+              <a:t> </a:t>
+            </a:r>
+            <a:r>
+              <a:rPr lang="en-US" altLang="zh-CN" dirty="0" err="1"/>
+              <a:t>vue</a:t>
+            </a:r>
+            <a:r>
+              <a:rPr lang="en-US" altLang="zh-CN" dirty="0"/>
+              <a:t>-cli</a:t>
+            </a:r>
+            <a:r>
+              <a:rPr lang="zh-CN" altLang="en-US" dirty="0"/>
+              <a:t>优化</a:t>
+            </a:r>
+            <a:r>
+              <a:rPr lang="en-US" altLang="zh-CN" dirty="0"/>
+              <a:t>- </a:t>
             </a:r>
             <a:r>
               <a:rPr kumimoji="1" lang="en-US" altLang="zh-CN" dirty="0"/>
@@ -5857,7 +6442,7 @@
 </p:sld>
 </file>
 
-<file path=ppt/slides/slide2.xml><?xml version="1.0" encoding="utf-8"?>
+<file path=ppt/slides/slide21.xml><?xml version="1.0" encoding="utf-8"?>
 <p:sld xmlns:a="http://schemas.openxmlformats.org/drawingml/2006/main" xmlns:r="http://schemas.openxmlformats.org/officeDocument/2006/relationships" xmlns:p="http://schemas.openxmlformats.org/presentationml/2006/main">
   <p:cSld>
     <p:spTree>
@@ -5879,219 +6464,6 @@
           <p:cNvPr id="2" name="标题 1">
             <a:extLst>
               <a:ext uri="{FF2B5EF4-FFF2-40B4-BE49-F238E27FC236}">
-                <a16:creationId xmlns:a16="http://schemas.microsoft.com/office/drawing/2014/main" id="{9D1684B9-985E-47F5-A474-082B14F95D79}"/>
-              </a:ext>
-            </a:extLst>
-          </p:cNvPr>
-          <p:cNvSpPr>
-            <a:spLocks noGrp="1"/>
-          </p:cNvSpPr>
-          <p:nvPr>
-            <p:ph type="title"/>
-          </p:nvPr>
-        </p:nvSpPr>
-        <p:spPr/>
-        <p:txBody>
-          <a:bodyPr/>
-          <a:lstStyle/>
-          <a:p>
-            <a:pPr algn="ctr"/>
-            <a:r>
-              <a:rPr lang="zh-CN" altLang="en-US" dirty="0"/>
-              <a:t>目录</a:t>
-            </a:r>
-          </a:p>
-        </p:txBody>
-      </p:sp>
-      <p:sp>
-        <p:nvSpPr>
-          <p:cNvPr id="3" name="内容占位符 2">
-            <a:extLst>
-              <a:ext uri="{FF2B5EF4-FFF2-40B4-BE49-F238E27FC236}">
-                <a16:creationId xmlns:a16="http://schemas.microsoft.com/office/drawing/2014/main" id="{689B31AB-61F7-4340-B9A5-5F1098608018}"/>
-              </a:ext>
-            </a:extLst>
-          </p:cNvPr>
-          <p:cNvSpPr>
-            <a:spLocks noGrp="1"/>
-          </p:cNvSpPr>
-          <p:nvPr>
-            <p:ph idx="1"/>
-          </p:nvPr>
-        </p:nvSpPr>
-        <p:spPr/>
-        <p:txBody>
-          <a:bodyPr/>
-          <a:lstStyle/>
-          <a:p>
-            <a:pPr marL="0" indent="0">
-              <a:buNone/>
-            </a:pPr>
-            <a:r>
-              <a:rPr lang="en-US" altLang="zh-CN" dirty="0"/>
-              <a:t>1</a:t>
-            </a:r>
-            <a:r>
-              <a:rPr lang="zh-CN" altLang="en-US" dirty="0"/>
-              <a:t>、初始化构建</a:t>
-            </a:r>
-            <a:endParaRPr lang="en-US" altLang="zh-CN" dirty="0"/>
-          </a:p>
-          <a:p>
-            <a:pPr marL="0" indent="0">
-              <a:buNone/>
-            </a:pPr>
-            <a:r>
-              <a:rPr lang="en-US" altLang="zh-CN" dirty="0"/>
-              <a:t>2</a:t>
-            </a:r>
-            <a:r>
-              <a:rPr lang="zh-CN" altLang="en-US" dirty="0"/>
-              <a:t>、生命周期</a:t>
-            </a:r>
-            <a:endParaRPr lang="en-US" altLang="zh-CN" dirty="0"/>
-          </a:p>
-          <a:p>
-            <a:pPr marL="0" indent="0">
-              <a:buNone/>
-            </a:pPr>
-            <a:r>
-              <a:rPr lang="en-US" altLang="zh-CN" dirty="0"/>
-              <a:t>3</a:t>
-            </a:r>
-            <a:r>
-              <a:rPr lang="zh-CN" altLang="en-US" dirty="0"/>
-              <a:t>、双向绑定</a:t>
-            </a:r>
-            <a:endParaRPr lang="en-US" altLang="zh-CN" dirty="0"/>
-          </a:p>
-          <a:p>
-            <a:pPr marL="0" indent="0">
-              <a:buNone/>
-            </a:pPr>
-            <a:r>
-              <a:rPr lang="en-US" altLang="zh-CN" dirty="0"/>
-              <a:t>4</a:t>
-            </a:r>
-            <a:r>
-              <a:rPr lang="zh-CN" altLang="en-US" dirty="0"/>
-              <a:t>、组件和组件通信</a:t>
-            </a:r>
-            <a:endParaRPr lang="en-US" altLang="zh-CN" dirty="0"/>
-          </a:p>
-          <a:p>
-            <a:pPr marL="0" indent="0">
-              <a:buNone/>
-            </a:pPr>
-            <a:r>
-              <a:rPr lang="en-US" altLang="zh-CN" dirty="0"/>
-              <a:t>5</a:t>
-            </a:r>
-            <a:r>
-              <a:rPr lang="zh-CN" altLang="en-US" dirty="0"/>
-              <a:t>、</a:t>
-            </a:r>
-            <a:r>
-              <a:rPr lang="en-US" altLang="zh-CN" dirty="0"/>
-              <a:t>CSS</a:t>
-            </a:r>
-            <a:r>
-              <a:rPr lang="zh-CN" altLang="en-US" dirty="0"/>
-              <a:t>和</a:t>
-            </a:r>
-            <a:r>
-              <a:rPr lang="en-US" altLang="zh-CN" dirty="0"/>
-              <a:t>JS</a:t>
-            </a:r>
-            <a:r>
-              <a:rPr lang="zh-CN" altLang="en-US" dirty="0"/>
-              <a:t>相关优化配置</a:t>
-            </a:r>
-            <a:endParaRPr lang="en-US" altLang="zh-CN" dirty="0"/>
-          </a:p>
-          <a:p>
-            <a:pPr marL="0" indent="0">
-              <a:buNone/>
-            </a:pPr>
-            <a:r>
-              <a:rPr lang="en-US" altLang="zh-CN" dirty="0"/>
-              <a:t>6</a:t>
-            </a:r>
-            <a:r>
-              <a:rPr lang="zh-CN" altLang="en-US" dirty="0"/>
-              <a:t>、环境配置与调试</a:t>
-            </a:r>
-            <a:endParaRPr lang="en-US" altLang="zh-CN" dirty="0"/>
-          </a:p>
-          <a:p>
-            <a:pPr marL="0" indent="0">
-              <a:buNone/>
-            </a:pPr>
-            <a:r>
-              <a:rPr lang="en-US" altLang="zh-CN" dirty="0"/>
-              <a:t>7</a:t>
-            </a:r>
-            <a:r>
-              <a:rPr lang="zh-CN" altLang="en-US" dirty="0"/>
-              <a:t>、最佳实践</a:t>
-            </a:r>
-            <a:endParaRPr lang="en-US" altLang="zh-CN" dirty="0"/>
-          </a:p>
-          <a:p>
-            <a:pPr marL="0" indent="0">
-              <a:buNone/>
-            </a:pPr>
-            <a:endParaRPr lang="en-US" altLang="zh-CN" dirty="0"/>
-          </a:p>
-          <a:p>
-            <a:pPr marL="0" indent="0">
-              <a:buNone/>
-            </a:pPr>
-            <a:endParaRPr lang="en-US" altLang="zh-CN" dirty="0"/>
-          </a:p>
-          <a:p>
-            <a:endParaRPr lang="en-US" altLang="zh-CN" dirty="0"/>
-          </a:p>
-          <a:p>
-            <a:endParaRPr lang="en-US" altLang="zh-CN" dirty="0"/>
-          </a:p>
-        </p:txBody>
-      </p:sp>
-    </p:spTree>
-    <p:extLst>
-      <p:ext uri="{BB962C8B-B14F-4D97-AF65-F5344CB8AC3E}">
-        <p14:creationId xmlns:p14="http://schemas.microsoft.com/office/powerpoint/2010/main" val="3112565650"/>
-      </p:ext>
-    </p:extLst>
-  </p:cSld>
-  <p:clrMapOvr>
-    <a:masterClrMapping/>
-  </p:clrMapOvr>
-</p:sld>
-</file>
-
-<file path=ppt/slides/slide20.xml><?xml version="1.0" encoding="utf-8"?>
-<p:sld xmlns:a="http://schemas.openxmlformats.org/drawingml/2006/main" xmlns:r="http://schemas.openxmlformats.org/officeDocument/2006/relationships" xmlns:p="http://schemas.openxmlformats.org/presentationml/2006/main">
-  <p:cSld>
-    <p:spTree>
-      <p:nvGrpSpPr>
-        <p:cNvPr id="1" name=""/>
-        <p:cNvGrpSpPr/>
-        <p:nvPr/>
-      </p:nvGrpSpPr>
-      <p:grpSpPr>
-        <a:xfrm>
-          <a:off x="0" y="0"/>
-          <a:ext cx="0" cy="0"/>
-          <a:chOff x="0" y="0"/>
-          <a:chExt cx="0" cy="0"/>
-        </a:xfrm>
-      </p:grpSpPr>
-      <p:sp>
-        <p:nvSpPr>
-          <p:cNvPr id="2" name="标题 1">
-            <a:extLst>
-              <a:ext uri="{FF2B5EF4-FFF2-40B4-BE49-F238E27FC236}">
                 <a16:creationId xmlns:a16="http://schemas.microsoft.com/office/drawing/2014/main" id="{B7B4824E-59F2-4BEF-BED7-4F9976B41180}"/>
               </a:ext>
             </a:extLst>
@@ -6109,30 +6481,53 @@
           <a:lstStyle/>
           <a:p>
             <a:r>
-              <a:rPr lang="en-US" altLang="zh-CN" b="1" dirty="0"/>
+              <a:rPr lang="en-US" altLang="zh-CN" dirty="0"/>
               <a:t>5</a:t>
             </a:r>
             <a:r>
-              <a:rPr lang="zh-CN" altLang="en-US" b="1" dirty="0"/>
-              <a:t>、配置</a:t>
-            </a:r>
-            <a:r>
-              <a:rPr lang="en-US" altLang="zh-CN" b="1" dirty="0"/>
+              <a:rPr lang="zh-CN" altLang="en-US" dirty="0"/>
+              <a:t>、</a:t>
+            </a:r>
+            <a:r>
+              <a:rPr lang="en-US" altLang="zh-CN" dirty="0"/>
+              <a:t> </a:t>
+            </a:r>
+            <a:r>
+              <a:rPr lang="en-US" altLang="zh-CN" dirty="0" err="1"/>
+              <a:t>vue</a:t>
+            </a:r>
+            <a:r>
+              <a:rPr lang="en-US" altLang="zh-CN" dirty="0"/>
+              <a:t>-cli</a:t>
+            </a:r>
+            <a:r>
+              <a:rPr lang="zh-CN" altLang="en-US" dirty="0"/>
+              <a:t>优化</a:t>
+            </a:r>
+            <a:r>
+              <a:rPr lang="en-US" altLang="zh-CN" dirty="0"/>
+              <a:t>-</a:t>
+            </a:r>
+            <a:r>
+              <a:rPr lang="zh-CN" altLang="en-US" dirty="0"/>
+              <a:t>配置</a:t>
+            </a:r>
+            <a:r>
+              <a:rPr lang="en-US" altLang="zh-CN" dirty="0"/>
               <a:t>externals</a:t>
             </a:r>
             <a:r>
-              <a:rPr lang="zh-CN" altLang="en-US" b="1" dirty="0"/>
+              <a:rPr lang="zh-CN" altLang="en-US" dirty="0"/>
               <a:t>引入</a:t>
             </a:r>
             <a:r>
-              <a:rPr lang="en-US" altLang="zh-CN" b="1" dirty="0" err="1"/>
+              <a:rPr lang="en-US" altLang="zh-CN" dirty="0" err="1"/>
               <a:t>cdn</a:t>
             </a:r>
             <a:r>
-              <a:rPr lang="zh-CN" altLang="en-US" b="1" dirty="0"/>
+              <a:rPr lang="zh-CN" altLang="en-US" dirty="0"/>
               <a:t>资源</a:t>
             </a:r>
-            <a:endParaRPr lang="zh-CN" altLang="en-US" dirty="0"/>
           </a:p>
         </p:txBody>
       </p:sp>
@@ -6271,7 +6666,7 @@
 </p:sld>
 </file>
 
-<file path=ppt/slides/slide21.xml><?xml version="1.0" encoding="utf-8"?>
+<file path=ppt/slides/slide22.xml><?xml version="1.0" encoding="utf-8"?>
 <p:sld xmlns:a="http://schemas.openxmlformats.org/drawingml/2006/main" xmlns:r="http://schemas.openxmlformats.org/officeDocument/2006/relationships" xmlns:p="http://schemas.openxmlformats.org/presentationml/2006/main">
   <p:cSld>
     <p:spTree>
@@ -6315,7 +6710,15 @@
             </a:r>
             <a:r>
               <a:rPr lang="zh-CN" altLang="en-US" dirty="0"/>
-              <a:t>、环境配置和代理设置</a:t>
+              <a:t>、环境配置和调试</a:t>
+            </a:r>
+            <a:r>
+              <a:rPr lang="en-US" altLang="zh-CN" dirty="0"/>
+              <a:t>-</a:t>
+            </a:r>
+            <a:r>
+              <a:rPr lang="zh-CN" altLang="en-US" dirty="0"/>
+              <a:t>环境配置和代理设置</a:t>
             </a:r>
           </a:p>
         </p:txBody>
@@ -6455,7 +6858,7 @@
 </p:sld>
 </file>
 
-<file path=ppt/slides/slide22.xml><?xml version="1.0" encoding="utf-8"?>
+<file path=ppt/slides/slide23.xml><?xml version="1.0" encoding="utf-8"?>
 <p:sld xmlns:a="http://schemas.openxmlformats.org/drawingml/2006/main" xmlns:r="http://schemas.openxmlformats.org/officeDocument/2006/relationships" xmlns:p="http://schemas.openxmlformats.org/presentationml/2006/main">
   <p:cSld>
     <p:spTree>
@@ -6474,6 +6877,122 @@
       </p:grpSpPr>
       <p:sp>
         <p:nvSpPr>
+          <p:cNvPr id="2" name="标题 1"/>
+          <p:cNvSpPr>
+            <a:spLocks noGrp="1"/>
+          </p:cNvSpPr>
+          <p:nvPr>
+            <p:ph type="title"/>
+          </p:nvPr>
+        </p:nvSpPr>
+        <p:spPr/>
+        <p:txBody>
+          <a:bodyPr/>
+          <a:lstStyle/>
+          <a:p>
+            <a:r>
+              <a:rPr lang="en-US" altLang="zh-CN" dirty="0"/>
+              <a:t>6</a:t>
+            </a:r>
+            <a:r>
+              <a:rPr lang="zh-CN" altLang="en-US" dirty="0"/>
+              <a:t>、环境配置与调试</a:t>
+            </a:r>
+            <a:r>
+              <a:rPr lang="en-US" altLang="zh-CN" dirty="0"/>
+              <a:t>-</a:t>
+            </a:r>
+            <a:r>
+              <a:rPr kumimoji="1" lang="zh-CN" altLang="en-US" dirty="0"/>
+              <a:t>路由懒加载</a:t>
+            </a:r>
+          </a:p>
+        </p:txBody>
+      </p:sp>
+      <p:sp>
+        <p:nvSpPr>
+          <p:cNvPr id="3" name="内容占位符 2"/>
+          <p:cNvSpPr>
+            <a:spLocks noGrp="1"/>
+          </p:cNvSpPr>
+          <p:nvPr>
+            <p:ph idx="1"/>
+          </p:nvPr>
+        </p:nvSpPr>
+        <p:spPr/>
+        <p:txBody>
+          <a:bodyPr/>
+          <a:lstStyle/>
+          <a:p>
+            <a:endParaRPr kumimoji="1" lang="en-US" altLang="zh-CN" dirty="0"/>
+          </a:p>
+          <a:p>
+            <a:endParaRPr kumimoji="1" lang="zh-CN" altLang="en-US" dirty="0"/>
+          </a:p>
+        </p:txBody>
+      </p:sp>
+      <p:pic>
+        <p:nvPicPr>
+          <p:cNvPr id="5" name="图片 4">
+            <a:extLst>
+              <a:ext uri="{FF2B5EF4-FFF2-40B4-BE49-F238E27FC236}">
+                <a16:creationId xmlns:a16="http://schemas.microsoft.com/office/drawing/2014/main" id="{F1F6FFE1-940C-490B-A3EB-DFE6F59FA743}"/>
+              </a:ext>
+            </a:extLst>
+          </p:cNvPr>
+          <p:cNvPicPr>
+            <a:picLocks noChangeAspect="1"/>
+          </p:cNvPicPr>
+          <p:nvPr/>
+        </p:nvPicPr>
+        <p:blipFill>
+          <a:blip r:embed="rId2"/>
+          <a:stretch>
+            <a:fillRect/>
+          </a:stretch>
+        </p:blipFill>
+        <p:spPr>
+          <a:xfrm>
+            <a:off x="838200" y="1473200"/>
+            <a:ext cx="10096500" cy="5019675"/>
+          </a:xfrm>
+          <a:prstGeom prst="rect">
+            <a:avLst/>
+          </a:prstGeom>
+        </p:spPr>
+      </p:pic>
+    </p:spTree>
+    <p:extLst>
+      <p:ext uri="{BB962C8B-B14F-4D97-AF65-F5344CB8AC3E}">
+        <p14:creationId xmlns:p14="http://schemas.microsoft.com/office/powerpoint/2010/main" val="1439187200"/>
+      </p:ext>
+    </p:extLst>
+  </p:cSld>
+  <p:clrMapOvr>
+    <a:masterClrMapping/>
+  </p:clrMapOvr>
+</p:sld>
+</file>
+
+<file path=ppt/slides/slide24.xml><?xml version="1.0" encoding="utf-8"?>
+<p:sld xmlns:a="http://schemas.openxmlformats.org/drawingml/2006/main" xmlns:r="http://schemas.openxmlformats.org/officeDocument/2006/relationships" xmlns:p="http://schemas.openxmlformats.org/presentationml/2006/main">
+  <p:cSld>
+    <p:spTree>
+      <p:nvGrpSpPr>
+        <p:cNvPr id="1" name=""/>
+        <p:cNvGrpSpPr/>
+        <p:nvPr/>
+      </p:nvGrpSpPr>
+      <p:grpSpPr>
+        <a:xfrm>
+          <a:off x="0" y="0"/>
+          <a:ext cx="0" cy="0"/>
+          <a:chOff x="0" y="0"/>
+          <a:chExt cx="0" cy="0"/>
+        </a:xfrm>
+      </p:grpSpPr>
+      <p:sp>
+        <p:nvSpPr>
           <p:cNvPr id="2" name="标题 1">
             <a:extLst>
               <a:ext uri="{FF2B5EF4-FFF2-40B4-BE49-F238E27FC236}">
@@ -6499,7 +7018,15 @@
             </a:r>
             <a:r>
               <a:rPr lang="zh-CN" altLang="en-US" dirty="0"/>
-              <a:t>、打包环境配置和</a:t>
+              <a:t>、环境配置与调试</a:t>
+            </a:r>
+            <a:r>
+              <a:rPr lang="en-US" altLang="zh-CN" dirty="0"/>
+              <a:t>-build</a:t>
+            </a:r>
+            <a:r>
+              <a:rPr lang="zh-CN" altLang="en-US" dirty="0"/>
+              <a:t>和</a:t>
             </a:r>
             <a:r>
               <a:rPr lang="en-US" altLang="zh-CN" dirty="0"/>
@@ -6618,7 +7145,7 @@
 </p:sld>
 </file>
 
-<file path=ppt/slides/slide23.xml><?xml version="1.0" encoding="utf-8"?>
+<file path=ppt/slides/slide25.xml><?xml version="1.0" encoding="utf-8"?>
 <p:sld xmlns:a="http://schemas.openxmlformats.org/drawingml/2006/main" xmlns:r="http://schemas.openxmlformats.org/officeDocument/2006/relationships" xmlns:p="http://schemas.openxmlformats.org/presentationml/2006/main">
   <p:cSld>
     <p:spTree>
@@ -6637,118 +7164,6 @@
       </p:grpSpPr>
       <p:sp>
         <p:nvSpPr>
-          <p:cNvPr id="2" name="标题 1"/>
-          <p:cNvSpPr>
-            <a:spLocks noGrp="1"/>
-          </p:cNvSpPr>
-          <p:nvPr>
-            <p:ph type="title"/>
-          </p:nvPr>
-        </p:nvSpPr>
-        <p:spPr/>
-        <p:txBody>
-          <a:bodyPr/>
-          <a:lstStyle/>
-          <a:p>
-            <a:r>
-              <a:rPr lang="en-US" altLang="zh-CN" dirty="0"/>
-              <a:t>6</a:t>
-            </a:r>
-            <a:r>
-              <a:rPr lang="zh-CN" altLang="en-US" dirty="0"/>
-              <a:t>、</a:t>
-            </a:r>
-            <a:r>
-              <a:rPr kumimoji="1" lang="zh-CN" altLang="en-US" dirty="0"/>
-              <a:t>路由懒加载</a:t>
-            </a:r>
-          </a:p>
-        </p:txBody>
-      </p:sp>
-      <p:sp>
-        <p:nvSpPr>
-          <p:cNvPr id="3" name="内容占位符 2"/>
-          <p:cNvSpPr>
-            <a:spLocks noGrp="1"/>
-          </p:cNvSpPr>
-          <p:nvPr>
-            <p:ph idx="1"/>
-          </p:nvPr>
-        </p:nvSpPr>
-        <p:spPr/>
-        <p:txBody>
-          <a:bodyPr/>
-          <a:lstStyle/>
-          <a:p>
-            <a:endParaRPr kumimoji="1" lang="en-US" altLang="zh-CN" dirty="0"/>
-          </a:p>
-          <a:p>
-            <a:endParaRPr kumimoji="1" lang="zh-CN" altLang="en-US" dirty="0"/>
-          </a:p>
-        </p:txBody>
-      </p:sp>
-      <p:pic>
-        <p:nvPicPr>
-          <p:cNvPr id="5" name="图片 4">
-            <a:extLst>
-              <a:ext uri="{FF2B5EF4-FFF2-40B4-BE49-F238E27FC236}">
-                <a16:creationId xmlns:a16="http://schemas.microsoft.com/office/drawing/2014/main" id="{F1F6FFE1-940C-490B-A3EB-DFE6F59FA743}"/>
-              </a:ext>
-            </a:extLst>
-          </p:cNvPr>
-          <p:cNvPicPr>
-            <a:picLocks noChangeAspect="1"/>
-          </p:cNvPicPr>
-          <p:nvPr/>
-        </p:nvPicPr>
-        <p:blipFill>
-          <a:blip r:embed="rId2"/>
-          <a:stretch>
-            <a:fillRect/>
-          </a:stretch>
-        </p:blipFill>
-        <p:spPr>
-          <a:xfrm>
-            <a:off x="838200" y="1473200"/>
-            <a:ext cx="10096500" cy="5019675"/>
-          </a:xfrm>
-          <a:prstGeom prst="rect">
-            <a:avLst/>
-          </a:prstGeom>
-        </p:spPr>
-      </p:pic>
-    </p:spTree>
-    <p:extLst>
-      <p:ext uri="{BB962C8B-B14F-4D97-AF65-F5344CB8AC3E}">
-        <p14:creationId xmlns:p14="http://schemas.microsoft.com/office/powerpoint/2010/main" val="1439187200"/>
-      </p:ext>
-    </p:extLst>
-  </p:cSld>
-  <p:clrMapOvr>
-    <a:masterClrMapping/>
-  </p:clrMapOvr>
-</p:sld>
-</file>
-
-<file path=ppt/slides/slide24.xml><?xml version="1.0" encoding="utf-8"?>
-<p:sld xmlns:a="http://schemas.openxmlformats.org/drawingml/2006/main" xmlns:r="http://schemas.openxmlformats.org/officeDocument/2006/relationships" xmlns:p="http://schemas.openxmlformats.org/presentationml/2006/main">
-  <p:cSld>
-    <p:spTree>
-      <p:nvGrpSpPr>
-        <p:cNvPr id="1" name=""/>
-        <p:cNvGrpSpPr/>
-        <p:nvPr/>
-      </p:nvGrpSpPr>
-      <p:grpSpPr>
-        <a:xfrm>
-          <a:off x="0" y="0"/>
-          <a:ext cx="0" cy="0"/>
-          <a:chOff x="0" y="0"/>
-          <a:chExt cx="0" cy="0"/>
-        </a:xfrm>
-      </p:grpSpPr>
-      <p:sp>
-        <p:nvSpPr>
           <p:cNvPr id="2" name="标题 1">
             <a:extLst>
               <a:ext uri="{FF2B5EF4-FFF2-40B4-BE49-F238E27FC236}">
@@ -6774,11 +7189,11 @@
             </a:r>
             <a:r>
               <a:rPr lang="zh-CN" altLang="en-US" dirty="0"/>
-              <a:t>、 </a:t>
+              <a:t>、环境配置与调试</a:t>
             </a:r>
             <a:r>
               <a:rPr lang="en-US" altLang="zh-CN" dirty="0"/>
-              <a:t>VS Code </a:t>
+              <a:t>-VS Code </a:t>
             </a:r>
             <a:r>
               <a:rPr lang="zh-CN" altLang="en-US" dirty="0"/>
@@ -6871,8 +7286,8 @@
         </p:blipFill>
         <p:spPr>
           <a:xfrm>
-            <a:off x="6096000" y="570295"/>
-            <a:ext cx="3924300" cy="5943600"/>
+            <a:off x="6905297" y="1355833"/>
+            <a:ext cx="3924300" cy="5389289"/>
           </a:xfrm>
           <a:prstGeom prst="rect">
             <a:avLst/>
@@ -6892,7 +7307,7 @@
 </p:sld>
 </file>
 
-<file path=ppt/slides/slide25.xml><?xml version="1.0" encoding="utf-8"?>
+<file path=ppt/slides/slide26.xml><?xml version="1.0" encoding="utf-8"?>
 <p:sld xmlns:a="http://schemas.openxmlformats.org/drawingml/2006/main" xmlns:r="http://schemas.openxmlformats.org/officeDocument/2006/relationships" xmlns:p="http://schemas.openxmlformats.org/presentationml/2006/main">
   <p:cSld>
     <p:spTree>
@@ -6979,7 +7394,7 @@
 </p:sld>
 </file>
 
-<file path=ppt/slides/slide26.xml><?xml version="1.0" encoding="utf-8"?>
+<file path=ppt/slides/slide27.xml><?xml version="1.0" encoding="utf-8"?>
 <p:sld xmlns:a="http://schemas.openxmlformats.org/drawingml/2006/main" xmlns:r="http://schemas.openxmlformats.org/officeDocument/2006/relationships" xmlns:p="http://schemas.openxmlformats.org/presentationml/2006/main">
   <p:cSld>
     <p:spTree>
@@ -7109,7 +7524,19 @@
             </a:r>
             <a:r>
               <a:rPr kumimoji="1" lang="zh-CN" altLang="en-US" dirty="0"/>
-              <a:t>、创建脚手架模板</a:t>
+              <a:t>、</a:t>
+            </a:r>
+            <a:r>
+              <a:rPr lang="zh-CN" altLang="en-US" dirty="0"/>
+              <a:t>初始化</a:t>
+            </a:r>
+            <a:r>
+              <a:rPr lang="en-US" altLang="zh-CN" dirty="0"/>
+              <a:t>-</a:t>
+            </a:r>
+            <a:r>
+              <a:rPr kumimoji="1" lang="zh-CN" altLang="en-US" dirty="0"/>
+              <a:t>创建脚手架模板</a:t>
             </a:r>
           </a:p>
         </p:txBody>
@@ -7313,7 +7740,19 @@
             </a:r>
             <a:r>
               <a:rPr kumimoji="1" lang="zh-CN" altLang="en-US" dirty="0"/>
-              <a:t>、配置项</a:t>
+              <a:t>、</a:t>
+            </a:r>
+            <a:r>
+              <a:rPr lang="zh-CN" altLang="en-US" dirty="0"/>
+              <a:t>初始化</a:t>
+            </a:r>
+            <a:r>
+              <a:rPr lang="en-US" altLang="zh-CN" dirty="0"/>
+              <a:t>-</a:t>
+            </a:r>
+            <a:r>
+              <a:rPr kumimoji="1" lang="zh-CN" altLang="en-US" dirty="0"/>
+              <a:t>配置项</a:t>
             </a:r>
             <a:r>
               <a:rPr kumimoji="1" lang="en-US" altLang="zh-CN" dirty="0"/>
@@ -7432,7 +7871,19 @@
             </a:r>
             <a:r>
               <a:rPr kumimoji="1" lang="zh-CN" altLang="en-US" dirty="0"/>
-              <a:t>、配置项</a:t>
+              <a:t>、</a:t>
+            </a:r>
+            <a:r>
+              <a:rPr lang="zh-CN" altLang="en-US" dirty="0"/>
+              <a:t>初始化</a:t>
+            </a:r>
+            <a:r>
+              <a:rPr lang="en-US" altLang="zh-CN" dirty="0"/>
+              <a:t>-</a:t>
+            </a:r>
+            <a:r>
+              <a:rPr kumimoji="1" lang="zh-CN" altLang="en-US" dirty="0"/>
+              <a:t>配置项</a:t>
             </a:r>
             <a:r>
               <a:rPr kumimoji="1" lang="en-US" altLang="zh-CN" dirty="0"/>
@@ -7472,7 +7923,7 @@
         </p:blipFill>
         <p:spPr>
           <a:xfrm>
-            <a:off x="958516" y="1707212"/>
+            <a:off x="958516" y="1812312"/>
             <a:ext cx="7162800" cy="1206500"/>
           </a:xfrm>
           <a:prstGeom prst="rect">
@@ -7496,7 +7947,7 @@
         </p:blipFill>
         <p:spPr>
           <a:xfrm>
-            <a:off x="958516" y="3241774"/>
+            <a:off x="958516" y="3315344"/>
             <a:ext cx="7175500" cy="1016000"/>
           </a:xfrm>
           <a:prstGeom prst="rect">
@@ -7520,7 +7971,7 @@
         </p:blipFill>
         <p:spPr>
           <a:xfrm>
-            <a:off x="958516" y="4549925"/>
+            <a:off x="958516" y="4634006"/>
             <a:ext cx="7035800" cy="711200"/>
           </a:xfrm>
           <a:prstGeom prst="rect">
@@ -7544,7 +7995,7 @@
         </p:blipFill>
         <p:spPr>
           <a:xfrm>
-            <a:off x="958516" y="5518785"/>
+            <a:off x="958516" y="5697455"/>
             <a:ext cx="5130800" cy="279400"/>
           </a:xfrm>
           <a:prstGeom prst="rect">

--- a/doc/vue.pptx
+++ b/doc/vue.pptx
@@ -5,7 +5,7 @@
     <p:sldMasterId id="2147483648" r:id="rId1"/>
   </p:sldMasterIdLst>
   <p:notesMasterIdLst>
-    <p:notesMasterId r:id="rId29"/>
+    <p:notesMasterId r:id="rId31"/>
   </p:notesMasterIdLst>
   <p:sldIdLst>
     <p:sldId id="256" r:id="rId2"/>
@@ -20,21 +20,23 @@
     <p:sldId id="278" r:id="rId11"/>
     <p:sldId id="279" r:id="rId12"/>
     <p:sldId id="280" r:id="rId13"/>
-    <p:sldId id="274" r:id="rId14"/>
+    <p:sldId id="283" r:id="rId14"/>
     <p:sldId id="262" r:id="rId15"/>
     <p:sldId id="282" r:id="rId16"/>
     <p:sldId id="263" r:id="rId17"/>
-    <p:sldId id="268" r:id="rId18"/>
-    <p:sldId id="269" r:id="rId19"/>
-    <p:sldId id="270" r:id="rId20"/>
-    <p:sldId id="261" r:id="rId21"/>
-    <p:sldId id="267" r:id="rId22"/>
-    <p:sldId id="266" r:id="rId23"/>
-    <p:sldId id="260" r:id="rId24"/>
-    <p:sldId id="265" r:id="rId25"/>
-    <p:sldId id="264" r:id="rId26"/>
-    <p:sldId id="281" r:id="rId27"/>
-    <p:sldId id="271" r:id="rId28"/>
+    <p:sldId id="284" r:id="rId18"/>
+    <p:sldId id="285" r:id="rId19"/>
+    <p:sldId id="268" r:id="rId20"/>
+    <p:sldId id="269" r:id="rId21"/>
+    <p:sldId id="270" r:id="rId22"/>
+    <p:sldId id="261" r:id="rId23"/>
+    <p:sldId id="267" r:id="rId24"/>
+    <p:sldId id="266" r:id="rId25"/>
+    <p:sldId id="260" r:id="rId26"/>
+    <p:sldId id="265" r:id="rId27"/>
+    <p:sldId id="264" r:id="rId28"/>
+    <p:sldId id="281" r:id="rId29"/>
+    <p:sldId id="271" r:id="rId30"/>
   </p:sldIdLst>
   <p:sldSz cx="12192000" cy="6858000"/>
   <p:notesSz cx="6858000" cy="9144000"/>
@@ -4836,7 +4838,7 @@
           <p:cNvPr id="2" name="标题 1">
             <a:extLst>
               <a:ext uri="{FF2B5EF4-FFF2-40B4-BE49-F238E27FC236}">
-                <a16:creationId xmlns:a16="http://schemas.microsoft.com/office/drawing/2014/main" id="{8F4830D9-46F0-4921-94C6-EDF45DFB9C47}"/>
+                <a16:creationId xmlns:a16="http://schemas.microsoft.com/office/drawing/2014/main" id="{0A0E7417-2E4C-44C2-AA17-79EFC080F202}"/>
               </a:ext>
             </a:extLst>
           </p:cNvPr>
@@ -4860,6 +4862,11 @@
               <a:rPr lang="zh-CN" altLang="en-US" dirty="0"/>
               <a:t>、双向绑定</a:t>
             </a:r>
+            <a:r>
+              <a:rPr lang="en-US" altLang="zh-CN" dirty="0"/>
+              <a:t>- v-model</a:t>
+            </a:r>
+            <a:endParaRPr lang="zh-CN" altLang="en-US" dirty="0"/>
           </a:p>
         </p:txBody>
       </p:sp>
@@ -4868,7 +4875,7 @@
           <p:cNvPr id="3" name="内容占位符 2">
             <a:extLst>
               <a:ext uri="{FF2B5EF4-FFF2-40B4-BE49-F238E27FC236}">
-                <a16:creationId xmlns:a16="http://schemas.microsoft.com/office/drawing/2014/main" id="{613DD9ED-8A01-4143-BAF0-188B7EC16C9C}"/>
+                <a16:creationId xmlns:a16="http://schemas.microsoft.com/office/drawing/2014/main" id="{AAF42078-F164-418F-8076-658B4896B7E5}"/>
               </a:ext>
             </a:extLst>
           </p:cNvPr>
@@ -4884,14 +4891,85 @@
           <a:bodyPr/>
           <a:lstStyle/>
           <a:p>
-            <a:endParaRPr lang="zh-CN" altLang="en-US"/>
-          </a:p>
-        </p:txBody>
-      </p:sp>
+            <a:r>
+              <a:rPr lang="en-US" altLang="zh-CN" dirty="0"/>
+              <a:t>Input </a:t>
+            </a:r>
+            <a:r>
+              <a:rPr lang="zh-CN" altLang="en-US" dirty="0"/>
+              <a:t>为受控组件，它总会显示 </a:t>
+            </a:r>
+            <a:r>
+              <a:rPr lang="en-US" altLang="zh-CN" dirty="0" err="1"/>
+              <a:t>Vue</a:t>
+            </a:r>
+            <a:r>
+              <a:rPr lang="en-US" altLang="zh-CN" dirty="0"/>
+              <a:t> </a:t>
+            </a:r>
+            <a:r>
+              <a:rPr lang="zh-CN" altLang="en-US" dirty="0"/>
+              <a:t>绑定值。</a:t>
+            </a:r>
+          </a:p>
+          <a:p>
+            <a:r>
+              <a:rPr lang="zh-CN" altLang="en-US" dirty="0"/>
+              <a:t>通常情况下，应当处理 </a:t>
+            </a:r>
+            <a:r>
+              <a:rPr lang="en-US" altLang="zh-CN" dirty="0"/>
+              <a:t>input </a:t>
+            </a:r>
+            <a:r>
+              <a:rPr lang="zh-CN" altLang="en-US" dirty="0"/>
+              <a:t>事件，并更新组件的绑定值（或使用</a:t>
+            </a:r>
+            <a:r>
+              <a:rPr lang="en-US" altLang="zh-CN" dirty="0"/>
+              <a:t>v-model</a:t>
+            </a:r>
+            <a:r>
+              <a:rPr lang="zh-CN" altLang="en-US" dirty="0"/>
+              <a:t>）。否则，输入框内显示的值将不会改变。</a:t>
+            </a:r>
+          </a:p>
+        </p:txBody>
+      </p:sp>
+      <p:pic>
+        <p:nvPicPr>
+          <p:cNvPr id="5" name="内容占位符 3">
+            <a:extLst>
+              <a:ext uri="{FF2B5EF4-FFF2-40B4-BE49-F238E27FC236}">
+                <a16:creationId xmlns:a16="http://schemas.microsoft.com/office/drawing/2014/main" id="{58C500FF-A25C-4DFD-9B99-B3184891DF95}"/>
+              </a:ext>
+            </a:extLst>
+          </p:cNvPr>
+          <p:cNvPicPr>
+            <a:picLocks noChangeAspect="1"/>
+          </p:cNvPicPr>
+          <p:nvPr/>
+        </p:nvPicPr>
+        <p:blipFill>
+          <a:blip r:embed="rId2"/>
+          <a:stretch>
+            <a:fillRect/>
+          </a:stretch>
+        </p:blipFill>
+        <p:spPr>
+          <a:xfrm>
+            <a:off x="922283" y="3569548"/>
+            <a:ext cx="7439025" cy="695325"/>
+          </a:xfrm>
+          <a:prstGeom prst="rect">
+            <a:avLst/>
+          </a:prstGeom>
+        </p:spPr>
+      </p:pic>
     </p:spTree>
     <p:extLst>
       <p:ext uri="{BB962C8B-B14F-4D97-AF65-F5344CB8AC3E}">
-        <p14:creationId xmlns:p14="http://schemas.microsoft.com/office/powerpoint/2010/main" val="4167932103"/>
+        <p14:creationId xmlns:p14="http://schemas.microsoft.com/office/powerpoint/2010/main" val="3291844078"/>
       </p:ext>
     </p:extLst>
   </p:cSld>
@@ -5113,31 +5191,128 @@
           </a:p>
         </p:txBody>
       </p:sp>
-      <p:sp>
-        <p:nvSpPr>
-          <p:cNvPr id="3" name="内容占位符 2">
+      <p:pic>
+        <p:nvPicPr>
+          <p:cNvPr id="4" name="内容占位符 3">
             <a:extLst>
               <a:ext uri="{FF2B5EF4-FFF2-40B4-BE49-F238E27FC236}">
-                <a16:creationId xmlns:a16="http://schemas.microsoft.com/office/drawing/2014/main" id="{F6575F2F-8CB7-42F8-8AE3-FAFEF122ED74}"/>
+                <a16:creationId xmlns:a16="http://schemas.microsoft.com/office/drawing/2014/main" id="{18DD3023-08AB-48EF-9E17-0845C0BDEEC6}"/>
               </a:ext>
             </a:extLst>
           </p:cNvPr>
-          <p:cNvSpPr>
-            <a:spLocks noGrp="1"/>
-          </p:cNvSpPr>
+          <p:cNvPicPr>
+            <a:picLocks noGrp="1" noChangeAspect="1"/>
+          </p:cNvPicPr>
           <p:nvPr>
             <p:ph idx="1"/>
           </p:nvPr>
-        </p:nvSpPr>
-        <p:spPr/>
-        <p:txBody>
-          <a:bodyPr/>
-          <a:lstStyle/>
-          <a:p>
-            <a:endParaRPr lang="zh-CN" altLang="en-US" dirty="0"/>
-          </a:p>
-        </p:txBody>
-      </p:sp>
+        </p:nvPicPr>
+        <p:blipFill>
+          <a:blip r:embed="rId2"/>
+          <a:stretch>
+            <a:fillRect/>
+          </a:stretch>
+        </p:blipFill>
+        <p:spPr>
+          <a:xfrm>
+            <a:off x="838200" y="1690688"/>
+            <a:ext cx="5981700" cy="1162050"/>
+          </a:xfrm>
+          <a:prstGeom prst="rect">
+            <a:avLst/>
+          </a:prstGeom>
+        </p:spPr>
+      </p:pic>
+      <p:pic>
+        <p:nvPicPr>
+          <p:cNvPr id="5" name="图片 4">
+            <a:extLst>
+              <a:ext uri="{FF2B5EF4-FFF2-40B4-BE49-F238E27FC236}">
+                <a16:creationId xmlns:a16="http://schemas.microsoft.com/office/drawing/2014/main" id="{C09E32C7-1E56-4B9B-BB1B-4D70CF2B66AB}"/>
+              </a:ext>
+            </a:extLst>
+          </p:cNvPr>
+          <p:cNvPicPr>
+            <a:picLocks noChangeAspect="1"/>
+          </p:cNvPicPr>
+          <p:nvPr/>
+        </p:nvPicPr>
+        <p:blipFill>
+          <a:blip r:embed="rId3"/>
+          <a:stretch>
+            <a:fillRect/>
+          </a:stretch>
+        </p:blipFill>
+        <p:spPr>
+          <a:xfrm>
+            <a:off x="7301076" y="1690688"/>
+            <a:ext cx="4400550" cy="4543425"/>
+          </a:xfrm>
+          <a:prstGeom prst="rect">
+            <a:avLst/>
+          </a:prstGeom>
+        </p:spPr>
+      </p:pic>
+      <p:pic>
+        <p:nvPicPr>
+          <p:cNvPr id="6" name="图片 5">
+            <a:extLst>
+              <a:ext uri="{FF2B5EF4-FFF2-40B4-BE49-F238E27FC236}">
+                <a16:creationId xmlns:a16="http://schemas.microsoft.com/office/drawing/2014/main" id="{F76DC550-C21B-4D9A-B39B-C75C8473F7DC}"/>
+              </a:ext>
+            </a:extLst>
+          </p:cNvPr>
+          <p:cNvPicPr>
+            <a:picLocks noChangeAspect="1"/>
+          </p:cNvPicPr>
+          <p:nvPr/>
+        </p:nvPicPr>
+        <p:blipFill>
+          <a:blip r:embed="rId4"/>
+          <a:stretch>
+            <a:fillRect/>
+          </a:stretch>
+        </p:blipFill>
+        <p:spPr>
+          <a:xfrm>
+            <a:off x="838200" y="4158266"/>
+            <a:ext cx="6353175" cy="962025"/>
+          </a:xfrm>
+          <a:prstGeom prst="rect">
+            <a:avLst/>
+          </a:prstGeom>
+        </p:spPr>
+      </p:pic>
+      <p:pic>
+        <p:nvPicPr>
+          <p:cNvPr id="7" name="图片 6">
+            <a:extLst>
+              <a:ext uri="{FF2B5EF4-FFF2-40B4-BE49-F238E27FC236}">
+                <a16:creationId xmlns:a16="http://schemas.microsoft.com/office/drawing/2014/main" id="{691708E2-7A38-4372-87D5-7F3293A17895}"/>
+              </a:ext>
+            </a:extLst>
+          </p:cNvPr>
+          <p:cNvPicPr>
+            <a:picLocks noChangeAspect="1"/>
+          </p:cNvPicPr>
+          <p:nvPr/>
+        </p:nvPicPr>
+        <p:blipFill>
+          <a:blip r:embed="rId5"/>
+          <a:stretch>
+            <a:fillRect/>
+          </a:stretch>
+        </p:blipFill>
+        <p:spPr>
+          <a:xfrm>
+            <a:off x="838200" y="3319462"/>
+            <a:ext cx="4857750" cy="219075"/>
+          </a:xfrm>
+          <a:prstGeom prst="rect">
+            <a:avLst/>
+          </a:prstGeom>
+        </p:spPr>
+      </p:pic>
     </p:spTree>
     <p:extLst>
       <p:ext uri="{BB962C8B-B14F-4D97-AF65-F5344CB8AC3E}">
@@ -5507,6 +5682,463 @@
           <p:cNvPr id="2" name="标题 1">
             <a:extLst>
               <a:ext uri="{FF2B5EF4-FFF2-40B4-BE49-F238E27FC236}">
+                <a16:creationId xmlns:a16="http://schemas.microsoft.com/office/drawing/2014/main" id="{A5EB60D0-34C7-4381-B826-C12031F8FCA3}"/>
+              </a:ext>
+            </a:extLst>
+          </p:cNvPr>
+          <p:cNvSpPr>
+            <a:spLocks noGrp="1"/>
+          </p:cNvSpPr>
+          <p:nvPr>
+            <p:ph type="title"/>
+          </p:nvPr>
+        </p:nvSpPr>
+        <p:spPr/>
+        <p:txBody>
+          <a:bodyPr/>
+          <a:lstStyle/>
+          <a:p>
+            <a:r>
+              <a:rPr kumimoji="1" lang="en-US" altLang="zh-CN" dirty="0"/>
+              <a:t>4</a:t>
+            </a:r>
+            <a:r>
+              <a:rPr kumimoji="1" lang="zh-CN" altLang="en-US" dirty="0"/>
+              <a:t>、</a:t>
+            </a:r>
+            <a:r>
+              <a:rPr lang="zh-CN" altLang="en-US" dirty="0"/>
+              <a:t>组件和组件通信</a:t>
+            </a:r>
+            <a:r>
+              <a:rPr lang="en-US" altLang="zh-CN" dirty="0"/>
+              <a:t>-</a:t>
+            </a:r>
+            <a:r>
+              <a:rPr kumimoji="1" lang="zh-CN" altLang="en-US" dirty="0"/>
+              <a:t>数据交互</a:t>
+            </a:r>
+            <a:endParaRPr lang="zh-CN" altLang="en-US" dirty="0"/>
+          </a:p>
+        </p:txBody>
+      </p:sp>
+      <p:sp>
+        <p:nvSpPr>
+          <p:cNvPr id="4" name="AutoShape 2" descr="https://mmbiz.qpic.cn/mmbiz_png/zewrLkrYfsMrdVSbzwxKzLia3VDF6JFmzgIRoXcMXhICcMKfOMTEJltOay7Q3FDYu2cebjJACQwy7WSiaFaKtj0w/640?wx_fmt=png&amp;tp=webp&amp;wxfrom=5&amp;wx_lazy=1&amp;wx_co=1">
+            <a:extLst>
+              <a:ext uri="{FF2B5EF4-FFF2-40B4-BE49-F238E27FC236}">
+                <a16:creationId xmlns:a16="http://schemas.microsoft.com/office/drawing/2014/main" id="{167FD107-28C9-430C-AD1C-701556067903}"/>
+              </a:ext>
+            </a:extLst>
+          </p:cNvPr>
+          <p:cNvSpPr>
+            <a:spLocks noGrp="1" noChangeAspect="1" noChangeArrowheads="1"/>
+          </p:cNvSpPr>
+          <p:nvPr>
+            <p:ph idx="1"/>
+          </p:nvPr>
+        </p:nvSpPr>
+        <p:spPr bwMode="auto">
+          <a:xfrm>
+            <a:off x="838199" y="1825625"/>
+            <a:ext cx="6403429" cy="4351338"/>
+          </a:xfrm>
+          <a:prstGeom prst="rect">
+            <a:avLst/>
+          </a:prstGeom>
+          <a:noFill/>
+          <a:extLst>
+            <a:ext uri="{909E8E84-426E-40DD-AFC4-6F175D3DCCD1}">
+              <a14:hiddenFill xmlns:a14="http://schemas.microsoft.com/office/drawing/2010/main">
+                <a:solidFill>
+                  <a:srgbClr val="FFFFFF"/>
+                </a:solidFill>
+              </a14:hiddenFill>
+            </a:ext>
+          </a:extLst>
+        </p:spPr>
+        <p:txBody>
+          <a:bodyPr vert="horz" wrap="square" lIns="91440" tIns="45720" rIns="91440" bIns="45720" numCol="1" anchor="t" anchorCtr="0" compatLnSpc="1">
+            <a:prstTxWarp prst="textNoShape">
+              <a:avLst/>
+            </a:prstTxWarp>
+          </a:bodyPr>
+          <a:lstStyle/>
+          <a:p>
+            <a:r>
+              <a:rPr lang="en-US" altLang="zh-CN" dirty="0"/>
+              <a:t>A </a:t>
+            </a:r>
+            <a:r>
+              <a:rPr lang="zh-CN" altLang="en-US" dirty="0"/>
+              <a:t>和 </a:t>
+            </a:r>
+            <a:r>
+              <a:rPr lang="en-US" altLang="zh-CN" dirty="0"/>
+              <a:t>B</a:t>
+            </a:r>
+            <a:r>
+              <a:rPr lang="zh-CN" altLang="en-US" dirty="0"/>
+              <a:t>、</a:t>
+            </a:r>
+            <a:r>
+              <a:rPr lang="en-US" altLang="zh-CN" dirty="0"/>
+              <a:t>B </a:t>
+            </a:r>
+            <a:r>
+              <a:rPr lang="zh-CN" altLang="en-US" dirty="0"/>
+              <a:t>和 </a:t>
+            </a:r>
+            <a:r>
+              <a:rPr lang="en-US" altLang="zh-CN" dirty="0"/>
+              <a:t>C</a:t>
+            </a:r>
+            <a:r>
+              <a:rPr lang="zh-CN" altLang="en-US" dirty="0"/>
+              <a:t>、</a:t>
+            </a:r>
+            <a:r>
+              <a:rPr lang="en-US" altLang="zh-CN" dirty="0"/>
+              <a:t>B </a:t>
+            </a:r>
+            <a:r>
+              <a:rPr lang="zh-CN" altLang="en-US" dirty="0"/>
+              <a:t>和 </a:t>
+            </a:r>
+            <a:r>
+              <a:rPr lang="en-US" altLang="zh-CN" dirty="0"/>
+              <a:t>D </a:t>
+            </a:r>
+            <a:r>
+              <a:rPr lang="zh-CN" altLang="en-US" dirty="0"/>
+              <a:t>都是父子关系，</a:t>
+            </a:r>
+            <a:r>
+              <a:rPr lang="en-US" altLang="zh-CN" dirty="0"/>
+              <a:t>C </a:t>
+            </a:r>
+            <a:r>
+              <a:rPr lang="zh-CN" altLang="en-US" dirty="0"/>
+              <a:t>和 </a:t>
+            </a:r>
+            <a:r>
+              <a:rPr lang="en-US" altLang="zh-CN" dirty="0"/>
+              <a:t>D </a:t>
+            </a:r>
+            <a:r>
+              <a:rPr lang="zh-CN" altLang="en-US" dirty="0"/>
+              <a:t>是兄弟关系，</a:t>
+            </a:r>
+            <a:r>
+              <a:rPr lang="en-US" altLang="zh-CN" dirty="0"/>
+              <a:t>A </a:t>
+            </a:r>
+            <a:r>
+              <a:rPr lang="zh-CN" altLang="en-US" dirty="0"/>
+              <a:t>和 </a:t>
+            </a:r>
+            <a:r>
+              <a:rPr lang="en-US" altLang="zh-CN" dirty="0"/>
+              <a:t>C </a:t>
+            </a:r>
+            <a:r>
+              <a:rPr lang="zh-CN" altLang="en-US" dirty="0"/>
+              <a:t>是隔代关系（可能隔多代）</a:t>
+            </a:r>
+            <a:endParaRPr lang="en-US" altLang="zh-CN" dirty="0"/>
+          </a:p>
+          <a:p>
+            <a:endParaRPr lang="en-US" altLang="zh-CN" dirty="0"/>
+          </a:p>
+          <a:p>
+            <a:r>
+              <a:rPr lang="en-US" altLang="zh-CN" dirty="0" err="1"/>
+              <a:t>vue</a:t>
+            </a:r>
+            <a:r>
+              <a:rPr lang="zh-CN" altLang="en-US" dirty="0"/>
+              <a:t>组件间通信的几种方式，如</a:t>
+            </a:r>
+            <a:r>
+              <a:rPr lang="en-US" altLang="zh-CN" dirty="0"/>
+              <a:t>props</a:t>
+            </a:r>
+            <a:r>
+              <a:rPr lang="zh-CN" altLang="en-US" dirty="0"/>
+              <a:t>、 </a:t>
+            </a:r>
+            <a:r>
+              <a:rPr lang="en-US" altLang="zh-CN" dirty="0"/>
+              <a:t>$emit/ $on</a:t>
+            </a:r>
+            <a:r>
+              <a:rPr lang="zh-CN" altLang="en-US" dirty="0"/>
+              <a:t>、</a:t>
+            </a:r>
+            <a:r>
+              <a:rPr lang="en-US" altLang="zh-CN" dirty="0" err="1"/>
+              <a:t>vuex</a:t>
+            </a:r>
+            <a:r>
+              <a:rPr lang="zh-CN" altLang="en-US" dirty="0"/>
+              <a:t>、 </a:t>
+            </a:r>
+            <a:r>
+              <a:rPr lang="en-US" altLang="zh-CN" dirty="0"/>
+              <a:t>$parent / $children</a:t>
+            </a:r>
+            <a:r>
+              <a:rPr lang="zh-CN" altLang="en-US" dirty="0"/>
+              <a:t>、 </a:t>
+            </a:r>
+            <a:r>
+              <a:rPr lang="en-US" altLang="zh-CN" dirty="0"/>
+              <a:t>$</a:t>
+            </a:r>
+            <a:r>
+              <a:rPr lang="en-US" altLang="zh-CN" dirty="0" err="1"/>
+              <a:t>attrs</a:t>
+            </a:r>
+            <a:r>
+              <a:rPr lang="en-US" altLang="zh-CN" dirty="0"/>
+              <a:t>/ $listeners</a:t>
+            </a:r>
+            <a:r>
+              <a:rPr lang="zh-CN" altLang="en-US" dirty="0"/>
+              <a:t>和</a:t>
+            </a:r>
+            <a:r>
+              <a:rPr lang="en-US" altLang="zh-CN" dirty="0"/>
+              <a:t>provide/inject</a:t>
+            </a:r>
+            <a:endParaRPr lang="zh-CN" altLang="en-US" dirty="0"/>
+          </a:p>
+        </p:txBody>
+      </p:sp>
+      <p:pic>
+        <p:nvPicPr>
+          <p:cNvPr id="5" name="图片 4">
+            <a:extLst>
+              <a:ext uri="{FF2B5EF4-FFF2-40B4-BE49-F238E27FC236}">
+                <a16:creationId xmlns:a16="http://schemas.microsoft.com/office/drawing/2014/main" id="{AD7E29B6-69BE-435E-A2F1-DDC8EA038AB9}"/>
+              </a:ext>
+            </a:extLst>
+          </p:cNvPr>
+          <p:cNvPicPr>
+            <a:picLocks noChangeAspect="1"/>
+          </p:cNvPicPr>
+          <p:nvPr/>
+        </p:nvPicPr>
+        <p:blipFill>
+          <a:blip r:embed="rId2"/>
+          <a:stretch>
+            <a:fillRect/>
+          </a:stretch>
+        </p:blipFill>
+        <p:spPr>
+          <a:xfrm>
+            <a:off x="7136523" y="1458611"/>
+            <a:ext cx="4887311" cy="5085366"/>
+          </a:xfrm>
+          <a:prstGeom prst="rect">
+            <a:avLst/>
+          </a:prstGeom>
+        </p:spPr>
+      </p:pic>
+    </p:spTree>
+    <p:extLst>
+      <p:ext uri="{BB962C8B-B14F-4D97-AF65-F5344CB8AC3E}">
+        <p14:creationId xmlns:p14="http://schemas.microsoft.com/office/powerpoint/2010/main" val="3626650137"/>
+      </p:ext>
+    </p:extLst>
+  </p:cSld>
+  <p:clrMapOvr>
+    <a:masterClrMapping/>
+  </p:clrMapOvr>
+</p:sld>
+</file>
+
+<file path=ppt/slides/slide18.xml><?xml version="1.0" encoding="utf-8"?>
+<p:sld xmlns:a="http://schemas.openxmlformats.org/drawingml/2006/main" xmlns:r="http://schemas.openxmlformats.org/officeDocument/2006/relationships" xmlns:p="http://schemas.openxmlformats.org/presentationml/2006/main">
+  <p:cSld>
+    <p:spTree>
+      <p:nvGrpSpPr>
+        <p:cNvPr id="1" name=""/>
+        <p:cNvGrpSpPr/>
+        <p:nvPr/>
+      </p:nvGrpSpPr>
+      <p:grpSpPr>
+        <a:xfrm>
+          <a:off x="0" y="0"/>
+          <a:ext cx="0" cy="0"/>
+          <a:chOff x="0" y="0"/>
+          <a:chExt cx="0" cy="0"/>
+        </a:xfrm>
+      </p:grpSpPr>
+      <p:sp>
+        <p:nvSpPr>
+          <p:cNvPr id="2" name="标题 1">
+            <a:extLst>
+              <a:ext uri="{FF2B5EF4-FFF2-40B4-BE49-F238E27FC236}">
+                <a16:creationId xmlns:a16="http://schemas.microsoft.com/office/drawing/2014/main" id="{5BCA4889-ACF8-484A-8E09-0F9FE04F97C2}"/>
+              </a:ext>
+            </a:extLst>
+          </p:cNvPr>
+          <p:cNvSpPr>
+            <a:spLocks noGrp="1"/>
+          </p:cNvSpPr>
+          <p:nvPr>
+            <p:ph type="title"/>
+          </p:nvPr>
+        </p:nvSpPr>
+        <p:spPr/>
+        <p:txBody>
+          <a:bodyPr/>
+          <a:lstStyle/>
+          <a:p>
+            <a:r>
+              <a:rPr kumimoji="1" lang="en-US" altLang="zh-CN" dirty="0"/>
+              <a:t>4</a:t>
+            </a:r>
+            <a:r>
+              <a:rPr kumimoji="1" lang="zh-CN" altLang="en-US" dirty="0"/>
+              <a:t>、</a:t>
+            </a:r>
+            <a:r>
+              <a:rPr lang="zh-CN" altLang="en-US" dirty="0"/>
+              <a:t>组件和组件通信</a:t>
+            </a:r>
+            <a:r>
+              <a:rPr lang="en-US" altLang="zh-CN" dirty="0"/>
+              <a:t>-</a:t>
+            </a:r>
+            <a:r>
+              <a:rPr kumimoji="1" lang="en-US" altLang="zh-CN" dirty="0"/>
+              <a:t>props/ $emit</a:t>
+            </a:r>
+            <a:endParaRPr lang="zh-CN" altLang="en-US" dirty="0"/>
+          </a:p>
+        </p:txBody>
+      </p:sp>
+      <p:sp>
+        <p:nvSpPr>
+          <p:cNvPr id="3" name="内容占位符 2">
+            <a:extLst>
+              <a:ext uri="{FF2B5EF4-FFF2-40B4-BE49-F238E27FC236}">
+                <a16:creationId xmlns:a16="http://schemas.microsoft.com/office/drawing/2014/main" id="{FB01E807-A932-43CB-A523-5887BDF7E085}"/>
+              </a:ext>
+            </a:extLst>
+          </p:cNvPr>
+          <p:cNvSpPr>
+            <a:spLocks noGrp="1"/>
+          </p:cNvSpPr>
+          <p:nvPr>
+            <p:ph idx="1"/>
+          </p:nvPr>
+        </p:nvSpPr>
+        <p:spPr/>
+        <p:txBody>
+          <a:bodyPr/>
+          <a:lstStyle/>
+          <a:p>
+            <a:r>
+              <a:rPr lang="zh-CN" altLang="en-US" dirty="0"/>
+              <a:t>场景：父组件</a:t>
+            </a:r>
+            <a:r>
+              <a:rPr lang="en-US" altLang="zh-CN" dirty="0"/>
+              <a:t>A</a:t>
+            </a:r>
+            <a:r>
+              <a:rPr lang="zh-CN" altLang="en-US" dirty="0"/>
+              <a:t>通过</a:t>
+            </a:r>
+            <a:r>
+              <a:rPr lang="en-US" altLang="zh-CN" dirty="0"/>
+              <a:t>props</a:t>
+            </a:r>
+            <a:r>
+              <a:rPr lang="zh-CN" altLang="en-US" dirty="0"/>
+              <a:t>的方式向子组件</a:t>
+            </a:r>
+            <a:r>
+              <a:rPr lang="en-US" altLang="zh-CN" dirty="0"/>
+              <a:t>B</a:t>
+            </a:r>
+            <a:r>
+              <a:rPr lang="zh-CN" altLang="en-US" dirty="0"/>
+              <a:t>传递，</a:t>
+            </a:r>
+            <a:r>
+              <a:rPr lang="en-US" altLang="zh-CN" dirty="0"/>
+              <a:t>B to A </a:t>
+            </a:r>
+            <a:r>
+              <a:rPr lang="zh-CN" altLang="en-US" dirty="0"/>
+              <a:t>通过在 </a:t>
+            </a:r>
+            <a:r>
+              <a:rPr lang="en-US" altLang="zh-CN" dirty="0"/>
+              <a:t>B </a:t>
+            </a:r>
+            <a:r>
+              <a:rPr lang="zh-CN" altLang="en-US" dirty="0"/>
+              <a:t>组件中 </a:t>
+            </a:r>
+            <a:r>
+              <a:rPr lang="en-US" altLang="zh-CN" dirty="0"/>
+              <a:t>$emit, A </a:t>
+            </a:r>
+            <a:r>
+              <a:rPr lang="zh-CN" altLang="en-US" dirty="0"/>
+              <a:t>组件中 </a:t>
+            </a:r>
+            <a:r>
+              <a:rPr lang="en-US" altLang="zh-CN" dirty="0"/>
+              <a:t>v-on </a:t>
+            </a:r>
+            <a:r>
+              <a:rPr lang="zh-CN" altLang="en-US" dirty="0"/>
+              <a:t>的方式实现。</a:t>
+            </a:r>
+          </a:p>
+        </p:txBody>
+      </p:sp>
+    </p:spTree>
+    <p:extLst>
+      <p:ext uri="{BB962C8B-B14F-4D97-AF65-F5344CB8AC3E}">
+        <p14:creationId xmlns:p14="http://schemas.microsoft.com/office/powerpoint/2010/main" val="3624430695"/>
+      </p:ext>
+    </p:extLst>
+  </p:cSld>
+  <p:clrMapOvr>
+    <a:masterClrMapping/>
+  </p:clrMapOvr>
+</p:sld>
+</file>
+
+<file path=ppt/slides/slide19.xml><?xml version="1.0" encoding="utf-8"?>
+<p:sld xmlns:a="http://schemas.openxmlformats.org/drawingml/2006/main" xmlns:r="http://schemas.openxmlformats.org/officeDocument/2006/relationships" xmlns:p="http://schemas.openxmlformats.org/presentationml/2006/main">
+  <p:cSld>
+    <p:spTree>
+      <p:nvGrpSpPr>
+        <p:cNvPr id="1" name=""/>
+        <p:cNvGrpSpPr/>
+        <p:nvPr/>
+      </p:nvGrpSpPr>
+      <p:grpSpPr>
+        <a:xfrm>
+          <a:off x="0" y="0"/>
+          <a:ext cx="0" cy="0"/>
+          <a:chOff x="0" y="0"/>
+          <a:chExt cx="0" cy="0"/>
+        </a:xfrm>
+      </p:grpSpPr>
+      <p:sp>
+        <p:nvSpPr>
+          <p:cNvPr id="2" name="标题 1">
+            <a:extLst>
+              <a:ext uri="{FF2B5EF4-FFF2-40B4-BE49-F238E27FC236}">
                 <a16:creationId xmlns:a16="http://schemas.microsoft.com/office/drawing/2014/main" id="{FF1A4B77-9446-4770-9AA5-0D5992347FA0}"/>
               </a:ext>
             </a:extLst>
@@ -5664,7 +6296,216 @@
 </p:sld>
 </file>
 
-<file path=ppt/slides/slide18.xml><?xml version="1.0" encoding="utf-8"?>
+<file path=ppt/slides/slide2.xml><?xml version="1.0" encoding="utf-8"?>
+<p:sld xmlns:a="http://schemas.openxmlformats.org/drawingml/2006/main" xmlns:r="http://schemas.openxmlformats.org/officeDocument/2006/relationships" xmlns:p="http://schemas.openxmlformats.org/presentationml/2006/main">
+  <p:cSld>
+    <p:spTree>
+      <p:nvGrpSpPr>
+        <p:cNvPr id="1" name=""/>
+        <p:cNvGrpSpPr/>
+        <p:nvPr/>
+      </p:nvGrpSpPr>
+      <p:grpSpPr>
+        <a:xfrm>
+          <a:off x="0" y="0"/>
+          <a:ext cx="0" cy="0"/>
+          <a:chOff x="0" y="0"/>
+          <a:chExt cx="0" cy="0"/>
+        </a:xfrm>
+      </p:grpSpPr>
+      <p:sp>
+        <p:nvSpPr>
+          <p:cNvPr id="2" name="标题 1">
+            <a:extLst>
+              <a:ext uri="{FF2B5EF4-FFF2-40B4-BE49-F238E27FC236}">
+                <a16:creationId xmlns:a16="http://schemas.microsoft.com/office/drawing/2014/main" id="{9D1684B9-985E-47F5-A474-082B14F95D79}"/>
+              </a:ext>
+            </a:extLst>
+          </p:cNvPr>
+          <p:cNvSpPr>
+            <a:spLocks noGrp="1"/>
+          </p:cNvSpPr>
+          <p:nvPr>
+            <p:ph type="title"/>
+          </p:nvPr>
+        </p:nvSpPr>
+        <p:spPr/>
+        <p:txBody>
+          <a:bodyPr/>
+          <a:lstStyle/>
+          <a:p>
+            <a:pPr algn="ctr"/>
+            <a:r>
+              <a:rPr lang="zh-CN" altLang="en-US" dirty="0"/>
+              <a:t>目录</a:t>
+            </a:r>
+          </a:p>
+        </p:txBody>
+      </p:sp>
+      <p:sp>
+        <p:nvSpPr>
+          <p:cNvPr id="3" name="内容占位符 2">
+            <a:extLst>
+              <a:ext uri="{FF2B5EF4-FFF2-40B4-BE49-F238E27FC236}">
+                <a16:creationId xmlns:a16="http://schemas.microsoft.com/office/drawing/2014/main" id="{689B31AB-61F7-4340-B9A5-5F1098608018}"/>
+              </a:ext>
+            </a:extLst>
+          </p:cNvPr>
+          <p:cNvSpPr>
+            <a:spLocks noGrp="1"/>
+          </p:cNvSpPr>
+          <p:nvPr>
+            <p:ph idx="1"/>
+          </p:nvPr>
+        </p:nvSpPr>
+        <p:spPr/>
+        <p:txBody>
+          <a:bodyPr/>
+          <a:lstStyle/>
+          <a:p>
+            <a:pPr marL="0" indent="0">
+              <a:buNone/>
+            </a:pPr>
+            <a:r>
+              <a:rPr lang="en-US" altLang="zh-CN" dirty="0"/>
+              <a:t>1</a:t>
+            </a:r>
+            <a:r>
+              <a:rPr lang="zh-CN" altLang="en-US" dirty="0"/>
+              <a:t>、初始化</a:t>
+            </a:r>
+            <a:endParaRPr lang="en-US" altLang="zh-CN" dirty="0"/>
+          </a:p>
+          <a:p>
+            <a:pPr marL="0" indent="0">
+              <a:buNone/>
+            </a:pPr>
+            <a:r>
+              <a:rPr lang="en-US" altLang="zh-CN" dirty="0"/>
+              <a:t>2</a:t>
+            </a:r>
+            <a:r>
+              <a:rPr lang="zh-CN" altLang="en-US" dirty="0"/>
+              <a:t>、生命周期</a:t>
+            </a:r>
+            <a:endParaRPr lang="en-US" altLang="zh-CN" dirty="0"/>
+          </a:p>
+          <a:p>
+            <a:pPr marL="0" indent="0">
+              <a:buNone/>
+            </a:pPr>
+            <a:r>
+              <a:rPr lang="en-US" altLang="zh-CN" dirty="0"/>
+              <a:t>3</a:t>
+            </a:r>
+            <a:r>
+              <a:rPr lang="zh-CN" altLang="en-US" dirty="0"/>
+              <a:t>、双向绑定</a:t>
+            </a:r>
+            <a:endParaRPr lang="en-US" altLang="zh-CN" dirty="0"/>
+          </a:p>
+          <a:p>
+            <a:pPr marL="0" indent="0">
+              <a:buNone/>
+            </a:pPr>
+            <a:r>
+              <a:rPr lang="en-US" altLang="zh-CN" dirty="0"/>
+              <a:t>4</a:t>
+            </a:r>
+            <a:r>
+              <a:rPr lang="zh-CN" altLang="en-US" dirty="0"/>
+              <a:t>、组件和组件通信</a:t>
+            </a:r>
+            <a:endParaRPr lang="en-US" altLang="zh-CN" dirty="0"/>
+          </a:p>
+          <a:p>
+            <a:pPr marL="0" indent="0">
+              <a:buNone/>
+            </a:pPr>
+            <a:r>
+              <a:rPr lang="en-US" altLang="zh-CN" dirty="0"/>
+              <a:t>5</a:t>
+            </a:r>
+            <a:r>
+              <a:rPr lang="zh-CN" altLang="en-US" dirty="0"/>
+              <a:t>、</a:t>
+            </a:r>
+            <a:r>
+              <a:rPr lang="en-US" altLang="zh-CN" dirty="0" err="1"/>
+              <a:t>vue</a:t>
+            </a:r>
+            <a:r>
+              <a:rPr lang="en-US" altLang="zh-CN" dirty="0"/>
+              <a:t>-cli</a:t>
+            </a:r>
+            <a:r>
+              <a:rPr lang="zh-CN" altLang="en-US" dirty="0"/>
+              <a:t>优化</a:t>
+            </a:r>
+            <a:endParaRPr lang="en-US" altLang="zh-CN" dirty="0"/>
+          </a:p>
+          <a:p>
+            <a:pPr marL="0" indent="0">
+              <a:buNone/>
+            </a:pPr>
+            <a:r>
+              <a:rPr lang="en-US" altLang="zh-CN" dirty="0"/>
+              <a:t>6</a:t>
+            </a:r>
+            <a:r>
+              <a:rPr lang="zh-CN" altLang="en-US" dirty="0"/>
+              <a:t>、环境配置与调试</a:t>
+            </a:r>
+            <a:endParaRPr lang="en-US" altLang="zh-CN" dirty="0"/>
+          </a:p>
+          <a:p>
+            <a:pPr marL="0" indent="0">
+              <a:buNone/>
+            </a:pPr>
+            <a:r>
+              <a:rPr lang="en-US" altLang="zh-CN" dirty="0"/>
+              <a:t>7</a:t>
+            </a:r>
+            <a:r>
+              <a:rPr lang="zh-CN" altLang="en-US" dirty="0"/>
+              <a:t>、最佳实践</a:t>
+            </a:r>
+            <a:endParaRPr lang="en-US" altLang="zh-CN" dirty="0"/>
+          </a:p>
+          <a:p>
+            <a:pPr marL="0" indent="0">
+              <a:buNone/>
+            </a:pPr>
+            <a:endParaRPr lang="en-US" altLang="zh-CN" dirty="0"/>
+          </a:p>
+          <a:p>
+            <a:pPr marL="0" indent="0">
+              <a:buNone/>
+            </a:pPr>
+            <a:endParaRPr lang="en-US" altLang="zh-CN" dirty="0"/>
+          </a:p>
+          <a:p>
+            <a:endParaRPr lang="en-US" altLang="zh-CN" dirty="0"/>
+          </a:p>
+          <a:p>
+            <a:endParaRPr lang="en-US" altLang="zh-CN" dirty="0"/>
+          </a:p>
+        </p:txBody>
+      </p:sp>
+    </p:spTree>
+    <p:extLst>
+      <p:ext uri="{BB962C8B-B14F-4D97-AF65-F5344CB8AC3E}">
+        <p14:creationId xmlns:p14="http://schemas.microsoft.com/office/powerpoint/2010/main" val="3112565650"/>
+      </p:ext>
+    </p:extLst>
+  </p:cSld>
+  <p:clrMapOvr>
+    <a:masterClrMapping/>
+  </p:clrMapOvr>
+</p:sld>
+</file>
+
+<file path=ppt/slides/slide20.xml><?xml version="1.0" encoding="utf-8"?>
 <p:sld xmlns:a="http://schemas.openxmlformats.org/drawingml/2006/main" xmlns:r="http://schemas.openxmlformats.org/officeDocument/2006/relationships" xmlns:p="http://schemas.openxmlformats.org/presentationml/2006/main">
   <p:cSld>
     <p:spTree>
@@ -5782,7 +6623,7 @@
 </p:sld>
 </file>
 
-<file path=ppt/slides/slide19.xml><?xml version="1.0" encoding="utf-8"?>
+<file path=ppt/slides/slide21.xml><?xml version="1.0" encoding="utf-8"?>
 <p:sld xmlns:a="http://schemas.openxmlformats.org/drawingml/2006/main" xmlns:r="http://schemas.openxmlformats.org/officeDocument/2006/relationships" xmlns:p="http://schemas.openxmlformats.org/presentationml/2006/main">
   <p:cSld>
     <p:spTree>
@@ -6049,216 +6890,7 @@
 </p:sld>
 </file>
 
-<file path=ppt/slides/slide2.xml><?xml version="1.0" encoding="utf-8"?>
-<p:sld xmlns:a="http://schemas.openxmlformats.org/drawingml/2006/main" xmlns:r="http://schemas.openxmlformats.org/officeDocument/2006/relationships" xmlns:p="http://schemas.openxmlformats.org/presentationml/2006/main">
-  <p:cSld>
-    <p:spTree>
-      <p:nvGrpSpPr>
-        <p:cNvPr id="1" name=""/>
-        <p:cNvGrpSpPr/>
-        <p:nvPr/>
-      </p:nvGrpSpPr>
-      <p:grpSpPr>
-        <a:xfrm>
-          <a:off x="0" y="0"/>
-          <a:ext cx="0" cy="0"/>
-          <a:chOff x="0" y="0"/>
-          <a:chExt cx="0" cy="0"/>
-        </a:xfrm>
-      </p:grpSpPr>
-      <p:sp>
-        <p:nvSpPr>
-          <p:cNvPr id="2" name="标题 1">
-            <a:extLst>
-              <a:ext uri="{FF2B5EF4-FFF2-40B4-BE49-F238E27FC236}">
-                <a16:creationId xmlns:a16="http://schemas.microsoft.com/office/drawing/2014/main" id="{9D1684B9-985E-47F5-A474-082B14F95D79}"/>
-              </a:ext>
-            </a:extLst>
-          </p:cNvPr>
-          <p:cNvSpPr>
-            <a:spLocks noGrp="1"/>
-          </p:cNvSpPr>
-          <p:nvPr>
-            <p:ph type="title"/>
-          </p:nvPr>
-        </p:nvSpPr>
-        <p:spPr/>
-        <p:txBody>
-          <a:bodyPr/>
-          <a:lstStyle/>
-          <a:p>
-            <a:pPr algn="ctr"/>
-            <a:r>
-              <a:rPr lang="zh-CN" altLang="en-US" dirty="0"/>
-              <a:t>目录</a:t>
-            </a:r>
-          </a:p>
-        </p:txBody>
-      </p:sp>
-      <p:sp>
-        <p:nvSpPr>
-          <p:cNvPr id="3" name="内容占位符 2">
-            <a:extLst>
-              <a:ext uri="{FF2B5EF4-FFF2-40B4-BE49-F238E27FC236}">
-                <a16:creationId xmlns:a16="http://schemas.microsoft.com/office/drawing/2014/main" id="{689B31AB-61F7-4340-B9A5-5F1098608018}"/>
-              </a:ext>
-            </a:extLst>
-          </p:cNvPr>
-          <p:cNvSpPr>
-            <a:spLocks noGrp="1"/>
-          </p:cNvSpPr>
-          <p:nvPr>
-            <p:ph idx="1"/>
-          </p:nvPr>
-        </p:nvSpPr>
-        <p:spPr/>
-        <p:txBody>
-          <a:bodyPr/>
-          <a:lstStyle/>
-          <a:p>
-            <a:pPr marL="0" indent="0">
-              <a:buNone/>
-            </a:pPr>
-            <a:r>
-              <a:rPr lang="en-US" altLang="zh-CN" dirty="0"/>
-              <a:t>1</a:t>
-            </a:r>
-            <a:r>
-              <a:rPr lang="zh-CN" altLang="en-US" dirty="0"/>
-              <a:t>、初始化</a:t>
-            </a:r>
-            <a:endParaRPr lang="en-US" altLang="zh-CN" dirty="0"/>
-          </a:p>
-          <a:p>
-            <a:pPr marL="0" indent="0">
-              <a:buNone/>
-            </a:pPr>
-            <a:r>
-              <a:rPr lang="en-US" altLang="zh-CN" dirty="0"/>
-              <a:t>2</a:t>
-            </a:r>
-            <a:r>
-              <a:rPr lang="zh-CN" altLang="en-US" dirty="0"/>
-              <a:t>、生命周期</a:t>
-            </a:r>
-            <a:endParaRPr lang="en-US" altLang="zh-CN" dirty="0"/>
-          </a:p>
-          <a:p>
-            <a:pPr marL="0" indent="0">
-              <a:buNone/>
-            </a:pPr>
-            <a:r>
-              <a:rPr lang="en-US" altLang="zh-CN" dirty="0"/>
-              <a:t>3</a:t>
-            </a:r>
-            <a:r>
-              <a:rPr lang="zh-CN" altLang="en-US" dirty="0"/>
-              <a:t>、双向绑定</a:t>
-            </a:r>
-            <a:endParaRPr lang="en-US" altLang="zh-CN" dirty="0"/>
-          </a:p>
-          <a:p>
-            <a:pPr marL="0" indent="0">
-              <a:buNone/>
-            </a:pPr>
-            <a:r>
-              <a:rPr lang="en-US" altLang="zh-CN" dirty="0"/>
-              <a:t>4</a:t>
-            </a:r>
-            <a:r>
-              <a:rPr lang="zh-CN" altLang="en-US" dirty="0"/>
-              <a:t>、组件和组件通信</a:t>
-            </a:r>
-            <a:endParaRPr lang="en-US" altLang="zh-CN" dirty="0"/>
-          </a:p>
-          <a:p>
-            <a:pPr marL="0" indent="0">
-              <a:buNone/>
-            </a:pPr>
-            <a:r>
-              <a:rPr lang="en-US" altLang="zh-CN" dirty="0"/>
-              <a:t>5</a:t>
-            </a:r>
-            <a:r>
-              <a:rPr lang="zh-CN" altLang="en-US" dirty="0"/>
-              <a:t>、</a:t>
-            </a:r>
-            <a:r>
-              <a:rPr lang="en-US" altLang="zh-CN" dirty="0" err="1"/>
-              <a:t>vue</a:t>
-            </a:r>
-            <a:r>
-              <a:rPr lang="en-US" altLang="zh-CN" dirty="0"/>
-              <a:t>-cli</a:t>
-            </a:r>
-            <a:r>
-              <a:rPr lang="zh-CN" altLang="en-US" dirty="0"/>
-              <a:t>优化</a:t>
-            </a:r>
-            <a:endParaRPr lang="en-US" altLang="zh-CN" dirty="0"/>
-          </a:p>
-          <a:p>
-            <a:pPr marL="0" indent="0">
-              <a:buNone/>
-            </a:pPr>
-            <a:r>
-              <a:rPr lang="en-US" altLang="zh-CN" dirty="0"/>
-              <a:t>6</a:t>
-            </a:r>
-            <a:r>
-              <a:rPr lang="zh-CN" altLang="en-US" dirty="0"/>
-              <a:t>、环境配置与调试</a:t>
-            </a:r>
-            <a:endParaRPr lang="en-US" altLang="zh-CN" dirty="0"/>
-          </a:p>
-          <a:p>
-            <a:pPr marL="0" indent="0">
-              <a:buNone/>
-            </a:pPr>
-            <a:r>
-              <a:rPr lang="en-US" altLang="zh-CN" dirty="0"/>
-              <a:t>7</a:t>
-            </a:r>
-            <a:r>
-              <a:rPr lang="zh-CN" altLang="en-US" dirty="0"/>
-              <a:t>、最佳实践</a:t>
-            </a:r>
-            <a:endParaRPr lang="en-US" altLang="zh-CN" dirty="0"/>
-          </a:p>
-          <a:p>
-            <a:pPr marL="0" indent="0">
-              <a:buNone/>
-            </a:pPr>
-            <a:endParaRPr lang="en-US" altLang="zh-CN" dirty="0"/>
-          </a:p>
-          <a:p>
-            <a:pPr marL="0" indent="0">
-              <a:buNone/>
-            </a:pPr>
-            <a:endParaRPr lang="en-US" altLang="zh-CN" dirty="0"/>
-          </a:p>
-          <a:p>
-            <a:endParaRPr lang="en-US" altLang="zh-CN" dirty="0"/>
-          </a:p>
-          <a:p>
-            <a:endParaRPr lang="en-US" altLang="zh-CN" dirty="0"/>
-          </a:p>
-        </p:txBody>
-      </p:sp>
-    </p:spTree>
-    <p:extLst>
-      <p:ext uri="{BB962C8B-B14F-4D97-AF65-F5344CB8AC3E}">
-        <p14:creationId xmlns:p14="http://schemas.microsoft.com/office/powerpoint/2010/main" val="3112565650"/>
-      </p:ext>
-    </p:extLst>
-  </p:cSld>
-  <p:clrMapOvr>
-    <a:masterClrMapping/>
-  </p:clrMapOvr>
-</p:sld>
-</file>
-
-<file path=ppt/slides/slide20.xml><?xml version="1.0" encoding="utf-8"?>
+<file path=ppt/slides/slide22.xml><?xml version="1.0" encoding="utf-8"?>
 <p:sld xmlns:a="http://schemas.openxmlformats.org/drawingml/2006/main" xmlns:r="http://schemas.openxmlformats.org/officeDocument/2006/relationships" xmlns:p="http://schemas.openxmlformats.org/presentationml/2006/main">
   <p:cSld>
     <p:spTree>
@@ -6442,7 +7074,7 @@
 </p:sld>
 </file>
 
-<file path=ppt/slides/slide21.xml><?xml version="1.0" encoding="utf-8"?>
+<file path=ppt/slides/slide23.xml><?xml version="1.0" encoding="utf-8"?>
 <p:sld xmlns:a="http://schemas.openxmlformats.org/drawingml/2006/main" xmlns:r="http://schemas.openxmlformats.org/officeDocument/2006/relationships" xmlns:p="http://schemas.openxmlformats.org/presentationml/2006/main">
   <p:cSld>
     <p:spTree>
@@ -6666,7 +7298,7 @@
 </p:sld>
 </file>
 
-<file path=ppt/slides/slide22.xml><?xml version="1.0" encoding="utf-8"?>
+<file path=ppt/slides/slide24.xml><?xml version="1.0" encoding="utf-8"?>
 <p:sld xmlns:a="http://schemas.openxmlformats.org/drawingml/2006/main" xmlns:r="http://schemas.openxmlformats.org/officeDocument/2006/relationships" xmlns:p="http://schemas.openxmlformats.org/presentationml/2006/main">
   <p:cSld>
     <p:spTree>
@@ -6858,7 +7490,7 @@
 </p:sld>
 </file>
 
-<file path=ppt/slides/slide23.xml><?xml version="1.0" encoding="utf-8"?>
+<file path=ppt/slides/slide25.xml><?xml version="1.0" encoding="utf-8"?>
 <p:sld xmlns:a="http://schemas.openxmlformats.org/drawingml/2006/main" xmlns:r="http://schemas.openxmlformats.org/officeDocument/2006/relationships" xmlns:p="http://schemas.openxmlformats.org/presentationml/2006/main">
   <p:cSld>
     <p:spTree>
@@ -6974,7 +7606,7 @@
 </p:sld>
 </file>
 
-<file path=ppt/slides/slide24.xml><?xml version="1.0" encoding="utf-8"?>
+<file path=ppt/slides/slide26.xml><?xml version="1.0" encoding="utf-8"?>
 <p:sld xmlns:a="http://schemas.openxmlformats.org/drawingml/2006/main" xmlns:r="http://schemas.openxmlformats.org/officeDocument/2006/relationships" xmlns:p="http://schemas.openxmlformats.org/presentationml/2006/main">
   <p:cSld>
     <p:spTree>
@@ -7094,7 +7726,7 @@
         </p:blipFill>
         <p:spPr>
           <a:xfrm>
-            <a:off x="838200" y="4136806"/>
+            <a:off x="838200" y="4021196"/>
             <a:ext cx="5600700" cy="476250"/>
           </a:xfrm>
           <a:prstGeom prst="rect">
@@ -7145,7 +7777,7 @@
 </p:sld>
 </file>
 
-<file path=ppt/slides/slide25.xml><?xml version="1.0" encoding="utf-8"?>
+<file path=ppt/slides/slide27.xml><?xml version="1.0" encoding="utf-8"?>
 <p:sld xmlns:a="http://schemas.openxmlformats.org/drawingml/2006/main" xmlns:r="http://schemas.openxmlformats.org/officeDocument/2006/relationships" xmlns:p="http://schemas.openxmlformats.org/presentationml/2006/main">
   <p:cSld>
     <p:spTree>
@@ -7307,7 +7939,7 @@
 </p:sld>
 </file>
 
-<file path=ppt/slides/slide26.xml><?xml version="1.0" encoding="utf-8"?>
+<file path=ppt/slides/slide28.xml><?xml version="1.0" encoding="utf-8"?>
 <p:sld xmlns:a="http://schemas.openxmlformats.org/drawingml/2006/main" xmlns:r="http://schemas.openxmlformats.org/officeDocument/2006/relationships" xmlns:p="http://schemas.openxmlformats.org/presentationml/2006/main">
   <p:cSld>
     <p:spTree>
@@ -7394,7 +8026,7 @@
 </p:sld>
 </file>
 
-<file path=ppt/slides/slide27.xml><?xml version="1.0" encoding="utf-8"?>
+<file path=ppt/slides/slide29.xml><?xml version="1.0" encoding="utf-8"?>
 <p:sld xmlns:a="http://schemas.openxmlformats.org/drawingml/2006/main" xmlns:r="http://schemas.openxmlformats.org/officeDocument/2006/relationships" xmlns:p="http://schemas.openxmlformats.org/presentationml/2006/main">
   <p:cSld>
     <p:spTree>

--- a/doc/vue.pptx
+++ b/doc/vue.pptx
@@ -5,7 +5,7 @@
     <p:sldMasterId id="2147483648" r:id="rId1"/>
   </p:sldMasterIdLst>
   <p:notesMasterIdLst>
-    <p:notesMasterId r:id="rId31"/>
+    <p:notesMasterId r:id="rId36"/>
   </p:notesMasterIdLst>
   <p:sldIdLst>
     <p:sldId id="256" r:id="rId2"/>
@@ -26,17 +26,22 @@
     <p:sldId id="263" r:id="rId17"/>
     <p:sldId id="284" r:id="rId18"/>
     <p:sldId id="285" r:id="rId19"/>
-    <p:sldId id="268" r:id="rId20"/>
-    <p:sldId id="269" r:id="rId21"/>
-    <p:sldId id="270" r:id="rId22"/>
-    <p:sldId id="261" r:id="rId23"/>
-    <p:sldId id="267" r:id="rId24"/>
-    <p:sldId id="266" r:id="rId25"/>
-    <p:sldId id="260" r:id="rId26"/>
-    <p:sldId id="265" r:id="rId27"/>
-    <p:sldId id="264" r:id="rId28"/>
-    <p:sldId id="281" r:id="rId29"/>
-    <p:sldId id="271" r:id="rId30"/>
+    <p:sldId id="286" r:id="rId20"/>
+    <p:sldId id="287" r:id="rId21"/>
+    <p:sldId id="288" r:id="rId22"/>
+    <p:sldId id="289" r:id="rId23"/>
+    <p:sldId id="268" r:id="rId24"/>
+    <p:sldId id="269" r:id="rId25"/>
+    <p:sldId id="270" r:id="rId26"/>
+    <p:sldId id="261" r:id="rId27"/>
+    <p:sldId id="267" r:id="rId28"/>
+    <p:sldId id="266" r:id="rId29"/>
+    <p:sldId id="260" r:id="rId30"/>
+    <p:sldId id="265" r:id="rId31"/>
+    <p:sldId id="264" r:id="rId32"/>
+    <p:sldId id="281" r:id="rId33"/>
+    <p:sldId id="290" r:id="rId34"/>
+    <p:sldId id="271" r:id="rId35"/>
   </p:sldIdLst>
   <p:sldSz cx="12192000" cy="6858000"/>
   <p:notesSz cx="6858000" cy="9144000"/>
@@ -225,7 +230,7 @@
           <a:p>
             <a:fld id="{3A8FA370-709D-4F72-8E6C-0710CCA00D33}" type="datetimeFigureOut">
               <a:rPr lang="zh-CN" altLang="en-US" smtClean="0"/>
-              <a:t>2019/7/18</a:t>
+              <a:t>19/7/19</a:t>
             </a:fld>
             <a:endParaRPr lang="zh-CN" altLang="en-US"/>
           </a:p>
@@ -1395,6 +1400,90 @@
 </p:notes>
 </file>
 
+<file path=ppt/notesSlides/notesSlide5.xml><?xml version="1.0" encoding="utf-8"?>
+<p:notes xmlns:a="http://schemas.openxmlformats.org/drawingml/2006/main" xmlns:r="http://schemas.openxmlformats.org/officeDocument/2006/relationships" xmlns:p="http://schemas.openxmlformats.org/presentationml/2006/main">
+  <p:cSld>
+    <p:spTree>
+      <p:nvGrpSpPr>
+        <p:cNvPr id="1" name=""/>
+        <p:cNvGrpSpPr/>
+        <p:nvPr/>
+      </p:nvGrpSpPr>
+      <p:grpSpPr>
+        <a:xfrm>
+          <a:off x="0" y="0"/>
+          <a:ext cx="0" cy="0"/>
+          <a:chOff x="0" y="0"/>
+          <a:chExt cx="0" cy="0"/>
+        </a:xfrm>
+      </p:grpSpPr>
+      <p:sp>
+        <p:nvSpPr>
+          <p:cNvPr id="2" name="幻灯片图像占位符 1"/>
+          <p:cNvSpPr>
+            <a:spLocks noGrp="1" noRot="1" noChangeAspect="1"/>
+          </p:cNvSpPr>
+          <p:nvPr>
+            <p:ph type="sldImg"/>
+          </p:nvPr>
+        </p:nvSpPr>
+        <p:spPr/>
+      </p:sp>
+      <p:sp>
+        <p:nvSpPr>
+          <p:cNvPr id="3" name="备注占位符 2"/>
+          <p:cNvSpPr>
+            <a:spLocks noGrp="1"/>
+          </p:cNvSpPr>
+          <p:nvPr>
+            <p:ph type="body" idx="1"/>
+          </p:nvPr>
+        </p:nvSpPr>
+        <p:spPr/>
+        <p:txBody>
+          <a:bodyPr/>
+          <a:lstStyle/>
+          <a:p>
+            <a:endParaRPr kumimoji="1" lang="zh-CN" altLang="en-US" dirty="0"/>
+          </a:p>
+        </p:txBody>
+      </p:sp>
+      <p:sp>
+        <p:nvSpPr>
+          <p:cNvPr id="4" name="幻灯片编号占位符 3"/>
+          <p:cNvSpPr>
+            <a:spLocks noGrp="1"/>
+          </p:cNvSpPr>
+          <p:nvPr>
+            <p:ph type="sldNum" sz="quarter" idx="10"/>
+          </p:nvPr>
+        </p:nvSpPr>
+        <p:spPr/>
+        <p:txBody>
+          <a:bodyPr/>
+          <a:lstStyle/>
+          <a:p>
+            <a:fld id="{7B978FAE-FC0D-4A1C-A95D-8FF8EA3D1B3F}" type="slidenum">
+              <a:rPr lang="zh-CN" altLang="en-US" smtClean="0"/>
+              <a:t>21</a:t>
+            </a:fld>
+            <a:endParaRPr lang="zh-CN" altLang="en-US"/>
+          </a:p>
+        </p:txBody>
+      </p:sp>
+    </p:spTree>
+    <p:extLst>
+      <p:ext uri="{BB962C8B-B14F-4D97-AF65-F5344CB8AC3E}">
+        <p14:creationId xmlns:p14="http://schemas.microsoft.com/office/powerpoint/2010/main" val="1232766738"/>
+      </p:ext>
+    </p:extLst>
+  </p:cSld>
+  <p:clrMapOvr>
+    <a:masterClrMapping/>
+  </p:clrMapOvr>
+</p:notes>
+</file>
+
 <file path=ppt/slideLayouts/slideLayout1.xml><?xml version="1.0" encoding="utf-8"?>
 <p:sldLayout xmlns:a="http://schemas.openxmlformats.org/drawingml/2006/main" xmlns:r="http://schemas.openxmlformats.org/officeDocument/2006/relationships" xmlns:p="http://schemas.openxmlformats.org/presentationml/2006/main" type="title" preserve="1">
   <p:cSld name="标题幻灯片">
@@ -1524,7 +1613,7 @@
           <a:p>
             <a:fld id="{3A737EFC-D787-6544-BBED-AC7F5B40DC0C}" type="datetimeFigureOut">
               <a:rPr kumimoji="1" lang="zh-CN" altLang="en-US" smtClean="0"/>
-              <a:t>2019/7/18</a:t>
+              <a:t>19/7/19</a:t>
             </a:fld>
             <a:endParaRPr kumimoji="1" lang="zh-CN" altLang="en-US"/>
           </a:p>
@@ -1692,7 +1781,7 @@
           <a:p>
             <a:fld id="{3A737EFC-D787-6544-BBED-AC7F5B40DC0C}" type="datetimeFigureOut">
               <a:rPr kumimoji="1" lang="zh-CN" altLang="en-US" smtClean="0"/>
-              <a:t>2019/7/18</a:t>
+              <a:t>19/7/19</a:t>
             </a:fld>
             <a:endParaRPr kumimoji="1" lang="zh-CN" altLang="en-US"/>
           </a:p>
@@ -1870,7 +1959,7 @@
           <a:p>
             <a:fld id="{3A737EFC-D787-6544-BBED-AC7F5B40DC0C}" type="datetimeFigureOut">
               <a:rPr kumimoji="1" lang="zh-CN" altLang="en-US" smtClean="0"/>
-              <a:t>2019/7/18</a:t>
+              <a:t>19/7/19</a:t>
             </a:fld>
             <a:endParaRPr kumimoji="1" lang="zh-CN" altLang="en-US"/>
           </a:p>
@@ -2038,7 +2127,7 @@
           <a:p>
             <a:fld id="{3A737EFC-D787-6544-BBED-AC7F5B40DC0C}" type="datetimeFigureOut">
               <a:rPr kumimoji="1" lang="zh-CN" altLang="en-US" smtClean="0"/>
-              <a:t>2019/7/18</a:t>
+              <a:t>19/7/19</a:t>
             </a:fld>
             <a:endParaRPr kumimoji="1" lang="zh-CN" altLang="en-US"/>
           </a:p>
@@ -2283,7 +2372,7 @@
           <a:p>
             <a:fld id="{3A737EFC-D787-6544-BBED-AC7F5B40DC0C}" type="datetimeFigureOut">
               <a:rPr kumimoji="1" lang="zh-CN" altLang="en-US" smtClean="0"/>
-              <a:t>2019/7/18</a:t>
+              <a:t>19/7/19</a:t>
             </a:fld>
             <a:endParaRPr kumimoji="1" lang="zh-CN" altLang="en-US"/>
           </a:p>
@@ -2512,7 +2601,7 @@
           <a:p>
             <a:fld id="{3A737EFC-D787-6544-BBED-AC7F5B40DC0C}" type="datetimeFigureOut">
               <a:rPr kumimoji="1" lang="zh-CN" altLang="en-US" smtClean="0"/>
-              <a:t>2019/7/18</a:t>
+              <a:t>19/7/19</a:t>
             </a:fld>
             <a:endParaRPr kumimoji="1" lang="zh-CN" altLang="en-US"/>
           </a:p>
@@ -2876,7 +2965,7 @@
           <a:p>
             <a:fld id="{3A737EFC-D787-6544-BBED-AC7F5B40DC0C}" type="datetimeFigureOut">
               <a:rPr kumimoji="1" lang="zh-CN" altLang="en-US" smtClean="0"/>
-              <a:t>2019/7/18</a:t>
+              <a:t>19/7/19</a:t>
             </a:fld>
             <a:endParaRPr kumimoji="1" lang="zh-CN" altLang="en-US"/>
           </a:p>
@@ -2993,7 +3082,7 @@
           <a:p>
             <a:fld id="{3A737EFC-D787-6544-BBED-AC7F5B40DC0C}" type="datetimeFigureOut">
               <a:rPr kumimoji="1" lang="zh-CN" altLang="en-US" smtClean="0"/>
-              <a:t>2019/7/18</a:t>
+              <a:t>19/7/19</a:t>
             </a:fld>
             <a:endParaRPr kumimoji="1" lang="zh-CN" altLang="en-US"/>
           </a:p>
@@ -3088,7 +3177,7 @@
           <a:p>
             <a:fld id="{3A737EFC-D787-6544-BBED-AC7F5B40DC0C}" type="datetimeFigureOut">
               <a:rPr kumimoji="1" lang="zh-CN" altLang="en-US" smtClean="0"/>
-              <a:t>2019/7/18</a:t>
+              <a:t>19/7/19</a:t>
             </a:fld>
             <a:endParaRPr kumimoji="1" lang="zh-CN" altLang="en-US"/>
           </a:p>
@@ -3363,7 +3452,7 @@
           <a:p>
             <a:fld id="{3A737EFC-D787-6544-BBED-AC7F5B40DC0C}" type="datetimeFigureOut">
               <a:rPr kumimoji="1" lang="zh-CN" altLang="en-US" smtClean="0"/>
-              <a:t>2019/7/18</a:t>
+              <a:t>19/7/19</a:t>
             </a:fld>
             <a:endParaRPr kumimoji="1" lang="zh-CN" altLang="en-US"/>
           </a:p>
@@ -3615,7 +3704,7 @@
           <a:p>
             <a:fld id="{3A737EFC-D787-6544-BBED-AC7F5B40DC0C}" type="datetimeFigureOut">
               <a:rPr kumimoji="1" lang="zh-CN" altLang="en-US" smtClean="0"/>
-              <a:t>2019/7/18</a:t>
+              <a:t>19/7/19</a:t>
             </a:fld>
             <a:endParaRPr kumimoji="1" lang="zh-CN" altLang="en-US"/>
           </a:p>
@@ -3826,7 +3915,7 @@
           <a:p>
             <a:fld id="{3A737EFC-D787-6544-BBED-AC7F5B40DC0C}" type="datetimeFigureOut">
               <a:rPr kumimoji="1" lang="zh-CN" altLang="en-US" smtClean="0"/>
-              <a:t>2019/7/18</a:t>
+              <a:t>19/7/19</a:t>
             </a:fld>
             <a:endParaRPr kumimoji="1" lang="zh-CN" altLang="en-US"/>
           </a:p>
@@ -4254,6 +4343,10 @@
               <a:rPr kumimoji="1" lang="zh-CN" altLang="en-US" dirty="0"/>
               <a:t>学习心得</a:t>
             </a:r>
+            <a:r>
+              <a:rPr lang="zh-CN" altLang="en-US" b="1" dirty="0"/>
+              <a:t/>
+            </a:r>
             <a:br>
               <a:rPr lang="zh-CN" altLang="en-US" b="1" dirty="0"/>
             </a:br>
@@ -4396,7 +4489,7 @@
           <p:cNvPr id="4" name="图片 3">
             <a:extLst>
               <a:ext uri="{FF2B5EF4-FFF2-40B4-BE49-F238E27FC236}">
-                <a16:creationId xmlns:a16="http://schemas.microsoft.com/office/drawing/2014/main" id="{410D77E6-1F94-4D62-9373-65634836DD5C}"/>
+                <a16:creationId xmlns:a16="http://schemas.microsoft.com/office/drawing/2014/main" xmlns="" id="{410D77E6-1F94-4D62-9373-65634836DD5C}"/>
               </a:ext>
             </a:extLst>
           </p:cNvPr>
@@ -4559,7 +4652,7 @@
           <p:cNvPr id="4" name="图片 3">
             <a:extLst>
               <a:ext uri="{FF2B5EF4-FFF2-40B4-BE49-F238E27FC236}">
-                <a16:creationId xmlns:a16="http://schemas.microsoft.com/office/drawing/2014/main" id="{BDF672EA-F394-4FDC-8971-1256C8BA73C5}"/>
+                <a16:creationId xmlns:a16="http://schemas.microsoft.com/office/drawing/2014/main" xmlns="" id="{BDF672EA-F394-4FDC-8971-1256C8BA73C5}"/>
               </a:ext>
             </a:extLst>
           </p:cNvPr>
@@ -4589,7 +4682,7 @@
           <p:cNvPr id="5" name="图片 4">
             <a:extLst>
               <a:ext uri="{FF2B5EF4-FFF2-40B4-BE49-F238E27FC236}">
-                <a16:creationId xmlns:a16="http://schemas.microsoft.com/office/drawing/2014/main" id="{3DA96E02-6BEA-4C08-9BCC-9894B8C9AEA2}"/>
+                <a16:creationId xmlns:a16="http://schemas.microsoft.com/office/drawing/2014/main" xmlns="" id="{3DA96E02-6BEA-4C08-9BCC-9894B8C9AEA2}"/>
               </a:ext>
             </a:extLst>
           </p:cNvPr>
@@ -4778,7 +4871,7 @@
           <p:cNvPr id="4" name="图片 3">
             <a:extLst>
               <a:ext uri="{FF2B5EF4-FFF2-40B4-BE49-F238E27FC236}">
-                <a16:creationId xmlns:a16="http://schemas.microsoft.com/office/drawing/2014/main" id="{B12C1F7D-9EAF-4557-B424-787EE5575D13}"/>
+                <a16:creationId xmlns:a16="http://schemas.microsoft.com/office/drawing/2014/main" xmlns="" id="{B12C1F7D-9EAF-4557-B424-787EE5575D13}"/>
               </a:ext>
             </a:extLst>
           </p:cNvPr>
@@ -4838,7 +4931,7 @@
           <p:cNvPr id="2" name="标题 1">
             <a:extLst>
               <a:ext uri="{FF2B5EF4-FFF2-40B4-BE49-F238E27FC236}">
-                <a16:creationId xmlns:a16="http://schemas.microsoft.com/office/drawing/2014/main" id="{0A0E7417-2E4C-44C2-AA17-79EFC080F202}"/>
+                <a16:creationId xmlns:a16="http://schemas.microsoft.com/office/drawing/2014/main" xmlns="" id="{0A0E7417-2E4C-44C2-AA17-79EFC080F202}"/>
               </a:ext>
             </a:extLst>
           </p:cNvPr>
@@ -4875,7 +4968,7 @@
           <p:cNvPr id="3" name="内容占位符 2">
             <a:extLst>
               <a:ext uri="{FF2B5EF4-FFF2-40B4-BE49-F238E27FC236}">
-                <a16:creationId xmlns:a16="http://schemas.microsoft.com/office/drawing/2014/main" id="{AAF42078-F164-418F-8076-658B4896B7E5}"/>
+                <a16:creationId xmlns:a16="http://schemas.microsoft.com/office/drawing/2014/main" xmlns="" id="{AAF42078-F164-418F-8076-658B4896B7E5}"/>
               </a:ext>
             </a:extLst>
           </p:cNvPr>
@@ -4941,7 +5034,7 @@
           <p:cNvPr id="5" name="内容占位符 3">
             <a:extLst>
               <a:ext uri="{FF2B5EF4-FFF2-40B4-BE49-F238E27FC236}">
-                <a16:creationId xmlns:a16="http://schemas.microsoft.com/office/drawing/2014/main" id="{58C500FF-A25C-4DFD-9B99-B3184891DF95}"/>
+                <a16:creationId xmlns:a16="http://schemas.microsoft.com/office/drawing/2014/main" xmlns="" id="{58C500FF-A25C-4DFD-9B99-B3184891DF95}"/>
               </a:ext>
             </a:extLst>
           </p:cNvPr>
@@ -5036,7 +5129,7 @@
           <p:cNvPr id="5" name="图片 4">
             <a:extLst>
               <a:ext uri="{FF2B5EF4-FFF2-40B4-BE49-F238E27FC236}">
-                <a16:creationId xmlns:a16="http://schemas.microsoft.com/office/drawing/2014/main" id="{D6FC1EC9-5728-4F74-AFA9-4556119AE99D}"/>
+                <a16:creationId xmlns:a16="http://schemas.microsoft.com/office/drawing/2014/main" xmlns="" id="{D6FC1EC9-5728-4F74-AFA9-4556119AE99D}"/>
               </a:ext>
             </a:extLst>
           </p:cNvPr>
@@ -5066,7 +5159,7 @@
           <p:cNvPr id="6" name="内容占位符 3">
             <a:extLst>
               <a:ext uri="{FF2B5EF4-FFF2-40B4-BE49-F238E27FC236}">
-                <a16:creationId xmlns:a16="http://schemas.microsoft.com/office/drawing/2014/main" id="{15F2150D-EB48-440E-8028-3969D63E2D5A}"/>
+                <a16:creationId xmlns:a16="http://schemas.microsoft.com/office/drawing/2014/main" xmlns="" id="{15F2150D-EB48-440E-8028-3969D63E2D5A}"/>
               </a:ext>
             </a:extLst>
           </p:cNvPr>
@@ -5096,7 +5189,7 @@
           <p:cNvPr id="7" name="图片 6">
             <a:extLst>
               <a:ext uri="{FF2B5EF4-FFF2-40B4-BE49-F238E27FC236}">
-                <a16:creationId xmlns:a16="http://schemas.microsoft.com/office/drawing/2014/main" id="{078CA3F3-2E80-4ED2-8E53-3070D3BB0B14}"/>
+                <a16:creationId xmlns:a16="http://schemas.microsoft.com/office/drawing/2014/main" xmlns="" id="{078CA3F3-2E80-4ED2-8E53-3070D3BB0B14}"/>
               </a:ext>
             </a:extLst>
           </p:cNvPr>
@@ -5156,7 +5249,7 @@
           <p:cNvPr id="2" name="标题 1">
             <a:extLst>
               <a:ext uri="{FF2B5EF4-FFF2-40B4-BE49-F238E27FC236}">
-                <a16:creationId xmlns:a16="http://schemas.microsoft.com/office/drawing/2014/main" id="{104988E6-0FCA-4171-86D3-9EA12EA042D9}"/>
+                <a16:creationId xmlns:a16="http://schemas.microsoft.com/office/drawing/2014/main" xmlns="" id="{104988E6-0FCA-4171-86D3-9EA12EA042D9}"/>
               </a:ext>
             </a:extLst>
           </p:cNvPr>
@@ -5196,7 +5289,7 @@
           <p:cNvPr id="4" name="内容占位符 3">
             <a:extLst>
               <a:ext uri="{FF2B5EF4-FFF2-40B4-BE49-F238E27FC236}">
-                <a16:creationId xmlns:a16="http://schemas.microsoft.com/office/drawing/2014/main" id="{18DD3023-08AB-48EF-9E17-0845C0BDEEC6}"/>
+                <a16:creationId xmlns:a16="http://schemas.microsoft.com/office/drawing/2014/main" xmlns="" id="{18DD3023-08AB-48EF-9E17-0845C0BDEEC6}"/>
               </a:ext>
             </a:extLst>
           </p:cNvPr>
@@ -5228,7 +5321,7 @@
           <p:cNvPr id="5" name="图片 4">
             <a:extLst>
               <a:ext uri="{FF2B5EF4-FFF2-40B4-BE49-F238E27FC236}">
-                <a16:creationId xmlns:a16="http://schemas.microsoft.com/office/drawing/2014/main" id="{C09E32C7-1E56-4B9B-BB1B-4D70CF2B66AB}"/>
+                <a16:creationId xmlns:a16="http://schemas.microsoft.com/office/drawing/2014/main" xmlns="" id="{C09E32C7-1E56-4B9B-BB1B-4D70CF2B66AB}"/>
               </a:ext>
             </a:extLst>
           </p:cNvPr>
@@ -5258,7 +5351,7 @@
           <p:cNvPr id="6" name="图片 5">
             <a:extLst>
               <a:ext uri="{FF2B5EF4-FFF2-40B4-BE49-F238E27FC236}">
-                <a16:creationId xmlns:a16="http://schemas.microsoft.com/office/drawing/2014/main" id="{F76DC550-C21B-4D9A-B39B-C75C8473F7DC}"/>
+                <a16:creationId xmlns:a16="http://schemas.microsoft.com/office/drawing/2014/main" xmlns="" id="{F76DC550-C21B-4D9A-B39B-C75C8473F7DC}"/>
               </a:ext>
             </a:extLst>
           </p:cNvPr>
@@ -5288,7 +5381,7 @@
           <p:cNvPr id="7" name="图片 6">
             <a:extLst>
               <a:ext uri="{FF2B5EF4-FFF2-40B4-BE49-F238E27FC236}">
-                <a16:creationId xmlns:a16="http://schemas.microsoft.com/office/drawing/2014/main" id="{691708E2-7A38-4372-87D5-7F3293A17895}"/>
+                <a16:creationId xmlns:a16="http://schemas.microsoft.com/office/drawing/2014/main" xmlns="" id="{691708E2-7A38-4372-87D5-7F3293A17895}"/>
               </a:ext>
             </a:extLst>
           </p:cNvPr>
@@ -5394,7 +5487,7 @@
           <p:cNvPr id="6" name="内容占位符 5">
             <a:extLst>
               <a:ext uri="{FF2B5EF4-FFF2-40B4-BE49-F238E27FC236}">
-                <a16:creationId xmlns:a16="http://schemas.microsoft.com/office/drawing/2014/main" id="{238922FC-5EC4-49AB-8CEF-CA0BDEF4970D}"/>
+                <a16:creationId xmlns:a16="http://schemas.microsoft.com/office/drawing/2014/main" xmlns="" id="{238922FC-5EC4-49AB-8CEF-CA0BDEF4970D}"/>
               </a:ext>
             </a:extLst>
           </p:cNvPr>
@@ -5426,7 +5519,7 @@
           <p:cNvPr id="7" name="图片 6">
             <a:extLst>
               <a:ext uri="{FF2B5EF4-FFF2-40B4-BE49-F238E27FC236}">
-                <a16:creationId xmlns:a16="http://schemas.microsoft.com/office/drawing/2014/main" id="{E97495AC-31E9-4E4A-A75B-11713BB964F3}"/>
+                <a16:creationId xmlns:a16="http://schemas.microsoft.com/office/drawing/2014/main" xmlns="" id="{E97495AC-31E9-4E4A-A75B-11713BB964F3}"/>
               </a:ext>
             </a:extLst>
           </p:cNvPr>
@@ -5456,7 +5549,7 @@
           <p:cNvPr id="8" name="图片 7">
             <a:extLst>
               <a:ext uri="{FF2B5EF4-FFF2-40B4-BE49-F238E27FC236}">
-                <a16:creationId xmlns:a16="http://schemas.microsoft.com/office/drawing/2014/main" id="{69FB918F-23E0-43AE-9E83-6E7BCF05C0DF}"/>
+                <a16:creationId xmlns:a16="http://schemas.microsoft.com/office/drawing/2014/main" xmlns="" id="{69FB918F-23E0-43AE-9E83-6E7BCF05C0DF}"/>
               </a:ext>
             </a:extLst>
           </p:cNvPr>
@@ -5486,7 +5579,7 @@
           <p:cNvPr id="9" name="矩形: 圆角 8">
             <a:extLst>
               <a:ext uri="{FF2B5EF4-FFF2-40B4-BE49-F238E27FC236}">
-                <a16:creationId xmlns:a16="http://schemas.microsoft.com/office/drawing/2014/main" id="{6947E7DA-C0D0-4A5E-B7BA-31EB85674354}"/>
+                <a16:creationId xmlns:a16="http://schemas.microsoft.com/office/drawing/2014/main" xmlns="" id="{6947E7DA-C0D0-4A5E-B7BA-31EB85674354}"/>
               </a:ext>
             </a:extLst>
           </p:cNvPr>
@@ -5539,7 +5632,7 @@
           <p:cNvPr id="11" name="矩形: 圆角 10">
             <a:extLst>
               <a:ext uri="{FF2B5EF4-FFF2-40B4-BE49-F238E27FC236}">
-                <a16:creationId xmlns:a16="http://schemas.microsoft.com/office/drawing/2014/main" id="{6A449CD4-4281-40C8-851B-3AA8A42E7A19}"/>
+                <a16:creationId xmlns:a16="http://schemas.microsoft.com/office/drawing/2014/main" xmlns="" id="{6A449CD4-4281-40C8-851B-3AA8A42E7A19}"/>
               </a:ext>
             </a:extLst>
           </p:cNvPr>
@@ -5592,7 +5685,7 @@
           <p:cNvPr id="12" name="图片 11">
             <a:extLst>
               <a:ext uri="{FF2B5EF4-FFF2-40B4-BE49-F238E27FC236}">
-                <a16:creationId xmlns:a16="http://schemas.microsoft.com/office/drawing/2014/main" id="{20EA6791-01FD-41E2-B214-C0F3866C8C9D}"/>
+                <a16:creationId xmlns:a16="http://schemas.microsoft.com/office/drawing/2014/main" xmlns="" id="{20EA6791-01FD-41E2-B214-C0F3866C8C9D}"/>
               </a:ext>
             </a:extLst>
           </p:cNvPr>
@@ -5622,7 +5715,7 @@
           <p:cNvPr id="3" name="图片 2">
             <a:extLst>
               <a:ext uri="{FF2B5EF4-FFF2-40B4-BE49-F238E27FC236}">
-                <a16:creationId xmlns:a16="http://schemas.microsoft.com/office/drawing/2014/main" id="{DC60BEB7-217A-4DDC-BC6C-A4E7C1AF2CA5}"/>
+                <a16:creationId xmlns:a16="http://schemas.microsoft.com/office/drawing/2014/main" xmlns="" id="{DC60BEB7-217A-4DDC-BC6C-A4E7C1AF2CA5}"/>
               </a:ext>
             </a:extLst>
           </p:cNvPr>
@@ -5682,7 +5775,7 @@
           <p:cNvPr id="2" name="标题 1">
             <a:extLst>
               <a:ext uri="{FF2B5EF4-FFF2-40B4-BE49-F238E27FC236}">
-                <a16:creationId xmlns:a16="http://schemas.microsoft.com/office/drawing/2014/main" id="{A5EB60D0-34C7-4381-B826-C12031F8FCA3}"/>
+                <a16:creationId xmlns:a16="http://schemas.microsoft.com/office/drawing/2014/main" xmlns="" id="{A5EB60D0-34C7-4381-B826-C12031F8FCA3}"/>
               </a:ext>
             </a:extLst>
           </p:cNvPr>
@@ -5727,7 +5820,7 @@
           <p:cNvPr id="4" name="AutoShape 2" descr="https://mmbiz.qpic.cn/mmbiz_png/zewrLkrYfsMrdVSbzwxKzLia3VDF6JFmzgIRoXcMXhICcMKfOMTEJltOay7Q3FDYu2cebjJACQwy7WSiaFaKtj0w/640?wx_fmt=png&amp;tp=webp&amp;wxfrom=5&amp;wx_lazy=1&amp;wx_co=1">
             <a:extLst>
               <a:ext uri="{FF2B5EF4-FFF2-40B4-BE49-F238E27FC236}">
-                <a16:creationId xmlns:a16="http://schemas.microsoft.com/office/drawing/2014/main" id="{167FD107-28C9-430C-AD1C-701556067903}"/>
+                <a16:creationId xmlns:a16="http://schemas.microsoft.com/office/drawing/2014/main" xmlns="" id="{167FD107-28C9-430C-AD1C-701556067903}"/>
               </a:ext>
             </a:extLst>
           </p:cNvPr>
@@ -5920,7 +6013,7 @@
           <p:cNvPr id="5" name="图片 4">
             <a:extLst>
               <a:ext uri="{FF2B5EF4-FFF2-40B4-BE49-F238E27FC236}">
-                <a16:creationId xmlns:a16="http://schemas.microsoft.com/office/drawing/2014/main" id="{AD7E29B6-69BE-435E-A2F1-DDC8EA038AB9}"/>
+                <a16:creationId xmlns:a16="http://schemas.microsoft.com/office/drawing/2014/main" xmlns="" id="{AD7E29B6-69BE-435E-A2F1-DDC8EA038AB9}"/>
               </a:ext>
             </a:extLst>
           </p:cNvPr>
@@ -5980,7 +6073,7 @@
           <p:cNvPr id="2" name="标题 1">
             <a:extLst>
               <a:ext uri="{FF2B5EF4-FFF2-40B4-BE49-F238E27FC236}">
-                <a16:creationId xmlns:a16="http://schemas.microsoft.com/office/drawing/2014/main" id="{5BCA4889-ACF8-484A-8E09-0F9FE04F97C2}"/>
+                <a16:creationId xmlns:a16="http://schemas.microsoft.com/office/drawing/2014/main" xmlns="" id="{5BCA4889-ACF8-484A-8E09-0F9FE04F97C2}"/>
               </a:ext>
             </a:extLst>
           </p:cNvPr>
@@ -6025,7 +6118,7 @@
           <p:cNvPr id="3" name="内容占位符 2">
             <a:extLst>
               <a:ext uri="{FF2B5EF4-FFF2-40B4-BE49-F238E27FC236}">
-                <a16:creationId xmlns:a16="http://schemas.microsoft.com/office/drawing/2014/main" id="{FB01E807-A932-43CB-A523-5887BDF7E085}"/>
+                <a16:creationId xmlns:a16="http://schemas.microsoft.com/office/drawing/2014/main" xmlns="" id="{FB01E807-A932-43CB-A523-5887BDF7E085}"/>
               </a:ext>
             </a:extLst>
           </p:cNvPr>
@@ -6104,6 +6197,126 @@
           </a:p>
         </p:txBody>
       </p:sp>
+      <p:pic>
+        <p:nvPicPr>
+          <p:cNvPr id="4" name="图片 3"/>
+          <p:cNvPicPr>
+            <a:picLocks noChangeAspect="1"/>
+          </p:cNvPicPr>
+          <p:nvPr/>
+        </p:nvPicPr>
+        <p:blipFill>
+          <a:blip r:embed="rId2"/>
+          <a:stretch>
+            <a:fillRect/>
+          </a:stretch>
+        </p:blipFill>
+        <p:spPr>
+          <a:xfrm>
+            <a:off x="1007152" y="2789212"/>
+            <a:ext cx="3162300" cy="1549400"/>
+          </a:xfrm>
+          <a:prstGeom prst="rect">
+            <a:avLst/>
+          </a:prstGeom>
+        </p:spPr>
+      </p:pic>
+      <p:pic>
+        <p:nvPicPr>
+          <p:cNvPr id="6" name="图片 5"/>
+          <p:cNvPicPr>
+            <a:picLocks noChangeAspect="1"/>
+          </p:cNvPicPr>
+          <p:nvPr/>
+        </p:nvPicPr>
+        <p:blipFill>
+          <a:blip r:embed="rId3"/>
+          <a:stretch>
+            <a:fillRect/>
+          </a:stretch>
+        </p:blipFill>
+        <p:spPr>
+          <a:xfrm>
+            <a:off x="1007152" y="4629137"/>
+            <a:ext cx="7543800" cy="419100"/>
+          </a:xfrm>
+          <a:prstGeom prst="rect">
+            <a:avLst/>
+          </a:prstGeom>
+        </p:spPr>
+      </p:pic>
+      <p:pic>
+        <p:nvPicPr>
+          <p:cNvPr id="7" name="图片 6"/>
+          <p:cNvPicPr>
+            <a:picLocks noChangeAspect="1"/>
+          </p:cNvPicPr>
+          <p:nvPr/>
+        </p:nvPicPr>
+        <p:blipFill>
+          <a:blip r:embed="rId4"/>
+          <a:stretch>
+            <a:fillRect/>
+          </a:stretch>
+        </p:blipFill>
+        <p:spPr>
+          <a:xfrm>
+            <a:off x="4338404" y="2789212"/>
+            <a:ext cx="5422900" cy="914400"/>
+          </a:xfrm>
+          <a:prstGeom prst="rect">
+            <a:avLst/>
+          </a:prstGeom>
+        </p:spPr>
+      </p:pic>
+      <p:pic>
+        <p:nvPicPr>
+          <p:cNvPr id="8" name="图片 7"/>
+          <p:cNvPicPr>
+            <a:picLocks noChangeAspect="1"/>
+          </p:cNvPicPr>
+          <p:nvPr/>
+        </p:nvPicPr>
+        <p:blipFill>
+          <a:blip r:embed="rId5"/>
+          <a:stretch>
+            <a:fillRect/>
+          </a:stretch>
+        </p:blipFill>
+        <p:spPr>
+          <a:xfrm>
+            <a:off x="1007152" y="5338762"/>
+            <a:ext cx="4826000" cy="660400"/>
+          </a:xfrm>
+          <a:prstGeom prst="rect">
+            <a:avLst/>
+          </a:prstGeom>
+        </p:spPr>
+      </p:pic>
+      <p:pic>
+        <p:nvPicPr>
+          <p:cNvPr id="9" name="图片 8"/>
+          <p:cNvPicPr>
+            <a:picLocks noChangeAspect="1"/>
+          </p:cNvPicPr>
+          <p:nvPr/>
+        </p:nvPicPr>
+        <p:blipFill>
+          <a:blip r:embed="rId6"/>
+          <a:stretch>
+            <a:fillRect/>
+          </a:stretch>
+        </p:blipFill>
+        <p:spPr>
+          <a:xfrm>
+            <a:off x="6507501" y="5338762"/>
+            <a:ext cx="2984500" cy="673100"/>
+          </a:xfrm>
+          <a:prstGeom prst="rect">
+            <a:avLst/>
+          </a:prstGeom>
+        </p:spPr>
+      </p:pic>
     </p:spTree>
     <p:extLst>
       <p:ext uri="{BB962C8B-B14F-4D97-AF65-F5344CB8AC3E}">
@@ -6136,10 +6349,1374 @@
       </p:grpSpPr>
       <p:sp>
         <p:nvSpPr>
+          <p:cNvPr id="2" name="标题 1"/>
+          <p:cNvSpPr>
+            <a:spLocks noGrp="1"/>
+          </p:cNvSpPr>
+          <p:nvPr>
+            <p:ph type="title"/>
+          </p:nvPr>
+        </p:nvSpPr>
+        <p:spPr/>
+        <p:txBody>
+          <a:bodyPr/>
+          <a:lstStyle/>
+          <a:p>
+            <a:r>
+              <a:rPr kumimoji="1" lang="en-US" altLang="zh-CN" dirty="0"/>
+              <a:t>4</a:t>
+            </a:r>
+            <a:r>
+              <a:rPr kumimoji="1" lang="zh-CN" altLang="en-US" dirty="0"/>
+              <a:t>、</a:t>
+            </a:r>
+            <a:r>
+              <a:rPr lang="zh-CN" altLang="en-US" dirty="0"/>
+              <a:t>组件和组件通信</a:t>
+            </a:r>
+            <a:r>
+              <a:rPr lang="en-US" altLang="zh-CN" dirty="0" smtClean="0"/>
+              <a:t>-</a:t>
+            </a:r>
+            <a:r>
+              <a:rPr kumimoji="1" lang="en-US" altLang="zh-CN" dirty="0" smtClean="0"/>
+              <a:t>$emit/ $on</a:t>
+            </a:r>
+            <a:endParaRPr kumimoji="1" lang="zh-CN" altLang="en-US" dirty="0"/>
+          </a:p>
+        </p:txBody>
+      </p:sp>
+      <p:sp>
+        <p:nvSpPr>
+          <p:cNvPr id="3" name="内容占位符 2"/>
+          <p:cNvSpPr>
+            <a:spLocks noGrp="1"/>
+          </p:cNvSpPr>
+          <p:nvPr>
+            <p:ph idx="1"/>
+          </p:nvPr>
+        </p:nvSpPr>
+        <p:spPr/>
+        <p:txBody>
+          <a:bodyPr/>
+          <a:lstStyle/>
+          <a:p>
+            <a:r>
+              <a:rPr kumimoji="1" lang="zh-CN" altLang="en-US" dirty="0">
+                <a:latin typeface="+mn-ea"/>
+              </a:rPr>
+              <a:t>通过一个空的</a:t>
+            </a:r>
+            <a:r>
+              <a:rPr kumimoji="1" lang="en-US" altLang="zh-CN" dirty="0" err="1">
+                <a:latin typeface="+mn-ea"/>
+              </a:rPr>
+              <a:t>Vue</a:t>
+            </a:r>
+            <a:r>
+              <a:rPr kumimoji="1" lang="zh-CN" altLang="en-US" dirty="0">
+                <a:latin typeface="+mn-ea"/>
+              </a:rPr>
+              <a:t>实例作为中央事件总线（事件中心），用它来触发事件和监听事件</a:t>
+            </a:r>
+            <a:r>
+              <a:rPr kumimoji="1" lang="en-US" altLang="zh-CN" dirty="0">
+                <a:latin typeface="+mn-ea"/>
+              </a:rPr>
+              <a:t>,</a:t>
+            </a:r>
+            <a:r>
+              <a:rPr kumimoji="1" lang="zh-CN" altLang="en-US" dirty="0">
+                <a:latin typeface="+mn-ea"/>
+              </a:rPr>
+              <a:t>巧妙而轻量地实现了任何组件间的通信，包括父子、兄弟、跨级</a:t>
+            </a:r>
+          </a:p>
+        </p:txBody>
+      </p:sp>
+      <p:pic>
+        <p:nvPicPr>
+          <p:cNvPr id="5" name="图片 4"/>
+          <p:cNvPicPr>
+            <a:picLocks noChangeAspect="1"/>
+          </p:cNvPicPr>
+          <p:nvPr/>
+        </p:nvPicPr>
+        <p:blipFill>
+          <a:blip r:embed="rId2"/>
+          <a:stretch>
+            <a:fillRect/>
+          </a:stretch>
+        </p:blipFill>
+        <p:spPr>
+          <a:xfrm>
+            <a:off x="4142074" y="3137004"/>
+            <a:ext cx="4597400" cy="647700"/>
+          </a:xfrm>
+          <a:prstGeom prst="rect">
+            <a:avLst/>
+          </a:prstGeom>
+        </p:spPr>
+      </p:pic>
+      <p:pic>
+        <p:nvPicPr>
+          <p:cNvPr id="6" name="图片 5"/>
+          <p:cNvPicPr>
+            <a:picLocks noChangeAspect="1"/>
+          </p:cNvPicPr>
+          <p:nvPr/>
+        </p:nvPicPr>
+        <p:blipFill>
+          <a:blip r:embed="rId3"/>
+          <a:stretch>
+            <a:fillRect/>
+          </a:stretch>
+        </p:blipFill>
+        <p:spPr>
+          <a:xfrm>
+            <a:off x="838200" y="3137004"/>
+            <a:ext cx="2908300" cy="977900"/>
+          </a:xfrm>
+          <a:prstGeom prst="rect">
+            <a:avLst/>
+          </a:prstGeom>
+        </p:spPr>
+      </p:pic>
+      <p:pic>
+        <p:nvPicPr>
+          <p:cNvPr id="7" name="图片 6"/>
+          <p:cNvPicPr>
+            <a:picLocks noChangeAspect="1"/>
+          </p:cNvPicPr>
+          <p:nvPr/>
+        </p:nvPicPr>
+        <p:blipFill>
+          <a:blip r:embed="rId4"/>
+          <a:stretch>
+            <a:fillRect/>
+          </a:stretch>
+        </p:blipFill>
+        <p:spPr>
+          <a:xfrm>
+            <a:off x="838200" y="4422033"/>
+            <a:ext cx="3695700" cy="1117600"/>
+          </a:xfrm>
+          <a:prstGeom prst="rect">
+            <a:avLst/>
+          </a:prstGeom>
+        </p:spPr>
+      </p:pic>
+      <p:pic>
+        <p:nvPicPr>
+          <p:cNvPr id="8" name="图片 7"/>
+          <p:cNvPicPr>
+            <a:picLocks noChangeAspect="1"/>
+          </p:cNvPicPr>
+          <p:nvPr/>
+        </p:nvPicPr>
+        <p:blipFill>
+          <a:blip r:embed="rId5"/>
+          <a:stretch>
+            <a:fillRect/>
+          </a:stretch>
+        </p:blipFill>
+        <p:spPr>
+          <a:xfrm>
+            <a:off x="473960" y="5730679"/>
+            <a:ext cx="9385300" cy="546100"/>
+          </a:xfrm>
+          <a:prstGeom prst="rect">
+            <a:avLst/>
+          </a:prstGeom>
+        </p:spPr>
+      </p:pic>
+    </p:spTree>
+    <p:extLst>
+      <p:ext uri="{BB962C8B-B14F-4D97-AF65-F5344CB8AC3E}">
+        <p14:creationId xmlns:p14="http://schemas.microsoft.com/office/powerpoint/2010/main" val="2026240473"/>
+      </p:ext>
+    </p:extLst>
+  </p:cSld>
+  <p:clrMapOvr>
+    <a:masterClrMapping/>
+  </p:clrMapOvr>
+</p:sld>
+</file>
+
+<file path=ppt/slides/slide2.xml><?xml version="1.0" encoding="utf-8"?>
+<p:sld xmlns:a="http://schemas.openxmlformats.org/drawingml/2006/main" xmlns:r="http://schemas.openxmlformats.org/officeDocument/2006/relationships" xmlns:p="http://schemas.openxmlformats.org/presentationml/2006/main">
+  <p:cSld>
+    <p:spTree>
+      <p:nvGrpSpPr>
+        <p:cNvPr id="1" name=""/>
+        <p:cNvGrpSpPr/>
+        <p:nvPr/>
+      </p:nvGrpSpPr>
+      <p:grpSpPr>
+        <a:xfrm>
+          <a:off x="0" y="0"/>
+          <a:ext cx="0" cy="0"/>
+          <a:chOff x="0" y="0"/>
+          <a:chExt cx="0" cy="0"/>
+        </a:xfrm>
+      </p:grpSpPr>
+      <p:sp>
+        <p:nvSpPr>
           <p:cNvPr id="2" name="标题 1">
             <a:extLst>
               <a:ext uri="{FF2B5EF4-FFF2-40B4-BE49-F238E27FC236}">
-                <a16:creationId xmlns:a16="http://schemas.microsoft.com/office/drawing/2014/main" id="{FF1A4B77-9446-4770-9AA5-0D5992347FA0}"/>
+                <a16:creationId xmlns:a16="http://schemas.microsoft.com/office/drawing/2014/main" xmlns="" id="{9D1684B9-985E-47F5-A474-082B14F95D79}"/>
+              </a:ext>
+            </a:extLst>
+          </p:cNvPr>
+          <p:cNvSpPr>
+            <a:spLocks noGrp="1"/>
+          </p:cNvSpPr>
+          <p:nvPr>
+            <p:ph type="title"/>
+          </p:nvPr>
+        </p:nvSpPr>
+        <p:spPr/>
+        <p:txBody>
+          <a:bodyPr/>
+          <a:lstStyle/>
+          <a:p>
+            <a:pPr algn="ctr"/>
+            <a:r>
+              <a:rPr lang="zh-CN" altLang="en-US" dirty="0"/>
+              <a:t>目录</a:t>
+            </a:r>
+          </a:p>
+        </p:txBody>
+      </p:sp>
+      <p:sp>
+        <p:nvSpPr>
+          <p:cNvPr id="3" name="内容占位符 2">
+            <a:extLst>
+              <a:ext uri="{FF2B5EF4-FFF2-40B4-BE49-F238E27FC236}">
+                <a16:creationId xmlns:a16="http://schemas.microsoft.com/office/drawing/2014/main" xmlns="" id="{689B31AB-61F7-4340-B9A5-5F1098608018}"/>
+              </a:ext>
+            </a:extLst>
+          </p:cNvPr>
+          <p:cNvSpPr>
+            <a:spLocks noGrp="1"/>
+          </p:cNvSpPr>
+          <p:nvPr>
+            <p:ph idx="1"/>
+          </p:nvPr>
+        </p:nvSpPr>
+        <p:spPr/>
+        <p:txBody>
+          <a:bodyPr/>
+          <a:lstStyle/>
+          <a:p>
+            <a:pPr marL="0" indent="0">
+              <a:buNone/>
+            </a:pPr>
+            <a:r>
+              <a:rPr lang="en-US" altLang="zh-CN" dirty="0"/>
+              <a:t>1</a:t>
+            </a:r>
+            <a:r>
+              <a:rPr lang="zh-CN" altLang="en-US" dirty="0"/>
+              <a:t>、初始化</a:t>
+            </a:r>
+            <a:endParaRPr lang="en-US" altLang="zh-CN" dirty="0"/>
+          </a:p>
+          <a:p>
+            <a:pPr marL="0" indent="0">
+              <a:buNone/>
+            </a:pPr>
+            <a:r>
+              <a:rPr lang="en-US" altLang="zh-CN" dirty="0"/>
+              <a:t>2</a:t>
+            </a:r>
+            <a:r>
+              <a:rPr lang="zh-CN" altLang="en-US" dirty="0"/>
+              <a:t>、生命周期</a:t>
+            </a:r>
+            <a:endParaRPr lang="en-US" altLang="zh-CN" dirty="0"/>
+          </a:p>
+          <a:p>
+            <a:pPr marL="0" indent="0">
+              <a:buNone/>
+            </a:pPr>
+            <a:r>
+              <a:rPr lang="en-US" altLang="zh-CN" dirty="0"/>
+              <a:t>3</a:t>
+            </a:r>
+            <a:r>
+              <a:rPr lang="zh-CN" altLang="en-US" dirty="0"/>
+              <a:t>、双向绑定</a:t>
+            </a:r>
+            <a:endParaRPr lang="en-US" altLang="zh-CN" dirty="0"/>
+          </a:p>
+          <a:p>
+            <a:pPr marL="0" indent="0">
+              <a:buNone/>
+            </a:pPr>
+            <a:r>
+              <a:rPr lang="en-US" altLang="zh-CN" dirty="0"/>
+              <a:t>4</a:t>
+            </a:r>
+            <a:r>
+              <a:rPr lang="zh-CN" altLang="en-US" dirty="0"/>
+              <a:t>、组件和组件通信</a:t>
+            </a:r>
+            <a:endParaRPr lang="en-US" altLang="zh-CN" dirty="0"/>
+          </a:p>
+          <a:p>
+            <a:pPr marL="0" indent="0">
+              <a:buNone/>
+            </a:pPr>
+            <a:r>
+              <a:rPr lang="en-US" altLang="zh-CN" dirty="0"/>
+              <a:t>5</a:t>
+            </a:r>
+            <a:r>
+              <a:rPr lang="zh-CN" altLang="en-US" dirty="0"/>
+              <a:t>、</a:t>
+            </a:r>
+            <a:r>
+              <a:rPr lang="en-US" altLang="zh-CN" dirty="0" err="1"/>
+              <a:t>vue</a:t>
+            </a:r>
+            <a:r>
+              <a:rPr lang="en-US" altLang="zh-CN" dirty="0"/>
+              <a:t>-cli</a:t>
+            </a:r>
+            <a:r>
+              <a:rPr lang="zh-CN" altLang="en-US" dirty="0"/>
+              <a:t>优化</a:t>
+            </a:r>
+            <a:endParaRPr lang="en-US" altLang="zh-CN" dirty="0"/>
+          </a:p>
+          <a:p>
+            <a:pPr marL="0" indent="0">
+              <a:buNone/>
+            </a:pPr>
+            <a:r>
+              <a:rPr lang="en-US" altLang="zh-CN" dirty="0"/>
+              <a:t>6</a:t>
+            </a:r>
+            <a:r>
+              <a:rPr lang="zh-CN" altLang="en-US" dirty="0"/>
+              <a:t>、环境配置与调试</a:t>
+            </a:r>
+            <a:endParaRPr lang="en-US" altLang="zh-CN" dirty="0"/>
+          </a:p>
+          <a:p>
+            <a:pPr marL="0" indent="0">
+              <a:buNone/>
+            </a:pPr>
+            <a:r>
+              <a:rPr lang="en-US" altLang="zh-CN" dirty="0"/>
+              <a:t>7</a:t>
+            </a:r>
+            <a:r>
+              <a:rPr lang="zh-CN" altLang="en-US" dirty="0"/>
+              <a:t>、最佳</a:t>
+            </a:r>
+            <a:r>
+              <a:rPr lang="zh-CN" altLang="en-US" dirty="0" smtClean="0"/>
+              <a:t>实践 </a:t>
+            </a:r>
+            <a:r>
+              <a:rPr lang="en-US" altLang="zh-CN" dirty="0" smtClean="0"/>
+              <a:t>&amp; </a:t>
+            </a:r>
+            <a:r>
+              <a:rPr lang="zh-CN" altLang="en-US" dirty="0"/>
+              <a:t>踩坑记录</a:t>
+            </a:r>
+          </a:p>
+          <a:p>
+            <a:pPr marL="0" indent="0">
+              <a:buNone/>
+            </a:pPr>
+            <a:endParaRPr lang="en-US" altLang="zh-CN" dirty="0"/>
+          </a:p>
+          <a:p>
+            <a:pPr marL="0" indent="0">
+              <a:buNone/>
+            </a:pPr>
+            <a:endParaRPr lang="en-US" altLang="zh-CN" dirty="0"/>
+          </a:p>
+          <a:p>
+            <a:pPr marL="0" indent="0">
+              <a:buNone/>
+            </a:pPr>
+            <a:endParaRPr lang="en-US" altLang="zh-CN" dirty="0"/>
+          </a:p>
+          <a:p>
+            <a:endParaRPr lang="en-US" altLang="zh-CN" dirty="0"/>
+          </a:p>
+          <a:p>
+            <a:endParaRPr lang="en-US" altLang="zh-CN" dirty="0"/>
+          </a:p>
+        </p:txBody>
+      </p:sp>
+    </p:spTree>
+    <p:extLst>
+      <p:ext uri="{BB962C8B-B14F-4D97-AF65-F5344CB8AC3E}">
+        <p14:creationId xmlns:p14="http://schemas.microsoft.com/office/powerpoint/2010/main" val="3112565650"/>
+      </p:ext>
+    </p:extLst>
+  </p:cSld>
+  <p:clrMapOvr>
+    <a:masterClrMapping/>
+  </p:clrMapOvr>
+</p:sld>
+</file>
+
+<file path=ppt/slides/slide20.xml><?xml version="1.0" encoding="utf-8"?>
+<p:sld xmlns:a="http://schemas.openxmlformats.org/drawingml/2006/main" xmlns:r="http://schemas.openxmlformats.org/officeDocument/2006/relationships" xmlns:p="http://schemas.openxmlformats.org/presentationml/2006/main">
+  <p:cSld>
+    <p:spTree>
+      <p:nvGrpSpPr>
+        <p:cNvPr id="1" name=""/>
+        <p:cNvGrpSpPr/>
+        <p:nvPr/>
+      </p:nvGrpSpPr>
+      <p:grpSpPr>
+        <a:xfrm>
+          <a:off x="0" y="0"/>
+          <a:ext cx="0" cy="0"/>
+          <a:chOff x="0" y="0"/>
+          <a:chExt cx="0" cy="0"/>
+        </a:xfrm>
+      </p:grpSpPr>
+      <p:sp>
+        <p:nvSpPr>
+          <p:cNvPr id="2" name="标题 1"/>
+          <p:cNvSpPr>
+            <a:spLocks noGrp="1"/>
+          </p:cNvSpPr>
+          <p:nvPr>
+            <p:ph type="title"/>
+          </p:nvPr>
+        </p:nvSpPr>
+        <p:spPr/>
+        <p:txBody>
+          <a:bodyPr/>
+          <a:lstStyle/>
+          <a:p>
+            <a:r>
+              <a:rPr kumimoji="1" lang="en-US" altLang="zh-CN" dirty="0"/>
+              <a:t>4</a:t>
+            </a:r>
+            <a:r>
+              <a:rPr kumimoji="1" lang="zh-CN" altLang="en-US" dirty="0"/>
+              <a:t>、</a:t>
+            </a:r>
+            <a:r>
+              <a:rPr lang="zh-CN" altLang="en-US" dirty="0"/>
+              <a:t>组件和组件通信</a:t>
+            </a:r>
+            <a:r>
+              <a:rPr lang="en-US" altLang="zh-CN" dirty="0" smtClean="0"/>
+              <a:t>-</a:t>
+            </a:r>
+            <a:r>
+              <a:rPr kumimoji="1" lang="en-US" altLang="zh-CN" dirty="0" err="1" smtClean="0"/>
+              <a:t>Vuex</a:t>
+            </a:r>
+            <a:endParaRPr kumimoji="1" lang="zh-CN" altLang="en-US" dirty="0"/>
+          </a:p>
+        </p:txBody>
+      </p:sp>
+      <p:sp>
+        <p:nvSpPr>
+          <p:cNvPr id="3" name="内容占位符 2"/>
+          <p:cNvSpPr>
+            <a:spLocks noGrp="1"/>
+          </p:cNvSpPr>
+          <p:nvPr>
+            <p:ph idx="1"/>
+          </p:nvPr>
+        </p:nvSpPr>
+        <p:spPr/>
+        <p:txBody>
+          <a:bodyPr>
+            <a:normAutofit lnSpcReduction="10000"/>
+          </a:bodyPr>
+          <a:lstStyle/>
+          <a:p>
+            <a:r>
+              <a:rPr kumimoji="1" lang="en-US" altLang="zh-CN" dirty="0" err="1"/>
+              <a:t>Vuex</a:t>
+            </a:r>
+            <a:r>
+              <a:rPr kumimoji="1" lang="zh-CN" altLang="en-US" dirty="0"/>
+              <a:t>实现了一个单向数据流，在全局拥有一个</a:t>
+            </a:r>
+            <a:r>
+              <a:rPr kumimoji="1" lang="en-US" altLang="zh-CN" dirty="0"/>
+              <a:t>State</a:t>
+            </a:r>
+            <a:r>
+              <a:rPr kumimoji="1" lang="zh-CN" altLang="en-US" dirty="0"/>
+              <a:t>存放数据，当组件要更改</a:t>
+            </a:r>
+            <a:r>
+              <a:rPr kumimoji="1" lang="en-US" altLang="zh-CN" dirty="0"/>
+              <a:t>State</a:t>
+            </a:r>
+            <a:r>
+              <a:rPr kumimoji="1" lang="zh-CN" altLang="en-US" dirty="0"/>
+              <a:t>中的数据时，必须通过</a:t>
+            </a:r>
+            <a:r>
+              <a:rPr kumimoji="1" lang="en-US" altLang="zh-CN" dirty="0"/>
+              <a:t>Mutation</a:t>
+            </a:r>
+            <a:r>
+              <a:rPr kumimoji="1" lang="zh-CN" altLang="en-US" dirty="0"/>
+              <a:t>进行，</a:t>
+            </a:r>
+            <a:r>
+              <a:rPr kumimoji="1" lang="en-US" altLang="zh-CN" dirty="0"/>
+              <a:t>Mutation</a:t>
+            </a:r>
+            <a:r>
+              <a:rPr kumimoji="1" lang="zh-CN" altLang="en-US" dirty="0"/>
+              <a:t>同时提供了订阅者模式供外部插件调用获取</a:t>
+            </a:r>
+            <a:r>
+              <a:rPr kumimoji="1" lang="en-US" altLang="zh-CN" dirty="0"/>
+              <a:t>State</a:t>
+            </a:r>
+            <a:r>
+              <a:rPr kumimoji="1" lang="zh-CN" altLang="en-US" dirty="0"/>
+              <a:t>数据的更新。而当所有异步操作</a:t>
+            </a:r>
+            <a:r>
+              <a:rPr kumimoji="1" lang="en-US" altLang="zh-CN" dirty="0"/>
+              <a:t>(</a:t>
+            </a:r>
+            <a:r>
+              <a:rPr kumimoji="1" lang="zh-CN" altLang="en-US" dirty="0"/>
+              <a:t>常见于调用后端接口异步获取更新数据</a:t>
+            </a:r>
+            <a:r>
+              <a:rPr kumimoji="1" lang="en-US" altLang="zh-CN" dirty="0"/>
+              <a:t>)</a:t>
+            </a:r>
+            <a:r>
+              <a:rPr kumimoji="1" lang="zh-CN" altLang="en-US" dirty="0"/>
+              <a:t>或批量的同步操作需要走</a:t>
+            </a:r>
+            <a:r>
+              <a:rPr kumimoji="1" lang="en-US" altLang="zh-CN" dirty="0"/>
+              <a:t>Action</a:t>
+            </a:r>
+            <a:r>
+              <a:rPr kumimoji="1" lang="zh-CN" altLang="en-US" dirty="0"/>
+              <a:t>，但</a:t>
+            </a:r>
+            <a:r>
+              <a:rPr kumimoji="1" lang="en-US" altLang="zh-CN" dirty="0"/>
+              <a:t>Action</a:t>
+            </a:r>
+            <a:r>
+              <a:rPr kumimoji="1" lang="zh-CN" altLang="en-US" dirty="0"/>
+              <a:t>也是无法直接修改</a:t>
+            </a:r>
+            <a:r>
+              <a:rPr kumimoji="1" lang="en-US" altLang="zh-CN" dirty="0"/>
+              <a:t>State</a:t>
+            </a:r>
+            <a:r>
+              <a:rPr kumimoji="1" lang="zh-CN" altLang="en-US" dirty="0"/>
+              <a:t>的，还是需要通过</a:t>
+            </a:r>
+            <a:r>
+              <a:rPr kumimoji="1" lang="en-US" altLang="zh-CN" dirty="0"/>
+              <a:t>Mutation</a:t>
+            </a:r>
+            <a:r>
+              <a:rPr kumimoji="1" lang="zh-CN" altLang="en-US" dirty="0"/>
+              <a:t>来修改</a:t>
+            </a:r>
+            <a:r>
+              <a:rPr kumimoji="1" lang="en-US" altLang="zh-CN" dirty="0"/>
+              <a:t>State</a:t>
+            </a:r>
+            <a:r>
+              <a:rPr kumimoji="1" lang="zh-CN" altLang="en-US" dirty="0"/>
+              <a:t>的数据。最后，根据</a:t>
+            </a:r>
+            <a:r>
+              <a:rPr kumimoji="1" lang="en-US" altLang="zh-CN" dirty="0"/>
+              <a:t>State</a:t>
+            </a:r>
+            <a:r>
+              <a:rPr kumimoji="1" lang="zh-CN" altLang="en-US" dirty="0"/>
+              <a:t>的变化，渲染到视图上</a:t>
+            </a:r>
+            <a:r>
+              <a:rPr kumimoji="1" lang="zh-CN" altLang="en-US" dirty="0" smtClean="0"/>
+              <a:t>。</a:t>
+            </a:r>
+          </a:p>
+          <a:p>
+            <a:r>
+              <a:rPr kumimoji="1" lang="en-US" altLang="zh-CN" dirty="0" err="1" smtClean="0"/>
+              <a:t>Vuex</a:t>
+            </a:r>
+            <a:r>
+              <a:rPr kumimoji="1" lang="en-US" altLang="zh-CN" dirty="0" smtClean="0"/>
+              <a:t> </a:t>
+            </a:r>
+            <a:r>
+              <a:rPr kumimoji="1" lang="zh-CN" altLang="en-US" dirty="0"/>
+              <a:t>是 </a:t>
+            </a:r>
+            <a:r>
+              <a:rPr kumimoji="1" lang="en-US" altLang="zh-CN" dirty="0" err="1"/>
+              <a:t>vue</a:t>
+            </a:r>
+            <a:r>
+              <a:rPr kumimoji="1" lang="en-US" altLang="zh-CN" dirty="0"/>
+              <a:t> </a:t>
+            </a:r>
+            <a:r>
+              <a:rPr kumimoji="1" lang="zh-CN" altLang="en-US" dirty="0"/>
+              <a:t>的状态管理器，存储的数据是响应式的。但是并不会保存起来，刷新之后就回到了初始状态，具体做法应该在</a:t>
+            </a:r>
+            <a:r>
+              <a:rPr kumimoji="1" lang="en-US" altLang="zh-CN" dirty="0" err="1"/>
+              <a:t>vuex</a:t>
+            </a:r>
+            <a:r>
+              <a:rPr kumimoji="1" lang="zh-CN" altLang="en-US" dirty="0"/>
+              <a:t>里数据改变的时候把数据拷贝一份保存到</a:t>
+            </a:r>
+            <a:r>
+              <a:rPr kumimoji="1" lang="en-US" altLang="zh-CN" dirty="0" err="1"/>
+              <a:t>localStorage</a:t>
+            </a:r>
+            <a:r>
+              <a:rPr kumimoji="1" lang="zh-CN" altLang="en-US" dirty="0"/>
+              <a:t>里面，刷新之后，如果</a:t>
+            </a:r>
+            <a:r>
+              <a:rPr kumimoji="1" lang="en-US" altLang="zh-CN" dirty="0" err="1"/>
+              <a:t>localStorage</a:t>
+            </a:r>
+            <a:r>
+              <a:rPr kumimoji="1" lang="zh-CN" altLang="en-US" dirty="0"/>
+              <a:t>里有保存的数据，取出来再替换</a:t>
+            </a:r>
+            <a:r>
+              <a:rPr kumimoji="1" lang="en-US" altLang="zh-CN" dirty="0"/>
+              <a:t>store</a:t>
+            </a:r>
+            <a:r>
+              <a:rPr kumimoji="1" lang="zh-CN" altLang="en-US" dirty="0"/>
+              <a:t>里的</a:t>
+            </a:r>
+            <a:r>
+              <a:rPr kumimoji="1" lang="en-US" altLang="zh-CN" dirty="0"/>
+              <a:t>state</a:t>
+            </a:r>
+            <a:endParaRPr kumimoji="1" lang="zh-CN" altLang="en-US" dirty="0"/>
+          </a:p>
+        </p:txBody>
+      </p:sp>
+    </p:spTree>
+    <p:extLst>
+      <p:ext uri="{BB962C8B-B14F-4D97-AF65-F5344CB8AC3E}">
+        <p14:creationId xmlns:p14="http://schemas.microsoft.com/office/powerpoint/2010/main" val="1817441566"/>
+      </p:ext>
+    </p:extLst>
+  </p:cSld>
+  <p:clrMapOvr>
+    <a:masterClrMapping/>
+  </p:clrMapOvr>
+  <p:timing>
+    <p:tnLst>
+      <p:par>
+        <p:cTn id="1" dur="indefinite" restart="never" nodeType="tmRoot"/>
+      </p:par>
+    </p:tnLst>
+  </p:timing>
+</p:sld>
+</file>
+
+<file path=ppt/slides/slide21.xml><?xml version="1.0" encoding="utf-8"?>
+<p:sld xmlns:a="http://schemas.openxmlformats.org/drawingml/2006/main" xmlns:r="http://schemas.openxmlformats.org/officeDocument/2006/relationships" xmlns:p="http://schemas.openxmlformats.org/presentationml/2006/main">
+  <p:cSld>
+    <p:spTree>
+      <p:nvGrpSpPr>
+        <p:cNvPr id="1" name=""/>
+        <p:cNvGrpSpPr/>
+        <p:nvPr/>
+      </p:nvGrpSpPr>
+      <p:grpSpPr>
+        <a:xfrm>
+          <a:off x="0" y="0"/>
+          <a:ext cx="0" cy="0"/>
+          <a:chOff x="0" y="0"/>
+          <a:chExt cx="0" cy="0"/>
+        </a:xfrm>
+      </p:grpSpPr>
+      <p:sp>
+        <p:nvSpPr>
+          <p:cNvPr id="2" name="标题 1"/>
+          <p:cNvSpPr>
+            <a:spLocks noGrp="1"/>
+          </p:cNvSpPr>
+          <p:nvPr>
+            <p:ph type="title"/>
+          </p:nvPr>
+        </p:nvSpPr>
+        <p:spPr/>
+        <p:txBody>
+          <a:bodyPr/>
+          <a:lstStyle/>
+          <a:p>
+            <a:r>
+              <a:rPr kumimoji="1" lang="en-US" altLang="zh-CN" dirty="0"/>
+              <a:t>4</a:t>
+            </a:r>
+            <a:r>
+              <a:rPr kumimoji="1" lang="zh-CN" altLang="en-US" dirty="0"/>
+              <a:t>、</a:t>
+            </a:r>
+            <a:r>
+              <a:rPr lang="zh-CN" altLang="en-US" dirty="0"/>
+              <a:t>组件和组件通信</a:t>
+            </a:r>
+            <a:r>
+              <a:rPr lang="en-US" altLang="zh-CN" dirty="0"/>
+              <a:t>-</a:t>
+            </a:r>
+            <a:r>
+              <a:rPr kumimoji="1" lang="en-US" altLang="zh-CN" dirty="0" err="1"/>
+              <a:t>Vuex</a:t>
+            </a:r>
+            <a:endParaRPr kumimoji="1" lang="zh-CN" altLang="en-US" dirty="0"/>
+          </a:p>
+        </p:txBody>
+      </p:sp>
+      <p:pic>
+        <p:nvPicPr>
+          <p:cNvPr id="4" name="内容占位符 3"/>
+          <p:cNvPicPr>
+            <a:picLocks noGrp="1" noChangeAspect="1"/>
+          </p:cNvPicPr>
+          <p:nvPr>
+            <p:ph idx="1"/>
+          </p:nvPr>
+        </p:nvPicPr>
+        <p:blipFill>
+          <a:blip r:embed="rId3"/>
+          <a:stretch>
+            <a:fillRect/>
+          </a:stretch>
+        </p:blipFill>
+        <p:spPr>
+          <a:xfrm>
+            <a:off x="647700" y="1371938"/>
+            <a:ext cx="1485900" cy="787400"/>
+          </a:xfrm>
+          <a:prstGeom prst="rect">
+            <a:avLst/>
+          </a:prstGeom>
+        </p:spPr>
+      </p:pic>
+      <p:pic>
+        <p:nvPicPr>
+          <p:cNvPr id="6" name="图片 5"/>
+          <p:cNvPicPr>
+            <a:picLocks noChangeAspect="1"/>
+          </p:cNvPicPr>
+          <p:nvPr/>
+        </p:nvPicPr>
+        <p:blipFill>
+          <a:blip r:embed="rId4"/>
+          <a:stretch>
+            <a:fillRect/>
+          </a:stretch>
+        </p:blipFill>
+        <p:spPr>
+          <a:xfrm>
+            <a:off x="616783" y="2271037"/>
+            <a:ext cx="4076700" cy="4394200"/>
+          </a:xfrm>
+          <a:prstGeom prst="rect">
+            <a:avLst/>
+          </a:prstGeom>
+        </p:spPr>
+      </p:pic>
+      <p:pic>
+        <p:nvPicPr>
+          <p:cNvPr id="7" name="图片 6"/>
+          <p:cNvPicPr>
+            <a:picLocks noChangeAspect="1"/>
+          </p:cNvPicPr>
+          <p:nvPr/>
+        </p:nvPicPr>
+        <p:blipFill>
+          <a:blip r:embed="rId5"/>
+          <a:stretch>
+            <a:fillRect/>
+          </a:stretch>
+        </p:blipFill>
+        <p:spPr>
+          <a:xfrm>
+            <a:off x="4839950" y="1486656"/>
+            <a:ext cx="6515100" cy="2108200"/>
+          </a:xfrm>
+          <a:prstGeom prst="rect">
+            <a:avLst/>
+          </a:prstGeom>
+        </p:spPr>
+      </p:pic>
+      <p:pic>
+        <p:nvPicPr>
+          <p:cNvPr id="9" name="图片 8"/>
+          <p:cNvPicPr>
+            <a:picLocks noChangeAspect="1"/>
+          </p:cNvPicPr>
+          <p:nvPr/>
+        </p:nvPicPr>
+        <p:blipFill>
+          <a:blip r:embed="rId6"/>
+          <a:stretch>
+            <a:fillRect/>
+          </a:stretch>
+        </p:blipFill>
+        <p:spPr>
+          <a:xfrm>
+            <a:off x="4862437" y="3706137"/>
+            <a:ext cx="2438400" cy="2959100"/>
+          </a:xfrm>
+          <a:prstGeom prst="rect">
+            <a:avLst/>
+          </a:prstGeom>
+        </p:spPr>
+      </p:pic>
+      <p:sp>
+        <p:nvSpPr>
+          <p:cNvPr id="10" name="文本框 9"/>
+          <p:cNvSpPr txBox="1"/>
+          <p:nvPr/>
+        </p:nvSpPr>
+        <p:spPr>
+          <a:xfrm>
+            <a:off x="7300837" y="3706137"/>
+            <a:ext cx="4451451" cy="3046988"/>
+          </a:xfrm>
+          <a:prstGeom prst="rect">
+            <a:avLst/>
+          </a:prstGeom>
+          <a:noFill/>
+        </p:spPr>
+        <p:txBody>
+          <a:bodyPr wrap="square" rtlCol="0">
+            <a:spAutoFit/>
+          </a:bodyPr>
+          <a:lstStyle/>
+          <a:p>
+            <a:r>
+              <a:rPr kumimoji="1" lang="en-US" altLang="zh-CN" sz="2400" dirty="0"/>
+              <a:t>mutations</a:t>
+            </a:r>
+            <a:r>
+              <a:rPr kumimoji="1" lang="zh-CN" altLang="en-US" sz="2400" dirty="0"/>
+              <a:t>：状态改变操作方法，由</a:t>
+            </a:r>
+            <a:r>
+              <a:rPr kumimoji="1" lang="en-US" altLang="zh-CN" sz="2400" dirty="0"/>
+              <a:t>actions</a:t>
+            </a:r>
+            <a:r>
+              <a:rPr kumimoji="1" lang="zh-CN" altLang="en-US" sz="2400" dirty="0"/>
+              <a:t>中的 </a:t>
+            </a:r>
+            <a:r>
+              <a:rPr kumimoji="1" lang="en-US" altLang="zh-CN" sz="2400" dirty="0"/>
+              <a:t>commit</a:t>
+            </a:r>
+            <a:r>
+              <a:rPr kumimoji="1" lang="en-US" altLang="zh-CN" sz="2400" dirty="0" smtClean="0"/>
+              <a:t>(‘mutation </a:t>
+            </a:r>
+            <a:r>
+              <a:rPr kumimoji="1" lang="zh-CN" altLang="en-US" sz="2400" dirty="0" smtClean="0"/>
+              <a:t>名称</a:t>
+            </a:r>
+            <a:r>
+              <a:rPr kumimoji="1" lang="en-US" altLang="zh-CN" sz="2400" dirty="0" smtClean="0"/>
+              <a:t>’)</a:t>
+            </a:r>
+            <a:r>
+              <a:rPr kumimoji="1" lang="zh-CN" altLang="en-US" sz="2400" dirty="0"/>
+              <a:t>来</a:t>
+            </a:r>
+            <a:r>
+              <a:rPr kumimoji="1" lang="zh-CN" altLang="en-US" sz="2400" dirty="0" smtClean="0"/>
+              <a:t>触发</a:t>
+            </a:r>
+          </a:p>
+          <a:p>
+            <a:r>
+              <a:rPr kumimoji="1" lang="en-US" altLang="zh-CN" sz="2400" dirty="0" smtClean="0"/>
+              <a:t>actions</a:t>
+            </a:r>
+            <a:r>
+              <a:rPr kumimoji="1" lang="zh-CN" altLang="en-US" sz="2400" dirty="0"/>
+              <a:t>：操作行为处理模块</a:t>
+            </a:r>
+            <a:r>
+              <a:rPr kumimoji="1" lang="en-US" altLang="zh-CN" sz="2400" dirty="0"/>
+              <a:t>,</a:t>
+            </a:r>
+            <a:r>
+              <a:rPr kumimoji="1" lang="zh-CN" altLang="en-US" sz="2400" dirty="0"/>
+              <a:t>由组件中的 </a:t>
+            </a:r>
+            <a:r>
+              <a:rPr kumimoji="1" lang="en-US" altLang="zh-CN" sz="2400" dirty="0"/>
+              <a:t>$</a:t>
+            </a:r>
+            <a:r>
+              <a:rPr kumimoji="1" lang="en-US" altLang="zh-CN" sz="2400" dirty="0" err="1"/>
+              <a:t>store.dispatch</a:t>
+            </a:r>
+            <a:r>
+              <a:rPr kumimoji="1" lang="en-US" altLang="zh-CN" sz="2400" dirty="0"/>
+              <a:t>('action </a:t>
+            </a:r>
+            <a:r>
+              <a:rPr kumimoji="1" lang="zh-CN" altLang="en-US" sz="2400" dirty="0"/>
+              <a:t>名称</a:t>
+            </a:r>
+            <a:r>
+              <a:rPr kumimoji="1" lang="en-US" altLang="zh-CN" sz="2400" dirty="0"/>
+              <a:t>',data1)</a:t>
+            </a:r>
+            <a:r>
+              <a:rPr kumimoji="1" lang="zh-CN" altLang="en-US" sz="2400" dirty="0"/>
+              <a:t>来触发。然后由</a:t>
+            </a:r>
+            <a:r>
+              <a:rPr kumimoji="1" lang="en-US" altLang="zh-CN" sz="2400" dirty="0"/>
+              <a:t>commit()</a:t>
+            </a:r>
+            <a:r>
+              <a:rPr kumimoji="1" lang="zh-CN" altLang="en-US" sz="2400" dirty="0"/>
+              <a:t>来触发</a:t>
+            </a:r>
+            <a:r>
+              <a:rPr kumimoji="1" lang="en-US" altLang="zh-CN" sz="2400" dirty="0"/>
+              <a:t>mutation</a:t>
+            </a:r>
+            <a:r>
+              <a:rPr kumimoji="1" lang="zh-CN" altLang="en-US" sz="2400" dirty="0"/>
+              <a:t>的调用 </a:t>
+            </a:r>
+            <a:r>
+              <a:rPr kumimoji="1" lang="en-US" altLang="zh-CN" sz="2400" dirty="0"/>
+              <a:t>, </a:t>
+            </a:r>
+            <a:r>
+              <a:rPr kumimoji="1" lang="zh-CN" altLang="en-US" sz="2400" dirty="0"/>
+              <a:t>间接更新 </a:t>
+            </a:r>
+            <a:r>
+              <a:rPr kumimoji="1" lang="en-US" altLang="zh-CN" sz="2400" dirty="0"/>
+              <a:t>state</a:t>
+            </a:r>
+            <a:endParaRPr kumimoji="1" lang="zh-CN" altLang="en-US" sz="2400" dirty="0"/>
+          </a:p>
+        </p:txBody>
+      </p:sp>
+    </p:spTree>
+    <p:extLst>
+      <p:ext uri="{BB962C8B-B14F-4D97-AF65-F5344CB8AC3E}">
+        <p14:creationId xmlns:p14="http://schemas.microsoft.com/office/powerpoint/2010/main" val="2002104102"/>
+      </p:ext>
+    </p:extLst>
+  </p:cSld>
+  <p:clrMapOvr>
+    <a:masterClrMapping/>
+  </p:clrMapOvr>
+  <p:timing>
+    <p:tnLst>
+      <p:par>
+        <p:cTn id="1" dur="indefinite" restart="never" nodeType="tmRoot"/>
+      </p:par>
+    </p:tnLst>
+  </p:timing>
+</p:sld>
+</file>
+
+<file path=ppt/slides/slide22.xml><?xml version="1.0" encoding="utf-8"?>
+<p:sld xmlns:a="http://schemas.openxmlformats.org/drawingml/2006/main" xmlns:r="http://schemas.openxmlformats.org/officeDocument/2006/relationships" xmlns:p="http://schemas.openxmlformats.org/presentationml/2006/main">
+  <p:cSld>
+    <p:spTree>
+      <p:nvGrpSpPr>
+        <p:cNvPr id="1" name=""/>
+        <p:cNvGrpSpPr/>
+        <p:nvPr/>
+      </p:nvGrpSpPr>
+      <p:grpSpPr>
+        <a:xfrm>
+          <a:off x="0" y="0"/>
+          <a:ext cx="0" cy="0"/>
+          <a:chOff x="0" y="0"/>
+          <a:chExt cx="0" cy="0"/>
+        </a:xfrm>
+      </p:grpSpPr>
+      <p:sp>
+        <p:nvSpPr>
+          <p:cNvPr id="2" name="标题 1"/>
+          <p:cNvSpPr>
+            <a:spLocks noGrp="1"/>
+          </p:cNvSpPr>
+          <p:nvPr>
+            <p:ph type="title"/>
+          </p:nvPr>
+        </p:nvSpPr>
+        <p:spPr/>
+        <p:txBody>
+          <a:bodyPr/>
+          <a:lstStyle/>
+          <a:p>
+            <a:r>
+              <a:rPr kumimoji="1" lang="en-US" altLang="zh-CN" dirty="0"/>
+              <a:t>4</a:t>
+            </a:r>
+            <a:r>
+              <a:rPr kumimoji="1" lang="zh-CN" altLang="en-US" dirty="0"/>
+              <a:t>、</a:t>
+            </a:r>
+            <a:r>
+              <a:rPr lang="zh-CN" altLang="en-US" dirty="0"/>
+              <a:t>组件和组件通信</a:t>
+            </a:r>
+            <a:r>
+              <a:rPr lang="en-US" altLang="zh-CN" dirty="0" smtClean="0"/>
+              <a:t>-</a:t>
+            </a:r>
+            <a:r>
+              <a:rPr lang="zh-CN" altLang="en-US" dirty="0" smtClean="0"/>
+              <a:t>其它交互方式</a:t>
+            </a:r>
+            <a:endParaRPr kumimoji="1" lang="zh-CN" altLang="en-US" dirty="0"/>
+          </a:p>
+        </p:txBody>
+      </p:sp>
+      <p:sp>
+        <p:nvSpPr>
+          <p:cNvPr id="3" name="内容占位符 2"/>
+          <p:cNvSpPr>
+            <a:spLocks noGrp="1"/>
+          </p:cNvSpPr>
+          <p:nvPr>
+            <p:ph idx="1"/>
+          </p:nvPr>
+        </p:nvSpPr>
+        <p:spPr/>
+        <p:txBody>
+          <a:bodyPr/>
+          <a:lstStyle/>
+          <a:p>
+            <a:r>
+              <a:rPr kumimoji="1" lang="en-US" altLang="zh-CN" dirty="0"/>
+              <a:t>1</a:t>
+            </a:r>
+            <a:r>
+              <a:rPr kumimoji="1" lang="en-US" altLang="zh-CN" dirty="0" smtClean="0"/>
+              <a:t>)$</a:t>
+            </a:r>
+            <a:r>
+              <a:rPr kumimoji="1" lang="en-US" altLang="zh-CN" dirty="0" err="1" smtClean="0"/>
+              <a:t>attrs</a:t>
+            </a:r>
+            <a:r>
+              <a:rPr kumimoji="1" lang="en-US" altLang="zh-CN" dirty="0"/>
+              <a:t>/ $listeners </a:t>
+            </a:r>
+            <a:r>
+              <a:rPr kumimoji="1" lang="zh-CN" altLang="en-US" dirty="0" smtClean="0"/>
+              <a:t> </a:t>
+            </a:r>
+            <a:r>
+              <a:rPr kumimoji="1" lang="en-US" altLang="zh-CN" dirty="0"/>
+              <a:t>2</a:t>
+            </a:r>
+            <a:r>
+              <a:rPr kumimoji="1" lang="en-US" altLang="zh-CN" dirty="0" smtClean="0"/>
+              <a:t>)provide/inject  </a:t>
+            </a:r>
+            <a:r>
+              <a:rPr kumimoji="1" lang="zh-CN" altLang="en-US" dirty="0" smtClean="0"/>
+              <a:t> </a:t>
+            </a:r>
+            <a:r>
+              <a:rPr kumimoji="1" lang="en-US" altLang="zh-CN" dirty="0"/>
+              <a:t>3</a:t>
+            </a:r>
+            <a:r>
+              <a:rPr kumimoji="1" lang="en-US" altLang="zh-CN" dirty="0" smtClean="0"/>
+              <a:t>)$parent </a:t>
+            </a:r>
+            <a:r>
+              <a:rPr kumimoji="1" lang="en-US" altLang="zh-CN" dirty="0"/>
+              <a:t>/ $children</a:t>
+            </a:r>
+            <a:r>
+              <a:rPr kumimoji="1" lang="zh-CN" altLang="en-US" dirty="0"/>
+              <a:t>＆</a:t>
+            </a:r>
+            <a:r>
+              <a:rPr kumimoji="1" lang="en-US" altLang="zh-CN" dirty="0" smtClean="0"/>
+              <a:t>ref</a:t>
+            </a:r>
+            <a:endParaRPr kumimoji="1" lang="zh-CN" altLang="en-US" dirty="0" smtClean="0"/>
+          </a:p>
+          <a:p>
+            <a:r>
+              <a:rPr kumimoji="1" lang="en-US" altLang="zh-CN" dirty="0"/>
+              <a:t>$parent / $children</a:t>
+            </a:r>
+            <a:r>
+              <a:rPr kumimoji="1" lang="zh-CN" altLang="en-US" dirty="0"/>
+              <a:t>：访问父 </a:t>
+            </a:r>
+            <a:r>
+              <a:rPr kumimoji="1" lang="en-US" altLang="zh-CN" dirty="0"/>
+              <a:t>/ </a:t>
+            </a:r>
+            <a:r>
+              <a:rPr kumimoji="1" lang="zh-CN" altLang="en-US" dirty="0"/>
+              <a:t>子实</a:t>
+            </a:r>
+            <a:r>
+              <a:rPr kumimoji="1" lang="zh-CN" altLang="en-US" dirty="0" smtClean="0"/>
+              <a:t>例 </a:t>
+            </a:r>
+            <a:r>
+              <a:rPr kumimoji="1" lang="en-US" altLang="zh-CN" dirty="0" smtClean="0"/>
+              <a:t>;ref</a:t>
+            </a:r>
+            <a:r>
+              <a:rPr kumimoji="1" lang="zh-CN" altLang="en-US" dirty="0"/>
+              <a:t>：如果在普通的 </a:t>
+            </a:r>
+            <a:r>
+              <a:rPr kumimoji="1" lang="en-US" altLang="zh-CN" dirty="0"/>
+              <a:t>DOM </a:t>
+            </a:r>
+            <a:r>
+              <a:rPr kumimoji="1" lang="zh-CN" altLang="en-US" dirty="0"/>
+              <a:t>元素上使用，引用指向的就是 </a:t>
+            </a:r>
+            <a:r>
+              <a:rPr kumimoji="1" lang="en-US" altLang="zh-CN" dirty="0"/>
+              <a:t>DOM </a:t>
+            </a:r>
+            <a:r>
+              <a:rPr kumimoji="1" lang="zh-CN" altLang="en-US" dirty="0"/>
+              <a:t>元素；如果用在子组件上，引用就指向组件实例</a:t>
+            </a:r>
+            <a:endParaRPr kumimoji="1" lang="zh-CN" altLang="en-US" dirty="0" smtClean="0"/>
+          </a:p>
+          <a:p>
+            <a:r>
+              <a:rPr kumimoji="1" lang="zh-CN" altLang="en-US" dirty="0" smtClean="0"/>
+              <a:t>父子</a:t>
+            </a:r>
+            <a:r>
+              <a:rPr kumimoji="1" lang="zh-CN" altLang="en-US" dirty="0"/>
+              <a:t>通信： 父向子传递数据是通过 </a:t>
+            </a:r>
+            <a:r>
+              <a:rPr kumimoji="1" lang="en-US" altLang="zh-CN" dirty="0"/>
+              <a:t>props</a:t>
+            </a:r>
+            <a:r>
+              <a:rPr kumimoji="1" lang="zh-CN" altLang="en-US" dirty="0"/>
+              <a:t>，子向父是通过 </a:t>
+            </a:r>
+            <a:r>
+              <a:rPr kumimoji="1" lang="en-US" altLang="zh-CN" dirty="0"/>
+              <a:t>events</a:t>
+            </a:r>
+            <a:r>
+              <a:rPr kumimoji="1" lang="zh-CN" altLang="en-US" dirty="0"/>
+              <a:t>（ </a:t>
+            </a:r>
+            <a:r>
+              <a:rPr kumimoji="1" lang="en-US" altLang="zh-CN" dirty="0"/>
+              <a:t>$emit</a:t>
+            </a:r>
+            <a:r>
+              <a:rPr kumimoji="1" lang="zh-CN" altLang="en-US" dirty="0"/>
+              <a:t>）；通过父链 </a:t>
+            </a:r>
+            <a:r>
+              <a:rPr kumimoji="1" lang="en-US" altLang="zh-CN" dirty="0"/>
+              <a:t>/ </a:t>
+            </a:r>
+            <a:r>
+              <a:rPr kumimoji="1" lang="zh-CN" altLang="en-US" dirty="0"/>
+              <a:t>子链也可以通信（ </a:t>
+            </a:r>
+            <a:r>
+              <a:rPr kumimoji="1" lang="en-US" altLang="zh-CN" dirty="0"/>
+              <a:t>$parent / $children</a:t>
+            </a:r>
+            <a:r>
+              <a:rPr kumimoji="1" lang="zh-CN" altLang="en-US" dirty="0"/>
+              <a:t>）；</a:t>
+            </a:r>
+            <a:r>
+              <a:rPr kumimoji="1" lang="en-US" altLang="zh-CN" dirty="0"/>
+              <a:t>ref </a:t>
+            </a:r>
+            <a:r>
+              <a:rPr kumimoji="1" lang="zh-CN" altLang="en-US" dirty="0"/>
+              <a:t>也可以访问组件实例；</a:t>
+            </a:r>
+            <a:r>
+              <a:rPr kumimoji="1" lang="en-US" altLang="zh-CN" dirty="0"/>
+              <a:t>provide / inject API</a:t>
+            </a:r>
+            <a:r>
+              <a:rPr kumimoji="1" lang="zh-CN" altLang="en-US" dirty="0"/>
+              <a:t>； </a:t>
+            </a:r>
+            <a:r>
+              <a:rPr kumimoji="1" lang="en-US" altLang="zh-CN" dirty="0"/>
+              <a:t>$</a:t>
+            </a:r>
+            <a:r>
+              <a:rPr kumimoji="1" lang="en-US" altLang="zh-CN" dirty="0" err="1"/>
+              <a:t>attrs</a:t>
+            </a:r>
+            <a:r>
+              <a:rPr kumimoji="1" lang="en-US" altLang="zh-CN" dirty="0"/>
+              <a:t>/$</a:t>
+            </a:r>
+            <a:r>
+              <a:rPr kumimoji="1" lang="en-US" altLang="zh-CN" dirty="0" smtClean="0"/>
+              <a:t>listeners</a:t>
+            </a:r>
+            <a:endParaRPr kumimoji="1" lang="zh-CN" altLang="en-US" dirty="0" smtClean="0"/>
+          </a:p>
+          <a:p>
+            <a:r>
+              <a:rPr kumimoji="1" lang="zh-CN" altLang="en-US" dirty="0" smtClean="0"/>
+              <a:t>兄弟</a:t>
+            </a:r>
+            <a:r>
+              <a:rPr kumimoji="1" lang="zh-CN" altLang="en-US" dirty="0"/>
+              <a:t>通信： </a:t>
+            </a:r>
+            <a:r>
+              <a:rPr kumimoji="1" lang="en-US" altLang="zh-CN" dirty="0"/>
+              <a:t>Bus</a:t>
+            </a:r>
+            <a:r>
+              <a:rPr kumimoji="1" lang="zh-CN" altLang="en-US" dirty="0"/>
+              <a:t>；</a:t>
+            </a:r>
+            <a:r>
+              <a:rPr kumimoji="1" lang="en-US" altLang="zh-CN" dirty="0" err="1" smtClean="0"/>
+              <a:t>Vuex</a:t>
+            </a:r>
+            <a:endParaRPr kumimoji="1" lang="zh-CN" altLang="en-US" dirty="0" smtClean="0"/>
+          </a:p>
+          <a:p>
+            <a:r>
+              <a:rPr kumimoji="1" lang="zh-CN" altLang="en-US" dirty="0" smtClean="0"/>
+              <a:t>跨级</a:t>
+            </a:r>
+            <a:r>
+              <a:rPr kumimoji="1" lang="zh-CN" altLang="en-US" dirty="0"/>
+              <a:t>通信： </a:t>
+            </a:r>
+            <a:r>
+              <a:rPr kumimoji="1" lang="en-US" altLang="zh-CN" dirty="0"/>
+              <a:t>Bus</a:t>
+            </a:r>
+            <a:r>
+              <a:rPr kumimoji="1" lang="zh-CN" altLang="en-US" dirty="0"/>
+              <a:t>；</a:t>
+            </a:r>
+            <a:r>
+              <a:rPr kumimoji="1" lang="en-US" altLang="zh-CN" dirty="0" err="1"/>
+              <a:t>Vuex</a:t>
+            </a:r>
+            <a:r>
+              <a:rPr kumimoji="1" lang="zh-CN" altLang="en-US" dirty="0"/>
+              <a:t>；</a:t>
+            </a:r>
+            <a:r>
+              <a:rPr kumimoji="1" lang="en-US" altLang="zh-CN" dirty="0"/>
+              <a:t>provide / inject API</a:t>
+            </a:r>
+            <a:r>
+              <a:rPr kumimoji="1" lang="zh-CN" altLang="en-US" dirty="0"/>
+              <a:t>、 </a:t>
+            </a:r>
+            <a:r>
+              <a:rPr kumimoji="1" lang="en-US" altLang="zh-CN" dirty="0"/>
+              <a:t>$</a:t>
+            </a:r>
+            <a:r>
+              <a:rPr kumimoji="1" lang="en-US" altLang="zh-CN" dirty="0" err="1"/>
+              <a:t>attrs</a:t>
+            </a:r>
+            <a:r>
+              <a:rPr kumimoji="1" lang="en-US" altLang="zh-CN" dirty="0"/>
+              <a:t>/$listeners</a:t>
+            </a:r>
+            <a:endParaRPr kumimoji="1" lang="zh-CN" altLang="en-US" dirty="0"/>
+          </a:p>
+        </p:txBody>
+      </p:sp>
+    </p:spTree>
+    <p:extLst>
+      <p:ext uri="{BB962C8B-B14F-4D97-AF65-F5344CB8AC3E}">
+        <p14:creationId xmlns:p14="http://schemas.microsoft.com/office/powerpoint/2010/main" val="188339310"/>
+      </p:ext>
+    </p:extLst>
+  </p:cSld>
+  <p:clrMapOvr>
+    <a:masterClrMapping/>
+  </p:clrMapOvr>
+</p:sld>
+</file>
+
+<file path=ppt/slides/slide23.xml><?xml version="1.0" encoding="utf-8"?>
+<p:sld xmlns:a="http://schemas.openxmlformats.org/drawingml/2006/main" xmlns:r="http://schemas.openxmlformats.org/officeDocument/2006/relationships" xmlns:p="http://schemas.openxmlformats.org/presentationml/2006/main">
+  <p:cSld>
+    <p:spTree>
+      <p:nvGrpSpPr>
+        <p:cNvPr id="1" name=""/>
+        <p:cNvGrpSpPr/>
+        <p:nvPr/>
+      </p:nvGrpSpPr>
+      <p:grpSpPr>
+        <a:xfrm>
+          <a:off x="0" y="0"/>
+          <a:ext cx="0" cy="0"/>
+          <a:chOff x="0" y="0"/>
+          <a:chExt cx="0" cy="0"/>
+        </a:xfrm>
+      </p:grpSpPr>
+      <p:sp>
+        <p:nvSpPr>
+          <p:cNvPr id="2" name="标题 1">
+            <a:extLst>
+              <a:ext uri="{FF2B5EF4-FFF2-40B4-BE49-F238E27FC236}">
+                <a16:creationId xmlns:a16="http://schemas.microsoft.com/office/drawing/2014/main" xmlns="" id="{FF1A4B77-9446-4770-9AA5-0D5992347FA0}"/>
               </a:ext>
             </a:extLst>
           </p:cNvPr>
@@ -6196,7 +7773,7 @@
           <p:cNvPr id="4" name="内容占位符 3">
             <a:extLst>
               <a:ext uri="{FF2B5EF4-FFF2-40B4-BE49-F238E27FC236}">
-                <a16:creationId xmlns:a16="http://schemas.microsoft.com/office/drawing/2014/main" id="{2E58D7C4-84F9-455C-9A78-A522C4F33C81}"/>
+                <a16:creationId xmlns:a16="http://schemas.microsoft.com/office/drawing/2014/main" xmlns="" id="{2E58D7C4-84F9-455C-9A78-A522C4F33C81}"/>
               </a:ext>
             </a:extLst>
           </p:cNvPr>
@@ -6228,7 +7805,7 @@
           <p:cNvPr id="6" name="图片 5">
             <a:extLst>
               <a:ext uri="{FF2B5EF4-FFF2-40B4-BE49-F238E27FC236}">
-                <a16:creationId xmlns:a16="http://schemas.microsoft.com/office/drawing/2014/main" id="{D9EEA241-12C8-4E90-8AB5-1A531D630970}"/>
+                <a16:creationId xmlns:a16="http://schemas.microsoft.com/office/drawing/2014/main" xmlns="" id="{D9EEA241-12C8-4E90-8AB5-1A531D630970}"/>
               </a:ext>
             </a:extLst>
           </p:cNvPr>
@@ -6258,7 +7835,7 @@
           <p:cNvPr id="5" name="内容占位符 3">
             <a:extLst>
               <a:ext uri="{FF2B5EF4-FFF2-40B4-BE49-F238E27FC236}">
-                <a16:creationId xmlns:a16="http://schemas.microsoft.com/office/drawing/2014/main" id="{42E3781A-613B-4919-A837-2C972C0AF736}"/>
+                <a16:creationId xmlns:a16="http://schemas.microsoft.com/office/drawing/2014/main" xmlns="" id="{42E3781A-613B-4919-A837-2C972C0AF736}"/>
               </a:ext>
             </a:extLst>
           </p:cNvPr>
@@ -6293,10 +7870,17 @@
   <p:clrMapOvr>
     <a:masterClrMapping/>
   </p:clrMapOvr>
+  <p:timing>
+    <p:tnLst>
+      <p:par>
+        <p:cTn id="1" dur="indefinite" restart="never" nodeType="tmRoot"/>
+      </p:par>
+    </p:tnLst>
+  </p:timing>
 </p:sld>
 </file>
 
-<file path=ppt/slides/slide2.xml><?xml version="1.0" encoding="utf-8"?>
+<file path=ppt/slides/slide24.xml><?xml version="1.0" encoding="utf-8"?>
 <p:sld xmlns:a="http://schemas.openxmlformats.org/drawingml/2006/main" xmlns:r="http://schemas.openxmlformats.org/officeDocument/2006/relationships" xmlns:p="http://schemas.openxmlformats.org/presentationml/2006/main">
   <p:cSld>
     <p:spTree>
@@ -6318,216 +7902,7 @@
           <p:cNvPr id="2" name="标题 1">
             <a:extLst>
               <a:ext uri="{FF2B5EF4-FFF2-40B4-BE49-F238E27FC236}">
-                <a16:creationId xmlns:a16="http://schemas.microsoft.com/office/drawing/2014/main" id="{9D1684B9-985E-47F5-A474-082B14F95D79}"/>
-              </a:ext>
-            </a:extLst>
-          </p:cNvPr>
-          <p:cNvSpPr>
-            <a:spLocks noGrp="1"/>
-          </p:cNvSpPr>
-          <p:nvPr>
-            <p:ph type="title"/>
-          </p:nvPr>
-        </p:nvSpPr>
-        <p:spPr/>
-        <p:txBody>
-          <a:bodyPr/>
-          <a:lstStyle/>
-          <a:p>
-            <a:pPr algn="ctr"/>
-            <a:r>
-              <a:rPr lang="zh-CN" altLang="en-US" dirty="0"/>
-              <a:t>目录</a:t>
-            </a:r>
-          </a:p>
-        </p:txBody>
-      </p:sp>
-      <p:sp>
-        <p:nvSpPr>
-          <p:cNvPr id="3" name="内容占位符 2">
-            <a:extLst>
-              <a:ext uri="{FF2B5EF4-FFF2-40B4-BE49-F238E27FC236}">
-                <a16:creationId xmlns:a16="http://schemas.microsoft.com/office/drawing/2014/main" id="{689B31AB-61F7-4340-B9A5-5F1098608018}"/>
-              </a:ext>
-            </a:extLst>
-          </p:cNvPr>
-          <p:cNvSpPr>
-            <a:spLocks noGrp="1"/>
-          </p:cNvSpPr>
-          <p:nvPr>
-            <p:ph idx="1"/>
-          </p:nvPr>
-        </p:nvSpPr>
-        <p:spPr/>
-        <p:txBody>
-          <a:bodyPr/>
-          <a:lstStyle/>
-          <a:p>
-            <a:pPr marL="0" indent="0">
-              <a:buNone/>
-            </a:pPr>
-            <a:r>
-              <a:rPr lang="en-US" altLang="zh-CN" dirty="0"/>
-              <a:t>1</a:t>
-            </a:r>
-            <a:r>
-              <a:rPr lang="zh-CN" altLang="en-US" dirty="0"/>
-              <a:t>、初始化</a:t>
-            </a:r>
-            <a:endParaRPr lang="en-US" altLang="zh-CN" dirty="0"/>
-          </a:p>
-          <a:p>
-            <a:pPr marL="0" indent="0">
-              <a:buNone/>
-            </a:pPr>
-            <a:r>
-              <a:rPr lang="en-US" altLang="zh-CN" dirty="0"/>
-              <a:t>2</a:t>
-            </a:r>
-            <a:r>
-              <a:rPr lang="zh-CN" altLang="en-US" dirty="0"/>
-              <a:t>、生命周期</a:t>
-            </a:r>
-            <a:endParaRPr lang="en-US" altLang="zh-CN" dirty="0"/>
-          </a:p>
-          <a:p>
-            <a:pPr marL="0" indent="0">
-              <a:buNone/>
-            </a:pPr>
-            <a:r>
-              <a:rPr lang="en-US" altLang="zh-CN" dirty="0"/>
-              <a:t>3</a:t>
-            </a:r>
-            <a:r>
-              <a:rPr lang="zh-CN" altLang="en-US" dirty="0"/>
-              <a:t>、双向绑定</a:t>
-            </a:r>
-            <a:endParaRPr lang="en-US" altLang="zh-CN" dirty="0"/>
-          </a:p>
-          <a:p>
-            <a:pPr marL="0" indent="0">
-              <a:buNone/>
-            </a:pPr>
-            <a:r>
-              <a:rPr lang="en-US" altLang="zh-CN" dirty="0"/>
-              <a:t>4</a:t>
-            </a:r>
-            <a:r>
-              <a:rPr lang="zh-CN" altLang="en-US" dirty="0"/>
-              <a:t>、组件和组件通信</a:t>
-            </a:r>
-            <a:endParaRPr lang="en-US" altLang="zh-CN" dirty="0"/>
-          </a:p>
-          <a:p>
-            <a:pPr marL="0" indent="0">
-              <a:buNone/>
-            </a:pPr>
-            <a:r>
-              <a:rPr lang="en-US" altLang="zh-CN" dirty="0"/>
-              <a:t>5</a:t>
-            </a:r>
-            <a:r>
-              <a:rPr lang="zh-CN" altLang="en-US" dirty="0"/>
-              <a:t>、</a:t>
-            </a:r>
-            <a:r>
-              <a:rPr lang="en-US" altLang="zh-CN" dirty="0" err="1"/>
-              <a:t>vue</a:t>
-            </a:r>
-            <a:r>
-              <a:rPr lang="en-US" altLang="zh-CN" dirty="0"/>
-              <a:t>-cli</a:t>
-            </a:r>
-            <a:r>
-              <a:rPr lang="zh-CN" altLang="en-US" dirty="0"/>
-              <a:t>优化</a:t>
-            </a:r>
-            <a:endParaRPr lang="en-US" altLang="zh-CN" dirty="0"/>
-          </a:p>
-          <a:p>
-            <a:pPr marL="0" indent="0">
-              <a:buNone/>
-            </a:pPr>
-            <a:r>
-              <a:rPr lang="en-US" altLang="zh-CN" dirty="0"/>
-              <a:t>6</a:t>
-            </a:r>
-            <a:r>
-              <a:rPr lang="zh-CN" altLang="en-US" dirty="0"/>
-              <a:t>、环境配置与调试</a:t>
-            </a:r>
-            <a:endParaRPr lang="en-US" altLang="zh-CN" dirty="0"/>
-          </a:p>
-          <a:p>
-            <a:pPr marL="0" indent="0">
-              <a:buNone/>
-            </a:pPr>
-            <a:r>
-              <a:rPr lang="en-US" altLang="zh-CN" dirty="0"/>
-              <a:t>7</a:t>
-            </a:r>
-            <a:r>
-              <a:rPr lang="zh-CN" altLang="en-US" dirty="0"/>
-              <a:t>、最佳实践</a:t>
-            </a:r>
-            <a:endParaRPr lang="en-US" altLang="zh-CN" dirty="0"/>
-          </a:p>
-          <a:p>
-            <a:pPr marL="0" indent="0">
-              <a:buNone/>
-            </a:pPr>
-            <a:endParaRPr lang="en-US" altLang="zh-CN" dirty="0"/>
-          </a:p>
-          <a:p>
-            <a:pPr marL="0" indent="0">
-              <a:buNone/>
-            </a:pPr>
-            <a:endParaRPr lang="en-US" altLang="zh-CN" dirty="0"/>
-          </a:p>
-          <a:p>
-            <a:endParaRPr lang="en-US" altLang="zh-CN" dirty="0"/>
-          </a:p>
-          <a:p>
-            <a:endParaRPr lang="en-US" altLang="zh-CN" dirty="0"/>
-          </a:p>
-        </p:txBody>
-      </p:sp>
-    </p:spTree>
-    <p:extLst>
-      <p:ext uri="{BB962C8B-B14F-4D97-AF65-F5344CB8AC3E}">
-        <p14:creationId xmlns:p14="http://schemas.microsoft.com/office/powerpoint/2010/main" val="3112565650"/>
-      </p:ext>
-    </p:extLst>
-  </p:cSld>
-  <p:clrMapOvr>
-    <a:masterClrMapping/>
-  </p:clrMapOvr>
-</p:sld>
-</file>
-
-<file path=ppt/slides/slide20.xml><?xml version="1.0" encoding="utf-8"?>
-<p:sld xmlns:a="http://schemas.openxmlformats.org/drawingml/2006/main" xmlns:r="http://schemas.openxmlformats.org/officeDocument/2006/relationships" xmlns:p="http://schemas.openxmlformats.org/presentationml/2006/main">
-  <p:cSld>
-    <p:spTree>
-      <p:nvGrpSpPr>
-        <p:cNvPr id="1" name=""/>
-        <p:cNvGrpSpPr/>
-        <p:nvPr/>
-      </p:nvGrpSpPr>
-      <p:grpSpPr>
-        <a:xfrm>
-          <a:off x="0" y="0"/>
-          <a:ext cx="0" cy="0"/>
-          <a:chOff x="0" y="0"/>
-          <a:chExt cx="0" cy="0"/>
-        </a:xfrm>
-      </p:grpSpPr>
-      <p:sp>
-        <p:nvSpPr>
-          <p:cNvPr id="2" name="标题 1">
-            <a:extLst>
-              <a:ext uri="{FF2B5EF4-FFF2-40B4-BE49-F238E27FC236}">
-                <a16:creationId xmlns:a16="http://schemas.microsoft.com/office/drawing/2014/main" id="{D0428A56-9F93-42F3-BA06-8146651E0836}"/>
+                <a16:creationId xmlns:a16="http://schemas.microsoft.com/office/drawing/2014/main" xmlns="" id="{D0428A56-9F93-42F3-BA06-8146651E0836}"/>
               </a:ext>
             </a:extLst>
           </p:cNvPr>
@@ -6583,7 +7958,7 @@
           <p:cNvPr id="4" name="内容占位符 3">
             <a:extLst>
               <a:ext uri="{FF2B5EF4-FFF2-40B4-BE49-F238E27FC236}">
-                <a16:creationId xmlns:a16="http://schemas.microsoft.com/office/drawing/2014/main" id="{38A543ED-C43C-4CD5-97AC-BE8F0CB928F2}"/>
+                <a16:creationId xmlns:a16="http://schemas.microsoft.com/office/drawing/2014/main" xmlns="" id="{38A543ED-C43C-4CD5-97AC-BE8F0CB928F2}"/>
               </a:ext>
             </a:extLst>
           </p:cNvPr>
@@ -6623,7 +7998,7 @@
 </p:sld>
 </file>
 
-<file path=ppt/slides/slide21.xml><?xml version="1.0" encoding="utf-8"?>
+<file path=ppt/slides/slide25.xml><?xml version="1.0" encoding="utf-8"?>
 <p:sld xmlns:a="http://schemas.openxmlformats.org/drawingml/2006/main" xmlns:r="http://schemas.openxmlformats.org/officeDocument/2006/relationships" xmlns:p="http://schemas.openxmlformats.org/presentationml/2006/main">
   <p:cSld>
     <p:spTree>
@@ -6645,7 +8020,7 @@
           <p:cNvPr id="2" name="标题 1">
             <a:extLst>
               <a:ext uri="{FF2B5EF4-FFF2-40B4-BE49-F238E27FC236}">
-                <a16:creationId xmlns:a16="http://schemas.microsoft.com/office/drawing/2014/main" id="{66865105-F5D1-4C8D-9036-D8BFEFE28F9A}"/>
+                <a16:creationId xmlns:a16="http://schemas.microsoft.com/office/drawing/2014/main" xmlns="" id="{66865105-F5D1-4C8D-9036-D8BFEFE28F9A}"/>
               </a:ext>
             </a:extLst>
           </p:cNvPr>
@@ -6714,7 +8089,7 @@
           <p:cNvPr id="4" name="内容占位符 3">
             <a:extLst>
               <a:ext uri="{FF2B5EF4-FFF2-40B4-BE49-F238E27FC236}">
-                <a16:creationId xmlns:a16="http://schemas.microsoft.com/office/drawing/2014/main" id="{C453A5A1-7905-4293-89B1-F9C6BC585D82}"/>
+                <a16:creationId xmlns:a16="http://schemas.microsoft.com/office/drawing/2014/main" xmlns="" id="{C453A5A1-7905-4293-89B1-F9C6BC585D82}"/>
               </a:ext>
             </a:extLst>
           </p:cNvPr>
@@ -6746,7 +8121,7 @@
           <p:cNvPr id="3" name="图片 2">
             <a:extLst>
               <a:ext uri="{FF2B5EF4-FFF2-40B4-BE49-F238E27FC236}">
-                <a16:creationId xmlns:a16="http://schemas.microsoft.com/office/drawing/2014/main" id="{E9A474A5-AF0B-4764-BB3F-1BEBC9B5838D}"/>
+                <a16:creationId xmlns:a16="http://schemas.microsoft.com/office/drawing/2014/main" xmlns="" id="{E9A474A5-AF0B-4764-BB3F-1BEBC9B5838D}"/>
               </a:ext>
             </a:extLst>
           </p:cNvPr>
@@ -6776,7 +8151,7 @@
           <p:cNvPr id="6" name="矩形: 圆角 5">
             <a:extLst>
               <a:ext uri="{FF2B5EF4-FFF2-40B4-BE49-F238E27FC236}">
-                <a16:creationId xmlns:a16="http://schemas.microsoft.com/office/drawing/2014/main" id="{2625080B-F5EE-43F8-A15A-D9BEF537684F}"/>
+                <a16:creationId xmlns:a16="http://schemas.microsoft.com/office/drawing/2014/main" xmlns="" id="{2625080B-F5EE-43F8-A15A-D9BEF537684F}"/>
               </a:ext>
             </a:extLst>
           </p:cNvPr>
@@ -6829,7 +8204,7 @@
           <p:cNvPr id="7" name="矩形: 圆角 6">
             <a:extLst>
               <a:ext uri="{FF2B5EF4-FFF2-40B4-BE49-F238E27FC236}">
-                <a16:creationId xmlns:a16="http://schemas.microsoft.com/office/drawing/2014/main" id="{4227E6DC-B7EE-4319-A9A6-4D07EBE0E88D}"/>
+                <a16:creationId xmlns:a16="http://schemas.microsoft.com/office/drawing/2014/main" xmlns="" id="{4227E6DC-B7EE-4319-A9A6-4D07EBE0E88D}"/>
               </a:ext>
             </a:extLst>
           </p:cNvPr>
@@ -6890,7 +8265,7 @@
 </p:sld>
 </file>
 
-<file path=ppt/slides/slide22.xml><?xml version="1.0" encoding="utf-8"?>
+<file path=ppt/slides/slide26.xml><?xml version="1.0" encoding="utf-8"?>
 <p:sld xmlns:a="http://schemas.openxmlformats.org/drawingml/2006/main" xmlns:r="http://schemas.openxmlformats.org/officeDocument/2006/relationships" xmlns:p="http://schemas.openxmlformats.org/presentationml/2006/main">
   <p:cSld>
     <p:spTree>
@@ -6974,7 +8349,7 @@
           <p:cNvPr id="7" name="内容占位符 6">
             <a:extLst>
               <a:ext uri="{FF2B5EF4-FFF2-40B4-BE49-F238E27FC236}">
-                <a16:creationId xmlns:a16="http://schemas.microsoft.com/office/drawing/2014/main" id="{CA6EDDFE-5C59-47EC-9A38-E484C87D27B1}"/>
+                <a16:creationId xmlns:a16="http://schemas.microsoft.com/office/drawing/2014/main" xmlns="" id="{CA6EDDFE-5C59-47EC-9A38-E484C87D27B1}"/>
               </a:ext>
             </a:extLst>
           </p:cNvPr>
@@ -7006,7 +8381,7 @@
           <p:cNvPr id="9" name="图片 8">
             <a:extLst>
               <a:ext uri="{FF2B5EF4-FFF2-40B4-BE49-F238E27FC236}">
-                <a16:creationId xmlns:a16="http://schemas.microsoft.com/office/drawing/2014/main" id="{2BFDA313-BA1C-4FBF-8F39-CBDF77E32DE0}"/>
+                <a16:creationId xmlns:a16="http://schemas.microsoft.com/office/drawing/2014/main" xmlns="" id="{2BFDA313-BA1C-4FBF-8F39-CBDF77E32DE0}"/>
               </a:ext>
             </a:extLst>
           </p:cNvPr>
@@ -7036,7 +8411,7 @@
           <p:cNvPr id="10" name="图片 9">
             <a:extLst>
               <a:ext uri="{FF2B5EF4-FFF2-40B4-BE49-F238E27FC236}">
-                <a16:creationId xmlns:a16="http://schemas.microsoft.com/office/drawing/2014/main" id="{C5E3DBAA-B031-4AC5-9FC4-8808D8A9F802}"/>
+                <a16:creationId xmlns:a16="http://schemas.microsoft.com/office/drawing/2014/main" xmlns="" id="{C5E3DBAA-B031-4AC5-9FC4-8808D8A9F802}"/>
               </a:ext>
             </a:extLst>
           </p:cNvPr>
@@ -7074,7 +8449,7 @@
 </p:sld>
 </file>
 
-<file path=ppt/slides/slide23.xml><?xml version="1.0" encoding="utf-8"?>
+<file path=ppt/slides/slide27.xml><?xml version="1.0" encoding="utf-8"?>
 <p:sld xmlns:a="http://schemas.openxmlformats.org/drawingml/2006/main" xmlns:r="http://schemas.openxmlformats.org/officeDocument/2006/relationships" xmlns:p="http://schemas.openxmlformats.org/presentationml/2006/main">
   <p:cSld>
     <p:spTree>
@@ -7096,7 +8471,7 @@
           <p:cNvPr id="2" name="标题 1">
             <a:extLst>
               <a:ext uri="{FF2B5EF4-FFF2-40B4-BE49-F238E27FC236}">
-                <a16:creationId xmlns:a16="http://schemas.microsoft.com/office/drawing/2014/main" id="{B7B4824E-59F2-4BEF-BED7-4F9976B41180}"/>
+                <a16:creationId xmlns:a16="http://schemas.microsoft.com/office/drawing/2014/main" xmlns="" id="{B7B4824E-59F2-4BEF-BED7-4F9976B41180}"/>
               </a:ext>
             </a:extLst>
           </p:cNvPr>
@@ -7168,7 +8543,7 @@
           <p:cNvPr id="4" name="内容占位符 3">
             <a:extLst>
               <a:ext uri="{FF2B5EF4-FFF2-40B4-BE49-F238E27FC236}">
-                <a16:creationId xmlns:a16="http://schemas.microsoft.com/office/drawing/2014/main" id="{CF9EA9B7-A86C-4240-9292-56540CB7575C}"/>
+                <a16:creationId xmlns:a16="http://schemas.microsoft.com/office/drawing/2014/main" xmlns="" id="{CF9EA9B7-A86C-4240-9292-56540CB7575C}"/>
               </a:ext>
             </a:extLst>
           </p:cNvPr>
@@ -7200,7 +8575,7 @@
           <p:cNvPr id="5" name="图片 4">
             <a:extLst>
               <a:ext uri="{FF2B5EF4-FFF2-40B4-BE49-F238E27FC236}">
-                <a16:creationId xmlns:a16="http://schemas.microsoft.com/office/drawing/2014/main" id="{5DB078DE-7D3B-4F2C-942F-3BCF4F7E8DC6}"/>
+                <a16:creationId xmlns:a16="http://schemas.microsoft.com/office/drawing/2014/main" xmlns="" id="{5DB078DE-7D3B-4F2C-942F-3BCF4F7E8DC6}"/>
               </a:ext>
             </a:extLst>
           </p:cNvPr>
@@ -7230,7 +8605,7 @@
           <p:cNvPr id="6" name="图片 5">
             <a:extLst>
               <a:ext uri="{FF2B5EF4-FFF2-40B4-BE49-F238E27FC236}">
-                <a16:creationId xmlns:a16="http://schemas.microsoft.com/office/drawing/2014/main" id="{041C5B0E-A4CD-4FB1-9535-90CE6A3895D9}"/>
+                <a16:creationId xmlns:a16="http://schemas.microsoft.com/office/drawing/2014/main" xmlns="" id="{041C5B0E-A4CD-4FB1-9535-90CE6A3895D9}"/>
               </a:ext>
             </a:extLst>
           </p:cNvPr>
@@ -7260,7 +8635,7 @@
           <p:cNvPr id="7" name="图片 6">
             <a:extLst>
               <a:ext uri="{FF2B5EF4-FFF2-40B4-BE49-F238E27FC236}">
-                <a16:creationId xmlns:a16="http://schemas.microsoft.com/office/drawing/2014/main" id="{13A90273-0B64-49D4-93ED-956ED26341AD}"/>
+                <a16:creationId xmlns:a16="http://schemas.microsoft.com/office/drawing/2014/main" xmlns="" id="{13A90273-0B64-49D4-93ED-956ED26341AD}"/>
               </a:ext>
             </a:extLst>
           </p:cNvPr>
@@ -7298,7 +8673,7 @@
 </p:sld>
 </file>
 
-<file path=ppt/slides/slide24.xml><?xml version="1.0" encoding="utf-8"?>
+<file path=ppt/slides/slide28.xml><?xml version="1.0" encoding="utf-8"?>
 <p:sld xmlns:a="http://schemas.openxmlformats.org/drawingml/2006/main" xmlns:r="http://schemas.openxmlformats.org/officeDocument/2006/relationships" xmlns:p="http://schemas.openxmlformats.org/presentationml/2006/main">
   <p:cSld>
     <p:spTree>
@@ -7320,7 +8695,7 @@
           <p:cNvPr id="2" name="标题 1">
             <a:extLst>
               <a:ext uri="{FF2B5EF4-FFF2-40B4-BE49-F238E27FC236}">
-                <a16:creationId xmlns:a16="http://schemas.microsoft.com/office/drawing/2014/main" id="{C7A72104-81E9-4C30-8FF6-52E38914AD17}"/>
+                <a16:creationId xmlns:a16="http://schemas.microsoft.com/office/drawing/2014/main" xmlns="" id="{C7A72104-81E9-4C30-8FF6-52E38914AD17}"/>
               </a:ext>
             </a:extLst>
           </p:cNvPr>
@@ -7360,7 +8735,7 @@
           <p:cNvPr id="4" name="内容占位符 3">
             <a:extLst>
               <a:ext uri="{FF2B5EF4-FFF2-40B4-BE49-F238E27FC236}">
-                <a16:creationId xmlns:a16="http://schemas.microsoft.com/office/drawing/2014/main" id="{86F19B34-3C2F-4D89-AF3D-35ABE663986E}"/>
+                <a16:creationId xmlns:a16="http://schemas.microsoft.com/office/drawing/2014/main" xmlns="" id="{86F19B34-3C2F-4D89-AF3D-35ABE663986E}"/>
               </a:ext>
             </a:extLst>
           </p:cNvPr>
@@ -7392,7 +8767,7 @@
           <p:cNvPr id="6" name="图片 5">
             <a:extLst>
               <a:ext uri="{FF2B5EF4-FFF2-40B4-BE49-F238E27FC236}">
-                <a16:creationId xmlns:a16="http://schemas.microsoft.com/office/drawing/2014/main" id="{8F8A1561-BDB6-45F4-8A96-3FF1758F70DD}"/>
+                <a16:creationId xmlns:a16="http://schemas.microsoft.com/office/drawing/2014/main" xmlns="" id="{8F8A1561-BDB6-45F4-8A96-3FF1758F70DD}"/>
               </a:ext>
             </a:extLst>
           </p:cNvPr>
@@ -7422,7 +8797,7 @@
           <p:cNvPr id="8" name="图片 7">
             <a:extLst>
               <a:ext uri="{FF2B5EF4-FFF2-40B4-BE49-F238E27FC236}">
-                <a16:creationId xmlns:a16="http://schemas.microsoft.com/office/drawing/2014/main" id="{FCF33D56-B8C2-49C0-BB1A-599932FE0FFE}"/>
+                <a16:creationId xmlns:a16="http://schemas.microsoft.com/office/drawing/2014/main" xmlns="" id="{FCF33D56-B8C2-49C0-BB1A-599932FE0FFE}"/>
               </a:ext>
             </a:extLst>
           </p:cNvPr>
@@ -7452,7 +8827,7 @@
           <p:cNvPr id="9" name="图片 8">
             <a:extLst>
               <a:ext uri="{FF2B5EF4-FFF2-40B4-BE49-F238E27FC236}">
-                <a16:creationId xmlns:a16="http://schemas.microsoft.com/office/drawing/2014/main" id="{DDC11846-8D97-4C1E-BA87-5C253B64F286}"/>
+                <a16:creationId xmlns:a16="http://schemas.microsoft.com/office/drawing/2014/main" xmlns="" id="{DDC11846-8D97-4C1E-BA87-5C253B64F286}"/>
               </a:ext>
             </a:extLst>
           </p:cNvPr>
@@ -7490,7 +8865,7 @@
 </p:sld>
 </file>
 
-<file path=ppt/slides/slide25.xml><?xml version="1.0" encoding="utf-8"?>
+<file path=ppt/slides/slide29.xml><?xml version="1.0" encoding="utf-8"?>
 <p:sld xmlns:a="http://schemas.openxmlformats.org/drawingml/2006/main" xmlns:r="http://schemas.openxmlformats.org/officeDocument/2006/relationships" xmlns:p="http://schemas.openxmlformats.org/presentationml/2006/main">
   <p:cSld>
     <p:spTree>
@@ -7568,7 +8943,7 @@
           <p:cNvPr id="5" name="图片 4">
             <a:extLst>
               <a:ext uri="{FF2B5EF4-FFF2-40B4-BE49-F238E27FC236}">
-                <a16:creationId xmlns:a16="http://schemas.microsoft.com/office/drawing/2014/main" id="{F1F6FFE1-940C-490B-A3EB-DFE6F59FA743}"/>
+                <a16:creationId xmlns:a16="http://schemas.microsoft.com/office/drawing/2014/main" xmlns="" id="{F1F6FFE1-940C-490B-A3EB-DFE6F59FA743}"/>
               </a:ext>
             </a:extLst>
           </p:cNvPr>
@@ -7597,518 +8972,6 @@
     <p:extLst>
       <p:ext uri="{BB962C8B-B14F-4D97-AF65-F5344CB8AC3E}">
         <p14:creationId xmlns:p14="http://schemas.microsoft.com/office/powerpoint/2010/main" val="1439187200"/>
-      </p:ext>
-    </p:extLst>
-  </p:cSld>
-  <p:clrMapOvr>
-    <a:masterClrMapping/>
-  </p:clrMapOvr>
-</p:sld>
-</file>
-
-<file path=ppt/slides/slide26.xml><?xml version="1.0" encoding="utf-8"?>
-<p:sld xmlns:a="http://schemas.openxmlformats.org/drawingml/2006/main" xmlns:r="http://schemas.openxmlformats.org/officeDocument/2006/relationships" xmlns:p="http://schemas.openxmlformats.org/presentationml/2006/main">
-  <p:cSld>
-    <p:spTree>
-      <p:nvGrpSpPr>
-        <p:cNvPr id="1" name=""/>
-        <p:cNvGrpSpPr/>
-        <p:nvPr/>
-      </p:nvGrpSpPr>
-      <p:grpSpPr>
-        <a:xfrm>
-          <a:off x="0" y="0"/>
-          <a:ext cx="0" cy="0"/>
-          <a:chOff x="0" y="0"/>
-          <a:chExt cx="0" cy="0"/>
-        </a:xfrm>
-      </p:grpSpPr>
-      <p:sp>
-        <p:nvSpPr>
-          <p:cNvPr id="2" name="标题 1">
-            <a:extLst>
-              <a:ext uri="{FF2B5EF4-FFF2-40B4-BE49-F238E27FC236}">
-                <a16:creationId xmlns:a16="http://schemas.microsoft.com/office/drawing/2014/main" id="{8453748D-7095-48E9-A34B-803B3E1CA6DF}"/>
-              </a:ext>
-            </a:extLst>
-          </p:cNvPr>
-          <p:cNvSpPr>
-            <a:spLocks noGrp="1"/>
-          </p:cNvSpPr>
-          <p:nvPr>
-            <p:ph type="title"/>
-          </p:nvPr>
-        </p:nvSpPr>
-        <p:spPr/>
-        <p:txBody>
-          <a:bodyPr/>
-          <a:lstStyle/>
-          <a:p>
-            <a:r>
-              <a:rPr lang="en-US" altLang="zh-CN" dirty="0"/>
-              <a:t>6</a:t>
-            </a:r>
-            <a:r>
-              <a:rPr lang="zh-CN" altLang="en-US" dirty="0"/>
-              <a:t>、环境配置与调试</a:t>
-            </a:r>
-            <a:r>
-              <a:rPr lang="en-US" altLang="zh-CN" dirty="0"/>
-              <a:t>-build</a:t>
-            </a:r>
-            <a:r>
-              <a:rPr lang="zh-CN" altLang="en-US" dirty="0"/>
-              <a:t>和</a:t>
-            </a:r>
-            <a:r>
-              <a:rPr lang="en-US" altLang="zh-CN" dirty="0"/>
-              <a:t>babel-</a:t>
-            </a:r>
-            <a:r>
-              <a:rPr lang="en-US" altLang="zh-CN" dirty="0" err="1"/>
-              <a:t>polyfill</a:t>
-            </a:r>
-            <a:endParaRPr lang="zh-CN" altLang="en-US" dirty="0"/>
-          </a:p>
-        </p:txBody>
-      </p:sp>
-      <p:pic>
-        <p:nvPicPr>
-          <p:cNvPr id="4" name="内容占位符 3">
-            <a:extLst>
-              <a:ext uri="{FF2B5EF4-FFF2-40B4-BE49-F238E27FC236}">
-                <a16:creationId xmlns:a16="http://schemas.microsoft.com/office/drawing/2014/main" id="{C6DA2931-5A7B-4CA2-9780-112DF5E6115B}"/>
-              </a:ext>
-            </a:extLst>
-          </p:cNvPr>
-          <p:cNvPicPr>
-            <a:picLocks noGrp="1" noChangeAspect="1"/>
-          </p:cNvPicPr>
-          <p:nvPr>
-            <p:ph idx="1"/>
-          </p:nvPr>
-        </p:nvPicPr>
-        <p:blipFill>
-          <a:blip r:embed="rId2"/>
-          <a:stretch>
-            <a:fillRect/>
-          </a:stretch>
-        </p:blipFill>
-        <p:spPr>
-          <a:xfrm>
-            <a:off x="838200" y="1690688"/>
-            <a:ext cx="9829800" cy="1905000"/>
-          </a:xfrm>
-          <a:prstGeom prst="rect">
-            <a:avLst/>
-          </a:prstGeom>
-        </p:spPr>
-      </p:pic>
-      <p:pic>
-        <p:nvPicPr>
-          <p:cNvPr id="5" name="图片 4">
-            <a:extLst>
-              <a:ext uri="{FF2B5EF4-FFF2-40B4-BE49-F238E27FC236}">
-                <a16:creationId xmlns:a16="http://schemas.microsoft.com/office/drawing/2014/main" id="{C2C7916F-58E4-43D9-B9C0-377639CBE010}"/>
-              </a:ext>
-            </a:extLst>
-          </p:cNvPr>
-          <p:cNvPicPr>
-            <a:picLocks noChangeAspect="1"/>
-          </p:cNvPicPr>
-          <p:nvPr/>
-        </p:nvPicPr>
-        <p:blipFill>
-          <a:blip r:embed="rId3"/>
-          <a:stretch>
-            <a:fillRect/>
-          </a:stretch>
-        </p:blipFill>
-        <p:spPr>
-          <a:xfrm>
-            <a:off x="838200" y="4021196"/>
-            <a:ext cx="5600700" cy="476250"/>
-          </a:xfrm>
-          <a:prstGeom prst="rect">
-            <a:avLst/>
-          </a:prstGeom>
-        </p:spPr>
-      </p:pic>
-      <p:pic>
-        <p:nvPicPr>
-          <p:cNvPr id="3" name="图片 2">
-            <a:extLst>
-              <a:ext uri="{FF2B5EF4-FFF2-40B4-BE49-F238E27FC236}">
-                <a16:creationId xmlns:a16="http://schemas.microsoft.com/office/drawing/2014/main" id="{98DB7BA4-2EFF-4E64-B855-841152DC0546}"/>
-              </a:ext>
-            </a:extLst>
-          </p:cNvPr>
-          <p:cNvPicPr>
-            <a:picLocks noChangeAspect="1"/>
-          </p:cNvPicPr>
-          <p:nvPr/>
-        </p:nvPicPr>
-        <p:blipFill>
-          <a:blip r:embed="rId4"/>
-          <a:stretch>
-            <a:fillRect/>
-          </a:stretch>
-        </p:blipFill>
-        <p:spPr>
-          <a:xfrm>
-            <a:off x="838200" y="4850306"/>
-            <a:ext cx="4191000" cy="1181100"/>
-          </a:xfrm>
-          <a:prstGeom prst="rect">
-            <a:avLst/>
-          </a:prstGeom>
-        </p:spPr>
-      </p:pic>
-    </p:spTree>
-    <p:extLst>
-      <p:ext uri="{BB962C8B-B14F-4D97-AF65-F5344CB8AC3E}">
-        <p14:creationId xmlns:p14="http://schemas.microsoft.com/office/powerpoint/2010/main" val="1362637602"/>
-      </p:ext>
-    </p:extLst>
-  </p:cSld>
-  <p:clrMapOvr>
-    <a:masterClrMapping/>
-  </p:clrMapOvr>
-</p:sld>
-</file>
-
-<file path=ppt/slides/slide27.xml><?xml version="1.0" encoding="utf-8"?>
-<p:sld xmlns:a="http://schemas.openxmlformats.org/drawingml/2006/main" xmlns:r="http://schemas.openxmlformats.org/officeDocument/2006/relationships" xmlns:p="http://schemas.openxmlformats.org/presentationml/2006/main">
-  <p:cSld>
-    <p:spTree>
-      <p:nvGrpSpPr>
-        <p:cNvPr id="1" name=""/>
-        <p:cNvGrpSpPr/>
-        <p:nvPr/>
-      </p:nvGrpSpPr>
-      <p:grpSpPr>
-        <a:xfrm>
-          <a:off x="0" y="0"/>
-          <a:ext cx="0" cy="0"/>
-          <a:chOff x="0" y="0"/>
-          <a:chExt cx="0" cy="0"/>
-        </a:xfrm>
-      </p:grpSpPr>
-      <p:sp>
-        <p:nvSpPr>
-          <p:cNvPr id="2" name="标题 1">
-            <a:extLst>
-              <a:ext uri="{FF2B5EF4-FFF2-40B4-BE49-F238E27FC236}">
-                <a16:creationId xmlns:a16="http://schemas.microsoft.com/office/drawing/2014/main" id="{842326CC-66E2-4459-A01E-E717E5EF55AD}"/>
-              </a:ext>
-            </a:extLst>
-          </p:cNvPr>
-          <p:cNvSpPr>
-            <a:spLocks noGrp="1"/>
-          </p:cNvSpPr>
-          <p:nvPr>
-            <p:ph type="title"/>
-          </p:nvPr>
-        </p:nvSpPr>
-        <p:spPr/>
-        <p:txBody>
-          <a:bodyPr/>
-          <a:lstStyle/>
-          <a:p>
-            <a:r>
-              <a:rPr lang="en-US" altLang="zh-CN" dirty="0"/>
-              <a:t>6</a:t>
-            </a:r>
-            <a:r>
-              <a:rPr lang="zh-CN" altLang="en-US" dirty="0"/>
-              <a:t>、环境配置与调试</a:t>
-            </a:r>
-            <a:r>
-              <a:rPr lang="en-US" altLang="zh-CN" dirty="0"/>
-              <a:t>-VS Code </a:t>
-            </a:r>
-            <a:r>
-              <a:rPr lang="zh-CN" altLang="en-US" dirty="0"/>
-              <a:t>断点调试</a:t>
-            </a:r>
-          </a:p>
-        </p:txBody>
-      </p:sp>
-      <p:pic>
-        <p:nvPicPr>
-          <p:cNvPr id="4" name="内容占位符 3">
-            <a:extLst>
-              <a:ext uri="{FF2B5EF4-FFF2-40B4-BE49-F238E27FC236}">
-                <a16:creationId xmlns:a16="http://schemas.microsoft.com/office/drawing/2014/main" id="{9AC104E4-0E4D-4FDE-8B31-F38A0567BAEB}"/>
-              </a:ext>
-            </a:extLst>
-          </p:cNvPr>
-          <p:cNvPicPr>
-            <a:picLocks noGrp="1" noChangeAspect="1"/>
-          </p:cNvPicPr>
-          <p:nvPr>
-            <p:ph idx="1"/>
-          </p:nvPr>
-        </p:nvPicPr>
-        <p:blipFill>
-          <a:blip r:embed="rId2"/>
-          <a:stretch>
-            <a:fillRect/>
-          </a:stretch>
-        </p:blipFill>
-        <p:spPr>
-          <a:xfrm>
-            <a:off x="984523" y="1498846"/>
-            <a:ext cx="4505325" cy="3638550"/>
-          </a:xfrm>
-          <a:prstGeom prst="rect">
-            <a:avLst/>
-          </a:prstGeom>
-        </p:spPr>
-      </p:pic>
-      <p:pic>
-        <p:nvPicPr>
-          <p:cNvPr id="5" name="图片 4">
-            <a:extLst>
-              <a:ext uri="{FF2B5EF4-FFF2-40B4-BE49-F238E27FC236}">
-                <a16:creationId xmlns:a16="http://schemas.microsoft.com/office/drawing/2014/main" id="{B4B78E45-1D11-4CF5-B096-87B8D294D479}"/>
-              </a:ext>
-            </a:extLst>
-          </p:cNvPr>
-          <p:cNvPicPr>
-            <a:picLocks noChangeAspect="1"/>
-          </p:cNvPicPr>
-          <p:nvPr/>
-        </p:nvPicPr>
-        <p:blipFill>
-          <a:blip r:embed="rId3"/>
-          <a:stretch>
-            <a:fillRect/>
-          </a:stretch>
-        </p:blipFill>
-        <p:spPr>
-          <a:xfrm>
-            <a:off x="984523" y="5311775"/>
-            <a:ext cx="3943350" cy="1181100"/>
-          </a:xfrm>
-          <a:prstGeom prst="rect">
-            <a:avLst/>
-          </a:prstGeom>
-        </p:spPr>
-      </p:pic>
-      <p:pic>
-        <p:nvPicPr>
-          <p:cNvPr id="7" name="图片 6">
-            <a:extLst>
-              <a:ext uri="{FF2B5EF4-FFF2-40B4-BE49-F238E27FC236}">
-                <a16:creationId xmlns:a16="http://schemas.microsoft.com/office/drawing/2014/main" id="{F41D5DDC-98C7-40D6-83E3-A0CB0AE5182B}"/>
-              </a:ext>
-            </a:extLst>
-          </p:cNvPr>
-          <p:cNvPicPr>
-            <a:picLocks noChangeAspect="1"/>
-          </p:cNvPicPr>
-          <p:nvPr/>
-        </p:nvPicPr>
-        <p:blipFill>
-          <a:blip r:embed="rId4"/>
-          <a:stretch>
-            <a:fillRect/>
-          </a:stretch>
-        </p:blipFill>
-        <p:spPr>
-          <a:xfrm>
-            <a:off x="6905297" y="1355833"/>
-            <a:ext cx="3924300" cy="5389289"/>
-          </a:xfrm>
-          <a:prstGeom prst="rect">
-            <a:avLst/>
-          </a:prstGeom>
-        </p:spPr>
-      </p:pic>
-    </p:spTree>
-    <p:extLst>
-      <p:ext uri="{BB962C8B-B14F-4D97-AF65-F5344CB8AC3E}">
-        <p14:creationId xmlns:p14="http://schemas.microsoft.com/office/powerpoint/2010/main" val="220138568"/>
-      </p:ext>
-    </p:extLst>
-  </p:cSld>
-  <p:clrMapOvr>
-    <a:masterClrMapping/>
-  </p:clrMapOvr>
-</p:sld>
-</file>
-
-<file path=ppt/slides/slide28.xml><?xml version="1.0" encoding="utf-8"?>
-<p:sld xmlns:a="http://schemas.openxmlformats.org/drawingml/2006/main" xmlns:r="http://schemas.openxmlformats.org/officeDocument/2006/relationships" xmlns:p="http://schemas.openxmlformats.org/presentationml/2006/main">
-  <p:cSld>
-    <p:spTree>
-      <p:nvGrpSpPr>
-        <p:cNvPr id="1" name=""/>
-        <p:cNvGrpSpPr/>
-        <p:nvPr/>
-      </p:nvGrpSpPr>
-      <p:grpSpPr>
-        <a:xfrm>
-          <a:off x="0" y="0"/>
-          <a:ext cx="0" cy="0"/>
-          <a:chOff x="0" y="0"/>
-          <a:chExt cx="0" cy="0"/>
-        </a:xfrm>
-      </p:grpSpPr>
-      <p:sp>
-        <p:nvSpPr>
-          <p:cNvPr id="2" name="标题 1">
-            <a:extLst>
-              <a:ext uri="{FF2B5EF4-FFF2-40B4-BE49-F238E27FC236}">
-                <a16:creationId xmlns:a16="http://schemas.microsoft.com/office/drawing/2014/main" id="{34F57C03-1912-4B78-B71F-AF1E875C17E2}"/>
-              </a:ext>
-            </a:extLst>
-          </p:cNvPr>
-          <p:cNvSpPr>
-            <a:spLocks noGrp="1"/>
-          </p:cNvSpPr>
-          <p:nvPr>
-            <p:ph type="title"/>
-          </p:nvPr>
-        </p:nvSpPr>
-        <p:spPr/>
-        <p:txBody>
-          <a:bodyPr/>
-          <a:lstStyle/>
-          <a:p>
-            <a:r>
-              <a:rPr lang="en-US" altLang="zh-CN" dirty="0"/>
-              <a:t>7</a:t>
-            </a:r>
-            <a:r>
-              <a:rPr lang="zh-CN" altLang="en-US" dirty="0"/>
-              <a:t>、最佳实践</a:t>
-            </a:r>
-          </a:p>
-        </p:txBody>
-      </p:sp>
-      <p:sp>
-        <p:nvSpPr>
-          <p:cNvPr id="3" name="内容占位符 2">
-            <a:extLst>
-              <a:ext uri="{FF2B5EF4-FFF2-40B4-BE49-F238E27FC236}">
-                <a16:creationId xmlns:a16="http://schemas.microsoft.com/office/drawing/2014/main" id="{99751A5B-3537-4DB0-94AB-C813FA7BD5D4}"/>
-              </a:ext>
-            </a:extLst>
-          </p:cNvPr>
-          <p:cNvSpPr>
-            <a:spLocks noGrp="1"/>
-          </p:cNvSpPr>
-          <p:nvPr>
-            <p:ph idx="1"/>
-          </p:nvPr>
-        </p:nvSpPr>
-        <p:spPr/>
-        <p:txBody>
-          <a:bodyPr/>
-          <a:lstStyle/>
-          <a:p>
-            <a:endParaRPr lang="zh-CN" altLang="en-US"/>
-          </a:p>
-        </p:txBody>
-      </p:sp>
-    </p:spTree>
-    <p:extLst>
-      <p:ext uri="{BB962C8B-B14F-4D97-AF65-F5344CB8AC3E}">
-        <p14:creationId xmlns:p14="http://schemas.microsoft.com/office/powerpoint/2010/main" val="1481756699"/>
-      </p:ext>
-    </p:extLst>
-  </p:cSld>
-  <p:clrMapOvr>
-    <a:masterClrMapping/>
-  </p:clrMapOvr>
-</p:sld>
-</file>
-
-<file path=ppt/slides/slide29.xml><?xml version="1.0" encoding="utf-8"?>
-<p:sld xmlns:a="http://schemas.openxmlformats.org/drawingml/2006/main" xmlns:r="http://schemas.openxmlformats.org/officeDocument/2006/relationships" xmlns:p="http://schemas.openxmlformats.org/presentationml/2006/main">
-  <p:cSld>
-    <p:spTree>
-      <p:nvGrpSpPr>
-        <p:cNvPr id="1" name=""/>
-        <p:cNvGrpSpPr/>
-        <p:nvPr/>
-      </p:nvGrpSpPr>
-      <p:grpSpPr>
-        <a:xfrm>
-          <a:off x="0" y="0"/>
-          <a:ext cx="0" cy="0"/>
-          <a:chOff x="0" y="0"/>
-          <a:chExt cx="0" cy="0"/>
-        </a:xfrm>
-      </p:grpSpPr>
-      <p:sp>
-        <p:nvSpPr>
-          <p:cNvPr id="2" name="标题 1">
-            <a:extLst>
-              <a:ext uri="{FF2B5EF4-FFF2-40B4-BE49-F238E27FC236}">
-                <a16:creationId xmlns:a16="http://schemas.microsoft.com/office/drawing/2014/main" id="{3B91F0BC-C9CC-427C-BB8E-4AB958908704}"/>
-              </a:ext>
-            </a:extLst>
-          </p:cNvPr>
-          <p:cNvSpPr>
-            <a:spLocks noGrp="1"/>
-          </p:cNvSpPr>
-          <p:nvPr>
-            <p:ph type="title"/>
-          </p:nvPr>
-        </p:nvSpPr>
-        <p:spPr/>
-        <p:txBody>
-          <a:bodyPr/>
-          <a:lstStyle/>
-          <a:p>
-            <a:pPr algn="ctr"/>
-            <a:r>
-              <a:rPr lang="zh-CN" altLang="en-US" dirty="0"/>
-              <a:t>谢谢大家</a:t>
-            </a:r>
-          </a:p>
-        </p:txBody>
-      </p:sp>
-      <p:sp>
-        <p:nvSpPr>
-          <p:cNvPr id="3" name="内容占位符 2">
-            <a:extLst>
-              <a:ext uri="{FF2B5EF4-FFF2-40B4-BE49-F238E27FC236}">
-                <a16:creationId xmlns:a16="http://schemas.microsoft.com/office/drawing/2014/main" id="{31C33EE6-D08F-4B07-865B-90F382C3AA09}"/>
-              </a:ext>
-            </a:extLst>
-          </p:cNvPr>
-          <p:cNvSpPr>
-            <a:spLocks noGrp="1"/>
-          </p:cNvSpPr>
-          <p:nvPr>
-            <p:ph idx="1"/>
-          </p:nvPr>
-        </p:nvSpPr>
-        <p:spPr/>
-        <p:txBody>
-          <a:bodyPr/>
-          <a:lstStyle/>
-          <a:p>
-            <a:r>
-              <a:rPr lang="zh-CN" altLang="en-US" dirty="0"/>
-              <a:t>源码地址：</a:t>
-            </a:r>
-            <a:r>
-              <a:rPr lang="en-US" altLang="zh-CN" dirty="0"/>
-              <a:t>https://github.com/liwenxin-jam/vuecli3-starter</a:t>
-            </a:r>
-            <a:endParaRPr lang="zh-CN" altLang="en-US" dirty="0"/>
-          </a:p>
-        </p:txBody>
-      </p:sp>
-    </p:spTree>
-    <p:extLst>
-      <p:ext uri="{BB962C8B-B14F-4D97-AF65-F5344CB8AC3E}">
-        <p14:creationId xmlns:p14="http://schemas.microsoft.com/office/powerpoint/2010/main" val="3207071298"/>
       </p:ext>
     </p:extLst>
   </p:cSld>
@@ -8331,6 +9194,1227 @@
   <p:clrMapOvr>
     <a:masterClrMapping/>
   </p:clrMapOvr>
+</p:sld>
+</file>
+
+<file path=ppt/slides/slide30.xml><?xml version="1.0" encoding="utf-8"?>
+<p:sld xmlns:a="http://schemas.openxmlformats.org/drawingml/2006/main" xmlns:r="http://schemas.openxmlformats.org/officeDocument/2006/relationships" xmlns:p="http://schemas.openxmlformats.org/presentationml/2006/main">
+  <p:cSld>
+    <p:spTree>
+      <p:nvGrpSpPr>
+        <p:cNvPr id="1" name=""/>
+        <p:cNvGrpSpPr/>
+        <p:nvPr/>
+      </p:nvGrpSpPr>
+      <p:grpSpPr>
+        <a:xfrm>
+          <a:off x="0" y="0"/>
+          <a:ext cx="0" cy="0"/>
+          <a:chOff x="0" y="0"/>
+          <a:chExt cx="0" cy="0"/>
+        </a:xfrm>
+      </p:grpSpPr>
+      <p:sp>
+        <p:nvSpPr>
+          <p:cNvPr id="2" name="标题 1">
+            <a:extLst>
+              <a:ext uri="{FF2B5EF4-FFF2-40B4-BE49-F238E27FC236}">
+                <a16:creationId xmlns:a16="http://schemas.microsoft.com/office/drawing/2014/main" xmlns="" id="{8453748D-7095-48E9-A34B-803B3E1CA6DF}"/>
+              </a:ext>
+            </a:extLst>
+          </p:cNvPr>
+          <p:cNvSpPr>
+            <a:spLocks noGrp="1"/>
+          </p:cNvSpPr>
+          <p:nvPr>
+            <p:ph type="title"/>
+          </p:nvPr>
+        </p:nvSpPr>
+        <p:spPr/>
+        <p:txBody>
+          <a:bodyPr/>
+          <a:lstStyle/>
+          <a:p>
+            <a:r>
+              <a:rPr lang="en-US" altLang="zh-CN" dirty="0"/>
+              <a:t>6</a:t>
+            </a:r>
+            <a:r>
+              <a:rPr lang="zh-CN" altLang="en-US" dirty="0"/>
+              <a:t>、环境配置与调试</a:t>
+            </a:r>
+            <a:r>
+              <a:rPr lang="en-US" altLang="zh-CN" dirty="0"/>
+              <a:t>-build</a:t>
+            </a:r>
+            <a:r>
+              <a:rPr lang="zh-CN" altLang="en-US" dirty="0"/>
+              <a:t>和</a:t>
+            </a:r>
+            <a:r>
+              <a:rPr lang="en-US" altLang="zh-CN" dirty="0"/>
+              <a:t>babel-</a:t>
+            </a:r>
+            <a:r>
+              <a:rPr lang="en-US" altLang="zh-CN" dirty="0" err="1"/>
+              <a:t>polyfill</a:t>
+            </a:r>
+            <a:endParaRPr lang="zh-CN" altLang="en-US" dirty="0"/>
+          </a:p>
+        </p:txBody>
+      </p:sp>
+      <p:pic>
+        <p:nvPicPr>
+          <p:cNvPr id="4" name="内容占位符 3">
+            <a:extLst>
+              <a:ext uri="{FF2B5EF4-FFF2-40B4-BE49-F238E27FC236}">
+                <a16:creationId xmlns:a16="http://schemas.microsoft.com/office/drawing/2014/main" xmlns="" id="{C6DA2931-5A7B-4CA2-9780-112DF5E6115B}"/>
+              </a:ext>
+            </a:extLst>
+          </p:cNvPr>
+          <p:cNvPicPr>
+            <a:picLocks noGrp="1" noChangeAspect="1"/>
+          </p:cNvPicPr>
+          <p:nvPr>
+            <p:ph idx="1"/>
+          </p:nvPr>
+        </p:nvPicPr>
+        <p:blipFill>
+          <a:blip r:embed="rId2"/>
+          <a:stretch>
+            <a:fillRect/>
+          </a:stretch>
+        </p:blipFill>
+        <p:spPr>
+          <a:xfrm>
+            <a:off x="838200" y="1690688"/>
+            <a:ext cx="9829800" cy="1905000"/>
+          </a:xfrm>
+          <a:prstGeom prst="rect">
+            <a:avLst/>
+          </a:prstGeom>
+        </p:spPr>
+      </p:pic>
+      <p:pic>
+        <p:nvPicPr>
+          <p:cNvPr id="5" name="图片 4">
+            <a:extLst>
+              <a:ext uri="{FF2B5EF4-FFF2-40B4-BE49-F238E27FC236}">
+                <a16:creationId xmlns:a16="http://schemas.microsoft.com/office/drawing/2014/main" xmlns="" id="{C2C7916F-58E4-43D9-B9C0-377639CBE010}"/>
+              </a:ext>
+            </a:extLst>
+          </p:cNvPr>
+          <p:cNvPicPr>
+            <a:picLocks noChangeAspect="1"/>
+          </p:cNvPicPr>
+          <p:nvPr/>
+        </p:nvPicPr>
+        <p:blipFill>
+          <a:blip r:embed="rId3"/>
+          <a:stretch>
+            <a:fillRect/>
+          </a:stretch>
+        </p:blipFill>
+        <p:spPr>
+          <a:xfrm>
+            <a:off x="838200" y="4021196"/>
+            <a:ext cx="5600700" cy="476250"/>
+          </a:xfrm>
+          <a:prstGeom prst="rect">
+            <a:avLst/>
+          </a:prstGeom>
+        </p:spPr>
+      </p:pic>
+      <p:pic>
+        <p:nvPicPr>
+          <p:cNvPr id="3" name="图片 2">
+            <a:extLst>
+              <a:ext uri="{FF2B5EF4-FFF2-40B4-BE49-F238E27FC236}">
+                <a16:creationId xmlns:a16="http://schemas.microsoft.com/office/drawing/2014/main" xmlns="" id="{98DB7BA4-2EFF-4E64-B855-841152DC0546}"/>
+              </a:ext>
+            </a:extLst>
+          </p:cNvPr>
+          <p:cNvPicPr>
+            <a:picLocks noChangeAspect="1"/>
+          </p:cNvPicPr>
+          <p:nvPr/>
+        </p:nvPicPr>
+        <p:blipFill>
+          <a:blip r:embed="rId4"/>
+          <a:stretch>
+            <a:fillRect/>
+          </a:stretch>
+        </p:blipFill>
+        <p:spPr>
+          <a:xfrm>
+            <a:off x="838200" y="4850306"/>
+            <a:ext cx="4191000" cy="1181100"/>
+          </a:xfrm>
+          <a:prstGeom prst="rect">
+            <a:avLst/>
+          </a:prstGeom>
+        </p:spPr>
+      </p:pic>
+    </p:spTree>
+    <p:extLst>
+      <p:ext uri="{BB962C8B-B14F-4D97-AF65-F5344CB8AC3E}">
+        <p14:creationId xmlns:p14="http://schemas.microsoft.com/office/powerpoint/2010/main" val="1362637602"/>
+      </p:ext>
+    </p:extLst>
+  </p:cSld>
+  <p:clrMapOvr>
+    <a:masterClrMapping/>
+  </p:clrMapOvr>
+</p:sld>
+</file>
+
+<file path=ppt/slides/slide31.xml><?xml version="1.0" encoding="utf-8"?>
+<p:sld xmlns:a="http://schemas.openxmlformats.org/drawingml/2006/main" xmlns:r="http://schemas.openxmlformats.org/officeDocument/2006/relationships" xmlns:p="http://schemas.openxmlformats.org/presentationml/2006/main">
+  <p:cSld>
+    <p:spTree>
+      <p:nvGrpSpPr>
+        <p:cNvPr id="1" name=""/>
+        <p:cNvGrpSpPr/>
+        <p:nvPr/>
+      </p:nvGrpSpPr>
+      <p:grpSpPr>
+        <a:xfrm>
+          <a:off x="0" y="0"/>
+          <a:ext cx="0" cy="0"/>
+          <a:chOff x="0" y="0"/>
+          <a:chExt cx="0" cy="0"/>
+        </a:xfrm>
+      </p:grpSpPr>
+      <p:sp>
+        <p:nvSpPr>
+          <p:cNvPr id="2" name="标题 1">
+            <a:extLst>
+              <a:ext uri="{FF2B5EF4-FFF2-40B4-BE49-F238E27FC236}">
+                <a16:creationId xmlns:a16="http://schemas.microsoft.com/office/drawing/2014/main" xmlns="" id="{842326CC-66E2-4459-A01E-E717E5EF55AD}"/>
+              </a:ext>
+            </a:extLst>
+          </p:cNvPr>
+          <p:cNvSpPr>
+            <a:spLocks noGrp="1"/>
+          </p:cNvSpPr>
+          <p:nvPr>
+            <p:ph type="title"/>
+          </p:nvPr>
+        </p:nvSpPr>
+        <p:spPr/>
+        <p:txBody>
+          <a:bodyPr/>
+          <a:lstStyle/>
+          <a:p>
+            <a:r>
+              <a:rPr lang="en-US" altLang="zh-CN" dirty="0"/>
+              <a:t>6</a:t>
+            </a:r>
+            <a:r>
+              <a:rPr lang="zh-CN" altLang="en-US" dirty="0"/>
+              <a:t>、环境配置与调试</a:t>
+            </a:r>
+            <a:r>
+              <a:rPr lang="en-US" altLang="zh-CN" dirty="0"/>
+              <a:t>-VS Code </a:t>
+            </a:r>
+            <a:r>
+              <a:rPr lang="zh-CN" altLang="en-US" dirty="0"/>
+              <a:t>断点调试</a:t>
+            </a:r>
+          </a:p>
+        </p:txBody>
+      </p:sp>
+      <p:pic>
+        <p:nvPicPr>
+          <p:cNvPr id="4" name="内容占位符 3">
+            <a:extLst>
+              <a:ext uri="{FF2B5EF4-FFF2-40B4-BE49-F238E27FC236}">
+                <a16:creationId xmlns:a16="http://schemas.microsoft.com/office/drawing/2014/main" xmlns="" id="{9AC104E4-0E4D-4FDE-8B31-F38A0567BAEB}"/>
+              </a:ext>
+            </a:extLst>
+          </p:cNvPr>
+          <p:cNvPicPr>
+            <a:picLocks noGrp="1" noChangeAspect="1"/>
+          </p:cNvPicPr>
+          <p:nvPr>
+            <p:ph idx="1"/>
+          </p:nvPr>
+        </p:nvPicPr>
+        <p:blipFill>
+          <a:blip r:embed="rId2"/>
+          <a:stretch>
+            <a:fillRect/>
+          </a:stretch>
+        </p:blipFill>
+        <p:spPr>
+          <a:xfrm>
+            <a:off x="984523" y="1498846"/>
+            <a:ext cx="4505325" cy="3638550"/>
+          </a:xfrm>
+          <a:prstGeom prst="rect">
+            <a:avLst/>
+          </a:prstGeom>
+        </p:spPr>
+      </p:pic>
+      <p:pic>
+        <p:nvPicPr>
+          <p:cNvPr id="5" name="图片 4">
+            <a:extLst>
+              <a:ext uri="{FF2B5EF4-FFF2-40B4-BE49-F238E27FC236}">
+                <a16:creationId xmlns:a16="http://schemas.microsoft.com/office/drawing/2014/main" xmlns="" id="{B4B78E45-1D11-4CF5-B096-87B8D294D479}"/>
+              </a:ext>
+            </a:extLst>
+          </p:cNvPr>
+          <p:cNvPicPr>
+            <a:picLocks noChangeAspect="1"/>
+          </p:cNvPicPr>
+          <p:nvPr/>
+        </p:nvPicPr>
+        <p:blipFill>
+          <a:blip r:embed="rId3"/>
+          <a:stretch>
+            <a:fillRect/>
+          </a:stretch>
+        </p:blipFill>
+        <p:spPr>
+          <a:xfrm>
+            <a:off x="984523" y="5311775"/>
+            <a:ext cx="3943350" cy="1181100"/>
+          </a:xfrm>
+          <a:prstGeom prst="rect">
+            <a:avLst/>
+          </a:prstGeom>
+        </p:spPr>
+      </p:pic>
+      <p:pic>
+        <p:nvPicPr>
+          <p:cNvPr id="7" name="图片 6">
+            <a:extLst>
+              <a:ext uri="{FF2B5EF4-FFF2-40B4-BE49-F238E27FC236}">
+                <a16:creationId xmlns:a16="http://schemas.microsoft.com/office/drawing/2014/main" xmlns="" id="{F41D5DDC-98C7-40D6-83E3-A0CB0AE5182B}"/>
+              </a:ext>
+            </a:extLst>
+          </p:cNvPr>
+          <p:cNvPicPr>
+            <a:picLocks noChangeAspect="1"/>
+          </p:cNvPicPr>
+          <p:nvPr/>
+        </p:nvPicPr>
+        <p:blipFill>
+          <a:blip r:embed="rId4"/>
+          <a:stretch>
+            <a:fillRect/>
+          </a:stretch>
+        </p:blipFill>
+        <p:spPr>
+          <a:xfrm>
+            <a:off x="6905297" y="1355833"/>
+            <a:ext cx="3924300" cy="5389289"/>
+          </a:xfrm>
+          <a:prstGeom prst="rect">
+            <a:avLst/>
+          </a:prstGeom>
+        </p:spPr>
+      </p:pic>
+    </p:spTree>
+    <p:extLst>
+      <p:ext uri="{BB962C8B-B14F-4D97-AF65-F5344CB8AC3E}">
+        <p14:creationId xmlns:p14="http://schemas.microsoft.com/office/powerpoint/2010/main" val="220138568"/>
+      </p:ext>
+    </p:extLst>
+  </p:cSld>
+  <p:clrMapOvr>
+    <a:masterClrMapping/>
+  </p:clrMapOvr>
+</p:sld>
+</file>
+
+<file path=ppt/slides/slide32.xml><?xml version="1.0" encoding="utf-8"?>
+<p:sld xmlns:a="http://schemas.openxmlformats.org/drawingml/2006/main" xmlns:r="http://schemas.openxmlformats.org/officeDocument/2006/relationships" xmlns:p="http://schemas.openxmlformats.org/presentationml/2006/main">
+  <p:cSld>
+    <p:spTree>
+      <p:nvGrpSpPr>
+        <p:cNvPr id="1" name=""/>
+        <p:cNvGrpSpPr/>
+        <p:nvPr/>
+      </p:nvGrpSpPr>
+      <p:grpSpPr>
+        <a:xfrm>
+          <a:off x="0" y="0"/>
+          <a:ext cx="0" cy="0"/>
+          <a:chOff x="0" y="0"/>
+          <a:chExt cx="0" cy="0"/>
+        </a:xfrm>
+      </p:grpSpPr>
+      <p:sp>
+        <p:nvSpPr>
+          <p:cNvPr id="2" name="标题 1">
+            <a:extLst>
+              <a:ext uri="{FF2B5EF4-FFF2-40B4-BE49-F238E27FC236}">
+                <a16:creationId xmlns:a16="http://schemas.microsoft.com/office/drawing/2014/main" xmlns="" id="{34F57C03-1912-4B78-B71F-AF1E875C17E2}"/>
+              </a:ext>
+            </a:extLst>
+          </p:cNvPr>
+          <p:cNvSpPr>
+            <a:spLocks noGrp="1"/>
+          </p:cNvSpPr>
+          <p:nvPr>
+            <p:ph type="title"/>
+          </p:nvPr>
+        </p:nvSpPr>
+        <p:spPr/>
+        <p:txBody>
+          <a:bodyPr/>
+          <a:lstStyle/>
+          <a:p>
+            <a:r>
+              <a:rPr lang="en-US" altLang="zh-CN" dirty="0"/>
+              <a:t>7</a:t>
+            </a:r>
+            <a:r>
+              <a:rPr lang="zh-CN" altLang="en-US" dirty="0"/>
+              <a:t>、最佳实践 </a:t>
+            </a:r>
+            <a:r>
+              <a:rPr lang="en-US" altLang="zh-CN" dirty="0"/>
+              <a:t>&amp; </a:t>
+            </a:r>
+            <a:r>
+              <a:rPr lang="zh-CN" altLang="en-US" dirty="0"/>
+              <a:t>踩坑</a:t>
+            </a:r>
+            <a:r>
+              <a:rPr lang="zh-CN" altLang="en-US" dirty="0" smtClean="0"/>
+              <a:t>记录</a:t>
+            </a:r>
+            <a:endParaRPr lang="zh-CN" altLang="en-US" dirty="0"/>
+          </a:p>
+        </p:txBody>
+      </p:sp>
+      <p:sp>
+        <p:nvSpPr>
+          <p:cNvPr id="3" name="内容占位符 2">
+            <a:extLst>
+              <a:ext uri="{FF2B5EF4-FFF2-40B4-BE49-F238E27FC236}">
+                <a16:creationId xmlns:a16="http://schemas.microsoft.com/office/drawing/2014/main" xmlns="" id="{99751A5B-3537-4DB0-94AB-C813FA7BD5D4}"/>
+              </a:ext>
+            </a:extLst>
+          </p:cNvPr>
+          <p:cNvSpPr>
+            <a:spLocks noGrp="1"/>
+          </p:cNvSpPr>
+          <p:nvPr>
+            <p:ph idx="1"/>
+          </p:nvPr>
+        </p:nvSpPr>
+        <p:spPr>
+          <a:xfrm>
+            <a:off x="223603" y="1825625"/>
+            <a:ext cx="11130197" cy="4351338"/>
+          </a:xfrm>
+        </p:spPr>
+        <p:txBody>
+          <a:bodyPr/>
+          <a:lstStyle/>
+          <a:p>
+            <a:pPr marL="0" indent="0">
+              <a:buNone/>
+            </a:pPr>
+            <a:r>
+              <a:rPr lang="en-US" altLang="zh-CN" dirty="0" smtClean="0"/>
+              <a:t>1</a:t>
+            </a:r>
+            <a:r>
+              <a:rPr lang="zh-CN" altLang="en-US" dirty="0" smtClean="0"/>
+              <a:t>、为列表渲染设置属性</a:t>
+            </a:r>
+            <a:r>
+              <a:rPr lang="en-US" altLang="zh-CN" dirty="0" smtClean="0"/>
+              <a:t>key</a:t>
+            </a:r>
+            <a:r>
+              <a:rPr lang="zh-CN" altLang="en-US" dirty="0" smtClean="0"/>
+              <a:t> </a:t>
+            </a:r>
+          </a:p>
+          <a:p>
+            <a:pPr marL="0" indent="0">
+              <a:buNone/>
+            </a:pPr>
+            <a:r>
+              <a:rPr lang="zh-CN" altLang="en-US" dirty="0" smtClean="0"/>
+              <a:t>    </a:t>
+            </a:r>
+            <a:r>
+              <a:rPr lang="en-US" altLang="zh-CN" dirty="0" smtClean="0"/>
+              <a:t>&lt;div</a:t>
+            </a:r>
+            <a:r>
+              <a:rPr lang="zh-CN" altLang="en-US" dirty="0" smtClean="0"/>
+              <a:t> </a:t>
+            </a:r>
+            <a:r>
+              <a:rPr lang="en-US" altLang="zh-CN" dirty="0" smtClean="0"/>
+              <a:t>v-for=“item</a:t>
+            </a:r>
+            <a:r>
+              <a:rPr lang="zh-CN" altLang="en-US" dirty="0" smtClean="0"/>
+              <a:t> </a:t>
+            </a:r>
+            <a:r>
+              <a:rPr lang="en-US" altLang="zh-CN" dirty="0" smtClean="0"/>
+              <a:t>in</a:t>
+            </a:r>
+            <a:r>
+              <a:rPr lang="zh-CN" altLang="en-US" dirty="0" smtClean="0"/>
+              <a:t> </a:t>
+            </a:r>
+            <a:r>
+              <a:rPr lang="en-US" altLang="zh-CN" dirty="0" smtClean="0"/>
+              <a:t>items”</a:t>
+            </a:r>
+            <a:r>
+              <a:rPr lang="zh-CN" altLang="en-US" dirty="0" smtClean="0"/>
+              <a:t> </a:t>
+            </a:r>
+            <a:r>
+              <a:rPr lang="en-US" altLang="zh-CN" dirty="0" smtClean="0"/>
+              <a:t>:key=“</a:t>
+            </a:r>
+            <a:r>
+              <a:rPr lang="en-US" altLang="zh-CN" dirty="0" err="1" smtClean="0"/>
+              <a:t>item.id</a:t>
+            </a:r>
+            <a:r>
+              <a:rPr lang="en-US" altLang="zh-CN" dirty="0" smtClean="0"/>
+              <a:t>”&gt;&lt;/div&gt;</a:t>
+            </a:r>
+            <a:endParaRPr lang="zh-CN" altLang="en-US" dirty="0" smtClean="0"/>
+          </a:p>
+          <a:p>
+            <a:pPr marL="0" indent="0">
+              <a:buNone/>
+            </a:pPr>
+            <a:r>
+              <a:rPr lang="en-US" altLang="zh-CN" dirty="0" smtClean="0"/>
+              <a:t>2</a:t>
+            </a:r>
+            <a:r>
+              <a:rPr lang="zh-CN" altLang="en-US" dirty="0" smtClean="0"/>
+              <a:t>、避免</a:t>
+            </a:r>
+            <a:r>
+              <a:rPr lang="en-US" altLang="zh-CN" dirty="0" smtClean="0"/>
+              <a:t>v-if</a:t>
+            </a:r>
+            <a:r>
+              <a:rPr lang="zh-CN" altLang="en-US" dirty="0" smtClean="0"/>
+              <a:t>和</a:t>
+            </a:r>
+            <a:r>
+              <a:rPr lang="en-US" altLang="zh-CN" dirty="0" smtClean="0"/>
+              <a:t>v-for</a:t>
+            </a:r>
+            <a:r>
+              <a:rPr lang="zh-CN" altLang="en-US" dirty="0" smtClean="0"/>
+              <a:t>一起使用，</a:t>
+            </a:r>
+            <a:r>
+              <a:rPr lang="en-US" altLang="zh-CN" dirty="0" smtClean="0"/>
+              <a:t>v-for</a:t>
+            </a:r>
+            <a:r>
+              <a:rPr lang="zh-CN" altLang="en-US" dirty="0" smtClean="0"/>
+              <a:t>优先级更高</a:t>
+            </a:r>
+          </a:p>
+          <a:p>
+            <a:pPr marL="0" indent="0">
+              <a:buNone/>
+            </a:pPr>
+            <a:endParaRPr lang="zh-CN" altLang="en-US" dirty="0"/>
+          </a:p>
+          <a:p>
+            <a:pPr marL="0" indent="0">
+              <a:buNone/>
+            </a:pPr>
+            <a:endParaRPr lang="zh-CN" altLang="en-US" dirty="0" smtClean="0"/>
+          </a:p>
+          <a:p>
+            <a:pPr marL="0" indent="0">
+              <a:buNone/>
+            </a:pPr>
+            <a:r>
+              <a:rPr lang="en-US" altLang="zh-CN" dirty="0"/>
+              <a:t>3</a:t>
+            </a:r>
+            <a:r>
+              <a:rPr lang="zh-CN" altLang="en-US" dirty="0" smtClean="0"/>
+              <a:t>、</a:t>
+            </a:r>
+            <a:r>
+              <a:rPr lang="zh-CN" altLang="en-US" dirty="0" smtClean="0"/>
+              <a:t>为组件样式设置作用域</a:t>
+            </a:r>
+            <a:endParaRPr lang="zh-CN" altLang="en-US" dirty="0"/>
+          </a:p>
+          <a:p>
+            <a:endParaRPr lang="zh-CN" altLang="en-US" dirty="0"/>
+          </a:p>
+        </p:txBody>
+      </p:sp>
+      <p:pic>
+        <p:nvPicPr>
+          <p:cNvPr id="5" name="图片 4"/>
+          <p:cNvPicPr>
+            <a:picLocks noChangeAspect="1"/>
+          </p:cNvPicPr>
+          <p:nvPr/>
+        </p:nvPicPr>
+        <p:blipFill>
+          <a:blip r:embed="rId2"/>
+          <a:stretch>
+            <a:fillRect/>
+          </a:stretch>
+        </p:blipFill>
+        <p:spPr>
+          <a:xfrm>
+            <a:off x="223603" y="4906644"/>
+            <a:ext cx="6705600" cy="469900"/>
+          </a:xfrm>
+          <a:prstGeom prst="rect">
+            <a:avLst/>
+          </a:prstGeom>
+        </p:spPr>
+      </p:pic>
+      <p:pic>
+        <p:nvPicPr>
+          <p:cNvPr id="8" name="图片 7"/>
+          <p:cNvPicPr>
+            <a:picLocks noChangeAspect="1"/>
+          </p:cNvPicPr>
+          <p:nvPr/>
+        </p:nvPicPr>
+        <p:blipFill>
+          <a:blip r:embed="rId3"/>
+          <a:stretch>
+            <a:fillRect/>
+          </a:stretch>
+        </p:blipFill>
+        <p:spPr>
+          <a:xfrm>
+            <a:off x="7800714" y="2300574"/>
+            <a:ext cx="4127500" cy="4356100"/>
+          </a:xfrm>
+          <a:prstGeom prst="rect">
+            <a:avLst/>
+          </a:prstGeom>
+        </p:spPr>
+      </p:pic>
+      <p:pic>
+        <p:nvPicPr>
+          <p:cNvPr id="9" name="图片 8"/>
+          <p:cNvPicPr>
+            <a:picLocks noChangeAspect="1"/>
+          </p:cNvPicPr>
+          <p:nvPr/>
+        </p:nvPicPr>
+        <p:blipFill>
+          <a:blip r:embed="rId4"/>
+          <a:stretch>
+            <a:fillRect/>
+          </a:stretch>
+        </p:blipFill>
+        <p:spPr>
+          <a:xfrm>
+            <a:off x="223603" y="3473450"/>
+            <a:ext cx="7442200" cy="660400"/>
+          </a:xfrm>
+          <a:prstGeom prst="rect">
+            <a:avLst/>
+          </a:prstGeom>
+        </p:spPr>
+      </p:pic>
+    </p:spTree>
+    <p:extLst>
+      <p:ext uri="{BB962C8B-B14F-4D97-AF65-F5344CB8AC3E}">
+        <p14:creationId xmlns:p14="http://schemas.microsoft.com/office/powerpoint/2010/main" val="1481756699"/>
+      </p:ext>
+    </p:extLst>
+  </p:cSld>
+  <p:clrMapOvr>
+    <a:masterClrMapping/>
+  </p:clrMapOvr>
+</p:sld>
+</file>
+
+<file path=ppt/slides/slide33.xml><?xml version="1.0" encoding="utf-8"?>
+<p:sld xmlns:a="http://schemas.openxmlformats.org/drawingml/2006/main" xmlns:r="http://schemas.openxmlformats.org/officeDocument/2006/relationships" xmlns:p="http://schemas.openxmlformats.org/presentationml/2006/main">
+  <p:cSld>
+    <p:spTree>
+      <p:nvGrpSpPr>
+        <p:cNvPr id="1" name=""/>
+        <p:cNvGrpSpPr/>
+        <p:nvPr/>
+      </p:nvGrpSpPr>
+      <p:grpSpPr>
+        <a:xfrm>
+          <a:off x="0" y="0"/>
+          <a:ext cx="0" cy="0"/>
+          <a:chOff x="0" y="0"/>
+          <a:chExt cx="0" cy="0"/>
+        </a:xfrm>
+      </p:grpSpPr>
+      <p:sp>
+        <p:nvSpPr>
+          <p:cNvPr id="2" name="标题 1"/>
+          <p:cNvSpPr>
+            <a:spLocks noGrp="1"/>
+          </p:cNvSpPr>
+          <p:nvPr>
+            <p:ph type="title"/>
+          </p:nvPr>
+        </p:nvSpPr>
+        <p:spPr/>
+        <p:txBody>
+          <a:bodyPr/>
+          <a:lstStyle/>
+          <a:p>
+            <a:r>
+              <a:rPr lang="en-US" altLang="zh-CN" dirty="0"/>
+              <a:t>7</a:t>
+            </a:r>
+            <a:r>
+              <a:rPr lang="zh-CN" altLang="en-US" dirty="0"/>
+              <a:t>、最佳实践 </a:t>
+            </a:r>
+            <a:r>
+              <a:rPr lang="en-US" altLang="zh-CN" dirty="0"/>
+              <a:t>&amp; </a:t>
+            </a:r>
+            <a:r>
+              <a:rPr lang="zh-CN" altLang="en-US" dirty="0"/>
+              <a:t>踩坑记录</a:t>
+            </a:r>
+            <a:endParaRPr kumimoji="1" lang="zh-CN" altLang="en-US" dirty="0"/>
+          </a:p>
+        </p:txBody>
+      </p:sp>
+      <p:sp>
+        <p:nvSpPr>
+          <p:cNvPr id="3" name="内容占位符 2"/>
+          <p:cNvSpPr>
+            <a:spLocks noGrp="1"/>
+          </p:cNvSpPr>
+          <p:nvPr>
+            <p:ph idx="1"/>
+          </p:nvPr>
+        </p:nvSpPr>
+        <p:spPr/>
+        <p:txBody>
+          <a:bodyPr>
+            <a:normAutofit lnSpcReduction="10000"/>
+          </a:bodyPr>
+          <a:lstStyle/>
+          <a:p>
+            <a:pPr marL="0" indent="0">
+              <a:buNone/>
+            </a:pPr>
+            <a:r>
+              <a:rPr kumimoji="1" lang="en-US" altLang="zh-CN" dirty="0" smtClean="0"/>
+              <a:t>1</a:t>
+            </a:r>
+            <a:r>
+              <a:rPr kumimoji="1" lang="zh-CN" altLang="en-US" dirty="0" smtClean="0"/>
+              <a:t>、</a:t>
+            </a:r>
+            <a:r>
+              <a:rPr kumimoji="1" lang="en-US" altLang="zh-CN" dirty="0" err="1" smtClean="0"/>
+              <a:t>Vue</a:t>
+            </a:r>
+            <a:r>
+              <a:rPr kumimoji="1" lang="en-US" altLang="zh-CN" dirty="0" smtClean="0"/>
+              <a:t> </a:t>
+            </a:r>
+            <a:r>
+              <a:rPr kumimoji="1" lang="zh-CN" altLang="en-US" dirty="0"/>
+              <a:t>不能</a:t>
+            </a:r>
+            <a:r>
+              <a:rPr kumimoji="1" lang="zh-CN" altLang="en-US" dirty="0" smtClean="0"/>
+              <a:t>检测</a:t>
+            </a:r>
+            <a:r>
+              <a:rPr kumimoji="1" lang="zh-CN" altLang="en-US" dirty="0" smtClean="0"/>
+              <a:t>实时检测</a:t>
+            </a:r>
+            <a:r>
+              <a:rPr kumimoji="1" lang="zh-CN" altLang="en-US" dirty="0" smtClean="0"/>
+              <a:t>变动的</a:t>
+            </a:r>
+            <a:r>
+              <a:rPr kumimoji="1" lang="zh-CN" altLang="en-US" dirty="0" smtClean="0"/>
+              <a:t>复杂类型，例如对象和</a:t>
+            </a:r>
+            <a:r>
+              <a:rPr kumimoji="1" lang="zh-CN" altLang="en-US" dirty="0" smtClean="0"/>
+              <a:t>数组</a:t>
+            </a:r>
+          </a:p>
+          <a:p>
+            <a:pPr marL="0" indent="0">
+              <a:buNone/>
+            </a:pPr>
+            <a:r>
+              <a:rPr kumimoji="1" lang="zh-CN" altLang="en-US" dirty="0" smtClean="0"/>
+              <a:t>解决方案：</a:t>
+            </a:r>
+            <a:r>
+              <a:rPr kumimoji="1" lang="en-US" altLang="zh-CN" dirty="0" err="1" smtClean="0"/>
+              <a:t>this.$set</a:t>
+            </a:r>
+            <a:r>
+              <a:rPr kumimoji="1" lang="en-US" altLang="zh-CN" dirty="0" smtClean="0"/>
+              <a:t>(</a:t>
+            </a:r>
+            <a:r>
+              <a:rPr kumimoji="1" lang="en-US" altLang="zh-CN" dirty="0" err="1" smtClean="0"/>
+              <a:t>obj</a:t>
+            </a:r>
+            <a:r>
+              <a:rPr kumimoji="1" lang="en-US" altLang="zh-CN" dirty="0" smtClean="0"/>
+              <a:t>,</a:t>
+            </a:r>
+            <a:r>
+              <a:rPr kumimoji="1" lang="zh-CN" altLang="en-US" dirty="0" smtClean="0"/>
+              <a:t> </a:t>
+            </a:r>
+            <a:r>
+              <a:rPr kumimoji="1" lang="en-US" altLang="zh-CN" dirty="0" smtClean="0"/>
+              <a:t>key,</a:t>
+            </a:r>
+            <a:r>
+              <a:rPr kumimoji="1" lang="zh-CN" altLang="en-US" dirty="0" smtClean="0"/>
+              <a:t> </a:t>
+            </a:r>
+            <a:r>
+              <a:rPr kumimoji="1" lang="en-US" altLang="zh-CN" dirty="0" err="1" smtClean="0"/>
+              <a:t>val</a:t>
+            </a:r>
+            <a:r>
+              <a:rPr kumimoji="1" lang="en-US" altLang="zh-CN" dirty="0" smtClean="0"/>
+              <a:t>)</a:t>
+            </a:r>
+            <a:r>
+              <a:rPr kumimoji="1" lang="en-US" altLang="zh-CN" dirty="0"/>
+              <a:t> </a:t>
+            </a:r>
+            <a:r>
+              <a:rPr kumimoji="1" lang="zh-CN" altLang="en-US" dirty="0" smtClean="0"/>
+              <a:t>、</a:t>
+            </a:r>
+            <a:r>
+              <a:rPr kumimoji="1" lang="en-US" altLang="zh-CN" dirty="0" err="1" smtClean="0"/>
+              <a:t>this.$set</a:t>
+            </a:r>
+            <a:r>
+              <a:rPr kumimoji="1" lang="en-US" altLang="zh-CN" dirty="0" smtClean="0"/>
+              <a:t>(</a:t>
+            </a:r>
+            <a:r>
+              <a:rPr kumimoji="1" lang="en-US" altLang="zh-CN" dirty="0" err="1" smtClean="0"/>
+              <a:t>arr</a:t>
+            </a:r>
+            <a:r>
+              <a:rPr kumimoji="1" lang="en-US" altLang="zh-CN" dirty="0" smtClean="0"/>
+              <a:t>,</a:t>
+            </a:r>
+            <a:r>
+              <a:rPr kumimoji="1" lang="zh-CN" altLang="en-US" dirty="0" smtClean="0"/>
+              <a:t> </a:t>
+            </a:r>
+            <a:r>
+              <a:rPr kumimoji="1" lang="en-US" altLang="zh-CN" dirty="0" smtClean="0"/>
+              <a:t>index,</a:t>
+            </a:r>
+            <a:r>
+              <a:rPr kumimoji="1" lang="zh-CN" altLang="en-US" dirty="0" smtClean="0"/>
+              <a:t> </a:t>
+            </a:r>
+            <a:r>
+              <a:rPr kumimoji="1" lang="en-US" altLang="zh-CN" dirty="0" err="1" smtClean="0"/>
+              <a:t>val</a:t>
+            </a:r>
+            <a:r>
+              <a:rPr kumimoji="1" lang="en-US" altLang="zh-CN" dirty="0" smtClean="0"/>
+              <a:t>)</a:t>
+            </a:r>
+            <a:endParaRPr kumimoji="1" lang="zh-CN" altLang="en-US" dirty="0" smtClean="0"/>
+          </a:p>
+          <a:p>
+            <a:pPr marL="0" indent="0">
+              <a:buNone/>
+            </a:pPr>
+            <a:r>
+              <a:rPr kumimoji="1" lang="en-US" altLang="zh-CN" dirty="0" smtClean="0"/>
+              <a:t>2</a:t>
+            </a:r>
+            <a:r>
+              <a:rPr kumimoji="1" lang="zh-CN" altLang="en-US" dirty="0" smtClean="0"/>
+              <a:t>、</a:t>
+            </a:r>
+            <a:r>
+              <a:rPr kumimoji="1" lang="en-US" altLang="zh-CN" dirty="0"/>
+              <a:t>event bus </a:t>
+            </a:r>
+            <a:r>
+              <a:rPr kumimoji="1" lang="zh-CN" altLang="en-US" dirty="0"/>
+              <a:t>多次</a:t>
+            </a:r>
+            <a:r>
+              <a:rPr kumimoji="1" lang="zh-CN" altLang="en-US" dirty="0" smtClean="0"/>
+              <a:t>触发</a:t>
+            </a:r>
+          </a:p>
+          <a:p>
+            <a:pPr marL="0" indent="0">
+              <a:buNone/>
+            </a:pPr>
+            <a:r>
+              <a:rPr kumimoji="1" lang="zh-CN" altLang="en-US" dirty="0" smtClean="0"/>
+              <a:t>解决方案：</a:t>
+            </a:r>
+            <a:r>
+              <a:rPr kumimoji="1" lang="en-US" altLang="zh-CN" dirty="0"/>
+              <a:t>$on </a:t>
+            </a:r>
+            <a:r>
+              <a:rPr kumimoji="1" lang="zh-CN" altLang="en-US" dirty="0"/>
+              <a:t>的事件可在 </a:t>
+            </a:r>
+            <a:r>
+              <a:rPr kumimoji="1" lang="en-US" altLang="zh-CN" dirty="0"/>
+              <a:t>created </a:t>
+            </a:r>
+            <a:r>
+              <a:rPr kumimoji="1" lang="zh-CN" altLang="en-US" dirty="0"/>
+              <a:t>或 </a:t>
+            </a:r>
+            <a:r>
+              <a:rPr kumimoji="1" lang="en-US" altLang="zh-CN" dirty="0"/>
+              <a:t>mounted </a:t>
+            </a:r>
+            <a:r>
+              <a:rPr kumimoji="1" lang="zh-CN" altLang="en-US" dirty="0" smtClean="0"/>
+              <a:t>注册，但需</a:t>
+            </a:r>
+            <a:r>
+              <a:rPr kumimoji="1" lang="zh-CN" altLang="en-US" dirty="0"/>
+              <a:t>在 </a:t>
+            </a:r>
+            <a:r>
+              <a:rPr kumimoji="1" lang="en-US" altLang="zh-CN" dirty="0" err="1"/>
+              <a:t>beforeDestroy</a:t>
+            </a:r>
+            <a:r>
+              <a:rPr kumimoji="1" lang="en-US" altLang="zh-CN" dirty="0"/>
+              <a:t> </a:t>
+            </a:r>
+            <a:r>
+              <a:rPr kumimoji="1" lang="zh-CN" altLang="en-US" dirty="0"/>
+              <a:t>或 </a:t>
+            </a:r>
+            <a:r>
+              <a:rPr kumimoji="1" lang="en-US" altLang="zh-CN" dirty="0" err="1"/>
+              <a:t>destoryed</a:t>
+            </a:r>
+            <a:r>
+              <a:rPr kumimoji="1" lang="en-US" altLang="zh-CN" dirty="0"/>
+              <a:t> </a:t>
+            </a:r>
+            <a:r>
+              <a:rPr kumimoji="1" lang="zh-CN" altLang="en-US" dirty="0"/>
+              <a:t>的时候使用用 </a:t>
+            </a:r>
+            <a:r>
+              <a:rPr kumimoji="1" lang="en-US" altLang="zh-CN" dirty="0"/>
+              <a:t>$off </a:t>
+            </a:r>
+            <a:r>
+              <a:rPr kumimoji="1" lang="zh-CN" altLang="en-US" dirty="0"/>
+              <a:t>销毁否则在某些情况下会被被多次</a:t>
+            </a:r>
+            <a:r>
+              <a:rPr kumimoji="1" lang="zh-CN" altLang="en-US" dirty="0" smtClean="0"/>
+              <a:t>触发</a:t>
+            </a:r>
+          </a:p>
+          <a:p>
+            <a:pPr marL="0" indent="0">
+              <a:buNone/>
+            </a:pPr>
+            <a:r>
+              <a:rPr kumimoji="1" lang="en-US" altLang="zh-CN" dirty="0" smtClean="0"/>
+              <a:t>3</a:t>
+            </a:r>
+            <a:r>
+              <a:rPr kumimoji="1" lang="zh-CN" altLang="en-US" dirty="0"/>
+              <a:t>、变量命名</a:t>
+            </a:r>
+          </a:p>
+          <a:p>
+            <a:pPr marL="0" indent="0">
+              <a:buNone/>
+            </a:pPr>
+            <a:r>
+              <a:rPr kumimoji="1" lang="zh-CN" altLang="en-US" dirty="0" smtClean="0"/>
+              <a:t>解决方案：</a:t>
+            </a:r>
+            <a:r>
+              <a:rPr kumimoji="1" lang="zh-CN" altLang="en-US" dirty="0" smtClean="0"/>
+              <a:t>变量</a:t>
+            </a:r>
+            <a:r>
+              <a:rPr kumimoji="1" lang="zh-CN" altLang="en-US" dirty="0"/>
+              <a:t>名不要以</a:t>
+            </a:r>
+            <a:r>
+              <a:rPr kumimoji="1" lang="en-US" altLang="zh-CN" dirty="0"/>
+              <a:t>_</a:t>
+            </a:r>
+            <a:r>
+              <a:rPr kumimoji="1" lang="zh-CN" altLang="en-US" dirty="0"/>
+              <a:t>、</a:t>
+            </a:r>
+            <a:r>
+              <a:rPr kumimoji="1" lang="en-US" altLang="zh-CN" dirty="0"/>
+              <a:t>$</a:t>
+            </a:r>
+            <a:r>
+              <a:rPr kumimoji="1" lang="zh-CN" altLang="en-US" dirty="0"/>
+              <a:t>开头，因为名字以 </a:t>
+            </a:r>
+            <a:r>
+              <a:rPr kumimoji="1" lang="en-US" altLang="zh-CN" dirty="0"/>
+              <a:t>_ </a:t>
+            </a:r>
+            <a:r>
+              <a:rPr kumimoji="1" lang="zh-CN" altLang="en-US" dirty="0"/>
+              <a:t>或 </a:t>
+            </a:r>
+            <a:r>
+              <a:rPr kumimoji="1" lang="en-US" altLang="zh-CN" dirty="0"/>
+              <a:t>$ </a:t>
+            </a:r>
+            <a:r>
+              <a:rPr kumimoji="1" lang="zh-CN" altLang="en-US" dirty="0"/>
+              <a:t>开始的属性不会被 </a:t>
+            </a:r>
+            <a:r>
+              <a:rPr kumimoji="1" lang="en-US" altLang="zh-CN" dirty="0" err="1"/>
+              <a:t>Vue</a:t>
+            </a:r>
+            <a:r>
+              <a:rPr kumimoji="1" lang="en-US" altLang="zh-CN" dirty="0"/>
+              <a:t> </a:t>
+            </a:r>
+            <a:r>
+              <a:rPr kumimoji="1" lang="zh-CN" altLang="en-US" dirty="0"/>
+              <a:t>实例代理，因为它们可能与 </a:t>
+            </a:r>
+            <a:r>
+              <a:rPr kumimoji="1" lang="en-US" altLang="zh-CN" dirty="0" err="1"/>
+              <a:t>Vue</a:t>
+            </a:r>
+            <a:r>
+              <a:rPr kumimoji="1" lang="en-US" altLang="zh-CN" dirty="0"/>
+              <a:t> </a:t>
+            </a:r>
+            <a:r>
+              <a:rPr kumimoji="1" lang="zh-CN" altLang="en-US" dirty="0"/>
+              <a:t>的内置属性与 </a:t>
+            </a:r>
+            <a:r>
+              <a:rPr kumimoji="1" lang="en-US" altLang="zh-CN" dirty="0"/>
+              <a:t>API </a:t>
+            </a:r>
+            <a:r>
+              <a:rPr kumimoji="1" lang="zh-CN" altLang="en-US" dirty="0"/>
+              <a:t>方法冲突</a:t>
+            </a:r>
+            <a:r>
+              <a:rPr kumimoji="1" lang="zh-CN" altLang="en-US" dirty="0" smtClean="0"/>
+              <a:t>。</a:t>
+            </a:r>
+            <a:r>
+              <a:rPr kumimoji="1" lang="en-US" altLang="zh-CN" dirty="0" err="1" smtClean="0"/>
+              <a:t>vue</a:t>
+            </a:r>
+            <a:r>
+              <a:rPr kumimoji="1" lang="zh-CN" altLang="en-US" dirty="0" smtClean="0"/>
+              <a:t>内部</a:t>
+            </a:r>
+            <a:r>
+              <a:rPr kumimoji="1" lang="zh-CN" altLang="en-US" dirty="0" smtClean="0"/>
+              <a:t>需要</a:t>
+            </a:r>
+            <a:r>
+              <a:rPr kumimoji="1" lang="zh-CN" altLang="en-US" dirty="0"/>
+              <a:t>用 </a:t>
+            </a:r>
+            <a:r>
+              <a:rPr kumimoji="1" lang="en-US" altLang="zh-CN" dirty="0" err="1"/>
+              <a:t>vm</a:t>
+            </a:r>
+            <a:r>
+              <a:rPr kumimoji="1" lang="en-US" altLang="zh-CN" dirty="0"/>
+              <a:t>.$</a:t>
+            </a:r>
+            <a:r>
+              <a:rPr kumimoji="1" lang="en-US" altLang="zh-CN" dirty="0" err="1"/>
+              <a:t>data._property</a:t>
+            </a:r>
+            <a:r>
+              <a:rPr kumimoji="1" lang="en-US" altLang="zh-CN" dirty="0"/>
+              <a:t> </a:t>
+            </a:r>
+            <a:r>
+              <a:rPr kumimoji="1" lang="zh-CN" altLang="en-US" dirty="0"/>
+              <a:t>访问它们。</a:t>
+            </a:r>
+          </a:p>
+        </p:txBody>
+      </p:sp>
+    </p:spTree>
+    <p:extLst>
+      <p:ext uri="{BB962C8B-B14F-4D97-AF65-F5344CB8AC3E}">
+        <p14:creationId xmlns:p14="http://schemas.microsoft.com/office/powerpoint/2010/main" val="674756223"/>
+      </p:ext>
+    </p:extLst>
+  </p:cSld>
+  <p:clrMapOvr>
+    <a:masterClrMapping/>
+  </p:clrMapOvr>
+  <p:timing>
+    <p:tnLst>
+      <p:par>
+        <p:cTn id="1" dur="indefinite" restart="never" nodeType="tmRoot"/>
+      </p:par>
+    </p:tnLst>
+  </p:timing>
+</p:sld>
+</file>
+
+<file path=ppt/slides/slide34.xml><?xml version="1.0" encoding="utf-8"?>
+<p:sld xmlns:a="http://schemas.openxmlformats.org/drawingml/2006/main" xmlns:r="http://schemas.openxmlformats.org/officeDocument/2006/relationships" xmlns:p="http://schemas.openxmlformats.org/presentationml/2006/main">
+  <p:cSld>
+    <p:spTree>
+      <p:nvGrpSpPr>
+        <p:cNvPr id="1" name=""/>
+        <p:cNvGrpSpPr/>
+        <p:nvPr/>
+      </p:nvGrpSpPr>
+      <p:grpSpPr>
+        <a:xfrm>
+          <a:off x="0" y="0"/>
+          <a:ext cx="0" cy="0"/>
+          <a:chOff x="0" y="0"/>
+          <a:chExt cx="0" cy="0"/>
+        </a:xfrm>
+      </p:grpSpPr>
+      <p:sp>
+        <p:nvSpPr>
+          <p:cNvPr id="2" name="标题 1">
+            <a:extLst>
+              <a:ext uri="{FF2B5EF4-FFF2-40B4-BE49-F238E27FC236}">
+                <a16:creationId xmlns:a16="http://schemas.microsoft.com/office/drawing/2014/main" xmlns="" id="{3B91F0BC-C9CC-427C-BB8E-4AB958908704}"/>
+              </a:ext>
+            </a:extLst>
+          </p:cNvPr>
+          <p:cNvSpPr>
+            <a:spLocks noGrp="1"/>
+          </p:cNvSpPr>
+          <p:nvPr>
+            <p:ph type="title"/>
+          </p:nvPr>
+        </p:nvSpPr>
+        <p:spPr/>
+        <p:txBody>
+          <a:bodyPr/>
+          <a:lstStyle/>
+          <a:p>
+            <a:pPr algn="ctr"/>
+            <a:r>
+              <a:rPr lang="zh-CN" altLang="en-US" dirty="0"/>
+              <a:t>谢谢大家</a:t>
+            </a:r>
+          </a:p>
+        </p:txBody>
+      </p:sp>
+      <p:sp>
+        <p:nvSpPr>
+          <p:cNvPr id="3" name="内容占位符 2">
+            <a:extLst>
+              <a:ext uri="{FF2B5EF4-FFF2-40B4-BE49-F238E27FC236}">
+                <a16:creationId xmlns:a16="http://schemas.microsoft.com/office/drawing/2014/main" xmlns="" id="{31C33EE6-D08F-4B07-865B-90F382C3AA09}"/>
+              </a:ext>
+            </a:extLst>
+          </p:cNvPr>
+          <p:cNvSpPr>
+            <a:spLocks noGrp="1"/>
+          </p:cNvSpPr>
+          <p:nvPr>
+            <p:ph idx="1"/>
+          </p:nvPr>
+        </p:nvSpPr>
+        <p:spPr/>
+        <p:txBody>
+          <a:bodyPr/>
+          <a:lstStyle/>
+          <a:p>
+            <a:endParaRPr lang="zh-CN" altLang="en-US" dirty="0" smtClean="0"/>
+          </a:p>
+          <a:p>
+            <a:endParaRPr lang="zh-CN" altLang="en-US" dirty="0"/>
+          </a:p>
+          <a:p>
+            <a:endParaRPr lang="zh-CN" altLang="en-US" dirty="0" smtClean="0"/>
+          </a:p>
+          <a:p>
+            <a:r>
+              <a:rPr lang="zh-CN" altLang="en-US" dirty="0" smtClean="0"/>
+              <a:t>源码</a:t>
+            </a:r>
+            <a:r>
+              <a:rPr lang="zh-CN" altLang="en-US" dirty="0"/>
+              <a:t>地址：</a:t>
+            </a:r>
+            <a:r>
+              <a:rPr lang="en-US" altLang="zh-CN" dirty="0"/>
+              <a:t>https://github.com/liwenxin-jam/vuecli3-starter</a:t>
+            </a:r>
+            <a:endParaRPr lang="zh-CN" altLang="en-US" dirty="0"/>
+          </a:p>
+        </p:txBody>
+      </p:sp>
+    </p:spTree>
+    <p:extLst>
+      <p:ext uri="{BB962C8B-B14F-4D97-AF65-F5344CB8AC3E}">
+        <p14:creationId xmlns:p14="http://schemas.microsoft.com/office/powerpoint/2010/main" val="3207071298"/>
+      </p:ext>
+    </p:extLst>
+  </p:cSld>
+  <p:clrMapOvr>
+    <a:masterClrMapping/>
+  </p:clrMapOvr>
+  <p:timing>
+    <p:tnLst>
+      <p:par>
+        <p:cTn id="1" dur="indefinite" restart="never" nodeType="tmRoot"/>
+      </p:par>
+    </p:tnLst>
+  </p:timing>
 </p:sld>
 </file>
 

--- a/doc/vue.pptx
+++ b/doc/vue.pptx
@@ -230,7 +230,7 @@
           <a:p>
             <a:fld id="{3A8FA370-709D-4F72-8E6C-0710CCA00D33}" type="datetimeFigureOut">
               <a:rPr lang="zh-CN" altLang="en-US" smtClean="0"/>
-              <a:t>19/7/19</a:t>
+              <a:t>2019/7/26</a:t>
             </a:fld>
             <a:endParaRPr lang="zh-CN" altLang="en-US"/>
           </a:p>
@@ -542,6 +542,67 @@
           <a:lstStyle/>
           <a:p>
             <a:r>
+              <a:rPr lang="zh-CN" altLang="en-US" sz="1200" b="0" i="0" kern="1200" dirty="0">
+                <a:solidFill>
+                  <a:schemeClr val="tx1"/>
+                </a:solidFill>
+                <a:effectLst/>
+                <a:latin typeface="+mn-lt"/>
+                <a:ea typeface="+mn-ea"/>
+                <a:cs typeface="+mn-cs"/>
+              </a:rPr>
+              <a:t>文档链接：</a:t>
+            </a:r>
+            <a:r>
+              <a:rPr lang="en-US" altLang="zh-CN" sz="1200" b="0" i="0" kern="1200" dirty="0">
+                <a:solidFill>
+                  <a:schemeClr val="tx1"/>
+                </a:solidFill>
+                <a:effectLst/>
+                <a:latin typeface="+mn-lt"/>
+                <a:ea typeface="+mn-ea"/>
+                <a:cs typeface="+mn-cs"/>
+              </a:rPr>
+              <a:t>https://cli.vuejs.org/zh/guide/creating-a-project.html</a:t>
+            </a:r>
+          </a:p>
+          <a:p>
+            <a:r>
+              <a:rPr lang="en-US" altLang="zh-CN" sz="1200" b="0" i="0" kern="1200" dirty="0">
+                <a:solidFill>
+                  <a:schemeClr val="tx1"/>
+                </a:solidFill>
+                <a:effectLst/>
+                <a:latin typeface="+mn-lt"/>
+                <a:ea typeface="+mn-ea"/>
+                <a:cs typeface="+mn-cs"/>
+              </a:rPr>
+              <a:t>Babel </a:t>
+            </a:r>
+            <a:r>
+              <a:rPr lang="zh-CN" altLang="en-US" sz="1200" b="0" i="0" kern="1200" dirty="0">
+                <a:solidFill>
+                  <a:schemeClr val="tx1"/>
+                </a:solidFill>
+                <a:effectLst/>
+                <a:latin typeface="+mn-lt"/>
+                <a:ea typeface="+mn-ea"/>
+                <a:cs typeface="+mn-cs"/>
+              </a:rPr>
+              <a:t>转成浏览器支持的语法</a:t>
+            </a:r>
+            <a:endParaRPr lang="en-US" altLang="zh-CN" sz="1200" b="0" i="0" kern="1200" dirty="0">
+              <a:solidFill>
+                <a:schemeClr val="tx1"/>
+              </a:solidFill>
+              <a:effectLst/>
+              <a:latin typeface="+mn-lt"/>
+              <a:ea typeface="+mn-ea"/>
+              <a:cs typeface="+mn-cs"/>
+            </a:endParaRPr>
+          </a:p>
+          <a:p>
+            <a:r>
               <a:rPr lang="en-US" altLang="zh-CN" sz="1200" b="0" i="0" kern="1200" dirty="0">
                 <a:solidFill>
                   <a:schemeClr val="tx1"/>
@@ -611,7 +672,54 @@
                 <a:ea typeface="+mn-ea"/>
                 <a:cs typeface="+mn-cs"/>
               </a:rPr>
-              <a:t>） 代码风格检查和格式化（如：</a:t>
+              <a:t>、</a:t>
+            </a:r>
+            <a:r>
+              <a:rPr lang="en-US" altLang="zh-CN" sz="1200" b="0" i="0" kern="1200" dirty="0">
+                <a:solidFill>
+                  <a:schemeClr val="tx1"/>
+                </a:solidFill>
+                <a:effectLst/>
+                <a:latin typeface="+mn-lt"/>
+                <a:ea typeface="+mn-ea"/>
+                <a:cs typeface="+mn-cs"/>
+              </a:rPr>
+              <a:t>stylus</a:t>
+            </a:r>
+            <a:r>
+              <a:rPr lang="zh-CN" altLang="en-US" sz="1200" b="0" i="0" kern="1200" dirty="0">
+                <a:solidFill>
+                  <a:schemeClr val="tx1"/>
+                </a:solidFill>
+                <a:effectLst/>
+                <a:latin typeface="+mn-lt"/>
+                <a:ea typeface="+mn-ea"/>
+                <a:cs typeface="+mn-cs"/>
+              </a:rPr>
+              <a:t>） </a:t>
+            </a:r>
+            <a:endParaRPr lang="en-US" altLang="zh-CN" sz="1200" b="0" i="0" kern="1200" dirty="0">
+              <a:solidFill>
+                <a:schemeClr val="tx1"/>
+              </a:solidFill>
+              <a:effectLst/>
+              <a:latin typeface="+mn-lt"/>
+              <a:ea typeface="+mn-ea"/>
+              <a:cs typeface="+mn-cs"/>
+            </a:endParaRPr>
+          </a:p>
+          <a:p>
+            <a:r>
+              <a:rPr lang="zh-CN" altLang="en-US" sz="1200" b="0" i="0" kern="1200" dirty="0">
+                <a:solidFill>
+                  <a:schemeClr val="tx1"/>
+                </a:solidFill>
+                <a:effectLst/>
+                <a:latin typeface="+mn-lt"/>
+                <a:ea typeface="+mn-ea"/>
+                <a:cs typeface="+mn-cs"/>
+              </a:rPr>
+              <a:t>代码风格检查和格式化（如：</a:t>
             </a:r>
             <a:r>
               <a:rPr lang="en-US" altLang="zh-CN" sz="1200" b="0" i="0" kern="1200" dirty="0" err="1">
@@ -623,7 +731,31 @@
                 <a:ea typeface="+mn-ea"/>
                 <a:cs typeface="+mn-cs"/>
               </a:rPr>
-              <a:t>ESlint</a:t>
+              <a:t>eslint</a:t>
+            </a:r>
+            <a:r>
+              <a:rPr lang="en-US" altLang="zh-CN" sz="1200" b="0" i="0" kern="1200" dirty="0">
+                <a:solidFill>
+                  <a:schemeClr val="tx1"/>
+                </a:solidFill>
+                <a:effectLst/>
+                <a:latin typeface="+mn-lt"/>
+                <a:ea typeface="+mn-ea"/>
+                <a:cs typeface="+mn-cs"/>
+              </a:rPr>
+              <a:t>/</a:t>
+            </a:r>
+            <a:r>
+              <a:rPr lang="en-US" altLang="zh-CN" sz="1200" b="0" i="0" kern="1200" dirty="0" err="1">
+                <a:solidFill>
+                  <a:schemeClr val="tx1"/>
+                </a:solidFill>
+                <a:effectLst/>
+                <a:latin typeface="+mn-lt"/>
+                <a:ea typeface="+mn-ea"/>
+                <a:cs typeface="+mn-cs"/>
+              </a:rPr>
+              <a:t>tslint</a:t>
             </a:r>
             <a:r>
               <a:rPr lang="zh-CN" altLang="en-US" sz="1200" b="0" i="0" kern="1200" dirty="0">
@@ -635,7 +767,30 @@
                 <a:ea typeface="+mn-ea"/>
                 <a:cs typeface="+mn-cs"/>
               </a:rPr>
-              <a:t>） 单元测试（</a:t>
+              <a:t>） </a:t>
+            </a:r>
+            <a:endParaRPr lang="en-US" altLang="zh-CN" sz="1200" b="0" i="0" kern="1200" dirty="0">
+              <a:solidFill>
+                <a:schemeClr val="tx1"/>
+              </a:solidFill>
+              <a:effectLst/>
+              <a:latin typeface="+mn-lt"/>
+              <a:ea typeface="+mn-ea"/>
+              <a:cs typeface="+mn-cs"/>
+            </a:endParaRPr>
+          </a:p>
+          <a:p>
+            <a:r>
+              <a:rPr lang="zh-CN" altLang="en-US" sz="1200" b="0" i="0" kern="1200" dirty="0">
+                <a:solidFill>
+                  <a:schemeClr val="tx1"/>
+                </a:solidFill>
+                <a:effectLst/>
+                <a:latin typeface="+mn-lt"/>
+                <a:ea typeface="+mn-ea"/>
+                <a:cs typeface="+mn-cs"/>
+              </a:rPr>
+              <a:t>单元测试（</a:t>
             </a:r>
             <a:r>
               <a:rPr lang="en-US" altLang="zh-CN" sz="1200" b="0" i="0" kern="1200" dirty="0">
@@ -842,7 +997,7 @@
                 <a:ea typeface="+mn-ea"/>
                 <a:cs typeface="+mn-cs"/>
               </a:rPr>
-              <a:t>mocha chai</a:t>
+              <a:t>mocha chai/jest</a:t>
             </a:r>
             <a:r>
               <a:rPr lang="zh-CN" altLang="en-US" sz="1200" b="0" i="0" kern="1200" dirty="0">
@@ -990,8 +1145,19 @@
             </a:r>
             <a:r>
               <a:rPr lang="en-US" altLang="zh-CN" dirty="0"/>
-              <a:t>istory </a:t>
-            </a:r>
+              <a:t>istory  </a:t>
+            </a:r>
+            <a:r>
+              <a:rPr lang="zh-CN" altLang="en-US" dirty="0"/>
+              <a:t>后端支持 </a:t>
+            </a:r>
+            <a:r>
+              <a:rPr lang="en-US" altLang="zh-CN" dirty="0" err="1"/>
+              <a:t>nginx</a:t>
+            </a:r>
+            <a:endParaRPr lang="en-US" altLang="zh-CN" dirty="0"/>
+          </a:p>
+          <a:p>
             <a:r>
               <a:rPr lang="zh-CN" altLang="en-US" sz="1200" b="0" i="0" kern="1200" dirty="0">
                 <a:solidFill>
@@ -1164,7 +1330,139 @@
               </a:rPr>
               <a:t>）</a:t>
             </a:r>
-            <a:endParaRPr lang="zh-CN" altLang="en-US" dirty="0"/>
+            <a:endParaRPr lang="en-US" altLang="zh-CN" sz="1200" b="0" i="0" kern="1200" dirty="0">
+              <a:solidFill>
+                <a:schemeClr val="tx1"/>
+              </a:solidFill>
+              <a:effectLst/>
+              <a:latin typeface="+mn-lt"/>
+              <a:ea typeface="+mn-ea"/>
+              <a:cs typeface="+mn-cs"/>
+            </a:endParaRPr>
+          </a:p>
+          <a:p>
+            <a:pPr marL="0" marR="0" lvl="0" indent="0" algn="l" defTabSz="914400" rtl="0" eaLnBrk="1" fontAlgn="auto" latinLnBrk="0" hangingPunct="1">
+              <a:lnSpc>
+                <a:spcPct val="100000"/>
+              </a:lnSpc>
+              <a:spcBef>
+                <a:spcPts val="0"/>
+              </a:spcBef>
+              <a:spcAft>
+                <a:spcPts val="0"/>
+              </a:spcAft>
+              <a:buClrTx/>
+              <a:buSzTx/>
+              <a:buFontTx/>
+              <a:buNone/>
+              <a:tabLst/>
+              <a:defRPr/>
+            </a:pPr>
+            <a:r>
+              <a:rPr lang="en-US" altLang="zh-CN" sz="1200" b="0" i="0" kern="1200" dirty="0">
+                <a:solidFill>
+                  <a:schemeClr val="tx1"/>
+                </a:solidFill>
+                <a:effectLst/>
+                <a:latin typeface="+mn-lt"/>
+                <a:ea typeface="+mn-ea"/>
+                <a:cs typeface="+mn-cs"/>
+              </a:rPr>
+              <a:t>CSS </a:t>
+            </a:r>
+            <a:r>
+              <a:rPr lang="zh-CN" altLang="en-US" sz="1200" b="0" i="0" kern="1200" dirty="0">
+                <a:solidFill>
+                  <a:schemeClr val="tx1"/>
+                </a:solidFill>
+                <a:effectLst/>
+                <a:latin typeface="+mn-lt"/>
+                <a:ea typeface="+mn-ea"/>
+                <a:cs typeface="+mn-cs"/>
+              </a:rPr>
+              <a:t>预处理器（如：</a:t>
+            </a:r>
+            <a:r>
+              <a:rPr lang="en-US" altLang="zh-CN" sz="1200" b="0" i="0" kern="1200" dirty="0">
+                <a:solidFill>
+                  <a:schemeClr val="tx1"/>
+                </a:solidFill>
+                <a:effectLst/>
+                <a:latin typeface="+mn-lt"/>
+                <a:ea typeface="+mn-ea"/>
+                <a:cs typeface="+mn-cs"/>
+              </a:rPr>
+              <a:t>less(less less-loader)</a:t>
+            </a:r>
+            <a:r>
+              <a:rPr lang="zh-CN" altLang="en-US" sz="1200" b="0" i="0" kern="1200" dirty="0">
+                <a:solidFill>
+                  <a:schemeClr val="tx1"/>
+                </a:solidFill>
+                <a:effectLst/>
+                <a:latin typeface="+mn-lt"/>
+                <a:ea typeface="+mn-ea"/>
+                <a:cs typeface="+mn-cs"/>
+              </a:rPr>
+              <a:t>、</a:t>
+            </a:r>
+            <a:r>
+              <a:rPr lang="en-US" altLang="zh-CN" sz="1200" b="0" i="0" kern="1200" dirty="0">
+                <a:solidFill>
+                  <a:schemeClr val="tx1"/>
+                </a:solidFill>
+                <a:effectLst/>
+                <a:latin typeface="+mn-lt"/>
+                <a:ea typeface="+mn-ea"/>
+                <a:cs typeface="+mn-cs"/>
+              </a:rPr>
+              <a:t>sass(sass-loader node-loader/dart-loader)</a:t>
+            </a:r>
+            <a:r>
+              <a:rPr lang="zh-CN" altLang="en-US" sz="1200" b="0" i="0" kern="1200" dirty="0">
+                <a:solidFill>
+                  <a:schemeClr val="tx1"/>
+                </a:solidFill>
+                <a:effectLst/>
+                <a:latin typeface="+mn-lt"/>
+                <a:ea typeface="+mn-ea"/>
+                <a:cs typeface="+mn-cs"/>
+              </a:rPr>
+              <a:t>、</a:t>
+            </a:r>
+            <a:r>
+              <a:rPr lang="en-US" altLang="zh-CN" sz="1200" b="0" i="0" kern="1200" dirty="0">
+                <a:solidFill>
+                  <a:schemeClr val="tx1"/>
+                </a:solidFill>
+                <a:effectLst/>
+                <a:latin typeface="+mn-lt"/>
+                <a:ea typeface="+mn-ea"/>
+                <a:cs typeface="+mn-cs"/>
+              </a:rPr>
+              <a:t>stylus(stylus stylus-loader)</a:t>
+            </a:r>
+            <a:r>
+              <a:rPr lang="zh-CN" altLang="en-US" sz="1200" b="0" i="0" kern="1200" dirty="0">
+                <a:solidFill>
+                  <a:schemeClr val="tx1"/>
+                </a:solidFill>
+                <a:effectLst/>
+                <a:latin typeface="+mn-lt"/>
+                <a:ea typeface="+mn-ea"/>
+                <a:cs typeface="+mn-cs"/>
+              </a:rPr>
+              <a:t>） </a:t>
+            </a:r>
+            <a:endParaRPr lang="en-US" altLang="zh-CN" sz="1200" b="0" i="0" kern="1200" dirty="0">
+              <a:solidFill>
+                <a:schemeClr val="tx1"/>
+              </a:solidFill>
+              <a:effectLst/>
+              <a:latin typeface="+mn-lt"/>
+              <a:ea typeface="+mn-ea"/>
+              <a:cs typeface="+mn-cs"/>
+            </a:endParaRPr>
           </a:p>
         </p:txBody>
       </p:sp>
@@ -1276,6 +1574,32 @@
               </a:rPr>
               <a:t> config set registry https://registry.npm.taobao.org</a:t>
             </a:r>
+          </a:p>
+          <a:p>
+            <a:r>
+              <a:rPr lang="en-US" altLang="zh-CN" sz="1200" b="1" i="0" kern="1200" dirty="0">
+                <a:solidFill>
+                  <a:schemeClr val="tx1"/>
+                </a:solidFill>
+                <a:effectLst/>
+                <a:latin typeface="+mn-lt"/>
+                <a:ea typeface="+mn-ea"/>
+                <a:cs typeface="+mn-cs"/>
+              </a:rPr>
+              <a:t>~/.</a:t>
+            </a:r>
+            <a:r>
+              <a:rPr lang="en-US" altLang="zh-CN" sz="1200" b="1" i="0" kern="1200" dirty="0" err="1">
+                <a:solidFill>
+                  <a:schemeClr val="tx1"/>
+                </a:solidFill>
+                <a:effectLst/>
+                <a:latin typeface="+mn-lt"/>
+                <a:ea typeface="+mn-ea"/>
+                <a:cs typeface="+mn-cs"/>
+              </a:rPr>
+              <a:t>vuerc</a:t>
+            </a:r>
             <a:endParaRPr lang="zh-CN" altLang="en-US" dirty="0"/>
           </a:p>
         </p:txBody>
@@ -1360,6 +1684,98 @@
           <a:bodyPr/>
           <a:lstStyle/>
           <a:p>
+            <a:r>
+              <a:rPr lang="en-US" altLang="zh-CN" dirty="0" err="1"/>
+              <a:t>Fundebug</a:t>
+            </a:r>
+            <a:r>
+              <a:rPr lang="en-US" altLang="zh-CN" dirty="0"/>
+              <a:t>  https://www.fundebug.com/</a:t>
+            </a:r>
+            <a:endParaRPr lang="zh-CN" altLang="en-US" dirty="0"/>
+          </a:p>
+        </p:txBody>
+      </p:sp>
+      <p:sp>
+        <p:nvSpPr>
+          <p:cNvPr id="4" name="灯片编号占位符 3"/>
+          <p:cNvSpPr>
+            <a:spLocks noGrp="1"/>
+          </p:cNvSpPr>
+          <p:nvPr>
+            <p:ph type="sldNum" sz="quarter" idx="10"/>
+          </p:nvPr>
+        </p:nvSpPr>
+        <p:spPr/>
+        <p:txBody>
+          <a:bodyPr/>
+          <a:lstStyle/>
+          <a:p>
+            <a:fld id="{7B978FAE-FC0D-4A1C-A95D-8FF8EA3D1B3F}" type="slidenum">
+              <a:rPr lang="zh-CN" altLang="en-US" smtClean="0"/>
+              <a:t>12</a:t>
+            </a:fld>
+            <a:endParaRPr lang="zh-CN" altLang="en-US"/>
+          </a:p>
+        </p:txBody>
+      </p:sp>
+    </p:spTree>
+    <p:extLst>
+      <p:ext uri="{BB962C8B-B14F-4D97-AF65-F5344CB8AC3E}">
+        <p14:creationId xmlns:p14="http://schemas.microsoft.com/office/powerpoint/2010/main" val="3704075949"/>
+      </p:ext>
+    </p:extLst>
+  </p:cSld>
+  <p:clrMapOvr>
+    <a:masterClrMapping/>
+  </p:clrMapOvr>
+</p:notes>
+</file>
+
+<file path=ppt/notesSlides/notesSlide5.xml><?xml version="1.0" encoding="utf-8"?>
+<p:notes xmlns:a="http://schemas.openxmlformats.org/drawingml/2006/main" xmlns:r="http://schemas.openxmlformats.org/officeDocument/2006/relationships" xmlns:p="http://schemas.openxmlformats.org/presentationml/2006/main">
+  <p:cSld>
+    <p:spTree>
+      <p:nvGrpSpPr>
+        <p:cNvPr id="1" name=""/>
+        <p:cNvGrpSpPr/>
+        <p:nvPr/>
+      </p:nvGrpSpPr>
+      <p:grpSpPr>
+        <a:xfrm>
+          <a:off x="0" y="0"/>
+          <a:ext cx="0" cy="0"/>
+          <a:chOff x="0" y="0"/>
+          <a:chExt cx="0" cy="0"/>
+        </a:xfrm>
+      </p:grpSpPr>
+      <p:sp>
+        <p:nvSpPr>
+          <p:cNvPr id="2" name="幻灯片图像占位符 1"/>
+          <p:cNvSpPr>
+            <a:spLocks noGrp="1" noRot="1" noChangeAspect="1"/>
+          </p:cNvSpPr>
+          <p:nvPr>
+            <p:ph type="sldImg"/>
+          </p:nvPr>
+        </p:nvSpPr>
+        <p:spPr/>
+      </p:sp>
+      <p:sp>
+        <p:nvSpPr>
+          <p:cNvPr id="3" name="备注占位符 2"/>
+          <p:cNvSpPr>
+            <a:spLocks noGrp="1"/>
+          </p:cNvSpPr>
+          <p:nvPr>
+            <p:ph type="body" idx="1"/>
+          </p:nvPr>
+        </p:nvSpPr>
+        <p:spPr/>
+        <p:txBody>
+          <a:bodyPr/>
+          <a:lstStyle/>
+          <a:p>
             <a:endParaRPr lang="zh-CN" altLang="en-US" dirty="0"/>
           </a:p>
         </p:txBody>
@@ -1400,7 +1816,7 @@
 </p:notes>
 </file>
 
-<file path=ppt/notesSlides/notesSlide5.xml><?xml version="1.0" encoding="utf-8"?>
+<file path=ppt/notesSlides/notesSlide6.xml><?xml version="1.0" encoding="utf-8"?>
 <p:notes xmlns:a="http://schemas.openxmlformats.org/drawingml/2006/main" xmlns:r="http://schemas.openxmlformats.org/officeDocument/2006/relationships" xmlns:p="http://schemas.openxmlformats.org/presentationml/2006/main">
   <p:cSld>
     <p:spTree>
@@ -1613,7 +2029,7 @@
           <a:p>
             <a:fld id="{3A737EFC-D787-6544-BBED-AC7F5B40DC0C}" type="datetimeFigureOut">
               <a:rPr kumimoji="1" lang="zh-CN" altLang="en-US" smtClean="0"/>
-              <a:t>19/7/19</a:t>
+              <a:t>2019/7/26</a:t>
             </a:fld>
             <a:endParaRPr kumimoji="1" lang="zh-CN" altLang="en-US"/>
           </a:p>
@@ -1781,7 +2197,7 @@
           <a:p>
             <a:fld id="{3A737EFC-D787-6544-BBED-AC7F5B40DC0C}" type="datetimeFigureOut">
               <a:rPr kumimoji="1" lang="zh-CN" altLang="en-US" smtClean="0"/>
-              <a:t>19/7/19</a:t>
+              <a:t>2019/7/26</a:t>
             </a:fld>
             <a:endParaRPr kumimoji="1" lang="zh-CN" altLang="en-US"/>
           </a:p>
@@ -1959,7 +2375,7 @@
           <a:p>
             <a:fld id="{3A737EFC-D787-6544-BBED-AC7F5B40DC0C}" type="datetimeFigureOut">
               <a:rPr kumimoji="1" lang="zh-CN" altLang="en-US" smtClean="0"/>
-              <a:t>19/7/19</a:t>
+              <a:t>2019/7/26</a:t>
             </a:fld>
             <a:endParaRPr kumimoji="1" lang="zh-CN" altLang="en-US"/>
           </a:p>
@@ -2127,7 +2543,7 @@
           <a:p>
             <a:fld id="{3A737EFC-D787-6544-BBED-AC7F5B40DC0C}" type="datetimeFigureOut">
               <a:rPr kumimoji="1" lang="zh-CN" altLang="en-US" smtClean="0"/>
-              <a:t>19/7/19</a:t>
+              <a:t>2019/7/26</a:t>
             </a:fld>
             <a:endParaRPr kumimoji="1" lang="zh-CN" altLang="en-US"/>
           </a:p>
@@ -2372,7 +2788,7 @@
           <a:p>
             <a:fld id="{3A737EFC-D787-6544-BBED-AC7F5B40DC0C}" type="datetimeFigureOut">
               <a:rPr kumimoji="1" lang="zh-CN" altLang="en-US" smtClean="0"/>
-              <a:t>19/7/19</a:t>
+              <a:t>2019/7/26</a:t>
             </a:fld>
             <a:endParaRPr kumimoji="1" lang="zh-CN" altLang="en-US"/>
           </a:p>
@@ -2601,7 +3017,7 @@
           <a:p>
             <a:fld id="{3A737EFC-D787-6544-BBED-AC7F5B40DC0C}" type="datetimeFigureOut">
               <a:rPr kumimoji="1" lang="zh-CN" altLang="en-US" smtClean="0"/>
-              <a:t>19/7/19</a:t>
+              <a:t>2019/7/26</a:t>
             </a:fld>
             <a:endParaRPr kumimoji="1" lang="zh-CN" altLang="en-US"/>
           </a:p>
@@ -2965,7 +3381,7 @@
           <a:p>
             <a:fld id="{3A737EFC-D787-6544-BBED-AC7F5B40DC0C}" type="datetimeFigureOut">
               <a:rPr kumimoji="1" lang="zh-CN" altLang="en-US" smtClean="0"/>
-              <a:t>19/7/19</a:t>
+              <a:t>2019/7/26</a:t>
             </a:fld>
             <a:endParaRPr kumimoji="1" lang="zh-CN" altLang="en-US"/>
           </a:p>
@@ -3082,7 +3498,7 @@
           <a:p>
             <a:fld id="{3A737EFC-D787-6544-BBED-AC7F5B40DC0C}" type="datetimeFigureOut">
               <a:rPr kumimoji="1" lang="zh-CN" altLang="en-US" smtClean="0"/>
-              <a:t>19/7/19</a:t>
+              <a:t>2019/7/26</a:t>
             </a:fld>
             <a:endParaRPr kumimoji="1" lang="zh-CN" altLang="en-US"/>
           </a:p>
@@ -3177,7 +3593,7 @@
           <a:p>
             <a:fld id="{3A737EFC-D787-6544-BBED-AC7F5B40DC0C}" type="datetimeFigureOut">
               <a:rPr kumimoji="1" lang="zh-CN" altLang="en-US" smtClean="0"/>
-              <a:t>19/7/19</a:t>
+              <a:t>2019/7/26</a:t>
             </a:fld>
             <a:endParaRPr kumimoji="1" lang="zh-CN" altLang="en-US"/>
           </a:p>
@@ -3452,7 +3868,7 @@
           <a:p>
             <a:fld id="{3A737EFC-D787-6544-BBED-AC7F5B40DC0C}" type="datetimeFigureOut">
               <a:rPr kumimoji="1" lang="zh-CN" altLang="en-US" smtClean="0"/>
-              <a:t>19/7/19</a:t>
+              <a:t>2019/7/26</a:t>
             </a:fld>
             <a:endParaRPr kumimoji="1" lang="zh-CN" altLang="en-US"/>
           </a:p>
@@ -3704,7 +4120,7 @@
           <a:p>
             <a:fld id="{3A737EFC-D787-6544-BBED-AC7F5B40DC0C}" type="datetimeFigureOut">
               <a:rPr kumimoji="1" lang="zh-CN" altLang="en-US" smtClean="0"/>
-              <a:t>19/7/19</a:t>
+              <a:t>2019/7/26</a:t>
             </a:fld>
             <a:endParaRPr kumimoji="1" lang="zh-CN" altLang="en-US"/>
           </a:p>
@@ -3915,7 +4331,7 @@
           <a:p>
             <a:fld id="{3A737EFC-D787-6544-BBED-AC7F5B40DC0C}" type="datetimeFigureOut">
               <a:rPr kumimoji="1" lang="zh-CN" altLang="en-US" smtClean="0"/>
-              <a:t>19/7/19</a:t>
+              <a:t>2019/7/26</a:t>
             </a:fld>
             <a:endParaRPr kumimoji="1" lang="zh-CN" altLang="en-US"/>
           </a:p>
@@ -4343,10 +4759,6 @@
               <a:rPr kumimoji="1" lang="zh-CN" altLang="en-US" dirty="0"/>
               <a:t>学习心得</a:t>
             </a:r>
-            <a:r>
-              <a:rPr lang="zh-CN" altLang="en-US" b="1" dirty="0"/>
-              <a:t/>
-            </a:r>
             <a:br>
               <a:rPr lang="zh-CN" altLang="en-US" b="1" dirty="0"/>
             </a:br>
@@ -4489,7 +4901,7 @@
           <p:cNvPr id="4" name="图片 3">
             <a:extLst>
               <a:ext uri="{FF2B5EF4-FFF2-40B4-BE49-F238E27FC236}">
-                <a16:creationId xmlns:a16="http://schemas.microsoft.com/office/drawing/2014/main" xmlns="" id="{410D77E6-1F94-4D62-9373-65634836DD5C}"/>
+                <a16:creationId xmlns:a16="http://schemas.microsoft.com/office/drawing/2014/main" id="{410D77E6-1F94-4D62-9373-65634836DD5C}"/>
               </a:ext>
             </a:extLst>
           </p:cNvPr>
@@ -4652,7 +5064,7 @@
           <p:cNvPr id="4" name="图片 3">
             <a:extLst>
               <a:ext uri="{FF2B5EF4-FFF2-40B4-BE49-F238E27FC236}">
-                <a16:creationId xmlns:a16="http://schemas.microsoft.com/office/drawing/2014/main" xmlns="" id="{BDF672EA-F394-4FDC-8971-1256C8BA73C5}"/>
+                <a16:creationId xmlns:a16="http://schemas.microsoft.com/office/drawing/2014/main" id="{BDF672EA-F394-4FDC-8971-1256C8BA73C5}"/>
               </a:ext>
             </a:extLst>
           </p:cNvPr>
@@ -4682,7 +5094,7 @@
           <p:cNvPr id="5" name="图片 4">
             <a:extLst>
               <a:ext uri="{FF2B5EF4-FFF2-40B4-BE49-F238E27FC236}">
-                <a16:creationId xmlns:a16="http://schemas.microsoft.com/office/drawing/2014/main" xmlns="" id="{3DA96E02-6BEA-4C08-9BCC-9894B8C9AEA2}"/>
+                <a16:creationId xmlns:a16="http://schemas.microsoft.com/office/drawing/2014/main" id="{3DA96E02-6BEA-4C08-9BCC-9894B8C9AEA2}"/>
               </a:ext>
             </a:extLst>
           </p:cNvPr>
@@ -4871,7 +5283,7 @@
           <p:cNvPr id="4" name="图片 3">
             <a:extLst>
               <a:ext uri="{FF2B5EF4-FFF2-40B4-BE49-F238E27FC236}">
-                <a16:creationId xmlns:a16="http://schemas.microsoft.com/office/drawing/2014/main" xmlns="" id="{B12C1F7D-9EAF-4557-B424-787EE5575D13}"/>
+                <a16:creationId xmlns:a16="http://schemas.microsoft.com/office/drawing/2014/main" id="{B12C1F7D-9EAF-4557-B424-787EE5575D13}"/>
               </a:ext>
             </a:extLst>
           </p:cNvPr>
@@ -4881,7 +5293,7 @@
           <p:nvPr/>
         </p:nvPicPr>
         <p:blipFill>
-          <a:blip r:embed="rId2"/>
+          <a:blip r:embed="rId3"/>
           <a:stretch>
             <a:fillRect/>
           </a:stretch>
@@ -4931,7 +5343,7 @@
           <p:cNvPr id="2" name="标题 1">
             <a:extLst>
               <a:ext uri="{FF2B5EF4-FFF2-40B4-BE49-F238E27FC236}">
-                <a16:creationId xmlns:a16="http://schemas.microsoft.com/office/drawing/2014/main" xmlns="" id="{0A0E7417-2E4C-44C2-AA17-79EFC080F202}"/>
+                <a16:creationId xmlns:a16="http://schemas.microsoft.com/office/drawing/2014/main" id="{0A0E7417-2E4C-44C2-AA17-79EFC080F202}"/>
               </a:ext>
             </a:extLst>
           </p:cNvPr>
@@ -4968,7 +5380,7 @@
           <p:cNvPr id="3" name="内容占位符 2">
             <a:extLst>
               <a:ext uri="{FF2B5EF4-FFF2-40B4-BE49-F238E27FC236}">
-                <a16:creationId xmlns:a16="http://schemas.microsoft.com/office/drawing/2014/main" xmlns="" id="{AAF42078-F164-418F-8076-658B4896B7E5}"/>
+                <a16:creationId xmlns:a16="http://schemas.microsoft.com/office/drawing/2014/main" id="{AAF42078-F164-418F-8076-658B4896B7E5}"/>
               </a:ext>
             </a:extLst>
           </p:cNvPr>
@@ -5034,7 +5446,7 @@
           <p:cNvPr id="5" name="内容占位符 3">
             <a:extLst>
               <a:ext uri="{FF2B5EF4-FFF2-40B4-BE49-F238E27FC236}">
-                <a16:creationId xmlns:a16="http://schemas.microsoft.com/office/drawing/2014/main" xmlns="" id="{58C500FF-A25C-4DFD-9B99-B3184891DF95}"/>
+                <a16:creationId xmlns:a16="http://schemas.microsoft.com/office/drawing/2014/main" id="{58C500FF-A25C-4DFD-9B99-B3184891DF95}"/>
               </a:ext>
             </a:extLst>
           </p:cNvPr>
@@ -5129,7 +5541,7 @@
           <p:cNvPr id="5" name="图片 4">
             <a:extLst>
               <a:ext uri="{FF2B5EF4-FFF2-40B4-BE49-F238E27FC236}">
-                <a16:creationId xmlns:a16="http://schemas.microsoft.com/office/drawing/2014/main" xmlns="" id="{D6FC1EC9-5728-4F74-AFA9-4556119AE99D}"/>
+                <a16:creationId xmlns:a16="http://schemas.microsoft.com/office/drawing/2014/main" id="{D6FC1EC9-5728-4F74-AFA9-4556119AE99D}"/>
               </a:ext>
             </a:extLst>
           </p:cNvPr>
@@ -5159,7 +5571,7 @@
           <p:cNvPr id="6" name="内容占位符 3">
             <a:extLst>
               <a:ext uri="{FF2B5EF4-FFF2-40B4-BE49-F238E27FC236}">
-                <a16:creationId xmlns:a16="http://schemas.microsoft.com/office/drawing/2014/main" xmlns="" id="{15F2150D-EB48-440E-8028-3969D63E2D5A}"/>
+                <a16:creationId xmlns:a16="http://schemas.microsoft.com/office/drawing/2014/main" id="{15F2150D-EB48-440E-8028-3969D63E2D5A}"/>
               </a:ext>
             </a:extLst>
           </p:cNvPr>
@@ -5189,7 +5601,7 @@
           <p:cNvPr id="7" name="图片 6">
             <a:extLst>
               <a:ext uri="{FF2B5EF4-FFF2-40B4-BE49-F238E27FC236}">
-                <a16:creationId xmlns:a16="http://schemas.microsoft.com/office/drawing/2014/main" xmlns="" id="{078CA3F3-2E80-4ED2-8E53-3070D3BB0B14}"/>
+                <a16:creationId xmlns:a16="http://schemas.microsoft.com/office/drawing/2014/main" id="{078CA3F3-2E80-4ED2-8E53-3070D3BB0B14}"/>
               </a:ext>
             </a:extLst>
           </p:cNvPr>
@@ -5249,7 +5661,7 @@
           <p:cNvPr id="2" name="标题 1">
             <a:extLst>
               <a:ext uri="{FF2B5EF4-FFF2-40B4-BE49-F238E27FC236}">
-                <a16:creationId xmlns:a16="http://schemas.microsoft.com/office/drawing/2014/main" xmlns="" id="{104988E6-0FCA-4171-86D3-9EA12EA042D9}"/>
+                <a16:creationId xmlns:a16="http://schemas.microsoft.com/office/drawing/2014/main" id="{104988E6-0FCA-4171-86D3-9EA12EA042D9}"/>
               </a:ext>
             </a:extLst>
           </p:cNvPr>
@@ -5289,7 +5701,7 @@
           <p:cNvPr id="4" name="内容占位符 3">
             <a:extLst>
               <a:ext uri="{FF2B5EF4-FFF2-40B4-BE49-F238E27FC236}">
-                <a16:creationId xmlns:a16="http://schemas.microsoft.com/office/drawing/2014/main" xmlns="" id="{18DD3023-08AB-48EF-9E17-0845C0BDEEC6}"/>
+                <a16:creationId xmlns:a16="http://schemas.microsoft.com/office/drawing/2014/main" id="{18DD3023-08AB-48EF-9E17-0845C0BDEEC6}"/>
               </a:ext>
             </a:extLst>
           </p:cNvPr>
@@ -5321,7 +5733,7 @@
           <p:cNvPr id="5" name="图片 4">
             <a:extLst>
               <a:ext uri="{FF2B5EF4-FFF2-40B4-BE49-F238E27FC236}">
-                <a16:creationId xmlns:a16="http://schemas.microsoft.com/office/drawing/2014/main" xmlns="" id="{C09E32C7-1E56-4B9B-BB1B-4D70CF2B66AB}"/>
+                <a16:creationId xmlns:a16="http://schemas.microsoft.com/office/drawing/2014/main" id="{C09E32C7-1E56-4B9B-BB1B-4D70CF2B66AB}"/>
               </a:ext>
             </a:extLst>
           </p:cNvPr>
@@ -5351,7 +5763,7 @@
           <p:cNvPr id="6" name="图片 5">
             <a:extLst>
               <a:ext uri="{FF2B5EF4-FFF2-40B4-BE49-F238E27FC236}">
-                <a16:creationId xmlns:a16="http://schemas.microsoft.com/office/drawing/2014/main" xmlns="" id="{F76DC550-C21B-4D9A-B39B-C75C8473F7DC}"/>
+                <a16:creationId xmlns:a16="http://schemas.microsoft.com/office/drawing/2014/main" id="{F76DC550-C21B-4D9A-B39B-C75C8473F7DC}"/>
               </a:ext>
             </a:extLst>
           </p:cNvPr>
@@ -5381,7 +5793,7 @@
           <p:cNvPr id="7" name="图片 6">
             <a:extLst>
               <a:ext uri="{FF2B5EF4-FFF2-40B4-BE49-F238E27FC236}">
-                <a16:creationId xmlns:a16="http://schemas.microsoft.com/office/drawing/2014/main" xmlns="" id="{691708E2-7A38-4372-87D5-7F3293A17895}"/>
+                <a16:creationId xmlns:a16="http://schemas.microsoft.com/office/drawing/2014/main" id="{691708E2-7A38-4372-87D5-7F3293A17895}"/>
               </a:ext>
             </a:extLst>
           </p:cNvPr>
@@ -5487,7 +5899,7 @@
           <p:cNvPr id="6" name="内容占位符 5">
             <a:extLst>
               <a:ext uri="{FF2B5EF4-FFF2-40B4-BE49-F238E27FC236}">
-                <a16:creationId xmlns:a16="http://schemas.microsoft.com/office/drawing/2014/main" xmlns="" id="{238922FC-5EC4-49AB-8CEF-CA0BDEF4970D}"/>
+                <a16:creationId xmlns:a16="http://schemas.microsoft.com/office/drawing/2014/main" id="{238922FC-5EC4-49AB-8CEF-CA0BDEF4970D}"/>
               </a:ext>
             </a:extLst>
           </p:cNvPr>
@@ -5519,7 +5931,7 @@
           <p:cNvPr id="7" name="图片 6">
             <a:extLst>
               <a:ext uri="{FF2B5EF4-FFF2-40B4-BE49-F238E27FC236}">
-                <a16:creationId xmlns:a16="http://schemas.microsoft.com/office/drawing/2014/main" xmlns="" id="{E97495AC-31E9-4E4A-A75B-11713BB964F3}"/>
+                <a16:creationId xmlns:a16="http://schemas.microsoft.com/office/drawing/2014/main" id="{E97495AC-31E9-4E4A-A75B-11713BB964F3}"/>
               </a:ext>
             </a:extLst>
           </p:cNvPr>
@@ -5549,7 +5961,7 @@
           <p:cNvPr id="8" name="图片 7">
             <a:extLst>
               <a:ext uri="{FF2B5EF4-FFF2-40B4-BE49-F238E27FC236}">
-                <a16:creationId xmlns:a16="http://schemas.microsoft.com/office/drawing/2014/main" xmlns="" id="{69FB918F-23E0-43AE-9E83-6E7BCF05C0DF}"/>
+                <a16:creationId xmlns:a16="http://schemas.microsoft.com/office/drawing/2014/main" id="{69FB918F-23E0-43AE-9E83-6E7BCF05C0DF}"/>
               </a:ext>
             </a:extLst>
           </p:cNvPr>
@@ -5579,7 +5991,7 @@
           <p:cNvPr id="9" name="矩形: 圆角 8">
             <a:extLst>
               <a:ext uri="{FF2B5EF4-FFF2-40B4-BE49-F238E27FC236}">
-                <a16:creationId xmlns:a16="http://schemas.microsoft.com/office/drawing/2014/main" xmlns="" id="{6947E7DA-C0D0-4A5E-B7BA-31EB85674354}"/>
+                <a16:creationId xmlns:a16="http://schemas.microsoft.com/office/drawing/2014/main" id="{6947E7DA-C0D0-4A5E-B7BA-31EB85674354}"/>
               </a:ext>
             </a:extLst>
           </p:cNvPr>
@@ -5632,7 +6044,7 @@
           <p:cNvPr id="11" name="矩形: 圆角 10">
             <a:extLst>
               <a:ext uri="{FF2B5EF4-FFF2-40B4-BE49-F238E27FC236}">
-                <a16:creationId xmlns:a16="http://schemas.microsoft.com/office/drawing/2014/main" xmlns="" id="{6A449CD4-4281-40C8-851B-3AA8A42E7A19}"/>
+                <a16:creationId xmlns:a16="http://schemas.microsoft.com/office/drawing/2014/main" id="{6A449CD4-4281-40C8-851B-3AA8A42E7A19}"/>
               </a:ext>
             </a:extLst>
           </p:cNvPr>
@@ -5685,7 +6097,7 @@
           <p:cNvPr id="12" name="图片 11">
             <a:extLst>
               <a:ext uri="{FF2B5EF4-FFF2-40B4-BE49-F238E27FC236}">
-                <a16:creationId xmlns:a16="http://schemas.microsoft.com/office/drawing/2014/main" xmlns="" id="{20EA6791-01FD-41E2-B214-C0F3866C8C9D}"/>
+                <a16:creationId xmlns:a16="http://schemas.microsoft.com/office/drawing/2014/main" id="{20EA6791-01FD-41E2-B214-C0F3866C8C9D}"/>
               </a:ext>
             </a:extLst>
           </p:cNvPr>
@@ -5715,7 +6127,7 @@
           <p:cNvPr id="3" name="图片 2">
             <a:extLst>
               <a:ext uri="{FF2B5EF4-FFF2-40B4-BE49-F238E27FC236}">
-                <a16:creationId xmlns:a16="http://schemas.microsoft.com/office/drawing/2014/main" xmlns="" id="{DC60BEB7-217A-4DDC-BC6C-A4E7C1AF2CA5}"/>
+                <a16:creationId xmlns:a16="http://schemas.microsoft.com/office/drawing/2014/main" id="{DC60BEB7-217A-4DDC-BC6C-A4E7C1AF2CA5}"/>
               </a:ext>
             </a:extLst>
           </p:cNvPr>
@@ -5775,7 +6187,7 @@
           <p:cNvPr id="2" name="标题 1">
             <a:extLst>
               <a:ext uri="{FF2B5EF4-FFF2-40B4-BE49-F238E27FC236}">
-                <a16:creationId xmlns:a16="http://schemas.microsoft.com/office/drawing/2014/main" xmlns="" id="{A5EB60D0-34C7-4381-B826-C12031F8FCA3}"/>
+                <a16:creationId xmlns:a16="http://schemas.microsoft.com/office/drawing/2014/main" id="{A5EB60D0-34C7-4381-B826-C12031F8FCA3}"/>
               </a:ext>
             </a:extLst>
           </p:cNvPr>
@@ -5820,7 +6232,7 @@
           <p:cNvPr id="4" name="AutoShape 2" descr="https://mmbiz.qpic.cn/mmbiz_png/zewrLkrYfsMrdVSbzwxKzLia3VDF6JFmzgIRoXcMXhICcMKfOMTEJltOay7Q3FDYu2cebjJACQwy7WSiaFaKtj0w/640?wx_fmt=png&amp;tp=webp&amp;wxfrom=5&amp;wx_lazy=1&amp;wx_co=1">
             <a:extLst>
               <a:ext uri="{FF2B5EF4-FFF2-40B4-BE49-F238E27FC236}">
-                <a16:creationId xmlns:a16="http://schemas.microsoft.com/office/drawing/2014/main" xmlns="" id="{167FD107-28C9-430C-AD1C-701556067903}"/>
+                <a16:creationId xmlns:a16="http://schemas.microsoft.com/office/drawing/2014/main" id="{167FD107-28C9-430C-AD1C-701556067903}"/>
               </a:ext>
             </a:extLst>
           </p:cNvPr>
@@ -6013,7 +6425,7 @@
           <p:cNvPr id="5" name="图片 4">
             <a:extLst>
               <a:ext uri="{FF2B5EF4-FFF2-40B4-BE49-F238E27FC236}">
-                <a16:creationId xmlns:a16="http://schemas.microsoft.com/office/drawing/2014/main" xmlns="" id="{AD7E29B6-69BE-435E-A2F1-DDC8EA038AB9}"/>
+                <a16:creationId xmlns:a16="http://schemas.microsoft.com/office/drawing/2014/main" id="{AD7E29B6-69BE-435E-A2F1-DDC8EA038AB9}"/>
               </a:ext>
             </a:extLst>
           </p:cNvPr>
@@ -6073,7 +6485,7 @@
           <p:cNvPr id="2" name="标题 1">
             <a:extLst>
               <a:ext uri="{FF2B5EF4-FFF2-40B4-BE49-F238E27FC236}">
-                <a16:creationId xmlns:a16="http://schemas.microsoft.com/office/drawing/2014/main" xmlns="" id="{5BCA4889-ACF8-484A-8E09-0F9FE04F97C2}"/>
+                <a16:creationId xmlns:a16="http://schemas.microsoft.com/office/drawing/2014/main" id="{5BCA4889-ACF8-484A-8E09-0F9FE04F97C2}"/>
               </a:ext>
             </a:extLst>
           </p:cNvPr>
@@ -6118,7 +6530,7 @@
           <p:cNvPr id="3" name="内容占位符 2">
             <a:extLst>
               <a:ext uri="{FF2B5EF4-FFF2-40B4-BE49-F238E27FC236}">
-                <a16:creationId xmlns:a16="http://schemas.microsoft.com/office/drawing/2014/main" xmlns="" id="{FB01E807-A932-43CB-A523-5887BDF7E085}"/>
+                <a16:creationId xmlns:a16="http://schemas.microsoft.com/office/drawing/2014/main" id="{FB01E807-A932-43CB-A523-5887BDF7E085}"/>
               </a:ext>
             </a:extLst>
           </p:cNvPr>
@@ -6375,11 +6787,11 @@
               <a:t>组件和组件通信</a:t>
             </a:r>
             <a:r>
-              <a:rPr lang="en-US" altLang="zh-CN" dirty="0" smtClean="0"/>
+              <a:rPr lang="en-US" altLang="zh-CN" dirty="0"/>
               <a:t>-</a:t>
             </a:r>
             <a:r>
-              <a:rPr kumimoji="1" lang="en-US" altLang="zh-CN" dirty="0" smtClean="0"/>
+              <a:rPr kumimoji="1" lang="en-US" altLang="zh-CN" dirty="0"/>
               <a:t>$emit/ $on</a:t>
             </a:r>
             <a:endParaRPr kumimoji="1" lang="zh-CN" altLang="en-US" dirty="0"/>
@@ -6565,7 +6977,7 @@
           <p:cNvPr id="2" name="标题 1">
             <a:extLst>
               <a:ext uri="{FF2B5EF4-FFF2-40B4-BE49-F238E27FC236}">
-                <a16:creationId xmlns:a16="http://schemas.microsoft.com/office/drawing/2014/main" xmlns="" id="{9D1684B9-985E-47F5-A474-082B14F95D79}"/>
+                <a16:creationId xmlns:a16="http://schemas.microsoft.com/office/drawing/2014/main" id="{9D1684B9-985E-47F5-A474-082B14F95D79}"/>
               </a:ext>
             </a:extLst>
           </p:cNvPr>
@@ -6594,7 +7006,7 @@
           <p:cNvPr id="3" name="内容占位符 2">
             <a:extLst>
               <a:ext uri="{FF2B5EF4-FFF2-40B4-BE49-F238E27FC236}">
-                <a16:creationId xmlns:a16="http://schemas.microsoft.com/office/drawing/2014/main" xmlns="" id="{689B31AB-61F7-4340-B9A5-5F1098608018}"/>
+                <a16:creationId xmlns:a16="http://schemas.microsoft.com/office/drawing/2014/main" id="{689B31AB-61F7-4340-B9A5-5F1098608018}"/>
               </a:ext>
             </a:extLst>
           </p:cNvPr>
@@ -6715,14 +7127,10 @@
             </a:r>
             <a:r>
               <a:rPr lang="zh-CN" altLang="en-US" dirty="0"/>
-              <a:t>、最佳</a:t>
-            </a:r>
-            <a:r>
-              <a:rPr lang="zh-CN" altLang="en-US" dirty="0" smtClean="0"/>
-              <a:t>实践 </a:t>
-            </a:r>
-            <a:r>
-              <a:rPr lang="en-US" altLang="zh-CN" dirty="0" smtClean="0"/>
+              <a:t>、最佳实践 </a:t>
+            </a:r>
+            <a:r>
+              <a:rPr lang="en-US" altLang="zh-CN" dirty="0"/>
               <a:t>&amp; </a:t>
             </a:r>
             <a:r>
@@ -6814,11 +7222,11 @@
               <a:t>组件和组件通信</a:t>
             </a:r>
             <a:r>
-              <a:rPr lang="en-US" altLang="zh-CN" dirty="0" smtClean="0"/>
+              <a:rPr lang="en-US" altLang="zh-CN" dirty="0"/>
               <a:t>-</a:t>
             </a:r>
             <a:r>
-              <a:rPr kumimoji="1" lang="en-US" altLang="zh-CN" dirty="0" err="1" smtClean="0"/>
+              <a:rPr kumimoji="1" lang="en-US" altLang="zh-CN" dirty="0" err="1"/>
               <a:t>Vuex</a:t>
             </a:r>
             <a:endParaRPr kumimoji="1" lang="zh-CN" altLang="en-US" dirty="0"/>
@@ -6952,20 +7360,16 @@
             </a:r>
             <a:r>
               <a:rPr kumimoji="1" lang="zh-CN" altLang="en-US" dirty="0"/>
-              <a:t>的变化，渲染到视图上</a:t>
-            </a:r>
-            <a:r>
-              <a:rPr kumimoji="1" lang="zh-CN" altLang="en-US" dirty="0" smtClean="0"/>
-              <a:t>。</a:t>
-            </a:r>
-          </a:p>
-          <a:p>
-            <a:r>
-              <a:rPr kumimoji="1" lang="en-US" altLang="zh-CN" dirty="0" err="1" smtClean="0"/>
+              <a:t>的变化，渲染到视图上。</a:t>
+            </a:r>
+          </a:p>
+          <a:p>
+            <a:r>
+              <a:rPr kumimoji="1" lang="en-US" altLang="zh-CN" dirty="0" err="1"/>
               <a:t>Vuex</a:t>
             </a:r>
             <a:r>
-              <a:rPr kumimoji="1" lang="en-US" altLang="zh-CN" dirty="0" smtClean="0"/>
+              <a:rPr kumimoji="1" lang="en-US" altLang="zh-CN" dirty="0"/>
               <a:t> </a:t>
             </a:r>
             <a:r>
@@ -7034,13 +7438,6 @@
   <p:clrMapOvr>
     <a:masterClrMapping/>
   </p:clrMapOvr>
-  <p:timing>
-    <p:tnLst>
-      <p:par>
-        <p:cTn id="1" dur="indefinite" restart="never" nodeType="tmRoot"/>
-      </p:par>
-    </p:tnLst>
-  </p:timing>
 </p:sld>
 </file>
 
@@ -7238,32 +7635,24 @@
             </a:r>
             <a:r>
               <a:rPr kumimoji="1" lang="en-US" altLang="zh-CN" sz="2400" dirty="0"/>
-              <a:t>commit</a:t>
-            </a:r>
-            <a:r>
-              <a:rPr kumimoji="1" lang="en-US" altLang="zh-CN" sz="2400" dirty="0" smtClean="0"/>
-              <a:t>(‘mutation </a:t>
-            </a:r>
-            <a:r>
-              <a:rPr kumimoji="1" lang="zh-CN" altLang="en-US" sz="2400" dirty="0" smtClean="0"/>
+              <a:t>commit(‘mutation </a:t>
+            </a:r>
+            <a:r>
+              <a:rPr kumimoji="1" lang="zh-CN" altLang="en-US" sz="2400" dirty="0"/>
               <a:t>名称</a:t>
             </a:r>
             <a:r>
-              <a:rPr kumimoji="1" lang="en-US" altLang="zh-CN" sz="2400" dirty="0" smtClean="0"/>
+              <a:rPr kumimoji="1" lang="en-US" altLang="zh-CN" sz="2400" dirty="0"/>
               <a:t>’)</a:t>
             </a:r>
             <a:r>
               <a:rPr kumimoji="1" lang="zh-CN" altLang="en-US" sz="2400" dirty="0"/>
-              <a:t>来</a:t>
-            </a:r>
-            <a:r>
-              <a:rPr kumimoji="1" lang="zh-CN" altLang="en-US" sz="2400" dirty="0" smtClean="0"/>
-              <a:t>触发</a:t>
-            </a:r>
-          </a:p>
-          <a:p>
-            <a:r>
-              <a:rPr kumimoji="1" lang="en-US" altLang="zh-CN" sz="2400" dirty="0" smtClean="0"/>
+              <a:t>来触发</a:t>
+            </a:r>
+          </a:p>
+          <a:p>
+            <a:r>
+              <a:rPr kumimoji="1" lang="en-US" altLang="zh-CN" sz="2400" dirty="0"/>
               <a:t>actions</a:t>
             </a:r>
             <a:r>
@@ -7344,13 +7733,6 @@
   <p:clrMapOvr>
     <a:masterClrMapping/>
   </p:clrMapOvr>
-  <p:timing>
-    <p:tnLst>
-      <p:par>
-        <p:cTn id="1" dur="indefinite" restart="never" nodeType="tmRoot"/>
-      </p:par>
-    </p:tnLst>
-  </p:timing>
 </p:sld>
 </file>
 
@@ -7399,11 +7781,11 @@
               <a:t>组件和组件通信</a:t>
             </a:r>
             <a:r>
-              <a:rPr lang="en-US" altLang="zh-CN" dirty="0" smtClean="0"/>
+              <a:rPr lang="en-US" altLang="zh-CN" dirty="0"/>
               <a:t>-</a:t>
             </a:r>
             <a:r>
-              <a:rPr lang="zh-CN" altLang="en-US" dirty="0" smtClean="0"/>
+              <a:rPr lang="zh-CN" altLang="en-US" dirty="0"/>
               <a:t>其它交互方式</a:t>
             </a:r>
             <a:endParaRPr kumimoji="1" lang="zh-CN" altLang="en-US" dirty="0"/>
@@ -7427,173 +7809,7 @@
           <a:p>
             <a:r>
               <a:rPr kumimoji="1" lang="en-US" altLang="zh-CN" dirty="0"/>
-              <a:t>1</a:t>
-            </a:r>
-            <a:r>
-              <a:rPr kumimoji="1" lang="en-US" altLang="zh-CN" dirty="0" smtClean="0"/>
-              <a:t>)$</a:t>
-            </a:r>
-            <a:r>
-              <a:rPr kumimoji="1" lang="en-US" altLang="zh-CN" dirty="0" err="1" smtClean="0"/>
-              <a:t>attrs</a:t>
-            </a:r>
-            <a:r>
-              <a:rPr kumimoji="1" lang="en-US" altLang="zh-CN" dirty="0"/>
-              <a:t>/ $listeners </a:t>
-            </a:r>
-            <a:r>
-              <a:rPr kumimoji="1" lang="zh-CN" altLang="en-US" dirty="0" smtClean="0"/>
-              <a:t> </a:t>
-            </a:r>
-            <a:r>
-              <a:rPr kumimoji="1" lang="en-US" altLang="zh-CN" dirty="0"/>
-              <a:t>2</a:t>
-            </a:r>
-            <a:r>
-              <a:rPr kumimoji="1" lang="en-US" altLang="zh-CN" dirty="0" smtClean="0"/>
-              <a:t>)provide/inject  </a:t>
-            </a:r>
-            <a:r>
-              <a:rPr kumimoji="1" lang="zh-CN" altLang="en-US" dirty="0" smtClean="0"/>
-              <a:t> </a:t>
-            </a:r>
-            <a:r>
-              <a:rPr kumimoji="1" lang="en-US" altLang="zh-CN" dirty="0"/>
-              <a:t>3</a:t>
-            </a:r>
-            <a:r>
-              <a:rPr kumimoji="1" lang="en-US" altLang="zh-CN" dirty="0" smtClean="0"/>
-              <a:t>)$parent </a:t>
-            </a:r>
-            <a:r>
-              <a:rPr kumimoji="1" lang="en-US" altLang="zh-CN" dirty="0"/>
-              <a:t>/ $children</a:t>
-            </a:r>
-            <a:r>
-              <a:rPr kumimoji="1" lang="zh-CN" altLang="en-US" dirty="0"/>
-              <a:t>＆</a:t>
-            </a:r>
-            <a:r>
-              <a:rPr kumimoji="1" lang="en-US" altLang="zh-CN" dirty="0" smtClean="0"/>
-              <a:t>ref</a:t>
-            </a:r>
-            <a:endParaRPr kumimoji="1" lang="zh-CN" altLang="en-US" dirty="0" smtClean="0"/>
-          </a:p>
-          <a:p>
-            <a:r>
-              <a:rPr kumimoji="1" lang="en-US" altLang="zh-CN" dirty="0"/>
-              <a:t>$parent / $children</a:t>
-            </a:r>
-            <a:r>
-              <a:rPr kumimoji="1" lang="zh-CN" altLang="en-US" dirty="0"/>
-              <a:t>：访问父 </a:t>
-            </a:r>
-            <a:r>
-              <a:rPr kumimoji="1" lang="en-US" altLang="zh-CN" dirty="0"/>
-              <a:t>/ </a:t>
-            </a:r>
-            <a:r>
-              <a:rPr kumimoji="1" lang="zh-CN" altLang="en-US" dirty="0"/>
-              <a:t>子实</a:t>
-            </a:r>
-            <a:r>
-              <a:rPr kumimoji="1" lang="zh-CN" altLang="en-US" dirty="0" smtClean="0"/>
-              <a:t>例 </a:t>
-            </a:r>
-            <a:r>
-              <a:rPr kumimoji="1" lang="en-US" altLang="zh-CN" dirty="0" smtClean="0"/>
-              <a:t>;ref</a:t>
-            </a:r>
-            <a:r>
-              <a:rPr kumimoji="1" lang="zh-CN" altLang="en-US" dirty="0"/>
-              <a:t>：如果在普通的 </a:t>
-            </a:r>
-            <a:r>
-              <a:rPr kumimoji="1" lang="en-US" altLang="zh-CN" dirty="0"/>
-              <a:t>DOM </a:t>
-            </a:r>
-            <a:r>
-              <a:rPr kumimoji="1" lang="zh-CN" altLang="en-US" dirty="0"/>
-              <a:t>元素上使用，引用指向的就是 </a:t>
-            </a:r>
-            <a:r>
-              <a:rPr kumimoji="1" lang="en-US" altLang="zh-CN" dirty="0"/>
-              <a:t>DOM </a:t>
-            </a:r>
-            <a:r>
-              <a:rPr kumimoji="1" lang="zh-CN" altLang="en-US" dirty="0"/>
-              <a:t>元素；如果用在子组件上，引用就指向组件实例</a:t>
-            </a:r>
-            <a:endParaRPr kumimoji="1" lang="zh-CN" altLang="en-US" dirty="0" smtClean="0"/>
-          </a:p>
-          <a:p>
-            <a:r>
-              <a:rPr kumimoji="1" lang="zh-CN" altLang="en-US" dirty="0" smtClean="0"/>
-              <a:t>父子</a:t>
-            </a:r>
-            <a:r>
-              <a:rPr kumimoji="1" lang="zh-CN" altLang="en-US" dirty="0"/>
-              <a:t>通信： 父向子传递数据是通过 </a:t>
-            </a:r>
-            <a:r>
-              <a:rPr kumimoji="1" lang="en-US" altLang="zh-CN" dirty="0"/>
-              <a:t>props</a:t>
-            </a:r>
-            <a:r>
-              <a:rPr kumimoji="1" lang="zh-CN" altLang="en-US" dirty="0"/>
-              <a:t>，子向父是通过 </a:t>
-            </a:r>
-            <a:r>
-              <a:rPr kumimoji="1" lang="en-US" altLang="zh-CN" dirty="0"/>
-              <a:t>events</a:t>
-            </a:r>
-            <a:r>
-              <a:rPr kumimoji="1" lang="zh-CN" altLang="en-US" dirty="0"/>
-              <a:t>（ </a:t>
-            </a:r>
-            <a:r>
-              <a:rPr kumimoji="1" lang="en-US" altLang="zh-CN" dirty="0"/>
-              <a:t>$emit</a:t>
-            </a:r>
-            <a:r>
-              <a:rPr kumimoji="1" lang="zh-CN" altLang="en-US" dirty="0"/>
-              <a:t>）；通过父链 </a:t>
-            </a:r>
-            <a:r>
-              <a:rPr kumimoji="1" lang="en-US" altLang="zh-CN" dirty="0"/>
-              <a:t>/ </a:t>
-            </a:r>
-            <a:r>
-              <a:rPr kumimoji="1" lang="zh-CN" altLang="en-US" dirty="0"/>
-              <a:t>子链也可以通信（ </a:t>
-            </a:r>
-            <a:r>
-              <a:rPr kumimoji="1" lang="en-US" altLang="zh-CN" dirty="0"/>
-              <a:t>$parent / $children</a:t>
-            </a:r>
-            <a:r>
-              <a:rPr kumimoji="1" lang="zh-CN" altLang="en-US" dirty="0"/>
-              <a:t>）；</a:t>
-            </a:r>
-            <a:r>
-              <a:rPr kumimoji="1" lang="en-US" altLang="zh-CN" dirty="0"/>
-              <a:t>ref </a:t>
-            </a:r>
-            <a:r>
-              <a:rPr kumimoji="1" lang="zh-CN" altLang="en-US" dirty="0"/>
-              <a:t>也可以访问组件实例；</a:t>
-            </a:r>
-            <a:r>
-              <a:rPr kumimoji="1" lang="en-US" altLang="zh-CN" dirty="0"/>
-              <a:t>provide / inject API</a:t>
-            </a:r>
-            <a:r>
-              <a:rPr kumimoji="1" lang="zh-CN" altLang="en-US" dirty="0"/>
-              <a:t>； </a:t>
-            </a:r>
-            <a:r>
-              <a:rPr kumimoji="1" lang="en-US" altLang="zh-CN" dirty="0"/>
-              <a:t>$</a:t>
+              <a:t>1)$</a:t>
             </a:r>
             <a:r>
               <a:rPr kumimoji="1" lang="en-US" altLang="zh-CN" dirty="0" err="1"/>
@@ -7601,22 +7817,155 @@
             </a:r>
             <a:r>
               <a:rPr kumimoji="1" lang="en-US" altLang="zh-CN" dirty="0"/>
-              <a:t>/$</a:t>
-            </a:r>
-            <a:r>
-              <a:rPr kumimoji="1" lang="en-US" altLang="zh-CN" dirty="0" smtClean="0"/>
-              <a:t>listeners</a:t>
-            </a:r>
-            <a:endParaRPr kumimoji="1" lang="zh-CN" altLang="en-US" dirty="0" smtClean="0"/>
-          </a:p>
-          <a:p>
-            <a:r>
-              <a:rPr kumimoji="1" lang="zh-CN" altLang="en-US" dirty="0" smtClean="0"/>
-              <a:t>兄弟</a:t>
-            </a:r>
-            <a:r>
-              <a:rPr kumimoji="1" lang="zh-CN" altLang="en-US" dirty="0"/>
-              <a:t>通信： </a:t>
+              <a:t>/ $listeners </a:t>
+            </a:r>
+            <a:r>
+              <a:rPr kumimoji="1" lang="zh-CN" altLang="en-US" dirty="0"/>
+              <a:t> </a:t>
+            </a:r>
+            <a:r>
+              <a:rPr kumimoji="1" lang="en-US" altLang="zh-CN" dirty="0"/>
+              <a:t>2)provide/inject  </a:t>
+            </a:r>
+            <a:r>
+              <a:rPr kumimoji="1" lang="zh-CN" altLang="en-US" dirty="0"/>
+              <a:t> </a:t>
+            </a:r>
+            <a:r>
+              <a:rPr kumimoji="1" lang="en-US" altLang="zh-CN" dirty="0"/>
+              <a:t>3)$parent / $children</a:t>
+            </a:r>
+            <a:r>
+              <a:rPr kumimoji="1" lang="zh-CN" altLang="en-US" dirty="0"/>
+              <a:t>＆</a:t>
+            </a:r>
+            <a:r>
+              <a:rPr kumimoji="1" lang="en-US" altLang="zh-CN" dirty="0"/>
+              <a:t>ref</a:t>
+            </a:r>
+            <a:endParaRPr kumimoji="1" lang="zh-CN" altLang="en-US" dirty="0"/>
+          </a:p>
+          <a:p>
+            <a:r>
+              <a:rPr kumimoji="1" lang="en-US" altLang="zh-CN" dirty="0"/>
+              <a:t>$parent / $children</a:t>
+            </a:r>
+            <a:r>
+              <a:rPr kumimoji="1" lang="zh-CN" altLang="en-US" dirty="0"/>
+              <a:t>：访问父 </a:t>
+            </a:r>
+            <a:r>
+              <a:rPr kumimoji="1" lang="en-US" altLang="zh-CN" dirty="0"/>
+              <a:t>/ </a:t>
+            </a:r>
+            <a:r>
+              <a:rPr kumimoji="1" lang="zh-CN" altLang="en-US" dirty="0"/>
+              <a:t>子实例 </a:t>
+            </a:r>
+            <a:r>
+              <a:rPr kumimoji="1" lang="en-US" altLang="zh-CN" dirty="0"/>
+              <a:t>;ref</a:t>
+            </a:r>
+            <a:r>
+              <a:rPr kumimoji="1" lang="zh-CN" altLang="en-US" dirty="0"/>
+              <a:t>：如果在普通的 </a:t>
+            </a:r>
+            <a:r>
+              <a:rPr kumimoji="1" lang="en-US" altLang="zh-CN" dirty="0"/>
+              <a:t>DOM </a:t>
+            </a:r>
+            <a:r>
+              <a:rPr kumimoji="1" lang="zh-CN" altLang="en-US" dirty="0"/>
+              <a:t>元素上使用，引用指向的就是 </a:t>
+            </a:r>
+            <a:r>
+              <a:rPr kumimoji="1" lang="en-US" altLang="zh-CN" dirty="0"/>
+              <a:t>DOM </a:t>
+            </a:r>
+            <a:r>
+              <a:rPr kumimoji="1" lang="zh-CN" altLang="en-US" dirty="0"/>
+              <a:t>元素；如果用在子组件上，引用就指向组件实例</a:t>
+            </a:r>
+          </a:p>
+          <a:p>
+            <a:r>
+              <a:rPr kumimoji="1" lang="zh-CN" altLang="en-US" dirty="0"/>
+              <a:t>父子通信： 父向子传递数据是通过 </a:t>
+            </a:r>
+            <a:r>
+              <a:rPr kumimoji="1" lang="en-US" altLang="zh-CN" dirty="0"/>
+              <a:t>props</a:t>
+            </a:r>
+            <a:r>
+              <a:rPr kumimoji="1" lang="zh-CN" altLang="en-US" dirty="0"/>
+              <a:t>，子向父是通过 </a:t>
+            </a:r>
+            <a:r>
+              <a:rPr kumimoji="1" lang="en-US" altLang="zh-CN" dirty="0"/>
+              <a:t>events</a:t>
+            </a:r>
+            <a:r>
+              <a:rPr kumimoji="1" lang="zh-CN" altLang="en-US" dirty="0"/>
+              <a:t>（ </a:t>
+            </a:r>
+            <a:r>
+              <a:rPr kumimoji="1" lang="en-US" altLang="zh-CN" dirty="0"/>
+              <a:t>$emit</a:t>
+            </a:r>
+            <a:r>
+              <a:rPr kumimoji="1" lang="zh-CN" altLang="en-US" dirty="0"/>
+              <a:t>）；通过父链 </a:t>
+            </a:r>
+            <a:r>
+              <a:rPr kumimoji="1" lang="en-US" altLang="zh-CN" dirty="0"/>
+              <a:t>/ </a:t>
+            </a:r>
+            <a:r>
+              <a:rPr kumimoji="1" lang="zh-CN" altLang="en-US" dirty="0"/>
+              <a:t>子链也可以通信（ </a:t>
+            </a:r>
+            <a:r>
+              <a:rPr kumimoji="1" lang="en-US" altLang="zh-CN" dirty="0"/>
+              <a:t>$parent / $children</a:t>
+            </a:r>
+            <a:r>
+              <a:rPr kumimoji="1" lang="zh-CN" altLang="en-US" dirty="0"/>
+              <a:t>）；</a:t>
+            </a:r>
+            <a:r>
+              <a:rPr kumimoji="1" lang="en-US" altLang="zh-CN" dirty="0"/>
+              <a:t>ref </a:t>
+            </a:r>
+            <a:r>
+              <a:rPr kumimoji="1" lang="zh-CN" altLang="en-US" dirty="0"/>
+              <a:t>也可以访问组件实例；</a:t>
+            </a:r>
+            <a:r>
+              <a:rPr kumimoji="1" lang="en-US" altLang="zh-CN" dirty="0"/>
+              <a:t>provide / inject API</a:t>
+            </a:r>
+            <a:r>
+              <a:rPr kumimoji="1" lang="zh-CN" altLang="en-US" dirty="0"/>
+              <a:t>； </a:t>
+            </a:r>
+            <a:r>
+              <a:rPr kumimoji="1" lang="en-US" altLang="zh-CN" dirty="0"/>
+              <a:t>$</a:t>
+            </a:r>
+            <a:r>
+              <a:rPr kumimoji="1" lang="en-US" altLang="zh-CN" dirty="0" err="1"/>
+              <a:t>attrs</a:t>
+            </a:r>
+            <a:r>
+              <a:rPr kumimoji="1" lang="en-US" altLang="zh-CN" dirty="0"/>
+              <a:t>/$listeners</a:t>
+            </a:r>
+            <a:endParaRPr kumimoji="1" lang="zh-CN" altLang="en-US" dirty="0"/>
+          </a:p>
+          <a:p>
+            <a:r>
+              <a:rPr kumimoji="1" lang="zh-CN" altLang="en-US" dirty="0"/>
+              <a:t>兄弟通信： </a:t>
             </a:r>
             <a:r>
               <a:rPr kumimoji="1" lang="en-US" altLang="zh-CN" dirty="0"/>
@@ -7627,19 +7976,15 @@
               <a:t>；</a:t>
             </a:r>
             <a:r>
-              <a:rPr kumimoji="1" lang="en-US" altLang="zh-CN" dirty="0" err="1" smtClean="0"/>
+              <a:rPr kumimoji="1" lang="en-US" altLang="zh-CN" dirty="0" err="1"/>
               <a:t>Vuex</a:t>
             </a:r>
-            <a:endParaRPr kumimoji="1" lang="zh-CN" altLang="en-US" dirty="0" smtClean="0"/>
-          </a:p>
-          <a:p>
-            <a:r>
-              <a:rPr kumimoji="1" lang="zh-CN" altLang="en-US" dirty="0" smtClean="0"/>
-              <a:t>跨级</a:t>
-            </a:r>
-            <a:r>
-              <a:rPr kumimoji="1" lang="zh-CN" altLang="en-US" dirty="0"/>
-              <a:t>通信： </a:t>
+            <a:endParaRPr kumimoji="1" lang="zh-CN" altLang="en-US" dirty="0"/>
+          </a:p>
+          <a:p>
+            <a:r>
+              <a:rPr kumimoji="1" lang="zh-CN" altLang="en-US" dirty="0"/>
+              <a:t>跨级通信： </a:t>
             </a:r>
             <a:r>
               <a:rPr kumimoji="1" lang="en-US" altLang="zh-CN" dirty="0"/>
@@ -7716,7 +8061,7 @@
           <p:cNvPr id="2" name="标题 1">
             <a:extLst>
               <a:ext uri="{FF2B5EF4-FFF2-40B4-BE49-F238E27FC236}">
-                <a16:creationId xmlns:a16="http://schemas.microsoft.com/office/drawing/2014/main" xmlns="" id="{FF1A4B77-9446-4770-9AA5-0D5992347FA0}"/>
+                <a16:creationId xmlns:a16="http://schemas.microsoft.com/office/drawing/2014/main" id="{FF1A4B77-9446-4770-9AA5-0D5992347FA0}"/>
               </a:ext>
             </a:extLst>
           </p:cNvPr>
@@ -7773,7 +8118,7 @@
           <p:cNvPr id="4" name="内容占位符 3">
             <a:extLst>
               <a:ext uri="{FF2B5EF4-FFF2-40B4-BE49-F238E27FC236}">
-                <a16:creationId xmlns:a16="http://schemas.microsoft.com/office/drawing/2014/main" xmlns="" id="{2E58D7C4-84F9-455C-9A78-A522C4F33C81}"/>
+                <a16:creationId xmlns:a16="http://schemas.microsoft.com/office/drawing/2014/main" id="{2E58D7C4-84F9-455C-9A78-A522C4F33C81}"/>
               </a:ext>
             </a:extLst>
           </p:cNvPr>
@@ -7805,7 +8150,7 @@
           <p:cNvPr id="6" name="图片 5">
             <a:extLst>
               <a:ext uri="{FF2B5EF4-FFF2-40B4-BE49-F238E27FC236}">
-                <a16:creationId xmlns:a16="http://schemas.microsoft.com/office/drawing/2014/main" xmlns="" id="{D9EEA241-12C8-4E90-8AB5-1A531D630970}"/>
+                <a16:creationId xmlns:a16="http://schemas.microsoft.com/office/drawing/2014/main" id="{D9EEA241-12C8-4E90-8AB5-1A531D630970}"/>
               </a:ext>
             </a:extLst>
           </p:cNvPr>
@@ -7835,7 +8180,7 @@
           <p:cNvPr id="5" name="内容占位符 3">
             <a:extLst>
               <a:ext uri="{FF2B5EF4-FFF2-40B4-BE49-F238E27FC236}">
-                <a16:creationId xmlns:a16="http://schemas.microsoft.com/office/drawing/2014/main" xmlns="" id="{42E3781A-613B-4919-A837-2C972C0AF736}"/>
+                <a16:creationId xmlns:a16="http://schemas.microsoft.com/office/drawing/2014/main" id="{42E3781A-613B-4919-A837-2C972C0AF736}"/>
               </a:ext>
             </a:extLst>
           </p:cNvPr>
@@ -7870,13 +8215,6 @@
   <p:clrMapOvr>
     <a:masterClrMapping/>
   </p:clrMapOvr>
-  <p:timing>
-    <p:tnLst>
-      <p:par>
-        <p:cTn id="1" dur="indefinite" restart="never" nodeType="tmRoot"/>
-      </p:par>
-    </p:tnLst>
-  </p:timing>
 </p:sld>
 </file>
 
@@ -7902,7 +8240,7 @@
           <p:cNvPr id="2" name="标题 1">
             <a:extLst>
               <a:ext uri="{FF2B5EF4-FFF2-40B4-BE49-F238E27FC236}">
-                <a16:creationId xmlns:a16="http://schemas.microsoft.com/office/drawing/2014/main" xmlns="" id="{D0428A56-9F93-42F3-BA06-8146651E0836}"/>
+                <a16:creationId xmlns:a16="http://schemas.microsoft.com/office/drawing/2014/main" id="{D0428A56-9F93-42F3-BA06-8146651E0836}"/>
               </a:ext>
             </a:extLst>
           </p:cNvPr>
@@ -7958,7 +8296,7 @@
           <p:cNvPr id="4" name="内容占位符 3">
             <a:extLst>
               <a:ext uri="{FF2B5EF4-FFF2-40B4-BE49-F238E27FC236}">
-                <a16:creationId xmlns:a16="http://schemas.microsoft.com/office/drawing/2014/main" xmlns="" id="{38A543ED-C43C-4CD5-97AC-BE8F0CB928F2}"/>
+                <a16:creationId xmlns:a16="http://schemas.microsoft.com/office/drawing/2014/main" id="{38A543ED-C43C-4CD5-97AC-BE8F0CB928F2}"/>
               </a:ext>
             </a:extLst>
           </p:cNvPr>
@@ -8020,7 +8358,7 @@
           <p:cNvPr id="2" name="标题 1">
             <a:extLst>
               <a:ext uri="{FF2B5EF4-FFF2-40B4-BE49-F238E27FC236}">
-                <a16:creationId xmlns:a16="http://schemas.microsoft.com/office/drawing/2014/main" xmlns="" id="{66865105-F5D1-4C8D-9036-D8BFEFE28F9A}"/>
+                <a16:creationId xmlns:a16="http://schemas.microsoft.com/office/drawing/2014/main" id="{66865105-F5D1-4C8D-9036-D8BFEFE28F9A}"/>
               </a:ext>
             </a:extLst>
           </p:cNvPr>
@@ -8089,7 +8427,7 @@
           <p:cNvPr id="4" name="内容占位符 3">
             <a:extLst>
               <a:ext uri="{FF2B5EF4-FFF2-40B4-BE49-F238E27FC236}">
-                <a16:creationId xmlns:a16="http://schemas.microsoft.com/office/drawing/2014/main" xmlns="" id="{C453A5A1-7905-4293-89B1-F9C6BC585D82}"/>
+                <a16:creationId xmlns:a16="http://schemas.microsoft.com/office/drawing/2014/main" id="{C453A5A1-7905-4293-89B1-F9C6BC585D82}"/>
               </a:ext>
             </a:extLst>
           </p:cNvPr>
@@ -8121,7 +8459,7 @@
           <p:cNvPr id="3" name="图片 2">
             <a:extLst>
               <a:ext uri="{FF2B5EF4-FFF2-40B4-BE49-F238E27FC236}">
-                <a16:creationId xmlns:a16="http://schemas.microsoft.com/office/drawing/2014/main" xmlns="" id="{E9A474A5-AF0B-4764-BB3F-1BEBC9B5838D}"/>
+                <a16:creationId xmlns:a16="http://schemas.microsoft.com/office/drawing/2014/main" id="{E9A474A5-AF0B-4764-BB3F-1BEBC9B5838D}"/>
               </a:ext>
             </a:extLst>
           </p:cNvPr>
@@ -8151,7 +8489,7 @@
           <p:cNvPr id="6" name="矩形: 圆角 5">
             <a:extLst>
               <a:ext uri="{FF2B5EF4-FFF2-40B4-BE49-F238E27FC236}">
-                <a16:creationId xmlns:a16="http://schemas.microsoft.com/office/drawing/2014/main" xmlns="" id="{2625080B-F5EE-43F8-A15A-D9BEF537684F}"/>
+                <a16:creationId xmlns:a16="http://schemas.microsoft.com/office/drawing/2014/main" id="{2625080B-F5EE-43F8-A15A-D9BEF537684F}"/>
               </a:ext>
             </a:extLst>
           </p:cNvPr>
@@ -8204,7 +8542,7 @@
           <p:cNvPr id="7" name="矩形: 圆角 6">
             <a:extLst>
               <a:ext uri="{FF2B5EF4-FFF2-40B4-BE49-F238E27FC236}">
-                <a16:creationId xmlns:a16="http://schemas.microsoft.com/office/drawing/2014/main" xmlns="" id="{4227E6DC-B7EE-4319-A9A6-4D07EBE0E88D}"/>
+                <a16:creationId xmlns:a16="http://schemas.microsoft.com/office/drawing/2014/main" id="{4227E6DC-B7EE-4319-A9A6-4D07EBE0E88D}"/>
               </a:ext>
             </a:extLst>
           </p:cNvPr>
@@ -8349,7 +8687,7 @@
           <p:cNvPr id="7" name="内容占位符 6">
             <a:extLst>
               <a:ext uri="{FF2B5EF4-FFF2-40B4-BE49-F238E27FC236}">
-                <a16:creationId xmlns:a16="http://schemas.microsoft.com/office/drawing/2014/main" xmlns="" id="{CA6EDDFE-5C59-47EC-9A38-E484C87D27B1}"/>
+                <a16:creationId xmlns:a16="http://schemas.microsoft.com/office/drawing/2014/main" id="{CA6EDDFE-5C59-47EC-9A38-E484C87D27B1}"/>
               </a:ext>
             </a:extLst>
           </p:cNvPr>
@@ -8381,7 +8719,7 @@
           <p:cNvPr id="9" name="图片 8">
             <a:extLst>
               <a:ext uri="{FF2B5EF4-FFF2-40B4-BE49-F238E27FC236}">
-                <a16:creationId xmlns:a16="http://schemas.microsoft.com/office/drawing/2014/main" xmlns="" id="{2BFDA313-BA1C-4FBF-8F39-CBDF77E32DE0}"/>
+                <a16:creationId xmlns:a16="http://schemas.microsoft.com/office/drawing/2014/main" id="{2BFDA313-BA1C-4FBF-8F39-CBDF77E32DE0}"/>
               </a:ext>
             </a:extLst>
           </p:cNvPr>
@@ -8411,7 +8749,7 @@
           <p:cNvPr id="10" name="图片 9">
             <a:extLst>
               <a:ext uri="{FF2B5EF4-FFF2-40B4-BE49-F238E27FC236}">
-                <a16:creationId xmlns:a16="http://schemas.microsoft.com/office/drawing/2014/main" xmlns="" id="{C5E3DBAA-B031-4AC5-9FC4-8808D8A9F802}"/>
+                <a16:creationId xmlns:a16="http://schemas.microsoft.com/office/drawing/2014/main" id="{C5E3DBAA-B031-4AC5-9FC4-8808D8A9F802}"/>
               </a:ext>
             </a:extLst>
           </p:cNvPr>
@@ -8471,7 +8809,7 @@
           <p:cNvPr id="2" name="标题 1">
             <a:extLst>
               <a:ext uri="{FF2B5EF4-FFF2-40B4-BE49-F238E27FC236}">
-                <a16:creationId xmlns:a16="http://schemas.microsoft.com/office/drawing/2014/main" xmlns="" id="{B7B4824E-59F2-4BEF-BED7-4F9976B41180}"/>
+                <a16:creationId xmlns:a16="http://schemas.microsoft.com/office/drawing/2014/main" id="{B7B4824E-59F2-4BEF-BED7-4F9976B41180}"/>
               </a:ext>
             </a:extLst>
           </p:cNvPr>
@@ -8543,7 +8881,7 @@
           <p:cNvPr id="4" name="内容占位符 3">
             <a:extLst>
               <a:ext uri="{FF2B5EF4-FFF2-40B4-BE49-F238E27FC236}">
-                <a16:creationId xmlns:a16="http://schemas.microsoft.com/office/drawing/2014/main" xmlns="" id="{CF9EA9B7-A86C-4240-9292-56540CB7575C}"/>
+                <a16:creationId xmlns:a16="http://schemas.microsoft.com/office/drawing/2014/main" id="{CF9EA9B7-A86C-4240-9292-56540CB7575C}"/>
               </a:ext>
             </a:extLst>
           </p:cNvPr>
@@ -8575,7 +8913,7 @@
           <p:cNvPr id="5" name="图片 4">
             <a:extLst>
               <a:ext uri="{FF2B5EF4-FFF2-40B4-BE49-F238E27FC236}">
-                <a16:creationId xmlns:a16="http://schemas.microsoft.com/office/drawing/2014/main" xmlns="" id="{5DB078DE-7D3B-4F2C-942F-3BCF4F7E8DC6}"/>
+                <a16:creationId xmlns:a16="http://schemas.microsoft.com/office/drawing/2014/main" id="{5DB078DE-7D3B-4F2C-942F-3BCF4F7E8DC6}"/>
               </a:ext>
             </a:extLst>
           </p:cNvPr>
@@ -8605,7 +8943,7 @@
           <p:cNvPr id="6" name="图片 5">
             <a:extLst>
               <a:ext uri="{FF2B5EF4-FFF2-40B4-BE49-F238E27FC236}">
-                <a16:creationId xmlns:a16="http://schemas.microsoft.com/office/drawing/2014/main" xmlns="" id="{041C5B0E-A4CD-4FB1-9535-90CE6A3895D9}"/>
+                <a16:creationId xmlns:a16="http://schemas.microsoft.com/office/drawing/2014/main" id="{041C5B0E-A4CD-4FB1-9535-90CE6A3895D9}"/>
               </a:ext>
             </a:extLst>
           </p:cNvPr>
@@ -8635,7 +8973,7 @@
           <p:cNvPr id="7" name="图片 6">
             <a:extLst>
               <a:ext uri="{FF2B5EF4-FFF2-40B4-BE49-F238E27FC236}">
-                <a16:creationId xmlns:a16="http://schemas.microsoft.com/office/drawing/2014/main" xmlns="" id="{13A90273-0B64-49D4-93ED-956ED26341AD}"/>
+                <a16:creationId xmlns:a16="http://schemas.microsoft.com/office/drawing/2014/main" id="{13A90273-0B64-49D4-93ED-956ED26341AD}"/>
               </a:ext>
             </a:extLst>
           </p:cNvPr>
@@ -8695,7 +9033,7 @@
           <p:cNvPr id="2" name="标题 1">
             <a:extLst>
               <a:ext uri="{FF2B5EF4-FFF2-40B4-BE49-F238E27FC236}">
-                <a16:creationId xmlns:a16="http://schemas.microsoft.com/office/drawing/2014/main" xmlns="" id="{C7A72104-81E9-4C30-8FF6-52E38914AD17}"/>
+                <a16:creationId xmlns:a16="http://schemas.microsoft.com/office/drawing/2014/main" id="{C7A72104-81E9-4C30-8FF6-52E38914AD17}"/>
               </a:ext>
             </a:extLst>
           </p:cNvPr>
@@ -8735,7 +9073,7 @@
           <p:cNvPr id="4" name="内容占位符 3">
             <a:extLst>
               <a:ext uri="{FF2B5EF4-FFF2-40B4-BE49-F238E27FC236}">
-                <a16:creationId xmlns:a16="http://schemas.microsoft.com/office/drawing/2014/main" xmlns="" id="{86F19B34-3C2F-4D89-AF3D-35ABE663986E}"/>
+                <a16:creationId xmlns:a16="http://schemas.microsoft.com/office/drawing/2014/main" id="{86F19B34-3C2F-4D89-AF3D-35ABE663986E}"/>
               </a:ext>
             </a:extLst>
           </p:cNvPr>
@@ -8767,7 +9105,7 @@
           <p:cNvPr id="6" name="图片 5">
             <a:extLst>
               <a:ext uri="{FF2B5EF4-FFF2-40B4-BE49-F238E27FC236}">
-                <a16:creationId xmlns:a16="http://schemas.microsoft.com/office/drawing/2014/main" xmlns="" id="{8F8A1561-BDB6-45F4-8A96-3FF1758F70DD}"/>
+                <a16:creationId xmlns:a16="http://schemas.microsoft.com/office/drawing/2014/main" id="{8F8A1561-BDB6-45F4-8A96-3FF1758F70DD}"/>
               </a:ext>
             </a:extLst>
           </p:cNvPr>
@@ -8797,7 +9135,7 @@
           <p:cNvPr id="8" name="图片 7">
             <a:extLst>
               <a:ext uri="{FF2B5EF4-FFF2-40B4-BE49-F238E27FC236}">
-                <a16:creationId xmlns:a16="http://schemas.microsoft.com/office/drawing/2014/main" xmlns="" id="{FCF33D56-B8C2-49C0-BB1A-599932FE0FFE}"/>
+                <a16:creationId xmlns:a16="http://schemas.microsoft.com/office/drawing/2014/main" id="{FCF33D56-B8C2-49C0-BB1A-599932FE0FFE}"/>
               </a:ext>
             </a:extLst>
           </p:cNvPr>
@@ -8827,7 +9165,7 @@
           <p:cNvPr id="9" name="图片 8">
             <a:extLst>
               <a:ext uri="{FF2B5EF4-FFF2-40B4-BE49-F238E27FC236}">
-                <a16:creationId xmlns:a16="http://schemas.microsoft.com/office/drawing/2014/main" xmlns="" id="{DDC11846-8D97-4C1E-BA87-5C253B64F286}"/>
+                <a16:creationId xmlns:a16="http://schemas.microsoft.com/office/drawing/2014/main" id="{DDC11846-8D97-4C1E-BA87-5C253B64F286}"/>
               </a:ext>
             </a:extLst>
           </p:cNvPr>
@@ -8943,7 +9281,7 @@
           <p:cNvPr id="5" name="图片 4">
             <a:extLst>
               <a:ext uri="{FF2B5EF4-FFF2-40B4-BE49-F238E27FC236}">
-                <a16:creationId xmlns:a16="http://schemas.microsoft.com/office/drawing/2014/main" xmlns="" id="{F1F6FFE1-940C-490B-A3EB-DFE6F59FA743}"/>
+                <a16:creationId xmlns:a16="http://schemas.microsoft.com/office/drawing/2014/main" id="{F1F6FFE1-940C-490B-A3EB-DFE6F59FA743}"/>
               </a:ext>
             </a:extLst>
           </p:cNvPr>
@@ -9219,7 +9557,7 @@
           <p:cNvPr id="2" name="标题 1">
             <a:extLst>
               <a:ext uri="{FF2B5EF4-FFF2-40B4-BE49-F238E27FC236}">
-                <a16:creationId xmlns:a16="http://schemas.microsoft.com/office/drawing/2014/main" xmlns="" id="{8453748D-7095-48E9-A34B-803B3E1CA6DF}"/>
+                <a16:creationId xmlns:a16="http://schemas.microsoft.com/office/drawing/2014/main" id="{8453748D-7095-48E9-A34B-803B3E1CA6DF}"/>
               </a:ext>
             </a:extLst>
           </p:cNvPr>
@@ -9268,7 +9606,7 @@
           <p:cNvPr id="4" name="内容占位符 3">
             <a:extLst>
               <a:ext uri="{FF2B5EF4-FFF2-40B4-BE49-F238E27FC236}">
-                <a16:creationId xmlns:a16="http://schemas.microsoft.com/office/drawing/2014/main" xmlns="" id="{C6DA2931-5A7B-4CA2-9780-112DF5E6115B}"/>
+                <a16:creationId xmlns:a16="http://schemas.microsoft.com/office/drawing/2014/main" id="{C6DA2931-5A7B-4CA2-9780-112DF5E6115B}"/>
               </a:ext>
             </a:extLst>
           </p:cNvPr>
@@ -9300,7 +9638,7 @@
           <p:cNvPr id="5" name="图片 4">
             <a:extLst>
               <a:ext uri="{FF2B5EF4-FFF2-40B4-BE49-F238E27FC236}">
-                <a16:creationId xmlns:a16="http://schemas.microsoft.com/office/drawing/2014/main" xmlns="" id="{C2C7916F-58E4-43D9-B9C0-377639CBE010}"/>
+                <a16:creationId xmlns:a16="http://schemas.microsoft.com/office/drawing/2014/main" id="{C2C7916F-58E4-43D9-B9C0-377639CBE010}"/>
               </a:ext>
             </a:extLst>
           </p:cNvPr>
@@ -9330,7 +9668,7 @@
           <p:cNvPr id="3" name="图片 2">
             <a:extLst>
               <a:ext uri="{FF2B5EF4-FFF2-40B4-BE49-F238E27FC236}">
-                <a16:creationId xmlns:a16="http://schemas.microsoft.com/office/drawing/2014/main" xmlns="" id="{98DB7BA4-2EFF-4E64-B855-841152DC0546}"/>
+                <a16:creationId xmlns:a16="http://schemas.microsoft.com/office/drawing/2014/main" id="{98DB7BA4-2EFF-4E64-B855-841152DC0546}"/>
               </a:ext>
             </a:extLst>
           </p:cNvPr>
@@ -9390,7 +9728,7 @@
           <p:cNvPr id="2" name="标题 1">
             <a:extLst>
               <a:ext uri="{FF2B5EF4-FFF2-40B4-BE49-F238E27FC236}">
-                <a16:creationId xmlns:a16="http://schemas.microsoft.com/office/drawing/2014/main" xmlns="" id="{842326CC-66E2-4459-A01E-E717E5EF55AD}"/>
+                <a16:creationId xmlns:a16="http://schemas.microsoft.com/office/drawing/2014/main" id="{842326CC-66E2-4459-A01E-E717E5EF55AD}"/>
               </a:ext>
             </a:extLst>
           </p:cNvPr>
@@ -9430,7 +9768,7 @@
           <p:cNvPr id="4" name="内容占位符 3">
             <a:extLst>
               <a:ext uri="{FF2B5EF4-FFF2-40B4-BE49-F238E27FC236}">
-                <a16:creationId xmlns:a16="http://schemas.microsoft.com/office/drawing/2014/main" xmlns="" id="{9AC104E4-0E4D-4FDE-8B31-F38A0567BAEB}"/>
+                <a16:creationId xmlns:a16="http://schemas.microsoft.com/office/drawing/2014/main" id="{9AC104E4-0E4D-4FDE-8B31-F38A0567BAEB}"/>
               </a:ext>
             </a:extLst>
           </p:cNvPr>
@@ -9462,7 +9800,7 @@
           <p:cNvPr id="5" name="图片 4">
             <a:extLst>
               <a:ext uri="{FF2B5EF4-FFF2-40B4-BE49-F238E27FC236}">
-                <a16:creationId xmlns:a16="http://schemas.microsoft.com/office/drawing/2014/main" xmlns="" id="{B4B78E45-1D11-4CF5-B096-87B8D294D479}"/>
+                <a16:creationId xmlns:a16="http://schemas.microsoft.com/office/drawing/2014/main" id="{B4B78E45-1D11-4CF5-B096-87B8D294D479}"/>
               </a:ext>
             </a:extLst>
           </p:cNvPr>
@@ -9492,7 +9830,7 @@
           <p:cNvPr id="7" name="图片 6">
             <a:extLst>
               <a:ext uri="{FF2B5EF4-FFF2-40B4-BE49-F238E27FC236}">
-                <a16:creationId xmlns:a16="http://schemas.microsoft.com/office/drawing/2014/main" xmlns="" id="{F41D5DDC-98C7-40D6-83E3-A0CB0AE5182B}"/>
+                <a16:creationId xmlns:a16="http://schemas.microsoft.com/office/drawing/2014/main" id="{F41D5DDC-98C7-40D6-83E3-A0CB0AE5182B}"/>
               </a:ext>
             </a:extLst>
           </p:cNvPr>
@@ -9552,7 +9890,7 @@
           <p:cNvPr id="2" name="标题 1">
             <a:extLst>
               <a:ext uri="{FF2B5EF4-FFF2-40B4-BE49-F238E27FC236}">
-                <a16:creationId xmlns:a16="http://schemas.microsoft.com/office/drawing/2014/main" xmlns="" id="{34F57C03-1912-4B78-B71F-AF1E875C17E2}"/>
+                <a16:creationId xmlns:a16="http://schemas.microsoft.com/office/drawing/2014/main" id="{34F57C03-1912-4B78-B71F-AF1E875C17E2}"/>
               </a:ext>
             </a:extLst>
           </p:cNvPr>
@@ -9582,13 +9920,8 @@
             </a:r>
             <a:r>
               <a:rPr lang="zh-CN" altLang="en-US" dirty="0"/>
-              <a:t>踩坑</a:t>
-            </a:r>
-            <a:r>
-              <a:rPr lang="zh-CN" altLang="en-US" dirty="0" smtClean="0"/>
-              <a:t>记录</a:t>
-            </a:r>
-            <a:endParaRPr lang="zh-CN" altLang="en-US" dirty="0"/>
+              <a:t>踩坑记录</a:t>
+            </a:r>
           </a:p>
         </p:txBody>
       </p:sp>
@@ -9597,7 +9930,7 @@
           <p:cNvPr id="3" name="内容占位符 2">
             <a:extLst>
               <a:ext uri="{FF2B5EF4-FFF2-40B4-BE49-F238E27FC236}">
-                <a16:creationId xmlns:a16="http://schemas.microsoft.com/office/drawing/2014/main" xmlns="" id="{99751A5B-3537-4DB0-94AB-C813FA7BD5D4}"/>
+                <a16:creationId xmlns:a16="http://schemas.microsoft.com/office/drawing/2014/main" id="{99751A5B-3537-4DB0-94AB-C813FA7BD5D4}"/>
               </a:ext>
             </a:extLst>
           </p:cNvPr>
@@ -9622,19 +9955,19 @@
               <a:buNone/>
             </a:pPr>
             <a:r>
-              <a:rPr lang="en-US" altLang="zh-CN" dirty="0" smtClean="0"/>
+              <a:rPr lang="en-US" altLang="zh-CN" dirty="0"/>
               <a:t>1</a:t>
             </a:r>
             <a:r>
-              <a:rPr lang="zh-CN" altLang="en-US" dirty="0" smtClean="0"/>
+              <a:rPr lang="zh-CN" altLang="en-US" dirty="0"/>
               <a:t>、为列表渲染设置属性</a:t>
             </a:r>
             <a:r>
-              <a:rPr lang="en-US" altLang="zh-CN" dirty="0" smtClean="0"/>
+              <a:rPr lang="en-US" altLang="zh-CN" dirty="0"/>
               <a:t>key</a:t>
             </a:r>
             <a:r>
-              <a:rPr lang="zh-CN" altLang="en-US" dirty="0" smtClean="0"/>
+              <a:rPr lang="zh-CN" altLang="en-US" dirty="0"/>
               <a:t> </a:t>
             </a:r>
           </a:p>
@@ -9643,89 +9976,89 @@
               <a:buNone/>
             </a:pPr>
             <a:r>
-              <a:rPr lang="zh-CN" altLang="en-US" dirty="0" smtClean="0"/>
+              <a:rPr lang="zh-CN" altLang="en-US" dirty="0"/>
               <a:t>    </a:t>
             </a:r>
             <a:r>
-              <a:rPr lang="en-US" altLang="zh-CN" dirty="0" smtClean="0"/>
+              <a:rPr lang="en-US" altLang="zh-CN" dirty="0"/>
               <a:t>&lt;div</a:t>
             </a:r>
             <a:r>
-              <a:rPr lang="zh-CN" altLang="en-US" dirty="0" smtClean="0"/>
+              <a:rPr lang="zh-CN" altLang="en-US" dirty="0"/>
               <a:t> </a:t>
             </a:r>
             <a:r>
-              <a:rPr lang="en-US" altLang="zh-CN" dirty="0" smtClean="0"/>
+              <a:rPr lang="en-US" altLang="zh-CN" dirty="0"/>
               <a:t>v-for=“item</a:t>
             </a:r>
             <a:r>
-              <a:rPr lang="zh-CN" altLang="en-US" dirty="0" smtClean="0"/>
+              <a:rPr lang="zh-CN" altLang="en-US" dirty="0"/>
               <a:t> </a:t>
             </a:r>
             <a:r>
-              <a:rPr lang="en-US" altLang="zh-CN" dirty="0" smtClean="0"/>
+              <a:rPr lang="en-US" altLang="zh-CN" dirty="0"/>
               <a:t>in</a:t>
             </a:r>
             <a:r>
-              <a:rPr lang="zh-CN" altLang="en-US" dirty="0" smtClean="0"/>
+              <a:rPr lang="zh-CN" altLang="en-US" dirty="0"/>
               <a:t> </a:t>
             </a:r>
             <a:r>
-              <a:rPr lang="en-US" altLang="zh-CN" dirty="0" smtClean="0"/>
+              <a:rPr lang="en-US" altLang="zh-CN" dirty="0"/>
               <a:t>items”</a:t>
             </a:r>
             <a:r>
-              <a:rPr lang="zh-CN" altLang="en-US" dirty="0" smtClean="0"/>
+              <a:rPr lang="zh-CN" altLang="en-US" dirty="0"/>
               <a:t> </a:t>
             </a:r>
             <a:r>
-              <a:rPr lang="en-US" altLang="zh-CN" dirty="0" smtClean="0"/>
+              <a:rPr lang="en-US" altLang="zh-CN" dirty="0"/>
               <a:t>:key=“</a:t>
             </a:r>
             <a:r>
-              <a:rPr lang="en-US" altLang="zh-CN" dirty="0" err="1" smtClean="0"/>
+              <a:rPr lang="en-US" altLang="zh-CN" dirty="0" err="1"/>
               <a:t>item.id</a:t>
             </a:r>
             <a:r>
-              <a:rPr lang="en-US" altLang="zh-CN" dirty="0" smtClean="0"/>
+              <a:rPr lang="en-US" altLang="zh-CN" dirty="0"/>
               <a:t>”&gt;&lt;/div&gt;</a:t>
             </a:r>
-            <a:endParaRPr lang="zh-CN" altLang="en-US" dirty="0" smtClean="0"/>
+            <a:endParaRPr lang="zh-CN" altLang="en-US" dirty="0"/>
           </a:p>
           <a:p>
             <a:pPr marL="0" indent="0">
               <a:buNone/>
             </a:pPr>
             <a:r>
-              <a:rPr lang="en-US" altLang="zh-CN" dirty="0" smtClean="0"/>
+              <a:rPr lang="en-US" altLang="zh-CN" dirty="0"/>
               <a:t>2</a:t>
             </a:r>
             <a:r>
-              <a:rPr lang="zh-CN" altLang="en-US" dirty="0" smtClean="0"/>
+              <a:rPr lang="zh-CN" altLang="en-US" dirty="0"/>
               <a:t>、避免</a:t>
             </a:r>
             <a:r>
-              <a:rPr lang="en-US" altLang="zh-CN" dirty="0" smtClean="0"/>
+              <a:rPr lang="en-US" altLang="zh-CN" dirty="0"/>
               <a:t>v-if</a:t>
             </a:r>
             <a:r>
-              <a:rPr lang="zh-CN" altLang="en-US" dirty="0" smtClean="0"/>
+              <a:rPr lang="zh-CN" altLang="en-US" dirty="0"/>
               <a:t>和</a:t>
             </a:r>
             <a:r>
-              <a:rPr lang="en-US" altLang="zh-CN" dirty="0" smtClean="0"/>
+              <a:rPr lang="en-US" altLang="zh-CN" dirty="0"/>
               <a:t>v-for</a:t>
             </a:r>
             <a:r>
-              <a:rPr lang="zh-CN" altLang="en-US" dirty="0" smtClean="0"/>
+              <a:rPr lang="zh-CN" altLang="en-US" dirty="0"/>
               <a:t>一起使用，</a:t>
             </a:r>
             <a:r>
-              <a:rPr lang="en-US" altLang="zh-CN" dirty="0" smtClean="0"/>
+              <a:rPr lang="en-US" altLang="zh-CN" dirty="0"/>
               <a:t>v-for</a:t>
             </a:r>
             <a:r>
-              <a:rPr lang="zh-CN" altLang="en-US" dirty="0" smtClean="0"/>
+              <a:rPr lang="zh-CN" altLang="en-US" dirty="0"/>
               <a:t>优先级更高</a:t>
             </a:r>
           </a:p>
@@ -9739,7 +10072,7 @@
             <a:pPr marL="0" indent="0">
               <a:buNone/>
             </a:pPr>
-            <a:endParaRPr lang="zh-CN" altLang="en-US" dirty="0" smtClean="0"/>
+            <a:endParaRPr lang="zh-CN" altLang="en-US" dirty="0"/>
           </a:p>
           <a:p>
             <a:pPr marL="0" indent="0">
@@ -9750,14 +10083,9 @@
               <a:t>3</a:t>
             </a:r>
             <a:r>
-              <a:rPr lang="zh-CN" altLang="en-US" dirty="0" smtClean="0"/>
-              <a:t>、</a:t>
-            </a:r>
-            <a:r>
-              <a:rPr lang="zh-CN" altLang="en-US" dirty="0" smtClean="0"/>
-              <a:t>为组件样式设置作用域</a:t>
-            </a:r>
-            <a:endParaRPr lang="zh-CN" altLang="en-US" dirty="0"/>
+              <a:rPr lang="zh-CN" altLang="en-US" dirty="0"/>
+              <a:t>、为组件样式设置作用域</a:t>
+            </a:r>
           </a:p>
           <a:p>
             <a:endParaRPr lang="zh-CN" altLang="en-US" dirty="0"/>
@@ -9922,44 +10250,24 @@
               <a:buNone/>
             </a:pPr>
             <a:r>
-              <a:rPr kumimoji="1" lang="en-US" altLang="zh-CN" dirty="0" smtClean="0"/>
+              <a:rPr kumimoji="1" lang="en-US" altLang="zh-CN" dirty="0"/>
               <a:t>1</a:t>
             </a:r>
             <a:r>
-              <a:rPr kumimoji="1" lang="zh-CN" altLang="en-US" dirty="0" smtClean="0"/>
+              <a:rPr kumimoji="1" lang="zh-CN" altLang="en-US" dirty="0"/>
               <a:t>、</a:t>
             </a:r>
             <a:r>
-              <a:rPr kumimoji="1" lang="en-US" altLang="zh-CN" dirty="0" err="1" smtClean="0"/>
+              <a:rPr kumimoji="1" lang="en-US" altLang="zh-CN" dirty="0" err="1"/>
               <a:t>Vue</a:t>
             </a:r>
             <a:r>
-              <a:rPr kumimoji="1" lang="en-US" altLang="zh-CN" dirty="0" smtClean="0"/>
+              <a:rPr kumimoji="1" lang="en-US" altLang="zh-CN" dirty="0"/>
               <a:t> </a:t>
             </a:r>
             <a:r>
               <a:rPr kumimoji="1" lang="zh-CN" altLang="en-US" dirty="0"/>
-              <a:t>不能</a:t>
-            </a:r>
-            <a:r>
-              <a:rPr kumimoji="1" lang="zh-CN" altLang="en-US" dirty="0" smtClean="0"/>
-              <a:t>检测</a:t>
-            </a:r>
-            <a:r>
-              <a:rPr kumimoji="1" lang="zh-CN" altLang="en-US" dirty="0" smtClean="0"/>
-              <a:t>实时检测</a:t>
-            </a:r>
-            <a:r>
-              <a:rPr kumimoji="1" lang="zh-CN" altLang="en-US" dirty="0" smtClean="0"/>
-              <a:t>变动的</a:t>
-            </a:r>
-            <a:r>
-              <a:rPr kumimoji="1" lang="zh-CN" altLang="en-US" dirty="0" smtClean="0"/>
-              <a:t>复杂类型，例如对象和</a:t>
-            </a:r>
-            <a:r>
-              <a:rPr kumimoji="1" lang="zh-CN" altLang="en-US" dirty="0" smtClean="0"/>
-              <a:t>数组</a:t>
+              <a:t>不能检测实时检测变动的复杂类型，例如对象和数组</a:t>
             </a:r>
           </a:p>
           <a:p>
@@ -9967,101 +10275,97 @@
               <a:buNone/>
             </a:pPr>
             <a:r>
-              <a:rPr kumimoji="1" lang="zh-CN" altLang="en-US" dirty="0" smtClean="0"/>
+              <a:rPr kumimoji="1" lang="zh-CN" altLang="en-US" dirty="0"/>
               <a:t>解决方案：</a:t>
             </a:r>
             <a:r>
-              <a:rPr kumimoji="1" lang="en-US" altLang="zh-CN" dirty="0" err="1" smtClean="0"/>
+              <a:rPr kumimoji="1" lang="en-US" altLang="zh-CN" dirty="0" err="1"/>
               <a:t>this.$set</a:t>
             </a:r>
             <a:r>
-              <a:rPr kumimoji="1" lang="en-US" altLang="zh-CN" dirty="0" smtClean="0"/>
+              <a:rPr kumimoji="1" lang="en-US" altLang="zh-CN" dirty="0"/>
               <a:t>(</a:t>
             </a:r>
             <a:r>
-              <a:rPr kumimoji="1" lang="en-US" altLang="zh-CN" dirty="0" err="1" smtClean="0"/>
+              <a:rPr kumimoji="1" lang="en-US" altLang="zh-CN" dirty="0" err="1"/>
               <a:t>obj</a:t>
             </a:r>
             <a:r>
-              <a:rPr kumimoji="1" lang="en-US" altLang="zh-CN" dirty="0" smtClean="0"/>
+              <a:rPr kumimoji="1" lang="en-US" altLang="zh-CN" dirty="0"/>
               <a:t>,</a:t>
             </a:r>
             <a:r>
-              <a:rPr kumimoji="1" lang="zh-CN" altLang="en-US" dirty="0" smtClean="0"/>
+              <a:rPr kumimoji="1" lang="zh-CN" altLang="en-US" dirty="0"/>
               <a:t> </a:t>
             </a:r>
             <a:r>
-              <a:rPr kumimoji="1" lang="en-US" altLang="zh-CN" dirty="0" smtClean="0"/>
+              <a:rPr kumimoji="1" lang="en-US" altLang="zh-CN" dirty="0"/>
               <a:t>key,</a:t>
             </a:r>
             <a:r>
-              <a:rPr kumimoji="1" lang="zh-CN" altLang="en-US" dirty="0" smtClean="0"/>
+              <a:rPr kumimoji="1" lang="zh-CN" altLang="en-US" dirty="0"/>
               <a:t> </a:t>
             </a:r>
             <a:r>
-              <a:rPr kumimoji="1" lang="en-US" altLang="zh-CN" dirty="0" err="1" smtClean="0"/>
+              <a:rPr kumimoji="1" lang="en-US" altLang="zh-CN" dirty="0" err="1"/>
               <a:t>val</a:t>
             </a:r>
             <a:r>
-              <a:rPr kumimoji="1" lang="en-US" altLang="zh-CN" dirty="0" smtClean="0"/>
+              <a:rPr kumimoji="1" lang="en-US" altLang="zh-CN" dirty="0"/>
+              <a:t>) </a:t>
+            </a:r>
+            <a:r>
+              <a:rPr kumimoji="1" lang="zh-CN" altLang="en-US" dirty="0"/>
+              <a:t>、</a:t>
+            </a:r>
+            <a:r>
+              <a:rPr kumimoji="1" lang="en-US" altLang="zh-CN" dirty="0" err="1"/>
+              <a:t>this.$set</a:t>
+            </a:r>
+            <a:r>
+              <a:rPr kumimoji="1" lang="en-US" altLang="zh-CN" dirty="0"/>
+              <a:t>(</a:t>
+            </a:r>
+            <a:r>
+              <a:rPr kumimoji="1" lang="en-US" altLang="zh-CN" dirty="0" err="1"/>
+              <a:t>arr</a:t>
+            </a:r>
+            <a:r>
+              <a:rPr kumimoji="1" lang="en-US" altLang="zh-CN" dirty="0"/>
+              <a:t>,</a:t>
+            </a:r>
+            <a:r>
+              <a:rPr kumimoji="1" lang="zh-CN" altLang="en-US" dirty="0"/>
+              <a:t> </a:t>
+            </a:r>
+            <a:r>
+              <a:rPr kumimoji="1" lang="en-US" altLang="zh-CN" dirty="0"/>
+              <a:t>index,</a:t>
+            </a:r>
+            <a:r>
+              <a:rPr kumimoji="1" lang="zh-CN" altLang="en-US" dirty="0"/>
+              <a:t> </a:t>
+            </a:r>
+            <a:r>
+              <a:rPr kumimoji="1" lang="en-US" altLang="zh-CN" dirty="0" err="1"/>
+              <a:t>val</a:t>
+            </a:r>
+            <a:r>
+              <a:rPr kumimoji="1" lang="en-US" altLang="zh-CN" dirty="0"/>
               <a:t>)</a:t>
             </a:r>
-            <a:r>
-              <a:rPr kumimoji="1" lang="en-US" altLang="zh-CN" dirty="0"/>
-              <a:t> </a:t>
-            </a:r>
-            <a:r>
-              <a:rPr kumimoji="1" lang="zh-CN" altLang="en-US" dirty="0" smtClean="0"/>
-              <a:t>、</a:t>
-            </a:r>
-            <a:r>
-              <a:rPr kumimoji="1" lang="en-US" altLang="zh-CN" dirty="0" err="1" smtClean="0"/>
-              <a:t>this.$set</a:t>
-            </a:r>
-            <a:r>
-              <a:rPr kumimoji="1" lang="en-US" altLang="zh-CN" dirty="0" smtClean="0"/>
-              <a:t>(</a:t>
-            </a:r>
-            <a:r>
-              <a:rPr kumimoji="1" lang="en-US" altLang="zh-CN" dirty="0" err="1" smtClean="0"/>
-              <a:t>arr</a:t>
-            </a:r>
-            <a:r>
-              <a:rPr kumimoji="1" lang="en-US" altLang="zh-CN" dirty="0" smtClean="0"/>
-              <a:t>,</a:t>
-            </a:r>
-            <a:r>
-              <a:rPr kumimoji="1" lang="zh-CN" altLang="en-US" dirty="0" smtClean="0"/>
-              <a:t> </a:t>
-            </a:r>
-            <a:r>
-              <a:rPr kumimoji="1" lang="en-US" altLang="zh-CN" dirty="0" smtClean="0"/>
-              <a:t>index,</a:t>
-            </a:r>
-            <a:r>
-              <a:rPr kumimoji="1" lang="zh-CN" altLang="en-US" dirty="0" smtClean="0"/>
-              <a:t> </a:t>
-            </a:r>
-            <a:r>
-              <a:rPr kumimoji="1" lang="en-US" altLang="zh-CN" dirty="0" err="1" smtClean="0"/>
-              <a:t>val</a:t>
-            </a:r>
-            <a:r>
-              <a:rPr kumimoji="1" lang="en-US" altLang="zh-CN" dirty="0" smtClean="0"/>
-              <a:t>)</a:t>
-            </a:r>
-            <a:endParaRPr kumimoji="1" lang="zh-CN" altLang="en-US" dirty="0" smtClean="0"/>
+            <a:endParaRPr kumimoji="1" lang="zh-CN" altLang="en-US" dirty="0"/>
           </a:p>
           <a:p>
             <a:pPr marL="0" indent="0">
               <a:buNone/>
             </a:pPr>
             <a:r>
-              <a:rPr kumimoji="1" lang="en-US" altLang="zh-CN" dirty="0" smtClean="0"/>
+              <a:rPr kumimoji="1" lang="en-US" altLang="zh-CN" dirty="0"/>
               <a:t>2</a:t>
             </a:r>
             <a:r>
-              <a:rPr kumimoji="1" lang="zh-CN" altLang="en-US" dirty="0" smtClean="0"/>
+              <a:rPr kumimoji="1" lang="zh-CN" altLang="en-US" dirty="0"/>
               <a:t>、</a:t>
             </a:r>
             <a:r>
@@ -10070,11 +10374,7 @@
             </a:r>
             <a:r>
               <a:rPr kumimoji="1" lang="zh-CN" altLang="en-US" dirty="0"/>
-              <a:t>多次</a:t>
-            </a:r>
-            <a:r>
-              <a:rPr kumimoji="1" lang="zh-CN" altLang="en-US" dirty="0" smtClean="0"/>
-              <a:t>触发</a:t>
+              <a:t>多次触发</a:t>
             </a:r>
           </a:p>
           <a:p>
@@ -10082,7 +10382,7 @@
               <a:buNone/>
             </a:pPr>
             <a:r>
-              <a:rPr kumimoji="1" lang="zh-CN" altLang="en-US" dirty="0" smtClean="0"/>
+              <a:rPr kumimoji="1" lang="zh-CN" altLang="en-US" dirty="0"/>
               <a:t>解决方案：</a:t>
             </a:r>
             <a:r>
@@ -10106,12 +10406,8 @@
               <a:t>mounted </a:t>
             </a:r>
             <a:r>
-              <a:rPr kumimoji="1" lang="zh-CN" altLang="en-US" dirty="0" smtClean="0"/>
-              <a:t>注册，但需</a:t>
-            </a:r>
-            <a:r>
-              <a:rPr kumimoji="1" lang="zh-CN" altLang="en-US" dirty="0"/>
-              <a:t>在 </a:t>
+              <a:rPr kumimoji="1" lang="zh-CN" altLang="en-US" dirty="0"/>
+              <a:t>注册，但需在 </a:t>
             </a:r>
             <a:r>
               <a:rPr kumimoji="1" lang="en-US" altLang="zh-CN" dirty="0" err="1"/>
@@ -10143,11 +10439,7 @@
             </a:r>
             <a:r>
               <a:rPr kumimoji="1" lang="zh-CN" altLang="en-US" dirty="0"/>
-              <a:t>销毁否则在某些情况下会被被多次</a:t>
-            </a:r>
-            <a:r>
-              <a:rPr kumimoji="1" lang="zh-CN" altLang="en-US" dirty="0" smtClean="0"/>
-              <a:t>触发</a:t>
+              <a:t>销毁否则在某些情况下会被被多次触发</a:t>
             </a:r>
           </a:p>
           <a:p>
@@ -10155,7 +10447,7 @@
               <a:buNone/>
             </a:pPr>
             <a:r>
-              <a:rPr kumimoji="1" lang="en-US" altLang="zh-CN" dirty="0" smtClean="0"/>
+              <a:rPr kumimoji="1" lang="en-US" altLang="zh-CN" dirty="0"/>
               <a:t>3</a:t>
             </a:r>
             <a:r>
@@ -10168,16 +10460,8 @@
               <a:buNone/>
             </a:pPr>
             <a:r>
-              <a:rPr kumimoji="1" lang="zh-CN" altLang="en-US" dirty="0" smtClean="0"/>
-              <a:t>解决方案：</a:t>
-            </a:r>
-            <a:r>
-              <a:rPr kumimoji="1" lang="zh-CN" altLang="en-US" dirty="0" smtClean="0"/>
-              <a:t>变量</a:t>
-            </a:r>
-            <a:r>
-              <a:rPr kumimoji="1" lang="zh-CN" altLang="en-US" dirty="0"/>
-              <a:t>名不要以</a:t>
+              <a:rPr kumimoji="1" lang="zh-CN" altLang="en-US" dirty="0"/>
+              <a:t>解决方案：变量名不要以</a:t>
             </a:r>
             <a:r>
               <a:rPr kumimoji="1" lang="en-US" altLang="zh-CN" dirty="0"/>
@@ -10241,27 +10525,15 @@
             </a:r>
             <a:r>
               <a:rPr kumimoji="1" lang="zh-CN" altLang="en-US" dirty="0"/>
-              <a:t>方法冲突</a:t>
-            </a:r>
-            <a:r>
-              <a:rPr kumimoji="1" lang="zh-CN" altLang="en-US" dirty="0" smtClean="0"/>
-              <a:t>。</a:t>
-            </a:r>
-            <a:r>
-              <a:rPr kumimoji="1" lang="en-US" altLang="zh-CN" dirty="0" err="1" smtClean="0"/>
+              <a:t>方法冲突。</a:t>
+            </a:r>
+            <a:r>
+              <a:rPr kumimoji="1" lang="en-US" altLang="zh-CN" dirty="0" err="1"/>
               <a:t>vue</a:t>
             </a:r>
             <a:r>
-              <a:rPr kumimoji="1" lang="zh-CN" altLang="en-US" dirty="0" smtClean="0"/>
-              <a:t>内部</a:t>
-            </a:r>
-            <a:r>
-              <a:rPr kumimoji="1" lang="zh-CN" altLang="en-US" dirty="0" smtClean="0"/>
-              <a:t>需要</a:t>
-            </a:r>
-            <a:r>
-              <a:rPr kumimoji="1" lang="zh-CN" altLang="en-US" dirty="0"/>
-              <a:t>用 </a:t>
+              <a:rPr kumimoji="1" lang="zh-CN" altLang="en-US" dirty="0"/>
+              <a:t>内部需要用 </a:t>
             </a:r>
             <a:r>
               <a:rPr kumimoji="1" lang="en-US" altLang="zh-CN" dirty="0" err="1"/>
@@ -10296,13 +10568,6 @@
   <p:clrMapOvr>
     <a:masterClrMapping/>
   </p:clrMapOvr>
-  <p:timing>
-    <p:tnLst>
-      <p:par>
-        <p:cTn id="1" dur="indefinite" restart="never" nodeType="tmRoot"/>
-      </p:par>
-    </p:tnLst>
-  </p:timing>
 </p:sld>
 </file>
 
@@ -10328,7 +10593,7 @@
           <p:cNvPr id="2" name="标题 1">
             <a:extLst>
               <a:ext uri="{FF2B5EF4-FFF2-40B4-BE49-F238E27FC236}">
-                <a16:creationId xmlns:a16="http://schemas.microsoft.com/office/drawing/2014/main" xmlns="" id="{3B91F0BC-C9CC-427C-BB8E-4AB958908704}"/>
+                <a16:creationId xmlns:a16="http://schemas.microsoft.com/office/drawing/2014/main" id="{3B91F0BC-C9CC-427C-BB8E-4AB958908704}"/>
               </a:ext>
             </a:extLst>
           </p:cNvPr>
@@ -10357,7 +10622,7 @@
           <p:cNvPr id="3" name="内容占位符 2">
             <a:extLst>
               <a:ext uri="{FF2B5EF4-FFF2-40B4-BE49-F238E27FC236}">
-                <a16:creationId xmlns:a16="http://schemas.microsoft.com/office/drawing/2014/main" xmlns="" id="{31C33EE6-D08F-4B07-865B-90F382C3AA09}"/>
+                <a16:creationId xmlns:a16="http://schemas.microsoft.com/office/drawing/2014/main" id="{31C33EE6-D08F-4B07-865B-90F382C3AA09}"/>
               </a:ext>
             </a:extLst>
           </p:cNvPr>
@@ -10373,22 +10638,18 @@
           <a:bodyPr/>
           <a:lstStyle/>
           <a:p>
-            <a:endParaRPr lang="zh-CN" altLang="en-US" dirty="0" smtClean="0"/>
-          </a:p>
-          <a:p>
             <a:endParaRPr lang="zh-CN" altLang="en-US" dirty="0"/>
           </a:p>
           <a:p>
-            <a:endParaRPr lang="zh-CN" altLang="en-US" dirty="0" smtClean="0"/>
-          </a:p>
-          <a:p>
-            <a:r>
-              <a:rPr lang="zh-CN" altLang="en-US" dirty="0" smtClean="0"/>
-              <a:t>源码</a:t>
-            </a:r>
+            <a:endParaRPr lang="zh-CN" altLang="en-US" dirty="0"/>
+          </a:p>
+          <a:p>
+            <a:endParaRPr lang="zh-CN" altLang="en-US" dirty="0"/>
+          </a:p>
+          <a:p>
             <a:r>
               <a:rPr lang="zh-CN" altLang="en-US" dirty="0"/>
-              <a:t>地址：</a:t>
+              <a:t>源码地址：</a:t>
             </a:r>
             <a:r>
               <a:rPr lang="en-US" altLang="zh-CN" dirty="0"/>
@@ -10408,13 +10669,6 @@
   <p:clrMapOvr>
     <a:masterClrMapping/>
   </p:clrMapOvr>
-  <p:timing>
-    <p:tnLst>
-      <p:par>
-        <p:cTn id="1" dur="indefinite" restart="never" nodeType="tmRoot"/>
-      </p:par>
-    </p:tnLst>
-  </p:timing>
 </p:sld>
 </file>
 
@@ -10663,7 +10917,7 @@
         </p:blipFill>
         <p:spPr>
           <a:xfrm>
-            <a:off x="958516" y="3315344"/>
+            <a:off x="943258" y="3315344"/>
             <a:ext cx="7175500" cy="1016000"/>
           </a:xfrm>
           <a:prstGeom prst="rect">

--- a/doc/vue.pptx
+++ b/doc/vue.pptx
@@ -230,7 +230,7 @@
           <a:p>
             <a:fld id="{3A8FA370-709D-4F72-8E6C-0710CCA00D33}" type="datetimeFigureOut">
               <a:rPr lang="zh-CN" altLang="en-US" smtClean="0"/>
-              <a:t>2019/7/26</a:t>
+              <a:t>2019/7/29</a:t>
             </a:fld>
             <a:endParaRPr lang="zh-CN" altLang="en-US"/>
           </a:p>
@@ -1051,6 +1051,90 @@
 </p:notes>
 </file>
 
+<file path=ppt/notesSlides/notesSlide10.xml><?xml version="1.0" encoding="utf-8"?>
+<p:notes xmlns:a="http://schemas.openxmlformats.org/drawingml/2006/main" xmlns:r="http://schemas.openxmlformats.org/officeDocument/2006/relationships" xmlns:p="http://schemas.openxmlformats.org/presentationml/2006/main">
+  <p:cSld>
+    <p:spTree>
+      <p:nvGrpSpPr>
+        <p:cNvPr id="1" name=""/>
+        <p:cNvGrpSpPr/>
+        <p:nvPr/>
+      </p:nvGrpSpPr>
+      <p:grpSpPr>
+        <a:xfrm>
+          <a:off x="0" y="0"/>
+          <a:ext cx="0" cy="0"/>
+          <a:chOff x="0" y="0"/>
+          <a:chExt cx="0" cy="0"/>
+        </a:xfrm>
+      </p:grpSpPr>
+      <p:sp>
+        <p:nvSpPr>
+          <p:cNvPr id="2" name="幻灯片图像占位符 1"/>
+          <p:cNvSpPr>
+            <a:spLocks noGrp="1" noRot="1" noChangeAspect="1"/>
+          </p:cNvSpPr>
+          <p:nvPr>
+            <p:ph type="sldImg"/>
+          </p:nvPr>
+        </p:nvSpPr>
+        <p:spPr/>
+      </p:sp>
+      <p:sp>
+        <p:nvSpPr>
+          <p:cNvPr id="3" name="备注占位符 2"/>
+          <p:cNvSpPr>
+            <a:spLocks noGrp="1"/>
+          </p:cNvSpPr>
+          <p:nvPr>
+            <p:ph type="body" idx="1"/>
+          </p:nvPr>
+        </p:nvSpPr>
+        <p:spPr/>
+        <p:txBody>
+          <a:bodyPr/>
+          <a:lstStyle/>
+          <a:p>
+            <a:endParaRPr kumimoji="1" lang="zh-CN" altLang="en-US" dirty="0"/>
+          </a:p>
+        </p:txBody>
+      </p:sp>
+      <p:sp>
+        <p:nvSpPr>
+          <p:cNvPr id="4" name="幻灯片编号占位符 3"/>
+          <p:cNvSpPr>
+            <a:spLocks noGrp="1"/>
+          </p:cNvSpPr>
+          <p:nvPr>
+            <p:ph type="sldNum" sz="quarter" idx="10"/>
+          </p:nvPr>
+        </p:nvSpPr>
+        <p:spPr/>
+        <p:txBody>
+          <a:bodyPr/>
+          <a:lstStyle/>
+          <a:p>
+            <a:fld id="{7B978FAE-FC0D-4A1C-A95D-8FF8EA3D1B3F}" type="slidenum">
+              <a:rPr lang="zh-CN" altLang="en-US" smtClean="0"/>
+              <a:t>21</a:t>
+            </a:fld>
+            <a:endParaRPr lang="zh-CN" altLang="en-US"/>
+          </a:p>
+        </p:txBody>
+      </p:sp>
+    </p:spTree>
+    <p:extLst>
+      <p:ext uri="{BB962C8B-B14F-4D97-AF65-F5344CB8AC3E}">
+        <p14:creationId xmlns:p14="http://schemas.microsoft.com/office/powerpoint/2010/main" val="1232766738"/>
+      </p:ext>
+    </p:extLst>
+  </p:cSld>
+  <p:clrMapOvr>
+    <a:masterClrMapping/>
+  </p:clrMapOvr>
+</p:notes>
+</file>
+
 <file path=ppt/notesSlides/notesSlide2.xml><?xml version="1.0" encoding="utf-8"?>
 <p:notes xmlns:a="http://schemas.openxmlformats.org/drawingml/2006/main" xmlns:r="http://schemas.openxmlformats.org/officeDocument/2006/relationships" xmlns:p="http://schemas.openxmlformats.org/presentationml/2006/main">
   <p:cSld>
@@ -1546,6 +1630,54 @@
           <a:bodyPr/>
           <a:lstStyle/>
           <a:p>
+            <a:pPr marL="0" marR="0" lvl="0" indent="0" algn="l" defTabSz="914400" rtl="0" eaLnBrk="1" fontAlgn="auto" latinLnBrk="0" hangingPunct="1">
+              <a:lnSpc>
+                <a:spcPct val="100000"/>
+              </a:lnSpc>
+              <a:spcBef>
+                <a:spcPts val="0"/>
+              </a:spcBef>
+              <a:spcAft>
+                <a:spcPts val="0"/>
+              </a:spcAft>
+              <a:buClrTx/>
+              <a:buSzTx/>
+              <a:buFontTx/>
+              <a:buNone/>
+              <a:tabLst/>
+              <a:defRPr/>
+            </a:pPr>
+            <a:r>
+              <a:rPr lang="en-US" altLang="zh-CN" sz="1200" b="0" kern="1200" dirty="0" err="1">
+                <a:solidFill>
+                  <a:schemeClr val="tx1"/>
+                </a:solidFill>
+                <a:effectLst/>
+                <a:latin typeface="+mn-lt"/>
+                <a:ea typeface="+mn-ea"/>
+                <a:cs typeface="+mn-cs"/>
+              </a:rPr>
+              <a:t>lintOnSave</a:t>
+            </a:r>
+            <a:r>
+              <a:rPr lang="en-US" altLang="zh-CN" sz="1200" b="0" kern="1200" dirty="0">
+                <a:solidFill>
+                  <a:schemeClr val="tx1"/>
+                </a:solidFill>
+                <a:effectLst/>
+                <a:latin typeface="+mn-lt"/>
+                <a:ea typeface="+mn-ea"/>
+                <a:cs typeface="+mn-cs"/>
+              </a:rPr>
+              <a:t>: false </a:t>
+            </a:r>
+            <a:r>
+              <a:rPr lang="zh-CN" altLang="en-US" dirty="0"/>
+              <a:t>可以都不要</a:t>
+            </a:r>
+            <a:endParaRPr lang="en-US" altLang="zh-CN" dirty="0"/>
+          </a:p>
+          <a:p>
             <a:r>
               <a:rPr lang="zh-CN" altLang="en-US" dirty="0"/>
               <a:t>隐藏文件  </a:t>
@@ -1685,14 +1817,21 @@
           <a:lstStyle/>
           <a:p>
             <a:r>
+              <a:rPr lang="zh-CN" altLang="en-US" dirty="0"/>
+              <a:t>入口 </a:t>
+            </a:r>
+            <a:r>
               <a:rPr lang="en-US" altLang="zh-CN" dirty="0" err="1"/>
-              <a:t>Fundebug</a:t>
-            </a:r>
-            <a:r>
-              <a:rPr lang="en-US" altLang="zh-CN" dirty="0"/>
-              <a:t>  https://www.fundebug.com/</a:t>
-            </a:r>
-            <a:endParaRPr lang="zh-CN" altLang="en-US" dirty="0"/>
+              <a:t>plateform</a:t>
+            </a:r>
+            <a:r>
+              <a:rPr lang="en-US" altLang="zh-CN" dirty="0"/>
+              <a:t>/web/entry-runtime-with-compiler </a:t>
+            </a:r>
+            <a:r>
+              <a:rPr lang="zh-CN" altLang="en-US" dirty="0"/>
+              <a:t>开始往下找</a:t>
+            </a:r>
           </a:p>
         </p:txBody>
       </p:sp>
@@ -1713,7 +1852,7 @@
           <a:p>
             <a:fld id="{7B978FAE-FC0D-4A1C-A95D-8FF8EA3D1B3F}" type="slidenum">
               <a:rPr lang="zh-CN" altLang="en-US" smtClean="0"/>
-              <a:t>12</a:t>
+              <a:t>7</a:t>
             </a:fld>
             <a:endParaRPr lang="zh-CN" altLang="en-US"/>
           </a:p>
@@ -1722,7 +1861,7 @@
     </p:spTree>
     <p:extLst>
       <p:ext uri="{BB962C8B-B14F-4D97-AF65-F5344CB8AC3E}">
-        <p14:creationId xmlns:p14="http://schemas.microsoft.com/office/powerpoint/2010/main" val="3704075949"/>
+        <p14:creationId xmlns:p14="http://schemas.microsoft.com/office/powerpoint/2010/main" val="469314472"/>
       </p:ext>
     </p:extLst>
   </p:cSld>
@@ -1776,7 +1915,142 @@
           <a:bodyPr/>
           <a:lstStyle/>
           <a:p>
-            <a:endParaRPr lang="zh-CN" altLang="en-US" dirty="0"/>
+            <a:r>
+              <a:rPr lang="en-US" altLang="zh-CN" dirty="0" err="1"/>
+              <a:t>Commonjs</a:t>
+            </a:r>
+            <a:r>
+              <a:rPr lang="en-US" altLang="zh-CN" dirty="0"/>
+              <a:t> </a:t>
+            </a:r>
+            <a:r>
+              <a:rPr lang="zh-CN" altLang="en-US" dirty="0"/>
+              <a:t>它是同步的，主要用于服务端，例如</a:t>
+            </a:r>
+            <a:r>
+              <a:rPr lang="en-US" altLang="zh-CN" dirty="0" err="1"/>
+              <a:t>nodejs</a:t>
+            </a:r>
+            <a:endParaRPr lang="en-US" altLang="zh-CN" dirty="0"/>
+          </a:p>
+          <a:p>
+            <a:r>
+              <a:rPr lang="en-US" altLang="zh-CN" dirty="0"/>
+              <a:t>UMD </a:t>
+            </a:r>
+            <a:r>
+              <a:rPr lang="zh-CN" altLang="en-US" dirty="0"/>
+              <a:t>（兼容</a:t>
+            </a:r>
+            <a:r>
+              <a:rPr lang="en-US" altLang="zh-CN" dirty="0" err="1"/>
+              <a:t>commojs</a:t>
+            </a:r>
+            <a:r>
+              <a:rPr lang="zh-CN" altLang="en-US" dirty="0"/>
+              <a:t>和</a:t>
+            </a:r>
+            <a:r>
+              <a:rPr lang="en-US" altLang="zh-CN" dirty="0"/>
+              <a:t>AMD</a:t>
+            </a:r>
+            <a:r>
+              <a:rPr lang="zh-CN" altLang="en-US" dirty="0"/>
+              <a:t>规范，</a:t>
+            </a:r>
+            <a:r>
+              <a:rPr lang="en-US" altLang="zh-CN" dirty="0"/>
+              <a:t>1</a:t>
+            </a:r>
+            <a:r>
+              <a:rPr lang="zh-CN" altLang="en-US" dirty="0"/>
+              <a:t>、</a:t>
+            </a:r>
+            <a:r>
+              <a:rPr lang="en-US" altLang="zh-CN" dirty="0"/>
+              <a:t>define([‘./a.js’, ‘./b.js’], function(a, b) {}</a:t>
+            </a:r>
+            <a:r>
+              <a:rPr lang="zh-CN" altLang="en-US" dirty="0"/>
+              <a:t>） </a:t>
+            </a:r>
+            <a:r>
+              <a:rPr lang="en-US" altLang="zh-CN" dirty="0"/>
+              <a:t>2</a:t>
+            </a:r>
+            <a:r>
+              <a:rPr lang="zh-CN" altLang="en-US" dirty="0"/>
+              <a:t>、</a:t>
+            </a:r>
+            <a:r>
+              <a:rPr lang="en-US" altLang="zh-CN" dirty="0"/>
+              <a:t>exports 3</a:t>
+            </a:r>
+            <a:r>
+              <a:rPr lang="zh-CN" altLang="en-US" dirty="0"/>
+              <a:t>、挂载全局</a:t>
+            </a:r>
+            <a:r>
+              <a:rPr lang="en-US" altLang="zh-CN" dirty="0"/>
+              <a:t>window</a:t>
+            </a:r>
+            <a:r>
+              <a:rPr lang="zh-CN" altLang="en-US" dirty="0"/>
+              <a:t>或</a:t>
+            </a:r>
+            <a:r>
+              <a:rPr lang="en-US" altLang="zh-CN" dirty="0"/>
+              <a:t>global)</a:t>
+            </a:r>
+          </a:p>
+          <a:p>
+            <a:r>
+              <a:rPr lang="en-US" altLang="zh-CN" dirty="0" err="1"/>
+              <a:t>Requirejs</a:t>
+            </a:r>
+            <a:r>
+              <a:rPr lang="en-US" altLang="zh-CN" dirty="0"/>
+              <a:t>(AMD </a:t>
+            </a:r>
+            <a:r>
+              <a:rPr lang="zh-CN" altLang="en-US" dirty="0"/>
+              <a:t>预加载</a:t>
+            </a:r>
+            <a:r>
+              <a:rPr lang="en-US" altLang="zh-CN" dirty="0"/>
+              <a:t>)  </a:t>
+            </a:r>
+            <a:r>
+              <a:rPr lang="en-US" altLang="zh-CN" dirty="0" err="1"/>
+              <a:t>Seajs</a:t>
+            </a:r>
+            <a:r>
+              <a:rPr lang="en-US" altLang="zh-CN" dirty="0"/>
+              <a:t>(CMD </a:t>
+            </a:r>
+            <a:r>
+              <a:rPr lang="zh-CN" altLang="en-US" dirty="0"/>
+              <a:t>懒加载</a:t>
+            </a:r>
+            <a:r>
+              <a:rPr lang="en-US" altLang="zh-CN" dirty="0"/>
+              <a:t>) </a:t>
+            </a:r>
+            <a:r>
+              <a:rPr lang="zh-CN" altLang="en-US" dirty="0"/>
+              <a:t>玉伯  </a:t>
+            </a:r>
+            <a:endParaRPr lang="en-US" altLang="zh-CN" dirty="0"/>
+          </a:p>
+          <a:p>
+            <a:r>
+              <a:rPr lang="en-US" altLang="zh-CN" dirty="0"/>
+              <a:t>ES Module ES6</a:t>
+            </a:r>
+            <a:r>
+              <a:rPr lang="zh-CN" altLang="en-US" dirty="0"/>
+              <a:t>，部分浏览器支持</a:t>
+            </a:r>
           </a:p>
         </p:txBody>
       </p:sp>
@@ -1797,7 +2071,7 @@
           <a:p>
             <a:fld id="{7B978FAE-FC0D-4A1C-A95D-8FF8EA3D1B3F}" type="slidenum">
               <a:rPr lang="zh-CN" altLang="en-US" smtClean="0"/>
-              <a:t>16</a:t>
+              <a:t>8</a:t>
             </a:fld>
             <a:endParaRPr lang="zh-CN" altLang="en-US"/>
           </a:p>
@@ -1806,7 +2080,7 @@
     </p:spTree>
     <p:extLst>
       <p:ext uri="{BB962C8B-B14F-4D97-AF65-F5344CB8AC3E}">
-        <p14:creationId xmlns:p14="http://schemas.microsoft.com/office/powerpoint/2010/main" val="393290365"/>
+        <p14:creationId xmlns:p14="http://schemas.microsoft.com/office/powerpoint/2010/main" val="413921622"/>
       </p:ext>
     </p:extLst>
   </p:cSld>
@@ -1860,13 +2134,44 @@
           <a:bodyPr/>
           <a:lstStyle/>
           <a:p>
-            <a:endParaRPr kumimoji="1" lang="zh-CN" altLang="en-US" dirty="0"/>
-          </a:p>
-        </p:txBody>
-      </p:sp>
-      <p:sp>
-        <p:nvSpPr>
-          <p:cNvPr id="4" name="幻灯片编号占位符 3"/>
+            <a:r>
+              <a:rPr lang="en-US" altLang="zh-CN" dirty="0" err="1"/>
+              <a:t>beforeUpdate</a:t>
+            </a:r>
+            <a:r>
+              <a:rPr lang="zh-CN" altLang="en-US" dirty="0"/>
+              <a:t>、</a:t>
+            </a:r>
+            <a:r>
+              <a:rPr lang="en-US" altLang="zh-CN" dirty="0"/>
+              <a:t>updated </a:t>
+            </a:r>
+            <a:r>
+              <a:rPr lang="zh-CN" altLang="en-US" dirty="0"/>
+              <a:t>建议少用，可能会影响渲染效率 如果需要根据</a:t>
+            </a:r>
+            <a:r>
+              <a:rPr lang="en-US" altLang="zh-CN" dirty="0"/>
+              <a:t>update</a:t>
+            </a:r>
+            <a:r>
+              <a:rPr lang="zh-CN" altLang="en-US" dirty="0"/>
+              <a:t>的数据做业务逻辑，建议在</a:t>
+            </a:r>
+            <a:r>
+              <a:rPr lang="en-US" altLang="zh-CN" dirty="0"/>
+              <a:t>watch</a:t>
+            </a:r>
+            <a:r>
+              <a:rPr lang="zh-CN" altLang="en-US" dirty="0"/>
+              <a:t>上做</a:t>
+            </a:r>
+          </a:p>
+        </p:txBody>
+      </p:sp>
+      <p:sp>
+        <p:nvSpPr>
+          <p:cNvPr id="4" name="灯片编号占位符 3"/>
           <p:cNvSpPr>
             <a:spLocks noGrp="1"/>
           </p:cNvSpPr>
@@ -1881,7 +2186,7 @@
           <a:p>
             <a:fld id="{7B978FAE-FC0D-4A1C-A95D-8FF8EA3D1B3F}" type="slidenum">
               <a:rPr lang="zh-CN" altLang="en-US" smtClean="0"/>
-              <a:t>21</a:t>
+              <a:t>9</a:t>
             </a:fld>
             <a:endParaRPr lang="zh-CN" altLang="en-US"/>
           </a:p>
@@ -1890,7 +2195,331 @@
     </p:spTree>
     <p:extLst>
       <p:ext uri="{BB962C8B-B14F-4D97-AF65-F5344CB8AC3E}">
-        <p14:creationId xmlns:p14="http://schemas.microsoft.com/office/powerpoint/2010/main" val="1232766738"/>
+        <p14:creationId xmlns:p14="http://schemas.microsoft.com/office/powerpoint/2010/main" val="481521413"/>
+      </p:ext>
+    </p:extLst>
+  </p:cSld>
+  <p:clrMapOvr>
+    <a:masterClrMapping/>
+  </p:clrMapOvr>
+</p:notes>
+</file>
+
+<file path=ppt/notesSlides/notesSlide7.xml><?xml version="1.0" encoding="utf-8"?>
+<p:notes xmlns:a="http://schemas.openxmlformats.org/drawingml/2006/main" xmlns:r="http://schemas.openxmlformats.org/officeDocument/2006/relationships" xmlns:p="http://schemas.openxmlformats.org/presentationml/2006/main">
+  <p:cSld>
+    <p:spTree>
+      <p:nvGrpSpPr>
+        <p:cNvPr id="1" name=""/>
+        <p:cNvGrpSpPr/>
+        <p:nvPr/>
+      </p:nvGrpSpPr>
+      <p:grpSpPr>
+        <a:xfrm>
+          <a:off x="0" y="0"/>
+          <a:ext cx="0" cy="0"/>
+          <a:chOff x="0" y="0"/>
+          <a:chExt cx="0" cy="0"/>
+        </a:xfrm>
+      </p:grpSpPr>
+      <p:sp>
+        <p:nvSpPr>
+          <p:cNvPr id="2" name="幻灯片图像占位符 1"/>
+          <p:cNvSpPr>
+            <a:spLocks noGrp="1" noRot="1" noChangeAspect="1"/>
+          </p:cNvSpPr>
+          <p:nvPr>
+            <p:ph type="sldImg"/>
+          </p:nvPr>
+        </p:nvSpPr>
+        <p:spPr/>
+      </p:sp>
+      <p:sp>
+        <p:nvSpPr>
+          <p:cNvPr id="3" name="备注占位符 2"/>
+          <p:cNvSpPr>
+            <a:spLocks noGrp="1"/>
+          </p:cNvSpPr>
+          <p:nvPr>
+            <p:ph type="body" idx="1"/>
+          </p:nvPr>
+        </p:nvSpPr>
+        <p:spPr/>
+        <p:txBody>
+          <a:bodyPr/>
+          <a:lstStyle/>
+          <a:p>
+            <a:r>
+              <a:rPr lang="en-US" altLang="zh-CN" dirty="0" err="1"/>
+              <a:t>chileComponent</a:t>
+            </a:r>
+            <a:r>
+              <a:rPr lang="en-US" altLang="zh-CN" dirty="0"/>
+              <a:t> click() { </a:t>
+            </a:r>
+            <a:r>
+              <a:rPr lang="en-US" altLang="zh-CN" dirty="0" err="1"/>
+              <a:t>this.$emit</a:t>
+            </a:r>
+            <a:r>
+              <a:rPr lang="en-US" altLang="zh-CN" dirty="0"/>
+              <a:t>(‘event’, data)} mound() { </a:t>
+            </a:r>
+            <a:r>
+              <a:rPr lang="en-US" altLang="zh-CN" dirty="0" err="1"/>
+              <a:t>this.$on</a:t>
+            </a:r>
+            <a:r>
+              <a:rPr lang="en-US" altLang="zh-CN" dirty="0"/>
+              <a:t>(‘event’, </a:t>
+            </a:r>
+            <a:r>
+              <a:rPr lang="en-US" altLang="zh-CN" dirty="0" err="1"/>
+              <a:t>cb</a:t>
+            </a:r>
+            <a:r>
+              <a:rPr lang="en-US" altLang="zh-CN" dirty="0"/>
+              <a:t>(data) }  </a:t>
+            </a:r>
+            <a:r>
+              <a:rPr lang="en-US" altLang="zh-CN" dirty="0" err="1"/>
+              <a:t>deforeDestroy</a:t>
+            </a:r>
+            <a:r>
+              <a:rPr lang="en-US" altLang="zh-CN" dirty="0"/>
+              <a:t>()</a:t>
+            </a:r>
+            <a:r>
+              <a:rPr lang="zh-CN" altLang="en-US" dirty="0"/>
+              <a:t> </a:t>
+            </a:r>
+            <a:r>
+              <a:rPr lang="en-US" altLang="zh-CN" dirty="0"/>
+              <a:t>{ </a:t>
+            </a:r>
+            <a:r>
+              <a:rPr lang="en-US" altLang="zh-CN" dirty="0" err="1"/>
+              <a:t>this.$off</a:t>
+            </a:r>
+            <a:r>
+              <a:rPr lang="en-US" altLang="zh-CN" dirty="0"/>
+              <a:t>(‘event)}</a:t>
+            </a:r>
+            <a:endParaRPr lang="zh-CN" altLang="en-US" dirty="0"/>
+          </a:p>
+        </p:txBody>
+      </p:sp>
+      <p:sp>
+        <p:nvSpPr>
+          <p:cNvPr id="4" name="灯片编号占位符 3"/>
+          <p:cNvSpPr>
+            <a:spLocks noGrp="1"/>
+          </p:cNvSpPr>
+          <p:nvPr>
+            <p:ph type="sldNum" sz="quarter" idx="10"/>
+          </p:nvPr>
+        </p:nvSpPr>
+        <p:spPr/>
+        <p:txBody>
+          <a:bodyPr/>
+          <a:lstStyle/>
+          <a:p>
+            <a:fld id="{7B978FAE-FC0D-4A1C-A95D-8FF8EA3D1B3F}" type="slidenum">
+              <a:rPr lang="zh-CN" altLang="en-US" smtClean="0"/>
+              <a:t>10</a:t>
+            </a:fld>
+            <a:endParaRPr lang="zh-CN" altLang="en-US"/>
+          </a:p>
+        </p:txBody>
+      </p:sp>
+    </p:spTree>
+    <p:extLst>
+      <p:ext uri="{BB962C8B-B14F-4D97-AF65-F5344CB8AC3E}">
+        <p14:creationId xmlns:p14="http://schemas.microsoft.com/office/powerpoint/2010/main" val="688810700"/>
+      </p:ext>
+    </p:extLst>
+  </p:cSld>
+  <p:clrMapOvr>
+    <a:masterClrMapping/>
+  </p:clrMapOvr>
+</p:notes>
+</file>
+
+<file path=ppt/notesSlides/notesSlide8.xml><?xml version="1.0" encoding="utf-8"?>
+<p:notes xmlns:a="http://schemas.openxmlformats.org/drawingml/2006/main" xmlns:r="http://schemas.openxmlformats.org/officeDocument/2006/relationships" xmlns:p="http://schemas.openxmlformats.org/presentationml/2006/main">
+  <p:cSld>
+    <p:spTree>
+      <p:nvGrpSpPr>
+        <p:cNvPr id="1" name=""/>
+        <p:cNvGrpSpPr/>
+        <p:nvPr/>
+      </p:nvGrpSpPr>
+      <p:grpSpPr>
+        <a:xfrm>
+          <a:off x="0" y="0"/>
+          <a:ext cx="0" cy="0"/>
+          <a:chOff x="0" y="0"/>
+          <a:chExt cx="0" cy="0"/>
+        </a:xfrm>
+      </p:grpSpPr>
+      <p:sp>
+        <p:nvSpPr>
+          <p:cNvPr id="2" name="幻灯片图像占位符 1"/>
+          <p:cNvSpPr>
+            <a:spLocks noGrp="1" noRot="1" noChangeAspect="1"/>
+          </p:cNvSpPr>
+          <p:nvPr>
+            <p:ph type="sldImg"/>
+          </p:nvPr>
+        </p:nvSpPr>
+        <p:spPr/>
+      </p:sp>
+      <p:sp>
+        <p:nvSpPr>
+          <p:cNvPr id="3" name="备注占位符 2"/>
+          <p:cNvSpPr>
+            <a:spLocks noGrp="1"/>
+          </p:cNvSpPr>
+          <p:nvPr>
+            <p:ph type="body" idx="1"/>
+          </p:nvPr>
+        </p:nvSpPr>
+        <p:spPr/>
+        <p:txBody>
+          <a:bodyPr/>
+          <a:lstStyle/>
+          <a:p>
+            <a:r>
+              <a:rPr lang="en-US" altLang="zh-CN" dirty="0" err="1"/>
+              <a:t>Fundebug</a:t>
+            </a:r>
+            <a:r>
+              <a:rPr lang="en-US" altLang="zh-CN" dirty="0"/>
+              <a:t>  https://www.fundebug.com/</a:t>
+            </a:r>
+            <a:endParaRPr lang="zh-CN" altLang="en-US" dirty="0"/>
+          </a:p>
+        </p:txBody>
+      </p:sp>
+      <p:sp>
+        <p:nvSpPr>
+          <p:cNvPr id="4" name="灯片编号占位符 3"/>
+          <p:cNvSpPr>
+            <a:spLocks noGrp="1"/>
+          </p:cNvSpPr>
+          <p:nvPr>
+            <p:ph type="sldNum" sz="quarter" idx="10"/>
+          </p:nvPr>
+        </p:nvSpPr>
+        <p:spPr/>
+        <p:txBody>
+          <a:bodyPr/>
+          <a:lstStyle/>
+          <a:p>
+            <a:fld id="{7B978FAE-FC0D-4A1C-A95D-8FF8EA3D1B3F}" type="slidenum">
+              <a:rPr lang="zh-CN" altLang="en-US" smtClean="0"/>
+              <a:t>12</a:t>
+            </a:fld>
+            <a:endParaRPr lang="zh-CN" altLang="en-US"/>
+          </a:p>
+        </p:txBody>
+      </p:sp>
+    </p:spTree>
+    <p:extLst>
+      <p:ext uri="{BB962C8B-B14F-4D97-AF65-F5344CB8AC3E}">
+        <p14:creationId xmlns:p14="http://schemas.microsoft.com/office/powerpoint/2010/main" val="3704075949"/>
+      </p:ext>
+    </p:extLst>
+  </p:cSld>
+  <p:clrMapOvr>
+    <a:masterClrMapping/>
+  </p:clrMapOvr>
+</p:notes>
+</file>
+
+<file path=ppt/notesSlides/notesSlide9.xml><?xml version="1.0" encoding="utf-8"?>
+<p:notes xmlns:a="http://schemas.openxmlformats.org/drawingml/2006/main" xmlns:r="http://schemas.openxmlformats.org/officeDocument/2006/relationships" xmlns:p="http://schemas.openxmlformats.org/presentationml/2006/main">
+  <p:cSld>
+    <p:spTree>
+      <p:nvGrpSpPr>
+        <p:cNvPr id="1" name=""/>
+        <p:cNvGrpSpPr/>
+        <p:nvPr/>
+      </p:nvGrpSpPr>
+      <p:grpSpPr>
+        <a:xfrm>
+          <a:off x="0" y="0"/>
+          <a:ext cx="0" cy="0"/>
+          <a:chOff x="0" y="0"/>
+          <a:chExt cx="0" cy="0"/>
+        </a:xfrm>
+      </p:grpSpPr>
+      <p:sp>
+        <p:nvSpPr>
+          <p:cNvPr id="2" name="幻灯片图像占位符 1"/>
+          <p:cNvSpPr>
+            <a:spLocks noGrp="1" noRot="1" noChangeAspect="1"/>
+          </p:cNvSpPr>
+          <p:nvPr>
+            <p:ph type="sldImg"/>
+          </p:nvPr>
+        </p:nvSpPr>
+        <p:spPr/>
+      </p:sp>
+      <p:sp>
+        <p:nvSpPr>
+          <p:cNvPr id="3" name="备注占位符 2"/>
+          <p:cNvSpPr>
+            <a:spLocks noGrp="1"/>
+          </p:cNvSpPr>
+          <p:nvPr>
+            <p:ph type="body" idx="1"/>
+          </p:nvPr>
+        </p:nvSpPr>
+        <p:spPr/>
+        <p:txBody>
+          <a:bodyPr/>
+          <a:lstStyle/>
+          <a:p>
+            <a:r>
+              <a:rPr lang="en-US" altLang="zh-CN" dirty="0"/>
+              <a:t>web-components </a:t>
+            </a:r>
+            <a:r>
+              <a:rPr lang="zh-CN" altLang="en-US"/>
+              <a:t>兼容性差，加大引入文件包</a:t>
+            </a:r>
+            <a:endParaRPr lang="zh-CN" altLang="en-US" dirty="0"/>
+          </a:p>
+        </p:txBody>
+      </p:sp>
+      <p:sp>
+        <p:nvSpPr>
+          <p:cNvPr id="4" name="灯片编号占位符 3"/>
+          <p:cNvSpPr>
+            <a:spLocks noGrp="1"/>
+          </p:cNvSpPr>
+          <p:nvPr>
+            <p:ph type="sldNum" sz="quarter" idx="10"/>
+          </p:nvPr>
+        </p:nvSpPr>
+        <p:spPr/>
+        <p:txBody>
+          <a:bodyPr/>
+          <a:lstStyle/>
+          <a:p>
+            <a:fld id="{7B978FAE-FC0D-4A1C-A95D-8FF8EA3D1B3F}" type="slidenum">
+              <a:rPr lang="zh-CN" altLang="en-US" smtClean="0"/>
+              <a:t>16</a:t>
+            </a:fld>
+            <a:endParaRPr lang="zh-CN" altLang="en-US"/>
+          </a:p>
+        </p:txBody>
+      </p:sp>
+    </p:spTree>
+    <p:extLst>
+      <p:ext uri="{BB962C8B-B14F-4D97-AF65-F5344CB8AC3E}">
+        <p14:creationId xmlns:p14="http://schemas.microsoft.com/office/powerpoint/2010/main" val="393290365"/>
       </p:ext>
     </p:extLst>
   </p:cSld>
@@ -2029,7 +2658,7 @@
           <a:p>
             <a:fld id="{3A737EFC-D787-6544-BBED-AC7F5B40DC0C}" type="datetimeFigureOut">
               <a:rPr kumimoji="1" lang="zh-CN" altLang="en-US" smtClean="0"/>
-              <a:t>2019/7/26</a:t>
+              <a:t>2019/7/29</a:t>
             </a:fld>
             <a:endParaRPr kumimoji="1" lang="zh-CN" altLang="en-US"/>
           </a:p>
@@ -2197,7 +2826,7 @@
           <a:p>
             <a:fld id="{3A737EFC-D787-6544-BBED-AC7F5B40DC0C}" type="datetimeFigureOut">
               <a:rPr kumimoji="1" lang="zh-CN" altLang="en-US" smtClean="0"/>
-              <a:t>2019/7/26</a:t>
+              <a:t>2019/7/29</a:t>
             </a:fld>
             <a:endParaRPr kumimoji="1" lang="zh-CN" altLang="en-US"/>
           </a:p>
@@ -2375,7 +3004,7 @@
           <a:p>
             <a:fld id="{3A737EFC-D787-6544-BBED-AC7F5B40DC0C}" type="datetimeFigureOut">
               <a:rPr kumimoji="1" lang="zh-CN" altLang="en-US" smtClean="0"/>
-              <a:t>2019/7/26</a:t>
+              <a:t>2019/7/29</a:t>
             </a:fld>
             <a:endParaRPr kumimoji="1" lang="zh-CN" altLang="en-US"/>
           </a:p>
@@ -2543,7 +3172,7 @@
           <a:p>
             <a:fld id="{3A737EFC-D787-6544-BBED-AC7F5B40DC0C}" type="datetimeFigureOut">
               <a:rPr kumimoji="1" lang="zh-CN" altLang="en-US" smtClean="0"/>
-              <a:t>2019/7/26</a:t>
+              <a:t>2019/7/29</a:t>
             </a:fld>
             <a:endParaRPr kumimoji="1" lang="zh-CN" altLang="en-US"/>
           </a:p>
@@ -2788,7 +3417,7 @@
           <a:p>
             <a:fld id="{3A737EFC-D787-6544-BBED-AC7F5B40DC0C}" type="datetimeFigureOut">
               <a:rPr kumimoji="1" lang="zh-CN" altLang="en-US" smtClean="0"/>
-              <a:t>2019/7/26</a:t>
+              <a:t>2019/7/29</a:t>
             </a:fld>
             <a:endParaRPr kumimoji="1" lang="zh-CN" altLang="en-US"/>
           </a:p>
@@ -3017,7 +3646,7 @@
           <a:p>
             <a:fld id="{3A737EFC-D787-6544-BBED-AC7F5B40DC0C}" type="datetimeFigureOut">
               <a:rPr kumimoji="1" lang="zh-CN" altLang="en-US" smtClean="0"/>
-              <a:t>2019/7/26</a:t>
+              <a:t>2019/7/29</a:t>
             </a:fld>
             <a:endParaRPr kumimoji="1" lang="zh-CN" altLang="en-US"/>
           </a:p>
@@ -3381,7 +4010,7 @@
           <a:p>
             <a:fld id="{3A737EFC-D787-6544-BBED-AC7F5B40DC0C}" type="datetimeFigureOut">
               <a:rPr kumimoji="1" lang="zh-CN" altLang="en-US" smtClean="0"/>
-              <a:t>2019/7/26</a:t>
+              <a:t>2019/7/29</a:t>
             </a:fld>
             <a:endParaRPr kumimoji="1" lang="zh-CN" altLang="en-US"/>
           </a:p>
@@ -3498,7 +4127,7 @@
           <a:p>
             <a:fld id="{3A737EFC-D787-6544-BBED-AC7F5B40DC0C}" type="datetimeFigureOut">
               <a:rPr kumimoji="1" lang="zh-CN" altLang="en-US" smtClean="0"/>
-              <a:t>2019/7/26</a:t>
+              <a:t>2019/7/29</a:t>
             </a:fld>
             <a:endParaRPr kumimoji="1" lang="zh-CN" altLang="en-US"/>
           </a:p>
@@ -3593,7 +4222,7 @@
           <a:p>
             <a:fld id="{3A737EFC-D787-6544-BBED-AC7F5B40DC0C}" type="datetimeFigureOut">
               <a:rPr kumimoji="1" lang="zh-CN" altLang="en-US" smtClean="0"/>
-              <a:t>2019/7/26</a:t>
+              <a:t>2019/7/29</a:t>
             </a:fld>
             <a:endParaRPr kumimoji="1" lang="zh-CN" altLang="en-US"/>
           </a:p>
@@ -3868,7 +4497,7 @@
           <a:p>
             <a:fld id="{3A737EFC-D787-6544-BBED-AC7F5B40DC0C}" type="datetimeFigureOut">
               <a:rPr kumimoji="1" lang="zh-CN" altLang="en-US" smtClean="0"/>
-              <a:t>2019/7/26</a:t>
+              <a:t>2019/7/29</a:t>
             </a:fld>
             <a:endParaRPr kumimoji="1" lang="zh-CN" altLang="en-US"/>
           </a:p>
@@ -4120,7 +4749,7 @@
           <a:p>
             <a:fld id="{3A737EFC-D787-6544-BBED-AC7F5B40DC0C}" type="datetimeFigureOut">
               <a:rPr kumimoji="1" lang="zh-CN" altLang="en-US" smtClean="0"/>
-              <a:t>2019/7/26</a:t>
+              <a:t>2019/7/29</a:t>
             </a:fld>
             <a:endParaRPr kumimoji="1" lang="zh-CN" altLang="en-US"/>
           </a:p>
@@ -4331,7 +4960,7 @@
           <a:p>
             <a:fld id="{3A737EFC-D787-6544-BBED-AC7F5B40DC0C}" type="datetimeFigureOut">
               <a:rPr kumimoji="1" lang="zh-CN" altLang="en-US" smtClean="0"/>
-              <a:t>2019/7/26</a:t>
+              <a:t>2019/7/29</a:t>
             </a:fld>
             <a:endParaRPr kumimoji="1" lang="zh-CN" altLang="en-US"/>
           </a:p>
@@ -4911,7 +5540,7 @@
           <p:nvPr/>
         </p:nvPicPr>
         <p:blipFill>
-          <a:blip r:embed="rId2"/>
+          <a:blip r:embed="rId3"/>
           <a:stretch>
             <a:fillRect/>
           </a:stretch>
@@ -11257,7 +11886,7 @@
           </p:nvPr>
         </p:nvPicPr>
         <p:blipFill>
-          <a:blip r:embed="rId2"/>
+          <a:blip r:embed="rId3"/>
           <a:stretch>
             <a:fillRect/>
           </a:stretch>
@@ -11430,7 +12059,7 @@
           <p:nvPr/>
         </p:nvPicPr>
         <p:blipFill>
-          <a:blip r:embed="rId2"/>
+          <a:blip r:embed="rId3"/>
           <a:stretch>
             <a:fillRect/>
           </a:stretch>

--- a/doc/vue.pptx
+++ b/doc/vue.pptx
@@ -2486,9 +2486,74 @@
               <a:t>web-components </a:t>
             </a:r>
             <a:r>
-              <a:rPr lang="zh-CN" altLang="en-US"/>
+              <a:rPr lang="zh-CN" altLang="en-US" dirty="0"/>
               <a:t>兼容性差，加大引入文件包</a:t>
             </a:r>
+            <a:endParaRPr lang="en-US" altLang="zh-CN" dirty="0"/>
+          </a:p>
+          <a:p>
+            <a:pPr marL="0" marR="0" lvl="0" indent="0" algn="l" defTabSz="914400" rtl="0" eaLnBrk="1" fontAlgn="auto" latinLnBrk="0" hangingPunct="1">
+              <a:lnSpc>
+                <a:spcPct val="100000"/>
+              </a:lnSpc>
+              <a:spcBef>
+                <a:spcPts val="0"/>
+              </a:spcBef>
+              <a:spcAft>
+                <a:spcPts val="0"/>
+              </a:spcAft>
+              <a:buClrTx/>
+              <a:buSzTx/>
+              <a:buFontTx/>
+              <a:buNone/>
+              <a:tabLst/>
+              <a:defRPr/>
+            </a:pPr>
+            <a:r>
+              <a:rPr lang="en-US" altLang="zh-CN" sz="1200" b="0" kern="1200" dirty="0">
+                <a:solidFill>
+                  <a:schemeClr val="tx1"/>
+                </a:solidFill>
+                <a:effectLst/>
+                <a:latin typeface="+mn-lt"/>
+                <a:ea typeface="+mn-ea"/>
+                <a:cs typeface="+mn-cs"/>
+              </a:rPr>
+              <a:t>https://www.iconfont.cn </a:t>
+            </a:r>
+          </a:p>
+          <a:p>
+            <a:pPr marL="0" marR="0" lvl="0" indent="0" algn="l" defTabSz="914400" rtl="0" eaLnBrk="1" fontAlgn="auto" latinLnBrk="0" hangingPunct="1">
+              <a:lnSpc>
+                <a:spcPct val="100000"/>
+              </a:lnSpc>
+              <a:spcBef>
+                <a:spcPts val="0"/>
+              </a:spcBef>
+              <a:spcAft>
+                <a:spcPts val="0"/>
+              </a:spcAft>
+              <a:buClrTx/>
+              <a:buSzTx/>
+              <a:buFontTx/>
+              <a:buNone/>
+              <a:tabLst/>
+              <a:defRPr/>
+            </a:pPr>
+            <a:r>
+              <a:rPr lang="en-US" altLang="zh-CN" sz="1200" b="0" kern="1200" dirty="0">
+                <a:solidFill>
+                  <a:schemeClr val="tx1"/>
+                </a:solidFill>
+                <a:effectLst/>
+                <a:latin typeface="+mn-lt"/>
+                <a:ea typeface="+mn-ea"/>
+                <a:cs typeface="+mn-cs"/>
+              </a:rPr>
+              <a:t>http://fontawesome.dashgame.com/</a:t>
+            </a:r>
+          </a:p>
+          <a:p>
             <a:endParaRPr lang="zh-CN" altLang="en-US" dirty="0"/>
           </a:p>
         </p:txBody>
@@ -7310,54 +7375,6 @@
           </a:prstGeom>
         </p:spPr>
       </p:pic>
-      <p:pic>
-        <p:nvPicPr>
-          <p:cNvPr id="8" name="图片 7"/>
-          <p:cNvPicPr>
-            <a:picLocks noChangeAspect="1"/>
-          </p:cNvPicPr>
-          <p:nvPr/>
-        </p:nvPicPr>
-        <p:blipFill>
-          <a:blip r:embed="rId5"/>
-          <a:stretch>
-            <a:fillRect/>
-          </a:stretch>
-        </p:blipFill>
-        <p:spPr>
-          <a:xfrm>
-            <a:off x="1007152" y="5338762"/>
-            <a:ext cx="4826000" cy="660400"/>
-          </a:xfrm>
-          <a:prstGeom prst="rect">
-            <a:avLst/>
-          </a:prstGeom>
-        </p:spPr>
-      </p:pic>
-      <p:pic>
-        <p:nvPicPr>
-          <p:cNvPr id="9" name="图片 8"/>
-          <p:cNvPicPr>
-            <a:picLocks noChangeAspect="1"/>
-          </p:cNvPicPr>
-          <p:nvPr/>
-        </p:nvPicPr>
-        <p:blipFill>
-          <a:blip r:embed="rId6"/>
-          <a:stretch>
-            <a:fillRect/>
-          </a:stretch>
-        </p:blipFill>
-        <p:spPr>
-          <a:xfrm>
-            <a:off x="6507501" y="5338762"/>
-            <a:ext cx="2984500" cy="673100"/>
-          </a:xfrm>
-          <a:prstGeom prst="rect">
-            <a:avLst/>
-          </a:prstGeom>
-        </p:spPr>
-      </p:pic>
     </p:spTree>
     <p:extLst>
       <p:ext uri="{BB962C8B-B14F-4D97-AF65-F5344CB8AC3E}">
@@ -7477,7 +7494,7 @@
       </p:sp>
       <p:pic>
         <p:nvPicPr>
-          <p:cNvPr id="5" name="图片 4"/>
+          <p:cNvPr id="6" name="图片 5"/>
           <p:cNvPicPr>
             <a:picLocks noChangeAspect="1"/>
           </p:cNvPicPr>
@@ -7485,30 +7502,6 @@
         </p:nvPicPr>
         <p:blipFill>
           <a:blip r:embed="rId2"/>
-          <a:stretch>
-            <a:fillRect/>
-          </a:stretch>
-        </p:blipFill>
-        <p:spPr>
-          <a:xfrm>
-            <a:off x="4142074" y="3137004"/>
-            <a:ext cx="4597400" cy="647700"/>
-          </a:xfrm>
-          <a:prstGeom prst="rect">
-            <a:avLst/>
-          </a:prstGeom>
-        </p:spPr>
-      </p:pic>
-      <p:pic>
-        <p:nvPicPr>
-          <p:cNvPr id="6" name="图片 5"/>
-          <p:cNvPicPr>
-            <a:picLocks noChangeAspect="1"/>
-          </p:cNvPicPr>
-          <p:nvPr/>
-        </p:nvPicPr>
-        <p:blipFill>
-          <a:blip r:embed="rId3"/>
           <a:stretch>
             <a:fillRect/>
           </a:stretch>
@@ -7532,7 +7525,7 @@
           <p:nvPr/>
         </p:nvPicPr>
         <p:blipFill>
-          <a:blip r:embed="rId4"/>
+          <a:blip r:embed="rId3"/>
           <a:stretch>
             <a:fillRect/>
           </a:stretch>
@@ -7556,7 +7549,7 @@
           <p:nvPr/>
         </p:nvPicPr>
         <p:blipFill>
-          <a:blip r:embed="rId5"/>
+          <a:blip r:embed="rId4"/>
           <a:stretch>
             <a:fillRect/>
           </a:stretch>
@@ -7565,6 +7558,36 @@
           <a:xfrm>
             <a:off x="473960" y="5730679"/>
             <a:ext cx="9385300" cy="546100"/>
+          </a:xfrm>
+          <a:prstGeom prst="rect">
+            <a:avLst/>
+          </a:prstGeom>
+        </p:spPr>
+      </p:pic>
+      <p:pic>
+        <p:nvPicPr>
+          <p:cNvPr id="4" name="图片 3">
+            <a:extLst>
+              <a:ext uri="{FF2B5EF4-FFF2-40B4-BE49-F238E27FC236}">
+                <a16:creationId xmlns:a16="http://schemas.microsoft.com/office/drawing/2014/main" id="{8CAAB0E3-45D6-417E-9634-46EE44BEF4C1}"/>
+              </a:ext>
+            </a:extLst>
+          </p:cNvPr>
+          <p:cNvPicPr>
+            <a:picLocks noChangeAspect="1"/>
+          </p:cNvPicPr>
+          <p:nvPr/>
+        </p:nvPicPr>
+        <p:blipFill>
+          <a:blip r:embed="rId5"/>
+          <a:stretch>
+            <a:fillRect/>
+          </a:stretch>
+        </p:blipFill>
+        <p:spPr>
+          <a:xfrm>
+            <a:off x="4991985" y="3137004"/>
+            <a:ext cx="4867275" cy="1571625"/>
           </a:xfrm>
           <a:prstGeom prst="rect">
             <a:avLst/>

--- a/doc/vue.pptx
+++ b/doc/vue.pptx
@@ -1126,6 +1126,183 @@
     <p:extLst>
       <p:ext uri="{BB962C8B-B14F-4D97-AF65-F5344CB8AC3E}">
         <p14:creationId xmlns:p14="http://schemas.microsoft.com/office/powerpoint/2010/main" val="1232766738"/>
+      </p:ext>
+    </p:extLst>
+  </p:cSld>
+  <p:clrMapOvr>
+    <a:masterClrMapping/>
+  </p:clrMapOvr>
+</p:notes>
+</file>
+
+<file path=ppt/notesSlides/notesSlide11.xml><?xml version="1.0" encoding="utf-8"?>
+<p:notes xmlns:a="http://schemas.openxmlformats.org/drawingml/2006/main" xmlns:r="http://schemas.openxmlformats.org/officeDocument/2006/relationships" xmlns:p="http://schemas.openxmlformats.org/presentationml/2006/main">
+  <p:cSld>
+    <p:spTree>
+      <p:nvGrpSpPr>
+        <p:cNvPr id="1" name=""/>
+        <p:cNvGrpSpPr/>
+        <p:nvPr/>
+      </p:nvGrpSpPr>
+      <p:grpSpPr>
+        <a:xfrm>
+          <a:off x="0" y="0"/>
+          <a:ext cx="0" cy="0"/>
+          <a:chOff x="0" y="0"/>
+          <a:chExt cx="0" cy="0"/>
+        </a:xfrm>
+      </p:grpSpPr>
+      <p:sp>
+        <p:nvSpPr>
+          <p:cNvPr id="2" name="幻灯片图像占位符 1"/>
+          <p:cNvSpPr>
+            <a:spLocks noGrp="1" noRot="1" noChangeAspect="1"/>
+          </p:cNvSpPr>
+          <p:nvPr>
+            <p:ph type="sldImg"/>
+          </p:nvPr>
+        </p:nvSpPr>
+        <p:spPr/>
+      </p:sp>
+      <p:sp>
+        <p:nvSpPr>
+          <p:cNvPr id="3" name="备注占位符 2"/>
+          <p:cNvSpPr>
+            <a:spLocks noGrp="1"/>
+          </p:cNvSpPr>
+          <p:nvPr>
+            <p:ph type="body" idx="1"/>
+          </p:nvPr>
+        </p:nvSpPr>
+        <p:spPr/>
+        <p:txBody>
+          <a:bodyPr/>
+          <a:lstStyle/>
+          <a:p>
+            <a:r>
+              <a:rPr lang="en-US" altLang="zh-CN" dirty="0"/>
+              <a:t>$dispatch(</a:t>
+            </a:r>
+            <a:r>
+              <a:rPr lang="zh-CN" altLang="en-US" dirty="0"/>
+              <a:t>派发</a:t>
+            </a:r>
+            <a:r>
+              <a:rPr lang="en-US" altLang="zh-CN" dirty="0"/>
+              <a:t>)</a:t>
+            </a:r>
+            <a:r>
+              <a:rPr lang="en-US" altLang="zh-CN" sz="1200" b="0" i="0" kern="1200" dirty="0">
+                <a:solidFill>
+                  <a:schemeClr val="tx1"/>
+                </a:solidFill>
+                <a:effectLst/>
+                <a:latin typeface="+mn-lt"/>
+                <a:ea typeface="+mn-ea"/>
+                <a:cs typeface="+mn-cs"/>
+              </a:rPr>
+              <a:t> </a:t>
+            </a:r>
+            <a:r>
+              <a:rPr lang="zh-CN" altLang="en-US" sz="1200" b="0" i="0" kern="1200" dirty="0">
+                <a:solidFill>
+                  <a:schemeClr val="tx1"/>
+                </a:solidFill>
+                <a:effectLst/>
+                <a:latin typeface="+mn-lt"/>
+                <a:ea typeface="+mn-ea"/>
+                <a:cs typeface="+mn-cs"/>
+              </a:rPr>
+              <a:t>和 </a:t>
+            </a:r>
+            <a:r>
+              <a:rPr lang="en-US" altLang="zh-CN" dirty="0"/>
+              <a:t>$broadcast(</a:t>
+            </a:r>
+            <a:r>
+              <a:rPr lang="zh-CN" altLang="en-US"/>
+              <a:t>广播</a:t>
+            </a:r>
+            <a:r>
+              <a:rPr lang="en-US" altLang="zh-CN"/>
+              <a:t>) </a:t>
+            </a:r>
+            <a:r>
+              <a:rPr lang="en-US" altLang="zh-CN" dirty="0"/>
+              <a:t>(</a:t>
+            </a:r>
+            <a:r>
+              <a:rPr kumimoji="1" lang="en-US" altLang="zh-CN" dirty="0"/>
+              <a:t>$parent / $children</a:t>
+            </a:r>
+            <a:r>
+              <a:rPr lang="en-US" altLang="zh-CN" dirty="0"/>
+              <a:t>)</a:t>
+            </a:r>
+          </a:p>
+          <a:p>
+            <a:r>
+              <a:rPr lang="en-US" altLang="zh-CN" dirty="0"/>
+              <a:t>$dispatch </a:t>
+            </a:r>
+            <a:r>
+              <a:rPr lang="zh-CN" altLang="en-US" dirty="0"/>
+              <a:t>主要是事件流由当前组件往父组件流动，当满足一定条件的时候就会触发当前子组件的监听事件，</a:t>
+            </a:r>
+            <a:r>
+              <a:rPr lang="en-US" altLang="zh-CN" dirty="0"/>
+              <a:t>$broadcast </a:t>
+            </a:r>
+            <a:r>
+              <a:rPr lang="zh-CN" altLang="en-US" dirty="0"/>
+              <a:t>的功能是事件流由当前组件向子组件流动，当满足一定条件的时候就会触发当前子组件的监听事件。也就是说 </a:t>
+            </a:r>
+            <a:r>
+              <a:rPr lang="en-US" altLang="zh-CN" dirty="0"/>
+              <a:t>$dispatch </a:t>
+            </a:r>
+            <a:r>
+              <a:rPr lang="zh-CN" altLang="en-US" dirty="0"/>
+              <a:t>和 </a:t>
+            </a:r>
+            <a:r>
+              <a:rPr lang="en-US" altLang="zh-CN" dirty="0"/>
+              <a:t>$broadcast </a:t>
+            </a:r>
+            <a:r>
+              <a:rPr lang="zh-CN" altLang="en-US" dirty="0"/>
+              <a:t>主要解决了父子组件、嵌套父子组件的通信，并没有解决兄弟组件的通信问题</a:t>
+            </a:r>
+          </a:p>
+        </p:txBody>
+      </p:sp>
+      <p:sp>
+        <p:nvSpPr>
+          <p:cNvPr id="4" name="灯片编号占位符 3"/>
+          <p:cNvSpPr>
+            <a:spLocks noGrp="1"/>
+          </p:cNvSpPr>
+          <p:nvPr>
+            <p:ph type="sldNum" sz="quarter" idx="10"/>
+          </p:nvPr>
+        </p:nvSpPr>
+        <p:spPr/>
+        <p:txBody>
+          <a:bodyPr/>
+          <a:lstStyle/>
+          <a:p>
+            <a:fld id="{7B978FAE-FC0D-4A1C-A95D-8FF8EA3D1B3F}" type="slidenum">
+              <a:rPr lang="zh-CN" altLang="en-US" smtClean="0"/>
+              <a:t>22</a:t>
+            </a:fld>
+            <a:endParaRPr lang="zh-CN" altLang="en-US"/>
+          </a:p>
+        </p:txBody>
+      </p:sp>
+    </p:spTree>
+    <p:extLst>
+      <p:ext uri="{BB962C8B-B14F-4D97-AF65-F5344CB8AC3E}">
+        <p14:creationId xmlns:p14="http://schemas.microsoft.com/office/powerpoint/2010/main" val="1277738861"/>
       </p:ext>
     </p:extLst>
   </p:cSld>
